--- a/The introduction of Android.pptx
+++ b/The introduction of Android.pptx
@@ -5,61 +5,63 @@
     <p:sldMasterId id="2147483660" r:id="rId1"/>
   </p:sldMasterIdLst>
   <p:notesMasterIdLst>
-    <p:notesMasterId r:id="rId54"/>
+    <p:notesMasterId r:id="rId56"/>
   </p:notesMasterIdLst>
   <p:sldIdLst>
     <p:sldId id="256" r:id="rId2"/>
     <p:sldId id="257" r:id="rId3"/>
-    <p:sldId id="323" r:id="rId4"/>
-    <p:sldId id="258" r:id="rId5"/>
-    <p:sldId id="262" r:id="rId6"/>
-    <p:sldId id="261" r:id="rId7"/>
-    <p:sldId id="260" r:id="rId8"/>
-    <p:sldId id="265" r:id="rId9"/>
-    <p:sldId id="264" r:id="rId10"/>
-    <p:sldId id="263" r:id="rId11"/>
-    <p:sldId id="259" r:id="rId12"/>
-    <p:sldId id="268" r:id="rId13"/>
-    <p:sldId id="267" r:id="rId14"/>
-    <p:sldId id="272" r:id="rId15"/>
-    <p:sldId id="288" r:id="rId16"/>
-    <p:sldId id="276" r:id="rId17"/>
-    <p:sldId id="320" r:id="rId18"/>
-    <p:sldId id="289" r:id="rId19"/>
-    <p:sldId id="321" r:id="rId20"/>
-    <p:sldId id="274" r:id="rId21"/>
-    <p:sldId id="291" r:id="rId22"/>
-    <p:sldId id="292" r:id="rId23"/>
-    <p:sldId id="293" r:id="rId24"/>
-    <p:sldId id="309" r:id="rId25"/>
-    <p:sldId id="308" r:id="rId26"/>
-    <p:sldId id="310" r:id="rId27"/>
-    <p:sldId id="311" r:id="rId28"/>
-    <p:sldId id="281" r:id="rId29"/>
-    <p:sldId id="324" r:id="rId30"/>
-    <p:sldId id="283" r:id="rId31"/>
-    <p:sldId id="271" r:id="rId32"/>
-    <p:sldId id="266" r:id="rId33"/>
-    <p:sldId id="319" r:id="rId34"/>
-    <p:sldId id="318" r:id="rId35"/>
-    <p:sldId id="285" r:id="rId36"/>
-    <p:sldId id="280" r:id="rId37"/>
-    <p:sldId id="295" r:id="rId38"/>
-    <p:sldId id="298" r:id="rId39"/>
-    <p:sldId id="290" r:id="rId40"/>
-    <p:sldId id="278" r:id="rId41"/>
-    <p:sldId id="304" r:id="rId42"/>
-    <p:sldId id="313" r:id="rId43"/>
-    <p:sldId id="270" r:id="rId44"/>
-    <p:sldId id="302" r:id="rId45"/>
-    <p:sldId id="305" r:id="rId46"/>
-    <p:sldId id="300" r:id="rId47"/>
-    <p:sldId id="315" r:id="rId48"/>
-    <p:sldId id="307" r:id="rId49"/>
-    <p:sldId id="317" r:id="rId50"/>
-    <p:sldId id="316" r:id="rId51"/>
-    <p:sldId id="299" r:id="rId52"/>
-    <p:sldId id="294" r:id="rId53"/>
+    <p:sldId id="325" r:id="rId4"/>
+    <p:sldId id="323" r:id="rId5"/>
+    <p:sldId id="258" r:id="rId6"/>
+    <p:sldId id="262" r:id="rId7"/>
+    <p:sldId id="261" r:id="rId8"/>
+    <p:sldId id="260" r:id="rId9"/>
+    <p:sldId id="265" r:id="rId10"/>
+    <p:sldId id="264" r:id="rId11"/>
+    <p:sldId id="263" r:id="rId12"/>
+    <p:sldId id="259" r:id="rId13"/>
+    <p:sldId id="268" r:id="rId14"/>
+    <p:sldId id="267" r:id="rId15"/>
+    <p:sldId id="272" r:id="rId16"/>
+    <p:sldId id="288" r:id="rId17"/>
+    <p:sldId id="276" r:id="rId18"/>
+    <p:sldId id="320" r:id="rId19"/>
+    <p:sldId id="289" r:id="rId20"/>
+    <p:sldId id="321" r:id="rId21"/>
+    <p:sldId id="274" r:id="rId22"/>
+    <p:sldId id="291" r:id="rId23"/>
+    <p:sldId id="292" r:id="rId24"/>
+    <p:sldId id="293" r:id="rId25"/>
+    <p:sldId id="309" r:id="rId26"/>
+    <p:sldId id="308" r:id="rId27"/>
+    <p:sldId id="310" r:id="rId28"/>
+    <p:sldId id="311" r:id="rId29"/>
+    <p:sldId id="281" r:id="rId30"/>
+    <p:sldId id="324" r:id="rId31"/>
+    <p:sldId id="283" r:id="rId32"/>
+    <p:sldId id="271" r:id="rId33"/>
+    <p:sldId id="266" r:id="rId34"/>
+    <p:sldId id="319" r:id="rId35"/>
+    <p:sldId id="318" r:id="rId36"/>
+    <p:sldId id="285" r:id="rId37"/>
+    <p:sldId id="326" r:id="rId38"/>
+    <p:sldId id="280" r:id="rId39"/>
+    <p:sldId id="295" r:id="rId40"/>
+    <p:sldId id="298" r:id="rId41"/>
+    <p:sldId id="290" r:id="rId42"/>
+    <p:sldId id="278" r:id="rId43"/>
+    <p:sldId id="304" r:id="rId44"/>
+    <p:sldId id="313" r:id="rId45"/>
+    <p:sldId id="270" r:id="rId46"/>
+    <p:sldId id="302" r:id="rId47"/>
+    <p:sldId id="305" r:id="rId48"/>
+    <p:sldId id="300" r:id="rId49"/>
+    <p:sldId id="315" r:id="rId50"/>
+    <p:sldId id="307" r:id="rId51"/>
+    <p:sldId id="317" r:id="rId52"/>
+    <p:sldId id="316" r:id="rId53"/>
+    <p:sldId id="299" r:id="rId54"/>
+    <p:sldId id="294" r:id="rId55"/>
   </p:sldIdLst>
   <p:sldSz cx="9144000" cy="6858000" type="screen4x3"/>
   <p:notesSz cx="6858000" cy="9144000"/>
@@ -160,7 +162,7 @@
   </p:defaultTextStyle>
   <p:extLst>
     <p:ext uri="{EFAFB233-063F-42B5-8137-9DF3F51BA10A}">
-      <p15:sldGuideLst xmlns:p15="http://schemas.microsoft.com/office/powerpoint/2012/main" xmlns="">
+      <p15:sldGuideLst xmlns:p15="http://schemas.microsoft.com/office/powerpoint/2012/main">
         <p15:guide id="1" orient="horz" pos="2160">
           <p15:clr>
             <a:srgbClr val="A4A3A4"/>
@@ -431,7 +433,7 @@
     </p:spTree>
     <p:extLst>
       <p:ext uri="{BB962C8B-B14F-4D97-AF65-F5344CB8AC3E}">
-        <p14:creationId xmlns:p14="http://schemas.microsoft.com/office/powerpoint/2010/main" xmlns="" val="1683216627"/>
+        <p14:creationId xmlns:p14="http://schemas.microsoft.com/office/powerpoint/2010/main" val="1683216627"/>
       </p:ext>
     </p:extLst>
   </p:cSld>
@@ -613,7 +615,7 @@
     </p:spTree>
     <p:extLst>
       <p:ext uri="{BB962C8B-B14F-4D97-AF65-F5344CB8AC3E}">
-        <p14:creationId xmlns:p14="http://schemas.microsoft.com/office/powerpoint/2010/main" xmlns="" val="2780538443"/>
+        <p14:creationId xmlns:p14="http://schemas.microsoft.com/office/powerpoint/2010/main" val="2780538443"/>
       </p:ext>
     </p:extLst>
   </p:cSld>
@@ -705,7 +707,7 @@
     </p:spTree>
     <p:extLst>
       <p:ext uri="{BB962C8B-B14F-4D97-AF65-F5344CB8AC3E}">
-        <p14:creationId xmlns:p14="http://schemas.microsoft.com/office/powerpoint/2010/main" xmlns="" val="4114691309"/>
+        <p14:creationId xmlns:p14="http://schemas.microsoft.com/office/powerpoint/2010/main" val="4114691309"/>
       </p:ext>
     </p:extLst>
   </p:cSld>
@@ -1030,7 +1032,7 @@
             <a:fld id="{8DBF10C0-1992-4523-8699-5FE4AB7B6C4E}" type="slidenum">
               <a:rPr lang="zh-TW" altLang="en-US" smtClean="0"/>
               <a:pPr/>
-              <a:t>35</a:t>
+              <a:t>36</a:t>
             </a:fld>
             <a:endParaRPr lang="zh-TW" altLang="en-US"/>
           </a:p>
@@ -1039,7 +1041,7 @@
     </p:spTree>
     <p:extLst>
       <p:ext uri="{BB962C8B-B14F-4D97-AF65-F5344CB8AC3E}">
-        <p14:creationId xmlns:p14="http://schemas.microsoft.com/office/powerpoint/2010/main" xmlns="" val="4072290900"/>
+        <p14:creationId xmlns:p14="http://schemas.microsoft.com/office/powerpoint/2010/main" val="4072290900"/>
       </p:ext>
     </p:extLst>
   </p:cSld>
@@ -1122,7 +1124,7 @@
             <a:fld id="{8DBF10C0-1992-4523-8699-5FE4AB7B6C4E}" type="slidenum">
               <a:rPr lang="zh-TW" altLang="en-US" smtClean="0"/>
               <a:pPr/>
-              <a:t>36</a:t>
+              <a:t>38</a:t>
             </a:fld>
             <a:endParaRPr lang="zh-TW" altLang="en-US"/>
           </a:p>
@@ -1131,7 +1133,7 @@
     </p:spTree>
     <p:extLst>
       <p:ext uri="{BB962C8B-B14F-4D97-AF65-F5344CB8AC3E}">
-        <p14:creationId xmlns:p14="http://schemas.microsoft.com/office/powerpoint/2010/main" xmlns="" val="1063746329"/>
+        <p14:creationId xmlns:p14="http://schemas.microsoft.com/office/powerpoint/2010/main" val="1063746329"/>
       </p:ext>
     </p:extLst>
   </p:cSld>
@@ -1214,7 +1216,7 @@
             <a:fld id="{8DBF10C0-1992-4523-8699-5FE4AB7B6C4E}" type="slidenum">
               <a:rPr lang="zh-TW" altLang="en-US" smtClean="0"/>
               <a:pPr/>
-              <a:t>40</a:t>
+              <a:t>42</a:t>
             </a:fld>
             <a:endParaRPr lang="zh-TW" altLang="en-US"/>
           </a:p>
@@ -1223,7 +1225,7 @@
     </p:spTree>
     <p:extLst>
       <p:ext uri="{BB962C8B-B14F-4D97-AF65-F5344CB8AC3E}">
-        <p14:creationId xmlns:p14="http://schemas.microsoft.com/office/powerpoint/2010/main" xmlns="" val="250867821"/>
+        <p14:creationId xmlns:p14="http://schemas.microsoft.com/office/powerpoint/2010/main" val="250867821"/>
       </p:ext>
     </p:extLst>
   </p:cSld>
@@ -4350,7 +4352,7 @@
           <a:p>
             <a:r>
               <a:rPr lang="en-US" altLang="zh-TW" dirty="0" smtClean="0"/>
-              <a:t>Hello World (3/8)</a:t>
+              <a:t>Hello World (2/8)</a:t>
             </a:r>
             <a:endParaRPr lang="zh-TW" altLang="en-US" dirty="0"/>
           </a:p>
@@ -4371,7 +4373,7 @@
           <a:bodyPr/>
           <a:lstStyle/>
           <a:p>
-            <a:endParaRPr lang="zh-TW" altLang="en-US" dirty="0"/>
+            <a:endParaRPr lang="zh-TW" altLang="en-US"/>
           </a:p>
         </p:txBody>
       </p:sp>
@@ -4394,6 +4396,247 @@
               <a:rPr lang="zh-TW" altLang="en-US" smtClean="0"/>
               <a:pPr/>
               <a:t>10</a:t>
+            </a:fld>
+            <a:endParaRPr lang="zh-TW" altLang="en-US"/>
+          </a:p>
+        </p:txBody>
+      </p:sp>
+      <p:pic>
+        <p:nvPicPr>
+          <p:cNvPr id="7171" name="Picture 3"/>
+          <p:cNvPicPr>
+            <a:picLocks noChangeAspect="1" noChangeArrowheads="1"/>
+          </p:cNvPicPr>
+          <p:nvPr/>
+        </p:nvPicPr>
+        <p:blipFill>
+          <a:blip r:embed="rId2" cstate="print"/>
+          <a:srcRect/>
+          <a:stretch>
+            <a:fillRect/>
+          </a:stretch>
+        </p:blipFill>
+        <p:spPr bwMode="auto">
+          <a:xfrm>
+            <a:off x="505519" y="1412776"/>
+            <a:ext cx="8314953" cy="5259876"/>
+          </a:xfrm>
+          <a:prstGeom prst="rect">
+            <a:avLst/>
+          </a:prstGeom>
+          <a:noFill/>
+          <a:ln w="9525">
+            <a:noFill/>
+            <a:miter lim="800000"/>
+            <a:headEnd/>
+            <a:tailEnd/>
+          </a:ln>
+        </p:spPr>
+      </p:pic>
+      <p:cxnSp>
+        <p:nvCxnSpPr>
+          <p:cNvPr id="7" name="直線接點 6"/>
+          <p:cNvCxnSpPr/>
+          <p:nvPr/>
+        </p:nvCxnSpPr>
+        <p:spPr>
+          <a:xfrm>
+            <a:off x="1907704" y="4725144"/>
+            <a:ext cx="2088232" cy="0"/>
+          </a:xfrm>
+          <a:prstGeom prst="line">
+            <a:avLst/>
+          </a:prstGeom>
+          <a:ln w="38100">
+            <a:solidFill>
+              <a:srgbClr val="FFC000"/>
+            </a:solidFill>
+          </a:ln>
+        </p:spPr>
+        <p:style>
+          <a:lnRef idx="1">
+            <a:schemeClr val="accent1"/>
+          </a:lnRef>
+          <a:fillRef idx="0">
+            <a:schemeClr val="accent1"/>
+          </a:fillRef>
+          <a:effectRef idx="0">
+            <a:schemeClr val="accent1"/>
+          </a:effectRef>
+          <a:fontRef idx="minor">
+            <a:schemeClr val="tx1"/>
+          </a:fontRef>
+        </p:style>
+      </p:cxnSp>
+    </p:spTree>
+  </p:cSld>
+  <p:clrMapOvr>
+    <a:masterClrMapping/>
+  </p:clrMapOvr>
+  <p:timing>
+    <p:tnLst>
+      <p:par>
+        <p:cTn id="1" dur="indefinite" restart="never" nodeType="tmRoot">
+          <p:childTnLst>
+            <p:seq concurrent="1" nextAc="seek">
+              <p:cTn id="2" dur="indefinite" nodeType="mainSeq">
+                <p:childTnLst>
+                  <p:par>
+                    <p:cTn id="3" fill="hold">
+                      <p:stCondLst>
+                        <p:cond delay="indefinite"/>
+                      </p:stCondLst>
+                      <p:childTnLst>
+                        <p:par>
+                          <p:cTn id="4" fill="hold">
+                            <p:stCondLst>
+                              <p:cond delay="0"/>
+                            </p:stCondLst>
+                            <p:childTnLst>
+                              <p:par>
+                                <p:cTn id="5" presetID="18" presetClass="entr" presetSubtype="6" fill="hold" nodeType="clickEffect">
+                                  <p:stCondLst>
+                                    <p:cond delay="0"/>
+                                  </p:stCondLst>
+                                  <p:childTnLst>
+                                    <p:set>
+                                      <p:cBhvr>
+                                        <p:cTn id="6" dur="1" fill="hold">
+                                          <p:stCondLst>
+                                            <p:cond delay="0"/>
+                                          </p:stCondLst>
+                                        </p:cTn>
+                                        <p:tgtEl>
+                                          <p:spTgt spid="7"/>
+                                        </p:tgtEl>
+                                        <p:attrNameLst>
+                                          <p:attrName>style.visibility</p:attrName>
+                                        </p:attrNameLst>
+                                      </p:cBhvr>
+                                      <p:to>
+                                        <p:strVal val="visible"/>
+                                      </p:to>
+                                    </p:set>
+                                    <p:animEffect transition="in" filter="strips(downRight)">
+                                      <p:cBhvr>
+                                        <p:cTn id="7" dur="500"/>
+                                        <p:tgtEl>
+                                          <p:spTgt spid="7"/>
+                                        </p:tgtEl>
+                                      </p:cBhvr>
+                                    </p:animEffect>
+                                  </p:childTnLst>
+                                </p:cTn>
+                              </p:par>
+                            </p:childTnLst>
+                          </p:cTn>
+                        </p:par>
+                      </p:childTnLst>
+                    </p:cTn>
+                  </p:par>
+                </p:childTnLst>
+              </p:cTn>
+              <p:prevCondLst>
+                <p:cond evt="onPrev" delay="0">
+                  <p:tgtEl>
+                    <p:sldTgt/>
+                  </p:tgtEl>
+                </p:cond>
+              </p:prevCondLst>
+              <p:nextCondLst>
+                <p:cond evt="onNext" delay="0">
+                  <p:tgtEl>
+                    <p:sldTgt/>
+                  </p:tgtEl>
+                </p:cond>
+              </p:nextCondLst>
+            </p:seq>
+          </p:childTnLst>
+        </p:cTn>
+      </p:par>
+    </p:tnLst>
+  </p:timing>
+</p:sld>
+</file>
+
+<file path=ppt/slides/slide11.xml><?xml version="1.0" encoding="utf-8"?>
+<p:sld xmlns:a="http://schemas.openxmlformats.org/drawingml/2006/main" xmlns:r="http://schemas.openxmlformats.org/officeDocument/2006/relationships" xmlns:p="http://schemas.openxmlformats.org/presentationml/2006/main">
+  <p:cSld>
+    <p:spTree>
+      <p:nvGrpSpPr>
+        <p:cNvPr id="1" name=""/>
+        <p:cNvGrpSpPr/>
+        <p:nvPr/>
+      </p:nvGrpSpPr>
+      <p:grpSpPr>
+        <a:xfrm>
+          <a:off x="0" y="0"/>
+          <a:ext cx="0" cy="0"/>
+          <a:chOff x="0" y="0"/>
+          <a:chExt cx="0" cy="0"/>
+        </a:xfrm>
+      </p:grpSpPr>
+      <p:sp>
+        <p:nvSpPr>
+          <p:cNvPr id="2" name="標題 1"/>
+          <p:cNvSpPr>
+            <a:spLocks noGrp="1"/>
+          </p:cNvSpPr>
+          <p:nvPr>
+            <p:ph type="title"/>
+          </p:nvPr>
+        </p:nvSpPr>
+        <p:spPr/>
+        <p:txBody>
+          <a:bodyPr/>
+          <a:lstStyle/>
+          <a:p>
+            <a:r>
+              <a:rPr lang="en-US" altLang="zh-TW" dirty="0" smtClean="0"/>
+              <a:t>Hello World (3/8)</a:t>
+            </a:r>
+            <a:endParaRPr lang="zh-TW" altLang="en-US" dirty="0"/>
+          </a:p>
+        </p:txBody>
+      </p:sp>
+      <p:sp>
+        <p:nvSpPr>
+          <p:cNvPr id="3" name="內容版面配置區 2"/>
+          <p:cNvSpPr>
+            <a:spLocks noGrp="1"/>
+          </p:cNvSpPr>
+          <p:nvPr>
+            <p:ph idx="1"/>
+          </p:nvPr>
+        </p:nvSpPr>
+        <p:spPr/>
+        <p:txBody>
+          <a:bodyPr/>
+          <a:lstStyle/>
+          <a:p>
+            <a:endParaRPr lang="zh-TW" altLang="en-US" dirty="0"/>
+          </a:p>
+        </p:txBody>
+      </p:sp>
+      <p:sp>
+        <p:nvSpPr>
+          <p:cNvPr id="5" name="投影片編號版面配置區 4"/>
+          <p:cNvSpPr>
+            <a:spLocks noGrp="1"/>
+          </p:cNvSpPr>
+          <p:nvPr>
+            <p:ph type="sldNum" sz="quarter" idx="12"/>
+          </p:nvPr>
+        </p:nvSpPr>
+        <p:spPr/>
+        <p:txBody>
+          <a:bodyPr/>
+          <a:lstStyle/>
+          <a:p>
+            <a:fld id="{61C9D09F-C6A3-454C-A042-D5DAFD494666}" type="slidenum">
+              <a:rPr lang="zh-TW" altLang="en-US" smtClean="0"/>
+              <a:pPr/>
+              <a:t>11</a:t>
             </a:fld>
             <a:endParaRPr lang="zh-TW" altLang="en-US"/>
           </a:p>
@@ -4446,7 +4689,7 @@
 </p:sld>
 </file>
 
-<file path=ppt/slides/slide11.xml><?xml version="1.0" encoding="utf-8"?>
+<file path=ppt/slides/slide12.xml><?xml version="1.0" encoding="utf-8"?>
 <p:sld xmlns:a="http://schemas.openxmlformats.org/drawingml/2006/main" xmlns:r="http://schemas.openxmlformats.org/officeDocument/2006/relationships" xmlns:p="http://schemas.openxmlformats.org/presentationml/2006/main">
   <p:cSld>
     <p:spTree>
@@ -4523,7 +4766,7 @@
             <a:fld id="{61C9D09F-C6A3-454C-A042-D5DAFD494666}" type="slidenum">
               <a:rPr lang="zh-TW" altLang="en-US" smtClean="0"/>
               <a:pPr/>
-              <a:t>11</a:t>
+              <a:t>12</a:t>
             </a:fld>
             <a:endParaRPr lang="zh-TW" altLang="en-US"/>
           </a:p>
@@ -4576,7 +4819,7 @@
 </p:sld>
 </file>
 
-<file path=ppt/slides/slide12.xml><?xml version="1.0" encoding="utf-8"?>
+<file path=ppt/slides/slide13.xml><?xml version="1.0" encoding="utf-8"?>
 <p:sld xmlns:a="http://schemas.openxmlformats.org/drawingml/2006/main" xmlns:r="http://schemas.openxmlformats.org/officeDocument/2006/relationships" xmlns:p="http://schemas.openxmlformats.org/presentationml/2006/main">
   <p:cSld>
     <p:spTree>
@@ -4653,7 +4896,7 @@
             <a:fld id="{61C9D09F-C6A3-454C-A042-D5DAFD494666}" type="slidenum">
               <a:rPr lang="zh-TW" altLang="en-US" smtClean="0"/>
               <a:pPr/>
-              <a:t>12</a:t>
+              <a:t>13</a:t>
             </a:fld>
             <a:endParaRPr lang="zh-TW" altLang="en-US"/>
           </a:p>
@@ -4706,7 +4949,7 @@
 </p:sld>
 </file>
 
-<file path=ppt/slides/slide13.xml><?xml version="1.0" encoding="utf-8"?>
+<file path=ppt/slides/slide14.xml><?xml version="1.0" encoding="utf-8"?>
 <p:sld xmlns:a="http://schemas.openxmlformats.org/drawingml/2006/main" xmlns:r="http://schemas.openxmlformats.org/officeDocument/2006/relationships" xmlns:p="http://schemas.openxmlformats.org/presentationml/2006/main">
   <p:cSld>
     <p:spTree>
@@ -4783,7 +5026,7 @@
             <a:fld id="{61C9D09F-C6A3-454C-A042-D5DAFD494666}" type="slidenum">
               <a:rPr lang="zh-TW" altLang="en-US" smtClean="0"/>
               <a:pPr/>
-              <a:t>13</a:t>
+              <a:t>14</a:t>
             </a:fld>
             <a:endParaRPr lang="zh-TW" altLang="en-US"/>
           </a:p>
@@ -4836,214 +5079,6 @@
 </p:sld>
 </file>
 
-<file path=ppt/slides/slide14.xml><?xml version="1.0" encoding="utf-8"?>
-<p:sld xmlns:a="http://schemas.openxmlformats.org/drawingml/2006/main" xmlns:r="http://schemas.openxmlformats.org/officeDocument/2006/relationships" xmlns:p="http://schemas.openxmlformats.org/presentationml/2006/main">
-  <p:cSld>
-    <p:spTree>
-      <p:nvGrpSpPr>
-        <p:cNvPr id="1" name=""/>
-        <p:cNvGrpSpPr/>
-        <p:nvPr/>
-      </p:nvGrpSpPr>
-      <p:grpSpPr>
-        <a:xfrm>
-          <a:off x="0" y="0"/>
-          <a:ext cx="0" cy="0"/>
-          <a:chOff x="0" y="0"/>
-          <a:chExt cx="0" cy="0"/>
-        </a:xfrm>
-      </p:grpSpPr>
-      <p:sp>
-        <p:nvSpPr>
-          <p:cNvPr id="2" name="標題 1"/>
-          <p:cNvSpPr>
-            <a:spLocks noGrp="1"/>
-          </p:cNvSpPr>
-          <p:nvPr>
-            <p:ph type="title"/>
-          </p:nvPr>
-        </p:nvSpPr>
-        <p:spPr/>
-        <p:txBody>
-          <a:bodyPr/>
-          <a:lstStyle/>
-          <a:p>
-            <a:r>
-              <a:rPr lang="en-US" altLang="zh-TW" dirty="0" smtClean="0"/>
-              <a:t>Hello World (7/8)</a:t>
-            </a:r>
-            <a:endParaRPr lang="zh-TW" altLang="en-US" dirty="0"/>
-          </a:p>
-        </p:txBody>
-      </p:sp>
-      <p:sp>
-        <p:nvSpPr>
-          <p:cNvPr id="3" name="內容版面配置區 2"/>
-          <p:cNvSpPr>
-            <a:spLocks noGrp="1"/>
-          </p:cNvSpPr>
-          <p:nvPr>
-            <p:ph idx="1"/>
-          </p:nvPr>
-        </p:nvSpPr>
-        <p:spPr>
-          <a:xfrm>
-            <a:off x="457200" y="1168152"/>
-            <a:ext cx="8229600" cy="5689848"/>
-          </a:xfrm>
-        </p:spPr>
-        <p:txBody>
-          <a:bodyPr>
-            <a:normAutofit/>
-          </a:bodyPr>
-          <a:lstStyle/>
-          <a:p>
-            <a:r>
-              <a:rPr lang="en-US" altLang="zh-TW" dirty="0" smtClean="0"/>
-              <a:t>Run the program</a:t>
-            </a:r>
-          </a:p>
-          <a:p>
-            <a:pPr lvl="1"/>
-            <a:r>
-              <a:rPr lang="en-US" altLang="zh-TW" dirty="0" smtClean="0"/>
-              <a:t>Android Virtual Device</a:t>
-            </a:r>
-          </a:p>
-          <a:p>
-            <a:pPr lvl="2"/>
-            <a:r>
-              <a:rPr lang="en-US" altLang="zh-TW" dirty="0" smtClean="0"/>
-              <a:t>Tool-&gt;Android-&gt;AVD Manager-&gt;Create Virtual Device</a:t>
-            </a:r>
-          </a:p>
-          <a:p>
-            <a:pPr lvl="2"/>
-            <a:r>
-              <a:rPr lang="en-US" altLang="zh-TW" dirty="0" smtClean="0"/>
-              <a:t>Flexible: You can setup the device on you own: Resolution, CPU architecture, RAM, SD Card, API…</a:t>
-            </a:r>
-          </a:p>
-          <a:p>
-            <a:pPr lvl="2"/>
-            <a:r>
-              <a:rPr lang="en-US" altLang="zh-TW" dirty="0" smtClean="0"/>
-              <a:t>3</a:t>
-            </a:r>
-            <a:r>
-              <a:rPr lang="en-US" altLang="zh-TW" baseline="30000" dirty="0" smtClean="0"/>
-              <a:t>rd</a:t>
-            </a:r>
-            <a:r>
-              <a:rPr lang="en-US" altLang="zh-TW" dirty="0" smtClean="0"/>
-              <a:t> </a:t>
-            </a:r>
-            <a:r>
-              <a:rPr lang="en-US" altLang="zh-TW" dirty="0" smtClean="0"/>
-              <a:t>party </a:t>
-            </a:r>
-            <a:r>
-              <a:rPr lang="en-US" altLang="zh-TW" dirty="0" smtClean="0"/>
-              <a:t>emulator: </a:t>
-            </a:r>
-            <a:r>
-              <a:rPr lang="en-US" altLang="zh-TW" dirty="0" err="1" smtClean="0"/>
-              <a:t>Genymotion</a:t>
-            </a:r>
-            <a:r>
-              <a:rPr lang="en-US" altLang="zh-TW" dirty="0" smtClean="0"/>
-              <a:t> </a:t>
-            </a:r>
-            <a:r>
-              <a:rPr lang="en-US" altLang="zh-TW" dirty="0" smtClean="0">
-                <a:solidFill>
-                  <a:srgbClr val="FF0000"/>
-                </a:solidFill>
-              </a:rPr>
-              <a:t>(#5)</a:t>
-            </a:r>
-            <a:endParaRPr lang="en-US" altLang="zh-TW" dirty="0" smtClean="0">
-              <a:solidFill>
-                <a:srgbClr val="FF0000"/>
-              </a:solidFill>
-            </a:endParaRPr>
-          </a:p>
-          <a:p>
-            <a:pPr lvl="1"/>
-            <a:r>
-              <a:rPr lang="en-US" altLang="zh-TW" dirty="0" smtClean="0"/>
-              <a:t>Mobile Phone</a:t>
-            </a:r>
-          </a:p>
-          <a:p>
-            <a:pPr lvl="2"/>
-            <a:r>
-              <a:rPr lang="en-US" altLang="zh-TW" dirty="0" smtClean="0"/>
-              <a:t>Enable USB debugging. (Default hidden)</a:t>
-            </a:r>
-          </a:p>
-          <a:p>
-            <a:pPr lvl="2"/>
-            <a:r>
-              <a:rPr lang="en-US" altLang="zh-TW" dirty="0" smtClean="0"/>
-              <a:t>Settings -&gt; About Phone -&gt; Build number</a:t>
-            </a:r>
-          </a:p>
-          <a:p>
-            <a:pPr lvl="3"/>
-            <a:r>
-              <a:rPr lang="en-US" altLang="zh-TW" dirty="0" smtClean="0"/>
-              <a:t>Tap 7 times to activate.</a:t>
-            </a:r>
-          </a:p>
-          <a:p>
-            <a:pPr lvl="2"/>
-            <a:r>
-              <a:rPr lang="en-US" altLang="zh-TW" dirty="0" smtClean="0"/>
-              <a:t>Settings -&gt; Developer Options -&gt; USB debugging</a:t>
-            </a:r>
-          </a:p>
-        </p:txBody>
-      </p:sp>
-      <p:sp>
-        <p:nvSpPr>
-          <p:cNvPr id="4" name="投影片編號版面配置區 3"/>
-          <p:cNvSpPr>
-            <a:spLocks noGrp="1"/>
-          </p:cNvSpPr>
-          <p:nvPr>
-            <p:ph type="sldNum" sz="quarter" idx="12"/>
-          </p:nvPr>
-        </p:nvSpPr>
-        <p:spPr/>
-        <p:txBody>
-          <a:bodyPr/>
-          <a:lstStyle/>
-          <a:p>
-            <a:fld id="{61C9D09F-C6A3-454C-A042-D5DAFD494666}" type="slidenum">
-              <a:rPr lang="zh-TW" altLang="en-US" smtClean="0"/>
-              <a:pPr/>
-              <a:t>14</a:t>
-            </a:fld>
-            <a:endParaRPr lang="zh-TW" altLang="en-US"/>
-          </a:p>
-        </p:txBody>
-      </p:sp>
-    </p:spTree>
-  </p:cSld>
-  <p:clrMapOvr>
-    <a:masterClrMapping/>
-  </p:clrMapOvr>
-  <p:timing>
-    <p:tnLst>
-      <p:par>
-        <p:cTn id="1" dur="indefinite" restart="never" nodeType="tmRoot"/>
-      </p:par>
-    </p:tnLst>
-  </p:timing>
-</p:sld>
-</file>
-
 <file path=ppt/slides/slide15.xml><?xml version="1.0" encoding="utf-8"?>
 <p:sld xmlns:a="http://schemas.openxmlformats.org/drawingml/2006/main" xmlns:r="http://schemas.openxmlformats.org/officeDocument/2006/relationships" xmlns:p="http://schemas.openxmlformats.org/presentationml/2006/main">
   <p:cSld>
@@ -5063,6 +5098,201 @@
       </p:grpSpPr>
       <p:sp>
         <p:nvSpPr>
+          <p:cNvPr id="2" name="標題 1"/>
+          <p:cNvSpPr>
+            <a:spLocks noGrp="1"/>
+          </p:cNvSpPr>
+          <p:nvPr>
+            <p:ph type="title"/>
+          </p:nvPr>
+        </p:nvSpPr>
+        <p:spPr/>
+        <p:txBody>
+          <a:bodyPr/>
+          <a:lstStyle/>
+          <a:p>
+            <a:r>
+              <a:rPr lang="en-US" altLang="zh-TW" dirty="0" smtClean="0"/>
+              <a:t>Hello World (7/8)</a:t>
+            </a:r>
+            <a:endParaRPr lang="zh-TW" altLang="en-US" dirty="0"/>
+          </a:p>
+        </p:txBody>
+      </p:sp>
+      <p:sp>
+        <p:nvSpPr>
+          <p:cNvPr id="3" name="內容版面配置區 2"/>
+          <p:cNvSpPr>
+            <a:spLocks noGrp="1"/>
+          </p:cNvSpPr>
+          <p:nvPr>
+            <p:ph idx="1"/>
+          </p:nvPr>
+        </p:nvSpPr>
+        <p:spPr>
+          <a:xfrm>
+            <a:off x="457200" y="1168152"/>
+            <a:ext cx="8229600" cy="5689848"/>
+          </a:xfrm>
+        </p:spPr>
+        <p:txBody>
+          <a:bodyPr>
+            <a:normAutofit/>
+          </a:bodyPr>
+          <a:lstStyle/>
+          <a:p>
+            <a:r>
+              <a:rPr lang="en-US" altLang="zh-TW" dirty="0" smtClean="0"/>
+              <a:t>Run the program</a:t>
+            </a:r>
+          </a:p>
+          <a:p>
+            <a:pPr lvl="1"/>
+            <a:r>
+              <a:rPr lang="en-US" altLang="zh-TW" dirty="0" smtClean="0"/>
+              <a:t>Android Virtual Device</a:t>
+            </a:r>
+          </a:p>
+          <a:p>
+            <a:pPr lvl="2"/>
+            <a:r>
+              <a:rPr lang="en-US" altLang="zh-TW" dirty="0" smtClean="0"/>
+              <a:t>Tool-&gt;Android-&gt;AVD Manager-&gt;Create Virtual Device</a:t>
+            </a:r>
+          </a:p>
+          <a:p>
+            <a:pPr lvl="2"/>
+            <a:r>
+              <a:rPr lang="en-US" altLang="zh-TW" dirty="0" smtClean="0"/>
+              <a:t>Flexible: You can setup the device on you own: Resolution, CPU architecture, RAM, SD Card, API…</a:t>
+            </a:r>
+          </a:p>
+          <a:p>
+            <a:pPr lvl="2"/>
+            <a:r>
+              <a:rPr lang="en-US" altLang="zh-TW" dirty="0" smtClean="0"/>
+              <a:t>3</a:t>
+            </a:r>
+            <a:r>
+              <a:rPr lang="en-US" altLang="zh-TW" baseline="30000" dirty="0" smtClean="0"/>
+              <a:t>rd</a:t>
+            </a:r>
+            <a:r>
+              <a:rPr lang="en-US" altLang="zh-TW" dirty="0" smtClean="0"/>
+              <a:t> party emulator: </a:t>
+            </a:r>
+            <a:r>
+              <a:rPr lang="en-US" altLang="zh-TW" dirty="0" err="1" smtClean="0"/>
+              <a:t>Genymotion</a:t>
+            </a:r>
+            <a:r>
+              <a:rPr lang="en-US" altLang="zh-TW" dirty="0" smtClean="0"/>
+              <a:t> </a:t>
+            </a:r>
+            <a:r>
+              <a:rPr lang="en-US" altLang="zh-TW" dirty="0" smtClean="0">
+                <a:solidFill>
+                  <a:srgbClr val="FF0000"/>
+                </a:solidFill>
+              </a:rPr>
+              <a:t>(#5)</a:t>
+            </a:r>
+          </a:p>
+          <a:p>
+            <a:pPr lvl="1"/>
+            <a:r>
+              <a:rPr lang="en-US" altLang="zh-TW" dirty="0" smtClean="0"/>
+              <a:t>Mobile Phone</a:t>
+            </a:r>
+          </a:p>
+          <a:p>
+            <a:pPr lvl="2"/>
+            <a:r>
+              <a:rPr lang="en-US" altLang="zh-TW" dirty="0" smtClean="0"/>
+              <a:t>Enable USB debugging. (Default hidden)</a:t>
+            </a:r>
+          </a:p>
+          <a:p>
+            <a:pPr lvl="2"/>
+            <a:r>
+              <a:rPr lang="en-US" altLang="zh-TW" dirty="0" smtClean="0"/>
+              <a:t>Settings -&gt; About Phone -&gt; Build number</a:t>
+            </a:r>
+          </a:p>
+          <a:p>
+            <a:pPr lvl="3"/>
+            <a:r>
+              <a:rPr lang="en-US" altLang="zh-TW" dirty="0" smtClean="0"/>
+              <a:t>Tap 7 times to activate.</a:t>
+            </a:r>
+          </a:p>
+          <a:p>
+            <a:pPr lvl="2"/>
+            <a:r>
+              <a:rPr lang="en-US" altLang="zh-TW" dirty="0" smtClean="0"/>
+              <a:t>Settings -&gt; Developer Options -&gt; USB debugging</a:t>
+            </a:r>
+          </a:p>
+        </p:txBody>
+      </p:sp>
+      <p:sp>
+        <p:nvSpPr>
+          <p:cNvPr id="4" name="投影片編號版面配置區 3"/>
+          <p:cNvSpPr>
+            <a:spLocks noGrp="1"/>
+          </p:cNvSpPr>
+          <p:nvPr>
+            <p:ph type="sldNum" sz="quarter" idx="12"/>
+          </p:nvPr>
+        </p:nvSpPr>
+        <p:spPr/>
+        <p:txBody>
+          <a:bodyPr/>
+          <a:lstStyle/>
+          <a:p>
+            <a:fld id="{61C9D09F-C6A3-454C-A042-D5DAFD494666}" type="slidenum">
+              <a:rPr lang="zh-TW" altLang="en-US" smtClean="0"/>
+              <a:pPr/>
+              <a:t>15</a:t>
+            </a:fld>
+            <a:endParaRPr lang="zh-TW" altLang="en-US"/>
+          </a:p>
+        </p:txBody>
+      </p:sp>
+    </p:spTree>
+  </p:cSld>
+  <p:clrMapOvr>
+    <a:masterClrMapping/>
+  </p:clrMapOvr>
+  <p:timing>
+    <p:tnLst>
+      <p:par>
+        <p:cTn id="1" dur="indefinite" restart="never" nodeType="tmRoot"/>
+      </p:par>
+    </p:tnLst>
+  </p:timing>
+</p:sld>
+</file>
+
+<file path=ppt/slides/slide16.xml><?xml version="1.0" encoding="utf-8"?>
+<p:sld xmlns:a="http://schemas.openxmlformats.org/drawingml/2006/main" xmlns:r="http://schemas.openxmlformats.org/officeDocument/2006/relationships" xmlns:p="http://schemas.openxmlformats.org/presentationml/2006/main">
+  <p:cSld>
+    <p:spTree>
+      <p:nvGrpSpPr>
+        <p:cNvPr id="1" name=""/>
+        <p:cNvGrpSpPr/>
+        <p:nvPr/>
+      </p:nvGrpSpPr>
+      <p:grpSpPr>
+        <a:xfrm>
+          <a:off x="0" y="0"/>
+          <a:ext cx="0" cy="0"/>
+          <a:chOff x="0" y="0"/>
+          <a:chExt cx="0" cy="0"/>
+        </a:xfrm>
+      </p:grpSpPr>
+      <p:sp>
+        <p:nvSpPr>
           <p:cNvPr id="3" name="內容版面配置區 2"/>
           <p:cNvSpPr>
             <a:spLocks noGrp="1"/>
@@ -5135,7 +5365,7 @@
             <a:fld id="{61C9D09F-C6A3-454C-A042-D5DAFD494666}" type="slidenum">
               <a:rPr lang="zh-TW" altLang="en-US" smtClean="0"/>
               <a:pPr/>
-              <a:t>15</a:t>
+              <a:t>16</a:t>
             </a:fld>
             <a:endParaRPr lang="zh-TW" altLang="en-US"/>
           </a:p>
@@ -5260,154 +5490,6 @@
 </p:sld>
 </file>
 
-<file path=ppt/slides/slide16.xml><?xml version="1.0" encoding="utf-8"?>
-<p:sld xmlns:a="http://schemas.openxmlformats.org/drawingml/2006/main" xmlns:r="http://schemas.openxmlformats.org/officeDocument/2006/relationships" xmlns:p="http://schemas.openxmlformats.org/presentationml/2006/main">
-  <p:cSld>
-    <p:spTree>
-      <p:nvGrpSpPr>
-        <p:cNvPr id="1" name=""/>
-        <p:cNvGrpSpPr/>
-        <p:nvPr/>
-      </p:nvGrpSpPr>
-      <p:grpSpPr>
-        <a:xfrm>
-          <a:off x="0" y="0"/>
-          <a:ext cx="0" cy="0"/>
-          <a:chOff x="0" y="0"/>
-          <a:chExt cx="0" cy="0"/>
-        </a:xfrm>
-      </p:grpSpPr>
-      <p:sp>
-        <p:nvSpPr>
-          <p:cNvPr id="2" name="標題 1"/>
-          <p:cNvSpPr>
-            <a:spLocks noGrp="1"/>
-          </p:cNvSpPr>
-          <p:nvPr>
-            <p:ph type="title"/>
-          </p:nvPr>
-        </p:nvSpPr>
-        <p:spPr/>
-        <p:txBody>
-          <a:bodyPr/>
-          <a:lstStyle/>
-          <a:p>
-            <a:r>
-              <a:rPr lang="en-US" altLang="zh-TW" dirty="0" smtClean="0"/>
-              <a:t>App Structure</a:t>
-            </a:r>
-            <a:endParaRPr lang="zh-TW" altLang="en-US" dirty="0"/>
-          </a:p>
-        </p:txBody>
-      </p:sp>
-      <p:sp>
-        <p:nvSpPr>
-          <p:cNvPr id="3" name="內容版面配置區 2"/>
-          <p:cNvSpPr>
-            <a:spLocks noGrp="1"/>
-          </p:cNvSpPr>
-          <p:nvPr>
-            <p:ph idx="1"/>
-          </p:nvPr>
-        </p:nvSpPr>
-        <p:spPr/>
-        <p:txBody>
-          <a:bodyPr>
-            <a:normAutofit/>
-          </a:bodyPr>
-          <a:lstStyle/>
-          <a:p>
-            <a:r>
-              <a:rPr lang="en-US" altLang="zh-TW" b="1" dirty="0" smtClean="0"/>
-              <a:t>manifests</a:t>
-            </a:r>
-            <a:r>
-              <a:rPr lang="en-US" altLang="zh-TW" dirty="0" smtClean="0"/>
-              <a:t> – AndroidManifest.xml</a:t>
-            </a:r>
-          </a:p>
-          <a:p>
-            <a:pPr lvl="1"/>
-            <a:r>
-              <a:rPr lang="en-US" altLang="zh-TW" sz="2700" dirty="0" smtClean="0"/>
-              <a:t>Some information about this app </a:t>
-            </a:r>
-          </a:p>
-          <a:p>
-            <a:pPr lvl="2"/>
-            <a:r>
-              <a:rPr lang="en-US" altLang="zh-TW" dirty="0" smtClean="0"/>
-              <a:t>Entry point</a:t>
-            </a:r>
-          </a:p>
-          <a:p>
-            <a:pPr lvl="2"/>
-            <a:r>
-              <a:rPr lang="en-US" altLang="zh-TW" sz="2400" dirty="0" smtClean="0"/>
-              <a:t>Permission</a:t>
-            </a:r>
-          </a:p>
-          <a:p>
-            <a:pPr lvl="2"/>
-            <a:r>
-              <a:rPr lang="en-US" altLang="zh-TW" dirty="0" smtClean="0"/>
-              <a:t>Activity</a:t>
-            </a:r>
-            <a:endParaRPr lang="en-US" altLang="zh-TW" sz="2400" dirty="0" smtClean="0"/>
-          </a:p>
-          <a:p>
-            <a:pPr lvl="2"/>
-            <a:r>
-              <a:rPr lang="en-US" altLang="zh-TW" sz="2400" dirty="0" smtClean="0"/>
-              <a:t>Services</a:t>
-            </a:r>
-            <a:endParaRPr lang="zh-TW" altLang="en-US" sz="2400" dirty="0" smtClean="0"/>
-          </a:p>
-          <a:p>
-            <a:pPr lvl="1"/>
-            <a:endParaRPr lang="en-US" altLang="zh-TW" sz="2300" dirty="0" smtClean="0"/>
-          </a:p>
-        </p:txBody>
-      </p:sp>
-      <p:sp>
-        <p:nvSpPr>
-          <p:cNvPr id="32" name="投影片編號版面配置區 31"/>
-          <p:cNvSpPr>
-            <a:spLocks noGrp="1"/>
-          </p:cNvSpPr>
-          <p:nvPr>
-            <p:ph type="sldNum" sz="quarter" idx="12"/>
-          </p:nvPr>
-        </p:nvSpPr>
-        <p:spPr/>
-        <p:txBody>
-          <a:bodyPr/>
-          <a:lstStyle/>
-          <a:p>
-            <a:fld id="{61C9D09F-C6A3-454C-A042-D5DAFD494666}" type="slidenum">
-              <a:rPr lang="zh-TW" altLang="en-US" smtClean="0"/>
-              <a:pPr/>
-              <a:t>16</a:t>
-            </a:fld>
-            <a:endParaRPr lang="zh-TW" altLang="en-US"/>
-          </a:p>
-        </p:txBody>
-      </p:sp>
-    </p:spTree>
-  </p:cSld>
-  <p:clrMapOvr>
-    <a:masterClrMapping/>
-  </p:clrMapOvr>
-  <p:timing>
-    <p:tnLst>
-      <p:par>
-        <p:cTn id="1" dur="indefinite" restart="never" nodeType="tmRoot"/>
-      </p:par>
-    </p:tnLst>
-  </p:timing>
-</p:sld>
-</file>
-
 <file path=ppt/slides/slide17.xml><?xml version="1.0" encoding="utf-8"?>
 <p:sld xmlns:a="http://schemas.openxmlformats.org/drawingml/2006/main" xmlns:r="http://schemas.openxmlformats.org/officeDocument/2006/relationships" xmlns:p="http://schemas.openxmlformats.org/presentationml/2006/main">
   <p:cSld>
@@ -5460,34 +5542,66 @@
         </p:nvSpPr>
         <p:spPr/>
         <p:txBody>
-          <a:bodyPr/>
+          <a:bodyPr>
+            <a:normAutofit/>
+          </a:bodyPr>
           <a:lstStyle/>
           <a:p>
             <a:r>
               <a:rPr lang="en-US" altLang="zh-TW" b="1" dirty="0" smtClean="0"/>
-              <a:t>java</a:t>
+              <a:t>manifests</a:t>
             </a:r>
             <a:r>
               <a:rPr lang="en-US" altLang="zh-TW" dirty="0" smtClean="0"/>
-              <a:t> – ****.java</a:t>
+              <a:t> – AndroidManifest.xml</a:t>
             </a:r>
           </a:p>
           <a:p>
             <a:pPr lvl="1"/>
             <a:r>
+              <a:rPr lang="en-US" altLang="zh-TW" sz="2700" dirty="0" smtClean="0"/>
+              <a:t>Some information about this app </a:t>
+            </a:r>
+          </a:p>
+          <a:p>
+            <a:pPr lvl="2"/>
+            <a:r>
               <a:rPr lang="en-US" altLang="zh-TW" dirty="0" smtClean="0"/>
-              <a:t>Logic algorithm</a:t>
-            </a:r>
-            <a:endParaRPr lang="zh-TW" altLang="en-US" dirty="0" smtClean="0"/>
-          </a:p>
-          <a:p>
-            <a:endParaRPr lang="zh-TW" altLang="en-US" dirty="0"/>
-          </a:p>
-        </p:txBody>
-      </p:sp>
-      <p:sp>
-        <p:nvSpPr>
-          <p:cNvPr id="4" name="投影片編號版面配置區 3"/>
+              <a:t>Entry point</a:t>
+            </a:r>
+          </a:p>
+          <a:p>
+            <a:pPr lvl="2"/>
+            <a:r>
+              <a:rPr lang="en-US" altLang="zh-TW" sz="2400" dirty="0" smtClean="0"/>
+              <a:t>Permission</a:t>
+            </a:r>
+          </a:p>
+          <a:p>
+            <a:pPr lvl="2"/>
+            <a:r>
+              <a:rPr lang="en-US" altLang="zh-TW" dirty="0" smtClean="0"/>
+              <a:t>Activity</a:t>
+            </a:r>
+            <a:endParaRPr lang="en-US" altLang="zh-TW" sz="2400" dirty="0" smtClean="0"/>
+          </a:p>
+          <a:p>
+            <a:pPr lvl="2"/>
+            <a:r>
+              <a:rPr lang="en-US" altLang="zh-TW" sz="2400" dirty="0" smtClean="0"/>
+              <a:t>Services</a:t>
+            </a:r>
+            <a:endParaRPr lang="zh-TW" altLang="en-US" sz="2400" dirty="0" smtClean="0"/>
+          </a:p>
+          <a:p>
+            <a:pPr lvl="1"/>
+            <a:endParaRPr lang="en-US" altLang="zh-TW" sz="2300" dirty="0" smtClean="0"/>
+          </a:p>
+        </p:txBody>
+      </p:sp>
+      <p:sp>
+        <p:nvSpPr>
+          <p:cNvPr id="32" name="投影片編號版面配置區 31"/>
           <p:cNvSpPr>
             <a:spLocks noGrp="1"/>
           </p:cNvSpPr>
@@ -5504,6 +5618,122 @@
               <a:rPr lang="zh-TW" altLang="en-US" smtClean="0"/>
               <a:pPr/>
               <a:t>17</a:t>
+            </a:fld>
+            <a:endParaRPr lang="zh-TW" altLang="en-US"/>
+          </a:p>
+        </p:txBody>
+      </p:sp>
+    </p:spTree>
+  </p:cSld>
+  <p:clrMapOvr>
+    <a:masterClrMapping/>
+  </p:clrMapOvr>
+  <p:timing>
+    <p:tnLst>
+      <p:par>
+        <p:cTn id="1" dur="indefinite" restart="never" nodeType="tmRoot"/>
+      </p:par>
+    </p:tnLst>
+  </p:timing>
+</p:sld>
+</file>
+
+<file path=ppt/slides/slide18.xml><?xml version="1.0" encoding="utf-8"?>
+<p:sld xmlns:a="http://schemas.openxmlformats.org/drawingml/2006/main" xmlns:r="http://schemas.openxmlformats.org/officeDocument/2006/relationships" xmlns:p="http://schemas.openxmlformats.org/presentationml/2006/main">
+  <p:cSld>
+    <p:spTree>
+      <p:nvGrpSpPr>
+        <p:cNvPr id="1" name=""/>
+        <p:cNvGrpSpPr/>
+        <p:nvPr/>
+      </p:nvGrpSpPr>
+      <p:grpSpPr>
+        <a:xfrm>
+          <a:off x="0" y="0"/>
+          <a:ext cx="0" cy="0"/>
+          <a:chOff x="0" y="0"/>
+          <a:chExt cx="0" cy="0"/>
+        </a:xfrm>
+      </p:grpSpPr>
+      <p:sp>
+        <p:nvSpPr>
+          <p:cNvPr id="2" name="標題 1"/>
+          <p:cNvSpPr>
+            <a:spLocks noGrp="1"/>
+          </p:cNvSpPr>
+          <p:nvPr>
+            <p:ph type="title"/>
+          </p:nvPr>
+        </p:nvSpPr>
+        <p:spPr/>
+        <p:txBody>
+          <a:bodyPr/>
+          <a:lstStyle/>
+          <a:p>
+            <a:r>
+              <a:rPr lang="en-US" altLang="zh-TW" dirty="0" smtClean="0"/>
+              <a:t>App Structure</a:t>
+            </a:r>
+            <a:endParaRPr lang="zh-TW" altLang="en-US" dirty="0"/>
+          </a:p>
+        </p:txBody>
+      </p:sp>
+      <p:sp>
+        <p:nvSpPr>
+          <p:cNvPr id="3" name="內容版面配置區 2"/>
+          <p:cNvSpPr>
+            <a:spLocks noGrp="1"/>
+          </p:cNvSpPr>
+          <p:nvPr>
+            <p:ph idx="1"/>
+          </p:nvPr>
+        </p:nvSpPr>
+        <p:spPr/>
+        <p:txBody>
+          <a:bodyPr/>
+          <a:lstStyle/>
+          <a:p>
+            <a:r>
+              <a:rPr lang="en-US" altLang="zh-TW" b="1" dirty="0" smtClean="0"/>
+              <a:t>java</a:t>
+            </a:r>
+            <a:r>
+              <a:rPr lang="en-US" altLang="zh-TW" dirty="0" smtClean="0"/>
+              <a:t> – ****.java</a:t>
+            </a:r>
+          </a:p>
+          <a:p>
+            <a:pPr lvl="1"/>
+            <a:r>
+              <a:rPr lang="en-US" altLang="zh-TW" dirty="0" smtClean="0"/>
+              <a:t>Logic algorithm</a:t>
+            </a:r>
+            <a:endParaRPr lang="zh-TW" altLang="en-US" dirty="0" smtClean="0"/>
+          </a:p>
+          <a:p>
+            <a:endParaRPr lang="zh-TW" altLang="en-US" dirty="0"/>
+          </a:p>
+        </p:txBody>
+      </p:sp>
+      <p:sp>
+        <p:nvSpPr>
+          <p:cNvPr id="4" name="投影片編號版面配置區 3"/>
+          <p:cNvSpPr>
+            <a:spLocks noGrp="1"/>
+          </p:cNvSpPr>
+          <p:nvPr>
+            <p:ph type="sldNum" sz="quarter" idx="12"/>
+          </p:nvPr>
+        </p:nvSpPr>
+        <p:spPr/>
+        <p:txBody>
+          <a:bodyPr/>
+          <a:lstStyle/>
+          <a:p>
+            <a:fld id="{61C9D09F-C6A3-454C-A042-D5DAFD494666}" type="slidenum">
+              <a:rPr lang="zh-TW" altLang="en-US" smtClean="0"/>
+              <a:pPr/>
+              <a:t>18</a:t>
             </a:fld>
             <a:endParaRPr lang="zh-TW" altLang="en-US"/>
           </a:p>
@@ -5556,7 +5786,7 @@
 </p:sld>
 </file>
 
-<file path=ppt/slides/slide18.xml><?xml version="1.0" encoding="utf-8"?>
+<file path=ppt/slides/slide19.xml><?xml version="1.0" encoding="utf-8"?>
 <p:sld xmlns:a="http://schemas.openxmlformats.org/drawingml/2006/main" xmlns:r="http://schemas.openxmlformats.org/officeDocument/2006/relationships" xmlns:p="http://schemas.openxmlformats.org/presentationml/2006/main">
   <p:cSld>
     <p:spTree>
@@ -5658,7 +5888,7 @@
             <a:fld id="{61C9D09F-C6A3-454C-A042-D5DAFD494666}" type="slidenum">
               <a:rPr lang="zh-TW" altLang="en-US" smtClean="0"/>
               <a:pPr/>
-              <a:t>18</a:t>
+              <a:t>19</a:t>
             </a:fld>
             <a:endParaRPr lang="zh-TW" altLang="en-US"/>
           </a:p>
@@ -5743,7 +5973,7 @@
 </p:sld>
 </file>
 
-<file path=ppt/slides/slide19.xml><?xml version="1.0" encoding="utf-8"?>
+<file path=ppt/slides/slide2.xml><?xml version="1.0" encoding="utf-8"?>
 <p:sld xmlns:a="http://schemas.openxmlformats.org/drawingml/2006/main" xmlns:r="http://schemas.openxmlformats.org/officeDocument/2006/relationships" xmlns:p="http://schemas.openxmlformats.org/presentationml/2006/main">
   <p:cSld>
     <p:spTree>
@@ -5777,6 +6007,187 @@
           <a:p>
             <a:r>
               <a:rPr lang="en-US" altLang="zh-TW" dirty="0" smtClean="0"/>
+              <a:t>Agenda</a:t>
+            </a:r>
+            <a:endParaRPr lang="zh-TW" altLang="en-US" dirty="0"/>
+          </a:p>
+        </p:txBody>
+      </p:sp>
+      <p:sp>
+        <p:nvSpPr>
+          <p:cNvPr id="3" name="內容版面配置區 2"/>
+          <p:cNvSpPr>
+            <a:spLocks noGrp="1"/>
+          </p:cNvSpPr>
+          <p:nvPr>
+            <p:ph idx="1"/>
+          </p:nvPr>
+        </p:nvSpPr>
+        <p:spPr>
+          <a:xfrm>
+            <a:off x="457200" y="1600200"/>
+            <a:ext cx="8229600" cy="4853136"/>
+          </a:xfrm>
+        </p:spPr>
+        <p:txBody>
+          <a:bodyPr>
+            <a:normAutofit/>
+          </a:bodyPr>
+          <a:lstStyle/>
+          <a:p>
+            <a:r>
+              <a:rPr lang="en-US" altLang="zh-TW" sz="2000" dirty="0"/>
+              <a:t>Brief History</a:t>
+            </a:r>
+          </a:p>
+          <a:p>
+            <a:r>
+              <a:rPr lang="en-US" altLang="zh-TW" sz="2000" dirty="0" smtClean="0"/>
+              <a:t>What’s </a:t>
+            </a:r>
+            <a:r>
+              <a:rPr lang="en-US" altLang="zh-TW" sz="2000" dirty="0" smtClean="0"/>
+              <a:t>Android</a:t>
+            </a:r>
+          </a:p>
+          <a:p>
+            <a:r>
+              <a:rPr lang="en-US" altLang="zh-TW" sz="2000" dirty="0" smtClean="0"/>
+              <a:t>Environment setup</a:t>
+            </a:r>
+          </a:p>
+          <a:p>
+            <a:r>
+              <a:rPr lang="en-US" altLang="zh-TW" sz="2000" dirty="0" smtClean="0"/>
+              <a:t>Hello World</a:t>
+            </a:r>
+          </a:p>
+          <a:p>
+            <a:r>
+              <a:rPr lang="en-US" altLang="zh-TW" sz="2000" dirty="0" smtClean="0"/>
+              <a:t>Structure of an App</a:t>
+            </a:r>
+          </a:p>
+          <a:p>
+            <a:r>
+              <a:rPr lang="en-US" altLang="zh-TW" sz="2000" dirty="0" smtClean="0"/>
+              <a:t>Basic Component (Button, TextView)</a:t>
+            </a:r>
+          </a:p>
+          <a:p>
+            <a:r>
+              <a:rPr lang="en-US" altLang="zh-TW" sz="2000" dirty="0" smtClean="0"/>
+              <a:t>Activity</a:t>
+            </a:r>
+          </a:p>
+          <a:p>
+            <a:pPr lvl="1"/>
+            <a:r>
+              <a:rPr lang="en-US" altLang="zh-TW" sz="2000" dirty="0" smtClean="0"/>
+              <a:t>Life Cycle</a:t>
+            </a:r>
+          </a:p>
+          <a:p>
+            <a:pPr lvl="1"/>
+            <a:r>
+              <a:rPr lang="en-US" altLang="zh-TW" sz="2000" dirty="0" smtClean="0"/>
+              <a:t>Activity switch</a:t>
+            </a:r>
+          </a:p>
+          <a:p>
+            <a:r>
+              <a:rPr lang="en-US" altLang="zh-TW" sz="2000" dirty="0" smtClean="0"/>
+              <a:t>[Function Demo]</a:t>
+            </a:r>
+          </a:p>
+          <a:p>
+            <a:pPr lvl="1"/>
+            <a:r>
+              <a:rPr lang="en-US" altLang="zh-TW" sz="2000" dirty="0" smtClean="0"/>
+              <a:t>Download image via Internet &amp; Save to SD card &amp; Display </a:t>
+            </a:r>
+          </a:p>
+          <a:p>
+            <a:r>
+              <a:rPr lang="en-US" altLang="zh-TW" sz="2000" dirty="0" smtClean="0"/>
+              <a:t>FAQ</a:t>
+            </a:r>
+          </a:p>
+        </p:txBody>
+      </p:sp>
+      <p:sp>
+        <p:nvSpPr>
+          <p:cNvPr id="4" name="投影片編號版面配置區 3"/>
+          <p:cNvSpPr>
+            <a:spLocks noGrp="1"/>
+          </p:cNvSpPr>
+          <p:nvPr>
+            <p:ph type="sldNum" sz="quarter" idx="12"/>
+          </p:nvPr>
+        </p:nvSpPr>
+        <p:spPr/>
+        <p:txBody>
+          <a:bodyPr/>
+          <a:lstStyle/>
+          <a:p>
+            <a:fld id="{61C9D09F-C6A3-454C-A042-D5DAFD494666}" type="slidenum">
+              <a:rPr lang="zh-TW" altLang="en-US" smtClean="0"/>
+              <a:pPr/>
+              <a:t>2</a:t>
+            </a:fld>
+            <a:endParaRPr lang="zh-TW" altLang="en-US"/>
+          </a:p>
+        </p:txBody>
+      </p:sp>
+    </p:spTree>
+  </p:cSld>
+  <p:clrMapOvr>
+    <a:masterClrMapping/>
+  </p:clrMapOvr>
+  <p:timing>
+    <p:tnLst>
+      <p:par>
+        <p:cTn id="1" dur="indefinite" restart="never" nodeType="tmRoot"/>
+      </p:par>
+    </p:tnLst>
+  </p:timing>
+</p:sld>
+</file>
+
+<file path=ppt/slides/slide20.xml><?xml version="1.0" encoding="utf-8"?>
+<p:sld xmlns:a="http://schemas.openxmlformats.org/drawingml/2006/main" xmlns:r="http://schemas.openxmlformats.org/officeDocument/2006/relationships" xmlns:p="http://schemas.openxmlformats.org/presentationml/2006/main">
+  <p:cSld>
+    <p:spTree>
+      <p:nvGrpSpPr>
+        <p:cNvPr id="1" name=""/>
+        <p:cNvGrpSpPr/>
+        <p:nvPr/>
+      </p:nvGrpSpPr>
+      <p:grpSpPr>
+        <a:xfrm>
+          <a:off x="0" y="0"/>
+          <a:ext cx="0" cy="0"/>
+          <a:chOff x="0" y="0"/>
+          <a:chExt cx="0" cy="0"/>
+        </a:xfrm>
+      </p:grpSpPr>
+      <p:sp>
+        <p:nvSpPr>
+          <p:cNvPr id="2" name="標題 1"/>
+          <p:cNvSpPr>
+            <a:spLocks noGrp="1"/>
+          </p:cNvSpPr>
+          <p:nvPr>
+            <p:ph type="title"/>
+          </p:nvPr>
+        </p:nvSpPr>
+        <p:spPr/>
+        <p:txBody>
+          <a:bodyPr/>
+          <a:lstStyle/>
+          <a:p>
+            <a:r>
+              <a:rPr lang="en-US" altLang="zh-TW" dirty="0" smtClean="0"/>
               <a:t>App Structure</a:t>
             </a:r>
             <a:endParaRPr lang="zh-TW" altLang="en-US" dirty="0"/>
@@ -5851,7 +6262,7 @@
             <a:fld id="{61C9D09F-C6A3-454C-A042-D5DAFD494666}" type="slidenum">
               <a:rPr lang="zh-TW" altLang="en-US" smtClean="0"/>
               <a:pPr/>
-              <a:t>19</a:t>
+              <a:t>20</a:t>
             </a:fld>
             <a:endParaRPr lang="zh-TW" altLang="en-US"/>
           </a:p>
@@ -5936,7 +6347,7 @@
 </p:sld>
 </file>
 
-<file path=ppt/slides/slide2.xml><?xml version="1.0" encoding="utf-8"?>
+<file path=ppt/slides/slide21.xml><?xml version="1.0" encoding="utf-8"?>
 <p:sld xmlns:a="http://schemas.openxmlformats.org/drawingml/2006/main" xmlns:r="http://schemas.openxmlformats.org/officeDocument/2006/relationships" xmlns:p="http://schemas.openxmlformats.org/presentationml/2006/main">
   <p:cSld>
     <p:spTree>
@@ -5965,198 +6376,6 @@
         </p:nvSpPr>
         <p:spPr/>
         <p:txBody>
-          <a:bodyPr/>
-          <a:lstStyle/>
-          <a:p>
-            <a:r>
-              <a:rPr lang="en-US" altLang="zh-TW" dirty="0" smtClean="0"/>
-              <a:t>Agenda</a:t>
-            </a:r>
-            <a:endParaRPr lang="zh-TW" altLang="en-US" dirty="0"/>
-          </a:p>
-        </p:txBody>
-      </p:sp>
-      <p:sp>
-        <p:nvSpPr>
-          <p:cNvPr id="3" name="內容版面配置區 2"/>
-          <p:cNvSpPr>
-            <a:spLocks noGrp="1"/>
-          </p:cNvSpPr>
-          <p:nvPr>
-            <p:ph idx="1"/>
-          </p:nvPr>
-        </p:nvSpPr>
-        <p:spPr>
-          <a:xfrm>
-            <a:off x="457200" y="1600200"/>
-            <a:ext cx="8229600" cy="4853136"/>
-          </a:xfrm>
-        </p:spPr>
-        <p:txBody>
-          <a:bodyPr>
-            <a:normAutofit fontScale="92500" lnSpcReduction="20000"/>
-          </a:bodyPr>
-          <a:lstStyle/>
-          <a:p>
-            <a:r>
-              <a:rPr lang="en-US" altLang="zh-TW" dirty="0" smtClean="0"/>
-              <a:t>What’s Android</a:t>
-            </a:r>
-          </a:p>
-          <a:p>
-            <a:r>
-              <a:rPr lang="en-US" altLang="zh-TW" dirty="0" smtClean="0"/>
-              <a:t>Environment </a:t>
-            </a:r>
-            <a:r>
-              <a:rPr lang="en-US" altLang="zh-TW" dirty="0" smtClean="0"/>
-              <a:t>setup</a:t>
-            </a:r>
-          </a:p>
-          <a:p>
-            <a:r>
-              <a:rPr lang="en-US" altLang="zh-TW" dirty="0" smtClean="0"/>
-              <a:t>Hello World</a:t>
-            </a:r>
-          </a:p>
-          <a:p>
-            <a:r>
-              <a:rPr lang="en-US" altLang="zh-TW" dirty="0" smtClean="0"/>
-              <a:t>Structure of an App</a:t>
-            </a:r>
-          </a:p>
-          <a:p>
-            <a:r>
-              <a:rPr lang="en-US" altLang="zh-TW" dirty="0" smtClean="0"/>
-              <a:t>Basic Component (Button, </a:t>
-            </a:r>
-            <a:r>
-              <a:rPr lang="en-US" altLang="zh-TW" dirty="0" err="1" smtClean="0"/>
-              <a:t>TextView</a:t>
-            </a:r>
-            <a:r>
-              <a:rPr lang="en-US" altLang="zh-TW" dirty="0" smtClean="0"/>
-              <a:t>)</a:t>
-            </a:r>
-          </a:p>
-          <a:p>
-            <a:r>
-              <a:rPr lang="en-US" altLang="zh-TW" dirty="0" smtClean="0"/>
-              <a:t>Activity</a:t>
-            </a:r>
-          </a:p>
-          <a:p>
-            <a:pPr lvl="1"/>
-            <a:r>
-              <a:rPr lang="en-US" altLang="zh-TW" dirty="0" smtClean="0"/>
-              <a:t>Life </a:t>
-            </a:r>
-            <a:r>
-              <a:rPr lang="en-US" altLang="zh-TW" dirty="0" smtClean="0"/>
-              <a:t>Cycle</a:t>
-            </a:r>
-          </a:p>
-          <a:p>
-            <a:pPr lvl="1"/>
-            <a:r>
-              <a:rPr lang="en-US" altLang="zh-TW" dirty="0" smtClean="0"/>
-              <a:t>Activity switch</a:t>
-            </a:r>
-            <a:endParaRPr lang="en-US" altLang="zh-TW" dirty="0" smtClean="0"/>
-          </a:p>
-          <a:p>
-            <a:r>
-              <a:rPr lang="en-US" altLang="zh-TW" dirty="0" smtClean="0"/>
-              <a:t>[</a:t>
-            </a:r>
-            <a:r>
-              <a:rPr lang="en-US" altLang="zh-TW" dirty="0" smtClean="0"/>
-              <a:t>Function Demo]</a:t>
-            </a:r>
-          </a:p>
-          <a:p>
-            <a:pPr lvl="1"/>
-            <a:r>
-              <a:rPr lang="en-US" altLang="zh-TW" sz="2600" dirty="0" smtClean="0"/>
-              <a:t>Download image via Internet &amp; Save to SD card &amp; Display </a:t>
-            </a:r>
-          </a:p>
-          <a:p>
-            <a:r>
-              <a:rPr lang="en-US" altLang="zh-TW" dirty="0" smtClean="0"/>
-              <a:t>FAQ</a:t>
-            </a:r>
-          </a:p>
-        </p:txBody>
-      </p:sp>
-      <p:sp>
-        <p:nvSpPr>
-          <p:cNvPr id="4" name="投影片編號版面配置區 3"/>
-          <p:cNvSpPr>
-            <a:spLocks noGrp="1"/>
-          </p:cNvSpPr>
-          <p:nvPr>
-            <p:ph type="sldNum" sz="quarter" idx="12"/>
-          </p:nvPr>
-        </p:nvSpPr>
-        <p:spPr/>
-        <p:txBody>
-          <a:bodyPr/>
-          <a:lstStyle/>
-          <a:p>
-            <a:fld id="{61C9D09F-C6A3-454C-A042-D5DAFD494666}" type="slidenum">
-              <a:rPr lang="zh-TW" altLang="en-US" smtClean="0"/>
-              <a:pPr/>
-              <a:t>2</a:t>
-            </a:fld>
-            <a:endParaRPr lang="zh-TW" altLang="en-US"/>
-          </a:p>
-        </p:txBody>
-      </p:sp>
-    </p:spTree>
-  </p:cSld>
-  <p:clrMapOvr>
-    <a:masterClrMapping/>
-  </p:clrMapOvr>
-  <p:timing>
-    <p:tnLst>
-      <p:par>
-        <p:cTn id="1" dur="indefinite" restart="never" nodeType="tmRoot"/>
-      </p:par>
-    </p:tnLst>
-  </p:timing>
-</p:sld>
-</file>
-
-<file path=ppt/slides/slide20.xml><?xml version="1.0" encoding="utf-8"?>
-<p:sld xmlns:a="http://schemas.openxmlformats.org/drawingml/2006/main" xmlns:r="http://schemas.openxmlformats.org/officeDocument/2006/relationships" xmlns:p="http://schemas.openxmlformats.org/presentationml/2006/main">
-  <p:cSld>
-    <p:spTree>
-      <p:nvGrpSpPr>
-        <p:cNvPr id="1" name=""/>
-        <p:cNvGrpSpPr/>
-        <p:nvPr/>
-      </p:nvGrpSpPr>
-      <p:grpSpPr>
-        <a:xfrm>
-          <a:off x="0" y="0"/>
-          <a:ext cx="0" cy="0"/>
-          <a:chOff x="0" y="0"/>
-          <a:chExt cx="0" cy="0"/>
-        </a:xfrm>
-      </p:grpSpPr>
-      <p:sp>
-        <p:nvSpPr>
-          <p:cNvPr id="2" name="標題 1"/>
-          <p:cNvSpPr>
-            <a:spLocks noGrp="1"/>
-          </p:cNvSpPr>
-          <p:nvPr>
-            <p:ph type="title"/>
-          </p:nvPr>
-        </p:nvSpPr>
-        <p:spPr/>
-        <p:txBody>
           <a:bodyPr>
             <a:normAutofit/>
           </a:bodyPr>
@@ -6220,7 +6439,7 @@
             <a:fld id="{61C9D09F-C6A3-454C-A042-D5DAFD494666}" type="slidenum">
               <a:rPr lang="zh-TW" altLang="en-US" smtClean="0"/>
               <a:pPr/>
-              <a:t>20</a:t>
+              <a:t>21</a:t>
             </a:fld>
             <a:endParaRPr lang="zh-TW" altLang="en-US"/>
           </a:p>
@@ -6391,7 +6610,7 @@
 </p:sld>
 </file>
 
-<file path=ppt/slides/slide21.xml><?xml version="1.0" encoding="utf-8"?>
+<file path=ppt/slides/slide22.xml><?xml version="1.0" encoding="utf-8"?>
 <p:sld xmlns:a="http://schemas.openxmlformats.org/drawingml/2006/main" xmlns:r="http://schemas.openxmlformats.org/officeDocument/2006/relationships" xmlns:p="http://schemas.openxmlformats.org/presentationml/2006/main">
   <p:cSld>
     <p:spTree>
@@ -6584,7 +6803,7 @@
             <a:fld id="{61C9D09F-C6A3-454C-A042-D5DAFD494666}" type="slidenum">
               <a:rPr lang="zh-TW" altLang="en-US" smtClean="0"/>
               <a:pPr/>
-              <a:t>21</a:t>
+              <a:t>22</a:t>
             </a:fld>
             <a:endParaRPr lang="zh-TW" altLang="en-US"/>
           </a:p>
@@ -6669,7 +6888,7 @@
 </p:sld>
 </file>
 
-<file path=ppt/slides/slide22.xml><?xml version="1.0" encoding="utf-8"?>
+<file path=ppt/slides/slide23.xml><?xml version="1.0" encoding="utf-8"?>
 <p:sld xmlns:a="http://schemas.openxmlformats.org/drawingml/2006/main" xmlns:r="http://schemas.openxmlformats.org/officeDocument/2006/relationships" xmlns:p="http://schemas.openxmlformats.org/presentationml/2006/main">
   <p:cSld>
     <p:spTree>
@@ -6756,7 +6975,7 @@
             <a:fld id="{61C9D09F-C6A3-454C-A042-D5DAFD494666}" type="slidenum">
               <a:rPr lang="zh-TW" altLang="en-US" smtClean="0"/>
               <a:pPr/>
-              <a:t>22</a:t>
+              <a:t>23</a:t>
             </a:fld>
             <a:endParaRPr lang="zh-TW" altLang="en-US"/>
           </a:p>
@@ -6803,7 +7022,7 @@
 </p:sld>
 </file>
 
-<file path=ppt/slides/slide23.xml><?xml version="1.0" encoding="utf-8"?>
+<file path=ppt/slides/slide24.xml><?xml version="1.0" encoding="utf-8"?>
 <p:sld xmlns:a="http://schemas.openxmlformats.org/drawingml/2006/main" xmlns:r="http://schemas.openxmlformats.org/officeDocument/2006/relationships" xmlns:p="http://schemas.openxmlformats.org/presentationml/2006/main">
   <p:cSld>
     <p:spTree>
@@ -6963,7 +7182,7 @@
             <a:fld id="{61C9D09F-C6A3-454C-A042-D5DAFD494666}" type="slidenum">
               <a:rPr lang="zh-TW" altLang="en-US" smtClean="0"/>
               <a:pPr/>
-              <a:t>23</a:t>
+              <a:t>24</a:t>
             </a:fld>
             <a:endParaRPr lang="zh-TW" altLang="en-US"/>
           </a:p>
@@ -7152,7 +7371,7 @@
 </p:sld>
 </file>
 
-<file path=ppt/slides/slide24.xml><?xml version="1.0" encoding="utf-8"?>
+<file path=ppt/slides/slide25.xml><?xml version="1.0" encoding="utf-8"?>
 <p:sld xmlns:a="http://schemas.openxmlformats.org/drawingml/2006/main" xmlns:r="http://schemas.openxmlformats.org/officeDocument/2006/relationships" xmlns:p="http://schemas.openxmlformats.org/presentationml/2006/main">
   <p:cSld>
     <p:spTree>
@@ -7236,7 +7455,7 @@
             <a:fld id="{61C9D09F-C6A3-454C-A042-D5DAFD494666}" type="slidenum">
               <a:rPr lang="zh-TW" altLang="en-US" smtClean="0"/>
               <a:pPr/>
-              <a:t>24</a:t>
+              <a:t>25</a:t>
             </a:fld>
             <a:endParaRPr lang="zh-TW" altLang="en-US"/>
           </a:p>
@@ -7399,136 +7618,6 @@
 </p:sld>
 </file>
 
-<file path=ppt/slides/slide25.xml><?xml version="1.0" encoding="utf-8"?>
-<p:sld xmlns:a="http://schemas.openxmlformats.org/drawingml/2006/main" xmlns:r="http://schemas.openxmlformats.org/officeDocument/2006/relationships" xmlns:p="http://schemas.openxmlformats.org/presentationml/2006/main">
-  <p:cSld>
-    <p:spTree>
-      <p:nvGrpSpPr>
-        <p:cNvPr id="1" name=""/>
-        <p:cNvGrpSpPr/>
-        <p:nvPr/>
-      </p:nvGrpSpPr>
-      <p:grpSpPr>
-        <a:xfrm>
-          <a:off x="0" y="0"/>
-          <a:ext cx="0" cy="0"/>
-          <a:chOff x="0" y="0"/>
-          <a:chExt cx="0" cy="0"/>
-        </a:xfrm>
-      </p:grpSpPr>
-      <p:sp>
-        <p:nvSpPr>
-          <p:cNvPr id="2" name="標題 1"/>
-          <p:cNvSpPr>
-            <a:spLocks noGrp="1"/>
-          </p:cNvSpPr>
-          <p:nvPr>
-            <p:ph type="title"/>
-          </p:nvPr>
-        </p:nvSpPr>
-        <p:spPr/>
-        <p:txBody>
-          <a:bodyPr/>
-          <a:lstStyle/>
-          <a:p>
-            <a:r>
-              <a:rPr lang="en-US" altLang="zh-TW" dirty="0" smtClean="0"/>
-              <a:t>App Structure</a:t>
-            </a:r>
-            <a:endParaRPr lang="zh-TW" altLang="en-US" dirty="0"/>
-          </a:p>
-        </p:txBody>
-      </p:sp>
-      <p:sp>
-        <p:nvSpPr>
-          <p:cNvPr id="3" name="內容版面配置區 2"/>
-          <p:cNvSpPr>
-            <a:spLocks noGrp="1"/>
-          </p:cNvSpPr>
-          <p:nvPr>
-            <p:ph idx="1"/>
-          </p:nvPr>
-        </p:nvSpPr>
-        <p:spPr/>
-        <p:txBody>
-          <a:bodyPr>
-            <a:normAutofit/>
-          </a:bodyPr>
-          <a:lstStyle/>
-          <a:p>
-            <a:r>
-              <a:rPr lang="en-US" altLang="zh-TW" sz="2800" b="1" dirty="0" smtClean="0"/>
-              <a:t>res - </a:t>
-            </a:r>
-            <a:r>
-              <a:rPr lang="en-US" altLang="zh-TW" sz="2700" b="1" dirty="0" smtClean="0"/>
-              <a:t>Values – </a:t>
-            </a:r>
-            <a:r>
-              <a:rPr lang="en-US" altLang="zh-TW" sz="2700" dirty="0" smtClean="0"/>
-              <a:t>strings</a:t>
-            </a:r>
-          </a:p>
-          <a:p>
-            <a:pPr lvl="1"/>
-            <a:r>
-              <a:rPr lang="en-US" altLang="zh-TW" sz="2300" dirty="0" smtClean="0"/>
-              <a:t>All of the words should be set here.</a:t>
-            </a:r>
-          </a:p>
-          <a:p>
-            <a:pPr lvl="1"/>
-            <a:r>
-              <a:rPr lang="en-US" altLang="zh-TW" sz="2300" dirty="0" smtClean="0"/>
-              <a:t>Support multi-language.</a:t>
-            </a:r>
-            <a:endParaRPr lang="en-US" altLang="zh-TW" sz="2300" dirty="0" smtClean="0"/>
-          </a:p>
-          <a:p>
-            <a:pPr lvl="1"/>
-            <a:endParaRPr lang="zh-TW" altLang="en-US" sz="2300" dirty="0"/>
-          </a:p>
-        </p:txBody>
-      </p:sp>
-      <p:sp>
-        <p:nvSpPr>
-          <p:cNvPr id="4" name="投影片編號版面配置區 3"/>
-          <p:cNvSpPr>
-            <a:spLocks noGrp="1"/>
-          </p:cNvSpPr>
-          <p:nvPr>
-            <p:ph type="sldNum" sz="quarter" idx="12"/>
-          </p:nvPr>
-        </p:nvSpPr>
-        <p:spPr/>
-        <p:txBody>
-          <a:bodyPr/>
-          <a:lstStyle/>
-          <a:p>
-            <a:fld id="{61C9D09F-C6A3-454C-A042-D5DAFD494666}" type="slidenum">
-              <a:rPr lang="zh-TW" altLang="en-US" smtClean="0"/>
-              <a:pPr/>
-              <a:t>25</a:t>
-            </a:fld>
-            <a:endParaRPr lang="zh-TW" altLang="en-US"/>
-          </a:p>
-        </p:txBody>
-      </p:sp>
-    </p:spTree>
-  </p:cSld>
-  <p:clrMapOvr>
-    <a:masterClrMapping/>
-  </p:clrMapOvr>
-  <p:timing>
-    <p:tnLst>
-      <p:par>
-        <p:cTn id="1" dur="indefinite" restart="never" nodeType="tmRoot"/>
-      </p:par>
-    </p:tnLst>
-  </p:timing>
-</p:sld>
-</file>
-
 <file path=ppt/slides/slide26.xml><?xml version="1.0" encoding="utf-8"?>
 <p:sld xmlns:a="http://schemas.openxmlformats.org/drawingml/2006/main" xmlns:r="http://schemas.openxmlformats.org/officeDocument/2006/relationships" xmlns:p="http://schemas.openxmlformats.org/presentationml/2006/main">
   <p:cSld>
@@ -7581,28 +7670,47 @@
         </p:nvSpPr>
         <p:spPr/>
         <p:txBody>
-          <a:bodyPr/>
+          <a:bodyPr>
+            <a:normAutofit/>
+          </a:bodyPr>
           <a:lstStyle/>
           <a:p>
             <a:r>
               <a:rPr lang="en-US" altLang="zh-TW" sz="2800" b="1" dirty="0" smtClean="0"/>
-              <a:t>res - Values - </a:t>
-            </a:r>
-            <a:r>
-              <a:rPr lang="en-US" altLang="zh-TW" sz="2800" dirty="0" err="1" smtClean="0"/>
-              <a:t>dimens</a:t>
-            </a:r>
-            <a:endParaRPr lang="en-US" altLang="zh-TW" sz="2800" dirty="0" smtClean="0"/>
+              <a:t>res - </a:t>
+            </a:r>
+            <a:r>
+              <a:rPr lang="en-US" altLang="zh-TW" sz="2700" b="1" dirty="0" smtClean="0"/>
+              <a:t>Values – </a:t>
+            </a:r>
+            <a:r>
+              <a:rPr lang="en-US" altLang="zh-TW" sz="2700" dirty="0" smtClean="0"/>
+              <a:t>strings</a:t>
+            </a:r>
           </a:p>
           <a:p>
             <a:pPr lvl="1"/>
-            <a:endParaRPr lang="zh-TW" altLang="en-US" dirty="0"/>
-          </a:p>
-        </p:txBody>
-      </p:sp>
-      <p:sp>
-        <p:nvSpPr>
-          <p:cNvPr id="6" name="投影片編號版面配置區 5"/>
+            <a:r>
+              <a:rPr lang="en-US" altLang="zh-TW" sz="2300" dirty="0" smtClean="0"/>
+              <a:t>All of the words should be set here.</a:t>
+            </a:r>
+          </a:p>
+          <a:p>
+            <a:pPr lvl="1"/>
+            <a:r>
+              <a:rPr lang="en-US" altLang="zh-TW" sz="2300" dirty="0" smtClean="0"/>
+              <a:t>Support multi-language.</a:t>
+            </a:r>
+          </a:p>
+          <a:p>
+            <a:pPr lvl="1"/>
+            <a:endParaRPr lang="zh-TW" altLang="en-US" sz="2300" dirty="0"/>
+          </a:p>
+        </p:txBody>
+      </p:sp>
+      <p:sp>
+        <p:nvSpPr>
+          <p:cNvPr id="4" name="投影片編號版面配置區 3"/>
           <p:cNvSpPr>
             <a:spLocks noGrp="1"/>
           </p:cNvSpPr>
@@ -7619,6 +7727,116 @@
               <a:rPr lang="zh-TW" altLang="en-US" smtClean="0"/>
               <a:pPr/>
               <a:t>26</a:t>
+            </a:fld>
+            <a:endParaRPr lang="zh-TW" altLang="en-US"/>
+          </a:p>
+        </p:txBody>
+      </p:sp>
+    </p:spTree>
+  </p:cSld>
+  <p:clrMapOvr>
+    <a:masterClrMapping/>
+  </p:clrMapOvr>
+  <p:timing>
+    <p:tnLst>
+      <p:par>
+        <p:cTn id="1" dur="indefinite" restart="never" nodeType="tmRoot"/>
+      </p:par>
+    </p:tnLst>
+  </p:timing>
+</p:sld>
+</file>
+
+<file path=ppt/slides/slide27.xml><?xml version="1.0" encoding="utf-8"?>
+<p:sld xmlns:a="http://schemas.openxmlformats.org/drawingml/2006/main" xmlns:r="http://schemas.openxmlformats.org/officeDocument/2006/relationships" xmlns:p="http://schemas.openxmlformats.org/presentationml/2006/main">
+  <p:cSld>
+    <p:spTree>
+      <p:nvGrpSpPr>
+        <p:cNvPr id="1" name=""/>
+        <p:cNvGrpSpPr/>
+        <p:nvPr/>
+      </p:nvGrpSpPr>
+      <p:grpSpPr>
+        <a:xfrm>
+          <a:off x="0" y="0"/>
+          <a:ext cx="0" cy="0"/>
+          <a:chOff x="0" y="0"/>
+          <a:chExt cx="0" cy="0"/>
+        </a:xfrm>
+      </p:grpSpPr>
+      <p:sp>
+        <p:nvSpPr>
+          <p:cNvPr id="2" name="標題 1"/>
+          <p:cNvSpPr>
+            <a:spLocks noGrp="1"/>
+          </p:cNvSpPr>
+          <p:nvPr>
+            <p:ph type="title"/>
+          </p:nvPr>
+        </p:nvSpPr>
+        <p:spPr/>
+        <p:txBody>
+          <a:bodyPr/>
+          <a:lstStyle/>
+          <a:p>
+            <a:r>
+              <a:rPr lang="en-US" altLang="zh-TW" dirty="0" smtClean="0"/>
+              <a:t>App Structure</a:t>
+            </a:r>
+            <a:endParaRPr lang="zh-TW" altLang="en-US" dirty="0"/>
+          </a:p>
+        </p:txBody>
+      </p:sp>
+      <p:sp>
+        <p:nvSpPr>
+          <p:cNvPr id="3" name="內容版面配置區 2"/>
+          <p:cNvSpPr>
+            <a:spLocks noGrp="1"/>
+          </p:cNvSpPr>
+          <p:nvPr>
+            <p:ph idx="1"/>
+          </p:nvPr>
+        </p:nvSpPr>
+        <p:spPr/>
+        <p:txBody>
+          <a:bodyPr/>
+          <a:lstStyle/>
+          <a:p>
+            <a:r>
+              <a:rPr lang="en-US" altLang="zh-TW" sz="2800" b="1" dirty="0" smtClean="0"/>
+              <a:t>res - Values - </a:t>
+            </a:r>
+            <a:r>
+              <a:rPr lang="en-US" altLang="zh-TW" sz="2800" dirty="0" err="1" smtClean="0"/>
+              <a:t>dimens</a:t>
+            </a:r>
+            <a:endParaRPr lang="en-US" altLang="zh-TW" sz="2800" dirty="0" smtClean="0"/>
+          </a:p>
+          <a:p>
+            <a:pPr lvl="1"/>
+            <a:endParaRPr lang="zh-TW" altLang="en-US" dirty="0"/>
+          </a:p>
+        </p:txBody>
+      </p:sp>
+      <p:sp>
+        <p:nvSpPr>
+          <p:cNvPr id="6" name="投影片編號版面配置區 5"/>
+          <p:cNvSpPr>
+            <a:spLocks noGrp="1"/>
+          </p:cNvSpPr>
+          <p:nvPr>
+            <p:ph type="sldNum" sz="quarter" idx="12"/>
+          </p:nvPr>
+        </p:nvSpPr>
+        <p:spPr/>
+        <p:txBody>
+          <a:bodyPr/>
+          <a:lstStyle/>
+          <a:p>
+            <a:fld id="{61C9D09F-C6A3-454C-A042-D5DAFD494666}" type="slidenum">
+              <a:rPr lang="zh-TW" altLang="en-US" smtClean="0"/>
+              <a:pPr/>
+              <a:t>27</a:t>
             </a:fld>
             <a:endParaRPr lang="zh-TW" altLang="en-US"/>
           </a:p>
@@ -7774,7 +7992,7 @@
 </p:sld>
 </file>
 
-<file path=ppt/slides/slide27.xml><?xml version="1.0" encoding="utf-8"?>
+<file path=ppt/slides/slide28.xml><?xml version="1.0" encoding="utf-8"?>
 <p:sld xmlns:a="http://schemas.openxmlformats.org/drawingml/2006/main" xmlns:r="http://schemas.openxmlformats.org/officeDocument/2006/relationships" xmlns:p="http://schemas.openxmlformats.org/presentationml/2006/main">
   <p:cSld>
     <p:spTree>
@@ -7870,7 +8088,7 @@
             <a:fld id="{61C9D09F-C6A3-454C-A042-D5DAFD494666}" type="slidenum">
               <a:rPr lang="zh-TW" altLang="en-US" smtClean="0"/>
               <a:pPr/>
-              <a:t>27</a:t>
+              <a:t>28</a:t>
             </a:fld>
             <a:endParaRPr lang="zh-TW" altLang="en-US"/>
           </a:p>
@@ -8133,7 +8351,7 @@
 </p:sld>
 </file>
 
-<file path=ppt/slides/slide28.xml><?xml version="1.0" encoding="utf-8"?>
+<file path=ppt/slides/slide29.xml><?xml version="1.0" encoding="utf-8"?>
 <p:sld xmlns:a="http://schemas.openxmlformats.org/drawingml/2006/main" xmlns:r="http://schemas.openxmlformats.org/officeDocument/2006/relationships" xmlns:p="http://schemas.openxmlformats.org/presentationml/2006/main">
   <p:cSld>
     <p:spTree>
@@ -8197,23 +8415,7 @@
           <a:p>
             <a:r>
               <a:rPr lang="en-US" altLang="zh-TW" sz="2800" dirty="0" smtClean="0"/>
-              <a:t>Give it </a:t>
-            </a:r>
-            <a:r>
-              <a:rPr lang="en-US" altLang="zh-TW" sz="2800" dirty="0" smtClean="0"/>
-              <a:t>a try!  </a:t>
-            </a:r>
-            <a:r>
-              <a:rPr lang="en-US" altLang="zh-TW" sz="2800" dirty="0" smtClean="0"/>
-              <a:t>Change </a:t>
-            </a:r>
-            <a:r>
-              <a:rPr lang="en-US" altLang="zh-TW" sz="2800" dirty="0" smtClean="0"/>
-              <a:t>the “</a:t>
-            </a:r>
-            <a:r>
-              <a:rPr lang="en-US" altLang="zh-TW" sz="2800" dirty="0" smtClean="0"/>
-              <a:t>Hello world!” by pressing </a:t>
+              <a:t>Give it a try!  Change the “Hello world!” by pressing </a:t>
             </a:r>
             <a:r>
               <a:rPr lang="en-US" altLang="zh-TW" sz="2800" dirty="0" err="1" smtClean="0"/>
@@ -8247,7 +8449,7 @@
             <a:fld id="{61C9D09F-C6A3-454C-A042-D5DAFD494666}" type="slidenum">
               <a:rPr lang="zh-TW" altLang="en-US" smtClean="0"/>
               <a:pPr/>
-              <a:t>28</a:t>
+              <a:t>29</a:t>
             </a:fld>
             <a:endParaRPr lang="zh-TW" altLang="en-US"/>
           </a:p>
@@ -8575,7 +8777,7 @@
 </p:sld>
 </file>
 
-<file path=ppt/slides/slide29.xml><?xml version="1.0" encoding="utf-8"?>
+<file path=ppt/slides/slide3.xml><?xml version="1.0" encoding="utf-8"?>
 <p:sld xmlns:a="http://schemas.openxmlformats.org/drawingml/2006/main" xmlns:r="http://schemas.openxmlformats.org/officeDocument/2006/relationships" xmlns:p="http://schemas.openxmlformats.org/presentationml/2006/main">
   <p:cSld>
     <p:spTree>
@@ -8609,9 +8811,116 @@
           <a:p>
             <a:r>
               <a:rPr lang="en-US" altLang="zh-TW" dirty="0" smtClean="0"/>
-              <a:t>Basic Component</a:t>
+              <a:t>Brief History</a:t>
             </a:r>
             <a:endParaRPr lang="zh-TW" altLang="en-US" dirty="0"/>
+          </a:p>
+        </p:txBody>
+      </p:sp>
+      <p:sp>
+        <p:nvSpPr>
+          <p:cNvPr id="3" name="內容版面配置區 2"/>
+          <p:cNvSpPr>
+            <a:spLocks noGrp="1"/>
+          </p:cNvSpPr>
+          <p:nvPr>
+            <p:ph idx="1"/>
+          </p:nvPr>
+        </p:nvSpPr>
+        <p:spPr/>
+        <p:txBody>
+          <a:bodyPr/>
+          <a:lstStyle/>
+          <a:p>
+            <a:r>
+              <a:rPr lang="en-US" altLang="zh-TW" sz="2400" dirty="0"/>
+              <a:t>Foundation</a:t>
+            </a:r>
+            <a:endParaRPr lang="en-US" altLang="zh-TW" sz="2400" dirty="0" smtClean="0"/>
+          </a:p>
+          <a:p>
+            <a:pPr lvl="1"/>
+            <a:r>
+              <a:rPr lang="en-US" altLang="zh-TW" sz="2000" dirty="0" smtClean="0"/>
+              <a:t>Android, Inc. was founded in Palo Alto, California, U.S.A. by Andy Rubin, Rich Miner, Nick Sears and Chris White</a:t>
+            </a:r>
+          </a:p>
+          <a:p>
+            <a:r>
+              <a:rPr lang="en-US" altLang="zh-TW" sz="2400" dirty="0"/>
+              <a:t>Acquisition by </a:t>
+            </a:r>
+            <a:r>
+              <a:rPr lang="en-US" altLang="zh-TW" sz="2400" dirty="0" smtClean="0"/>
+              <a:t>Google</a:t>
+            </a:r>
+          </a:p>
+          <a:p>
+            <a:pPr lvl="1"/>
+            <a:r>
+              <a:rPr lang="en-US" altLang="zh-TW" sz="2000" dirty="0" smtClean="0"/>
+              <a:t>Google </a:t>
+            </a:r>
+            <a:r>
+              <a:rPr lang="en-US" altLang="zh-TW" sz="2000" dirty="0"/>
+              <a:t>acquired Android Inc. on August 17, </a:t>
+            </a:r>
+            <a:r>
+              <a:rPr lang="en-US" altLang="zh-TW" sz="2000" dirty="0" smtClean="0"/>
+              <a:t>2005</a:t>
+            </a:r>
+          </a:p>
+          <a:p>
+            <a:r>
+              <a:rPr lang="en-US" altLang="zh-TW" sz="2400" dirty="0" smtClean="0"/>
+              <a:t>HTC Dream  (T-Mobile G1)</a:t>
+            </a:r>
+          </a:p>
+          <a:p>
+            <a:pPr lvl="1"/>
+            <a:r>
+              <a:rPr lang="en-US" altLang="zh-TW" sz="2000" dirty="0" smtClean="0"/>
+              <a:t>The first android mobile phone</a:t>
+            </a:r>
+          </a:p>
+          <a:p>
+            <a:pPr lvl="1"/>
+            <a:r>
+              <a:rPr lang="en-US" altLang="zh-TW" sz="2000" dirty="0" smtClean="0"/>
+              <a:t>Released </a:t>
+            </a:r>
+            <a:r>
+              <a:rPr lang="en-US" altLang="zh-TW" sz="2000" dirty="0"/>
+              <a:t>in October </a:t>
+            </a:r>
+            <a:r>
+              <a:rPr lang="en-US" altLang="zh-TW" sz="2000" dirty="0" smtClean="0"/>
+              <a:t>2008</a:t>
+            </a:r>
+          </a:p>
+          <a:p>
+            <a:r>
+              <a:rPr lang="en-US" altLang="zh-TW" sz="2400" dirty="0"/>
+              <a:t>Android shipments in 2014 </a:t>
+            </a:r>
+            <a:endParaRPr lang="en-US" altLang="zh-TW" sz="2400" dirty="0" smtClean="0"/>
+          </a:p>
+          <a:p>
+            <a:pPr marL="0" indent="0">
+              <a:buNone/>
+            </a:pPr>
+            <a:r>
+              <a:rPr lang="en-US" altLang="zh-TW" sz="2400" dirty="0"/>
+              <a:t> </a:t>
+            </a:r>
+            <a:r>
+              <a:rPr lang="en-US" altLang="zh-TW" sz="2400" dirty="0" smtClean="0"/>
+              <a:t>    exceed </a:t>
+            </a:r>
+            <a:r>
+              <a:rPr lang="en-US" altLang="zh-TW" sz="2400" dirty="0"/>
+              <a:t>1 billion for first time</a:t>
+            </a:r>
           </a:p>
         </p:txBody>
       </p:sp>
@@ -8633,7 +8942,132 @@
             <a:fld id="{61C9D09F-C6A3-454C-A042-D5DAFD494666}" type="slidenum">
               <a:rPr lang="zh-TW" altLang="en-US" smtClean="0"/>
               <a:pPr/>
-              <a:t>29</a:t>
+              <a:t>3</a:t>
+            </a:fld>
+            <a:endParaRPr lang="zh-TW" altLang="en-US" dirty="0"/>
+          </a:p>
+        </p:txBody>
+      </p:sp>
+      <p:pic>
+        <p:nvPicPr>
+          <p:cNvPr id="1026" name="Picture 2" descr="T-Mobile G1 launch event 2.jpg"/>
+          <p:cNvPicPr>
+            <a:picLocks noChangeAspect="1" noChangeArrowheads="1"/>
+          </p:cNvPicPr>
+          <p:nvPr/>
+        </p:nvPicPr>
+        <p:blipFill>
+          <a:blip r:embed="rId2">
+            <a:extLst>
+              <a:ext uri="{28A0092B-C50C-407E-A947-70E740481C1C}">
+                <a14:useLocalDpi xmlns:a14="http://schemas.microsoft.com/office/drawing/2010/main" val="0"/>
+              </a:ext>
+            </a:extLst>
+          </a:blip>
+          <a:srcRect/>
+          <a:stretch>
+            <a:fillRect/>
+          </a:stretch>
+        </p:blipFill>
+        <p:spPr bwMode="auto">
+          <a:xfrm>
+            <a:off x="4860032" y="3751054"/>
+            <a:ext cx="3242642" cy="2605296"/>
+          </a:xfrm>
+          <a:prstGeom prst="rect">
+            <a:avLst/>
+          </a:prstGeom>
+          <a:noFill/>
+          <a:extLst>
+            <a:ext uri="{909E8E84-426E-40DD-AFC4-6F175D3DCCD1}">
+              <a14:hiddenFill xmlns:a14="http://schemas.microsoft.com/office/drawing/2010/main">
+                <a:solidFill>
+                  <a:srgbClr val="FFFFFF"/>
+                </a:solidFill>
+              </a14:hiddenFill>
+            </a:ext>
+          </a:extLst>
+        </p:spPr>
+      </p:pic>
+    </p:spTree>
+    <p:extLst>
+      <p:ext uri="{BB962C8B-B14F-4D97-AF65-F5344CB8AC3E}">
+        <p14:creationId xmlns:p14="http://schemas.microsoft.com/office/powerpoint/2010/main" val="1667164242"/>
+      </p:ext>
+    </p:extLst>
+  </p:cSld>
+  <p:clrMapOvr>
+    <a:masterClrMapping/>
+  </p:clrMapOvr>
+  <p:timing>
+    <p:tnLst>
+      <p:par>
+        <p:cTn id="1" dur="indefinite" restart="never" nodeType="tmRoot"/>
+      </p:par>
+    </p:tnLst>
+  </p:timing>
+</p:sld>
+</file>
+
+<file path=ppt/slides/slide30.xml><?xml version="1.0" encoding="utf-8"?>
+<p:sld xmlns:a="http://schemas.openxmlformats.org/drawingml/2006/main" xmlns:r="http://schemas.openxmlformats.org/officeDocument/2006/relationships" xmlns:p="http://schemas.openxmlformats.org/presentationml/2006/main">
+  <p:cSld>
+    <p:spTree>
+      <p:nvGrpSpPr>
+        <p:cNvPr id="1" name=""/>
+        <p:cNvGrpSpPr/>
+        <p:nvPr/>
+      </p:nvGrpSpPr>
+      <p:grpSpPr>
+        <a:xfrm>
+          <a:off x="0" y="0"/>
+          <a:ext cx="0" cy="0"/>
+          <a:chOff x="0" y="0"/>
+          <a:chExt cx="0" cy="0"/>
+        </a:xfrm>
+      </p:grpSpPr>
+      <p:sp>
+        <p:nvSpPr>
+          <p:cNvPr id="2" name="標題 1"/>
+          <p:cNvSpPr>
+            <a:spLocks noGrp="1"/>
+          </p:cNvSpPr>
+          <p:nvPr>
+            <p:ph type="title"/>
+          </p:nvPr>
+        </p:nvSpPr>
+        <p:spPr/>
+        <p:txBody>
+          <a:bodyPr/>
+          <a:lstStyle/>
+          <a:p>
+            <a:r>
+              <a:rPr lang="en-US" altLang="zh-TW" dirty="0" smtClean="0"/>
+              <a:t>Basic Component</a:t>
+            </a:r>
+            <a:endParaRPr lang="zh-TW" altLang="en-US" dirty="0"/>
+          </a:p>
+        </p:txBody>
+      </p:sp>
+      <p:sp>
+        <p:nvSpPr>
+          <p:cNvPr id="4" name="投影片編號版面配置區 3"/>
+          <p:cNvSpPr>
+            <a:spLocks noGrp="1"/>
+          </p:cNvSpPr>
+          <p:nvPr>
+            <p:ph type="sldNum" sz="quarter" idx="12"/>
+          </p:nvPr>
+        </p:nvSpPr>
+        <p:spPr/>
+        <p:txBody>
+          <a:bodyPr/>
+          <a:lstStyle/>
+          <a:p>
+            <a:fld id="{61C9D09F-C6A3-454C-A042-D5DAFD494666}" type="slidenum">
+              <a:rPr lang="zh-TW" altLang="en-US" smtClean="0"/>
+              <a:pPr/>
+              <a:t>30</a:t>
             </a:fld>
             <a:endParaRPr lang="zh-TW" altLang="en-US"/>
           </a:p>
@@ -9029,7 +9463,7 @@
 </p:sld>
 </file>
 
-<file path=ppt/slides/slide3.xml><?xml version="1.0" encoding="utf-8"?>
+<file path=ppt/slides/slide31.xml><?xml version="1.0" encoding="utf-8"?>
 <p:sld xmlns:a="http://schemas.openxmlformats.org/drawingml/2006/main" xmlns:r="http://schemas.openxmlformats.org/officeDocument/2006/relationships" xmlns:p="http://schemas.openxmlformats.org/presentationml/2006/main">
   <p:cSld>
     <p:spTree>
@@ -9048,297 +9482,6 @@
       </p:grpSpPr>
       <p:sp>
         <p:nvSpPr>
-          <p:cNvPr id="2" name="標題 1"/>
-          <p:cNvSpPr>
-            <a:spLocks noGrp="1"/>
-          </p:cNvSpPr>
-          <p:nvPr>
-            <p:ph type="title"/>
-          </p:nvPr>
-        </p:nvSpPr>
-        <p:spPr/>
-        <p:txBody>
-          <a:bodyPr>
-            <a:normAutofit/>
-          </a:bodyPr>
-          <a:lstStyle/>
-          <a:p>
-            <a:r>
-              <a:rPr lang="en-US" altLang="zh-TW" dirty="0" smtClean="0"/>
-              <a:t>What’s </a:t>
-            </a:r>
-            <a:r>
-              <a:rPr lang="en-US" altLang="zh-TW" dirty="0" smtClean="0"/>
-              <a:t>Android?</a:t>
-            </a:r>
-            <a:endParaRPr lang="zh-TW" altLang="en-US" dirty="0"/>
-          </a:p>
-        </p:txBody>
-      </p:sp>
-      <p:sp>
-        <p:nvSpPr>
-          <p:cNvPr id="3" name="內容版面配置區 2"/>
-          <p:cNvSpPr>
-            <a:spLocks noGrp="1"/>
-          </p:cNvSpPr>
-          <p:nvPr>
-            <p:ph idx="1"/>
-          </p:nvPr>
-        </p:nvSpPr>
-        <p:spPr/>
-        <p:txBody>
-          <a:bodyPr/>
-          <a:lstStyle/>
-          <a:p>
-            <a:pPr>
-              <a:lnSpc>
-                <a:spcPct val="80000"/>
-              </a:lnSpc>
-            </a:pPr>
-            <a:r>
-              <a:rPr lang="en-US" altLang="zh-TW" sz="2800" dirty="0" smtClean="0">
-                <a:ea typeface="新細明體" pitchFamily="18" charset="-120"/>
-              </a:rPr>
-              <a:t>A software stack for mobile devices that includes</a:t>
-            </a:r>
-          </a:p>
-          <a:p>
-            <a:pPr lvl="1">
-              <a:lnSpc>
-                <a:spcPct val="80000"/>
-              </a:lnSpc>
-            </a:pPr>
-            <a:r>
-              <a:rPr lang="en-US" altLang="zh-TW" sz="2400" dirty="0" smtClean="0">
-                <a:ea typeface="新細明體" pitchFamily="18" charset="-120"/>
-              </a:rPr>
-              <a:t>An operating </a:t>
-            </a:r>
-            <a:r>
-              <a:rPr lang="en-US" altLang="zh-TW" sz="2400" dirty="0" smtClean="0">
-                <a:ea typeface="新細明體" pitchFamily="18" charset="-120"/>
-              </a:rPr>
-              <a:t>system  (Linux based)</a:t>
-            </a:r>
-            <a:endParaRPr lang="en-US" altLang="zh-TW" sz="2400" dirty="0" smtClean="0">
-              <a:ea typeface="新細明體" pitchFamily="18" charset="-120"/>
-            </a:endParaRPr>
-          </a:p>
-          <a:p>
-            <a:pPr lvl="1">
-              <a:lnSpc>
-                <a:spcPct val="80000"/>
-              </a:lnSpc>
-            </a:pPr>
-            <a:r>
-              <a:rPr lang="en-US" altLang="zh-TW" sz="2400" dirty="0" smtClean="0">
-                <a:ea typeface="新細明體" pitchFamily="18" charset="-120"/>
-              </a:rPr>
-              <a:t>Middleware</a:t>
-            </a:r>
-          </a:p>
-          <a:p>
-            <a:pPr lvl="1">
-              <a:lnSpc>
-                <a:spcPct val="80000"/>
-              </a:lnSpc>
-            </a:pPr>
-            <a:r>
-              <a:rPr lang="en-US" altLang="zh-TW" sz="2400" dirty="0" smtClean="0">
-                <a:ea typeface="新細明體" pitchFamily="18" charset="-120"/>
-              </a:rPr>
-              <a:t>Key </a:t>
-            </a:r>
-            <a:r>
-              <a:rPr lang="en-US" altLang="zh-TW" sz="2400" dirty="0" smtClean="0">
-                <a:ea typeface="新細明體" pitchFamily="18" charset="-120"/>
-              </a:rPr>
-              <a:t>Applications</a:t>
-            </a:r>
-          </a:p>
-          <a:p>
-            <a:pPr lvl="1">
-              <a:lnSpc>
-                <a:spcPct val="80000"/>
-              </a:lnSpc>
-            </a:pPr>
-            <a:endParaRPr lang="en-US" altLang="zh-TW" sz="2400" dirty="0" smtClean="0">
-              <a:ea typeface="新細明體" pitchFamily="18" charset="-120"/>
-            </a:endParaRPr>
-          </a:p>
-          <a:p>
-            <a:pPr>
-              <a:lnSpc>
-                <a:spcPct val="80000"/>
-              </a:lnSpc>
-            </a:pPr>
-            <a:r>
-              <a:rPr lang="en-US" altLang="zh-TW" sz="2800" dirty="0" smtClean="0">
-                <a:ea typeface="新細明體" pitchFamily="18" charset="-120"/>
-              </a:rPr>
-              <a:t>Uses Linux to provide core system services</a:t>
-            </a:r>
-          </a:p>
-          <a:p>
-            <a:pPr lvl="1">
-              <a:lnSpc>
-                <a:spcPct val="80000"/>
-              </a:lnSpc>
-            </a:pPr>
-            <a:r>
-              <a:rPr lang="en-US" altLang="zh-TW" sz="2400" dirty="0" smtClean="0">
-                <a:ea typeface="新細明體" pitchFamily="18" charset="-120"/>
-              </a:rPr>
-              <a:t>Security</a:t>
-            </a:r>
-          </a:p>
-          <a:p>
-            <a:pPr lvl="1">
-              <a:lnSpc>
-                <a:spcPct val="80000"/>
-              </a:lnSpc>
-            </a:pPr>
-            <a:r>
-              <a:rPr lang="en-US" altLang="zh-TW" sz="2400" dirty="0" smtClean="0">
-                <a:ea typeface="新細明體" pitchFamily="18" charset="-120"/>
-              </a:rPr>
-              <a:t>Memory management</a:t>
-            </a:r>
-          </a:p>
-          <a:p>
-            <a:pPr lvl="1">
-              <a:lnSpc>
-                <a:spcPct val="80000"/>
-              </a:lnSpc>
-            </a:pPr>
-            <a:r>
-              <a:rPr lang="en-US" altLang="zh-TW" sz="2400" dirty="0" smtClean="0">
-                <a:ea typeface="新細明體" pitchFamily="18" charset="-120"/>
-              </a:rPr>
-              <a:t>Process management</a:t>
-            </a:r>
-          </a:p>
-          <a:p>
-            <a:pPr lvl="1">
-              <a:lnSpc>
-                <a:spcPct val="80000"/>
-              </a:lnSpc>
-            </a:pPr>
-            <a:r>
-              <a:rPr lang="en-US" altLang="zh-TW" sz="2400" dirty="0" smtClean="0">
-                <a:ea typeface="新細明體" pitchFamily="18" charset="-120"/>
-              </a:rPr>
-              <a:t>Power management</a:t>
-            </a:r>
-          </a:p>
-          <a:p>
-            <a:pPr lvl="1">
-              <a:lnSpc>
-                <a:spcPct val="80000"/>
-              </a:lnSpc>
-            </a:pPr>
-            <a:r>
-              <a:rPr lang="en-US" altLang="zh-TW" sz="2400" dirty="0" smtClean="0">
-                <a:ea typeface="新細明體" pitchFamily="18" charset="-120"/>
-              </a:rPr>
-              <a:t>Hardware drivers</a:t>
-            </a:r>
-          </a:p>
-          <a:p>
-            <a:endParaRPr lang="zh-TW" altLang="en-US" dirty="0"/>
-          </a:p>
-        </p:txBody>
-      </p:sp>
-      <p:sp>
-        <p:nvSpPr>
-          <p:cNvPr id="4" name="投影片編號版面配置區 3"/>
-          <p:cNvSpPr>
-            <a:spLocks noGrp="1"/>
-          </p:cNvSpPr>
-          <p:nvPr>
-            <p:ph type="sldNum" sz="quarter" idx="12"/>
-          </p:nvPr>
-        </p:nvSpPr>
-        <p:spPr/>
-        <p:txBody>
-          <a:bodyPr/>
-          <a:lstStyle/>
-          <a:p>
-            <a:fld id="{61C9D09F-C6A3-454C-A042-D5DAFD494666}" type="slidenum">
-              <a:rPr lang="zh-TW" altLang="en-US" smtClean="0"/>
-              <a:pPr/>
-              <a:t>3</a:t>
-            </a:fld>
-            <a:endParaRPr lang="zh-TW" altLang="en-US"/>
-          </a:p>
-        </p:txBody>
-      </p:sp>
-      <p:pic>
-        <p:nvPicPr>
-          <p:cNvPr id="5" name="Picture 2" descr="Android System Architecture"/>
-          <p:cNvPicPr>
-            <a:picLocks noChangeAspect="1" noChangeArrowheads="1"/>
-          </p:cNvPicPr>
-          <p:nvPr/>
-        </p:nvPicPr>
-        <p:blipFill>
-          <a:blip r:embed="rId2" cstate="print"/>
-          <a:srcRect/>
-          <a:stretch>
-            <a:fillRect/>
-          </a:stretch>
-        </p:blipFill>
-        <p:spPr bwMode="auto">
-          <a:xfrm>
-            <a:off x="827584" y="1196752"/>
-            <a:ext cx="7221076" cy="5184576"/>
-          </a:xfrm>
-          <a:prstGeom prst="rect">
-            <a:avLst/>
-          </a:prstGeom>
-          <a:noFill/>
-          <a:ln w="9525">
-            <a:noFill/>
-            <a:miter lim="800000"/>
-            <a:headEnd/>
-            <a:tailEnd/>
-          </a:ln>
-        </p:spPr>
-      </p:pic>
-    </p:spTree>
-  </p:cSld>
-  <p:clrMapOvr>
-    <a:masterClrMapping/>
-  </p:clrMapOvr>
-  <p:timing>
-    <p:tnLst>
-      <p:par>
-        <p:cTn id="1" dur="indefinite" restart="never" nodeType="tmRoot"/>
-      </p:par>
-    </p:tnLst>
-  </p:timing>
-</p:sld>
-</file>
-
-<file path=ppt/slides/slide30.xml><?xml version="1.0" encoding="utf-8"?>
-<p:sld xmlns:a="http://schemas.openxmlformats.org/drawingml/2006/main" xmlns:r="http://schemas.openxmlformats.org/officeDocument/2006/relationships" xmlns:p="http://schemas.openxmlformats.org/presentationml/2006/main">
-  <p:cSld>
-    <p:spTree>
-      <p:nvGrpSpPr>
-        <p:cNvPr id="1" name=""/>
-        <p:cNvGrpSpPr/>
-        <p:nvPr/>
-      </p:nvGrpSpPr>
-      <p:grpSpPr>
-        <a:xfrm>
-          <a:off x="0" y="0"/>
-          <a:ext cx="0" cy="0"/>
-          <a:chOff x="0" y="0"/>
-          <a:chExt cx="0" cy="0"/>
-        </a:xfrm>
-      </p:grpSpPr>
-      <p:sp>
-        <p:nvSpPr>
           <p:cNvPr id="3" name="內容版面配置區 2"/>
           <p:cNvSpPr>
             <a:spLocks noGrp="1"/>
@@ -9361,13 +9504,8 @@
           <a:p>
             <a:r>
               <a:rPr lang="en-US" altLang="zh-TW" dirty="0" smtClean="0"/>
-              <a:t>Set </a:t>
-            </a:r>
-            <a:r>
-              <a:rPr lang="en-US" altLang="zh-TW" dirty="0" smtClean="0"/>
-              <a:t>ID to each component</a:t>
-            </a:r>
-            <a:endParaRPr lang="en-US" altLang="zh-TW" dirty="0" smtClean="0"/>
+              <a:t>Set ID to each component</a:t>
+            </a:r>
           </a:p>
           <a:p>
             <a:pPr>
@@ -9399,7 +9537,7 @@
             <a:fld id="{61C9D09F-C6A3-454C-A042-D5DAFD494666}" type="slidenum">
               <a:rPr lang="zh-TW" altLang="en-US" smtClean="0"/>
               <a:pPr/>
-              <a:t>30</a:t>
+              <a:t>31</a:t>
             </a:fld>
             <a:endParaRPr lang="zh-TW" altLang="en-US"/>
           </a:p>
@@ -9634,7 +9772,7 @@
 </p:sld>
 </file>
 
-<file path=ppt/slides/slide31.xml><?xml version="1.0" encoding="utf-8"?>
+<file path=ppt/slides/slide32.xml><?xml version="1.0" encoding="utf-8"?>
 <p:sld xmlns:a="http://schemas.openxmlformats.org/drawingml/2006/main" xmlns:r="http://schemas.openxmlformats.org/officeDocument/2006/relationships" xmlns:p="http://schemas.openxmlformats.org/presentationml/2006/main">
   <p:cSld>
     <p:spTree>
@@ -9690,35 +9828,8 @@
               <a:rPr lang="en-US" altLang="zh-TW" dirty="0" smtClean="0">
                 <a:sym typeface="Wingdings" pitchFamily="2" charset="2"/>
               </a:rPr>
-              <a:t>() is the </a:t>
-            </a:r>
-            <a:r>
-              <a:rPr lang="en-US" altLang="zh-TW" dirty="0" smtClean="0">
-                <a:sym typeface="Wingdings" pitchFamily="2" charset="2"/>
-              </a:rPr>
-              <a:t>entry </a:t>
-            </a:r>
-            <a:r>
-              <a:rPr lang="en-US" altLang="zh-TW" dirty="0" smtClean="0">
-                <a:sym typeface="Wingdings" pitchFamily="2" charset="2"/>
-              </a:rPr>
-              <a:t>point of </a:t>
-            </a:r>
-            <a:r>
-              <a:rPr lang="en-US" altLang="zh-TW" dirty="0" smtClean="0">
-                <a:sym typeface="Wingdings" pitchFamily="2" charset="2"/>
-              </a:rPr>
-              <a:t>activity</a:t>
-            </a:r>
-            <a:r>
-              <a:rPr lang="en-US" altLang="zh-TW" dirty="0" smtClean="0">
-                <a:sym typeface="Wingdings" pitchFamily="2" charset="2"/>
-              </a:rPr>
-              <a:t>.</a:t>
-            </a:r>
-            <a:endParaRPr lang="en-US" altLang="zh-TW" dirty="0" smtClean="0">
-              <a:sym typeface="Wingdings" pitchFamily="2" charset="2"/>
-            </a:endParaRPr>
+              <a:t>() is the entry point of activity.</a:t>
+            </a:r>
           </a:p>
           <a:p>
             <a:pPr lvl="1"/>
@@ -9745,7 +9856,6 @@
               <a:rPr lang="en-US" altLang="zh-TW" dirty="0" smtClean="0"/>
               <a:t>Initial layout</a:t>
             </a:r>
-            <a:endParaRPr lang="en-US" altLang="zh-TW" dirty="0" smtClean="0"/>
           </a:p>
         </p:txBody>
       </p:sp>
@@ -9767,7 +9877,7 @@
             <a:fld id="{61C9D09F-C6A3-454C-A042-D5DAFD494666}" type="slidenum">
               <a:rPr lang="zh-TW" altLang="en-US" smtClean="0"/>
               <a:pPr/>
-              <a:t>31</a:t>
+              <a:t>32</a:t>
             </a:fld>
             <a:endParaRPr lang="zh-TW" altLang="en-US"/>
           </a:p>
@@ -9820,7 +9930,7 @@
 </p:sld>
 </file>
 
-<file path=ppt/slides/slide32.xml><?xml version="1.0" encoding="utf-8"?>
+<file path=ppt/slides/slide33.xml><?xml version="1.0" encoding="utf-8"?>
 <p:sld xmlns:a="http://schemas.openxmlformats.org/drawingml/2006/main" xmlns:r="http://schemas.openxmlformats.org/officeDocument/2006/relationships" xmlns:p="http://schemas.openxmlformats.org/presentationml/2006/main">
   <p:cSld>
     <p:spTree>
@@ -9889,13 +9999,8 @@
             <a:pPr lvl="1"/>
             <a:r>
               <a:rPr lang="en-US" altLang="zh-TW" dirty="0" smtClean="0"/>
-              <a:t>Create instance of Button and </a:t>
-            </a:r>
-            <a:r>
-              <a:rPr lang="en-US" altLang="zh-TW" dirty="0" err="1" smtClean="0"/>
-              <a:t>TextView</a:t>
-            </a:r>
-            <a:endParaRPr lang="en-US" altLang="zh-TW" dirty="0" smtClean="0"/>
+              <a:t>Create instance of Button and TextView</a:t>
+            </a:r>
           </a:p>
           <a:p>
             <a:pPr lvl="2"/>
@@ -9915,12 +10020,8 @@
           <a:p>
             <a:pPr lvl="2"/>
             <a:r>
-              <a:rPr lang="en-US" altLang="zh-TW" dirty="0" err="1" smtClean="0"/>
-              <a:t>TextView</a:t>
-            </a:r>
-            <a:r>
               <a:rPr lang="en-US" altLang="zh-TW" dirty="0" smtClean="0"/>
-              <a:t> </a:t>
+              <a:t>TextView </a:t>
             </a:r>
             <a:r>
               <a:rPr lang="en-US" altLang="zh-TW" dirty="0" err="1" smtClean="0"/>
@@ -9986,7 +10087,7 @@
             <a:fld id="{61C9D09F-C6A3-454C-A042-D5DAFD494666}" type="slidenum">
               <a:rPr lang="zh-TW" altLang="en-US" smtClean="0"/>
               <a:pPr/>
-              <a:t>32</a:t>
+              <a:t>33</a:t>
             </a:fld>
             <a:endParaRPr lang="zh-TW" altLang="en-US"/>
           </a:p>
@@ -10117,7 +10218,7 @@
 </p:sld>
 </file>
 
-<file path=ppt/slides/slide33.xml><?xml version="1.0" encoding="utf-8"?>
+<file path=ppt/slides/slide34.xml><?xml version="1.0" encoding="utf-8"?>
 <p:sld xmlns:a="http://schemas.openxmlformats.org/drawingml/2006/main" xmlns:r="http://schemas.openxmlformats.org/officeDocument/2006/relationships" xmlns:p="http://schemas.openxmlformats.org/presentationml/2006/main">
   <p:cSld>
     <p:spTree>
@@ -10233,7 +10334,7 @@
             <a:fld id="{61C9D09F-C6A3-454C-A042-D5DAFD494666}" type="slidenum">
               <a:rPr lang="zh-TW" altLang="en-US" smtClean="0"/>
               <a:pPr/>
-              <a:t>33</a:t>
+              <a:t>34</a:t>
             </a:fld>
             <a:endParaRPr lang="zh-TW" altLang="en-US"/>
           </a:p>
@@ -10286,7 +10387,7 @@
 </p:sld>
 </file>
 
-<file path=ppt/slides/slide34.xml><?xml version="1.0" encoding="utf-8"?>
+<file path=ppt/slides/slide35.xml><?xml version="1.0" encoding="utf-8"?>
 <p:sld xmlns:a="http://schemas.openxmlformats.org/drawingml/2006/main" xmlns:r="http://schemas.openxmlformats.org/officeDocument/2006/relationships" xmlns:p="http://schemas.openxmlformats.org/presentationml/2006/main">
   <p:cSld>
     <p:spTree>
@@ -10488,7 +10589,7 @@
             <a:fld id="{61C9D09F-C6A3-454C-A042-D5DAFD494666}" type="slidenum">
               <a:rPr lang="zh-TW" altLang="en-US" smtClean="0"/>
               <a:pPr/>
-              <a:t>34</a:t>
+              <a:t>35</a:t>
             </a:fld>
             <a:endParaRPr lang="zh-TW" altLang="en-US"/>
           </a:p>
@@ -10541,7 +10642,7 @@
 </p:sld>
 </file>
 
-<file path=ppt/slides/slide35.xml><?xml version="1.0" encoding="utf-8"?>
+<file path=ppt/slides/slide36.xml><?xml version="1.0" encoding="utf-8"?>
 <p:sld xmlns:a="http://schemas.openxmlformats.org/drawingml/2006/main" xmlns:r="http://schemas.openxmlformats.org/officeDocument/2006/relationships" xmlns:p="http://schemas.openxmlformats.org/presentationml/2006/main">
   <p:cSld>
     <p:spTree>
@@ -10609,7 +10710,7 @@
             <a:fld id="{61C9D09F-C6A3-454C-A042-D5DAFD494666}" type="slidenum">
               <a:rPr lang="zh-TW" altLang="en-US" smtClean="0"/>
               <a:pPr/>
-              <a:t>35</a:t>
+              <a:t>36</a:t>
             </a:fld>
             <a:endParaRPr lang="zh-TW" altLang="en-US"/>
           </a:p>
@@ -10662,7 +10763,7 @@
 </p:sld>
 </file>
 
-<file path=ppt/slides/slide36.xml><?xml version="1.0" encoding="utf-8"?>
+<file path=ppt/slides/slide37.xml><?xml version="1.0" encoding="utf-8"?>
 <p:sld xmlns:a="http://schemas.openxmlformats.org/drawingml/2006/main" xmlns:r="http://schemas.openxmlformats.org/officeDocument/2006/relationships" xmlns:p="http://schemas.openxmlformats.org/presentationml/2006/main">
   <p:cSld>
     <p:spTree>
@@ -10681,6 +10782,113 @@
       </p:grpSpPr>
       <p:sp>
         <p:nvSpPr>
+          <p:cNvPr id="2" name="標題 1"/>
+          <p:cNvSpPr>
+            <a:spLocks noGrp="1"/>
+          </p:cNvSpPr>
+          <p:nvPr>
+            <p:ph type="title"/>
+          </p:nvPr>
+        </p:nvSpPr>
+        <p:spPr/>
+        <p:txBody>
+          <a:bodyPr/>
+          <a:lstStyle/>
+          <a:p>
+            <a:r>
+              <a:rPr lang="en-US" altLang="zh-TW" dirty="0" smtClean="0"/>
+              <a:t>Activity</a:t>
+            </a:r>
+            <a:endParaRPr lang="zh-TW" altLang="en-US" dirty="0"/>
+          </a:p>
+        </p:txBody>
+      </p:sp>
+      <p:sp>
+        <p:nvSpPr>
+          <p:cNvPr id="3" name="內容版面配置區 2"/>
+          <p:cNvSpPr>
+            <a:spLocks noGrp="1"/>
+          </p:cNvSpPr>
+          <p:nvPr>
+            <p:ph idx="1"/>
+          </p:nvPr>
+        </p:nvSpPr>
+        <p:spPr/>
+        <p:txBody>
+          <a:bodyPr/>
+          <a:lstStyle/>
+          <a:p>
+            <a:r>
+              <a:rPr lang="en-US" altLang="zh-TW" dirty="0"/>
+              <a:t>An Activity is an application component that provides a screen with which users can interact in order to do something, such as dial the phone, take a photo, send an email, or view a map. Each activity is given a window in which to draw its user interface.</a:t>
+            </a:r>
+            <a:endParaRPr lang="zh-TW" altLang="en-US" dirty="0"/>
+          </a:p>
+        </p:txBody>
+      </p:sp>
+      <p:sp>
+        <p:nvSpPr>
+          <p:cNvPr id="4" name="投影片編號版面配置區 3"/>
+          <p:cNvSpPr>
+            <a:spLocks noGrp="1"/>
+          </p:cNvSpPr>
+          <p:nvPr>
+            <p:ph type="sldNum" sz="quarter" idx="12"/>
+          </p:nvPr>
+        </p:nvSpPr>
+        <p:spPr/>
+        <p:txBody>
+          <a:bodyPr/>
+          <a:lstStyle/>
+          <a:p>
+            <a:fld id="{61C9D09F-C6A3-454C-A042-D5DAFD494666}" type="slidenum">
+              <a:rPr lang="zh-TW" altLang="en-US" smtClean="0"/>
+              <a:pPr/>
+              <a:t>37</a:t>
+            </a:fld>
+            <a:endParaRPr lang="zh-TW" altLang="en-US"/>
+          </a:p>
+        </p:txBody>
+      </p:sp>
+    </p:spTree>
+    <p:extLst>
+      <p:ext uri="{BB962C8B-B14F-4D97-AF65-F5344CB8AC3E}">
+        <p14:creationId xmlns:p14="http://schemas.microsoft.com/office/powerpoint/2010/main" val="4075594646"/>
+      </p:ext>
+    </p:extLst>
+  </p:cSld>
+  <p:clrMapOvr>
+    <a:masterClrMapping/>
+  </p:clrMapOvr>
+  <p:timing>
+    <p:tnLst>
+      <p:par>
+        <p:cTn id="1" dur="indefinite" restart="never" nodeType="tmRoot"/>
+      </p:par>
+    </p:tnLst>
+  </p:timing>
+</p:sld>
+</file>
+
+<file path=ppt/slides/slide38.xml><?xml version="1.0" encoding="utf-8"?>
+<p:sld xmlns:a="http://schemas.openxmlformats.org/drawingml/2006/main" xmlns:r="http://schemas.openxmlformats.org/officeDocument/2006/relationships" xmlns:p="http://schemas.openxmlformats.org/presentationml/2006/main">
+  <p:cSld>
+    <p:spTree>
+      <p:nvGrpSpPr>
+        <p:cNvPr id="1" name=""/>
+        <p:cNvGrpSpPr/>
+        <p:nvPr/>
+      </p:nvGrpSpPr>
+      <p:grpSpPr>
+        <a:xfrm>
+          <a:off x="0" y="0"/>
+          <a:ext cx="0" cy="0"/>
+          <a:chOff x="0" y="0"/>
+          <a:chExt cx="0" cy="0"/>
+        </a:xfrm>
+      </p:grpSpPr>
+      <p:sp>
+        <p:nvSpPr>
           <p:cNvPr id="3" name="內容版面配置區 2"/>
           <p:cNvSpPr>
             <a:spLocks noGrp="1"/>
@@ -10727,7 +10935,7 @@
             <a:fld id="{61C9D09F-C6A3-454C-A042-D5DAFD494666}" type="slidenum">
               <a:rPr lang="zh-TW" altLang="en-US" smtClean="0"/>
               <a:pPr/>
-              <a:t>36</a:t>
+              <a:t>38</a:t>
             </a:fld>
             <a:endParaRPr lang="zh-TW" altLang="en-US"/>
           </a:p>
@@ -10774,7 +10982,7 @@
 </p:sld>
 </file>
 
-<file path=ppt/slides/slide37.xml><?xml version="1.0" encoding="utf-8"?>
+<file path=ppt/slides/slide39.xml><?xml version="1.0" encoding="utf-8"?>
 <p:sld xmlns:a="http://schemas.openxmlformats.org/drawingml/2006/main" xmlns:r="http://schemas.openxmlformats.org/officeDocument/2006/relationships" xmlns:p="http://schemas.openxmlformats.org/presentationml/2006/main">
   <p:cSld>
     <p:spTree>
@@ -10901,7 +11109,7 @@
             <a:fld id="{61C9D09F-C6A3-454C-A042-D5DAFD494666}" type="slidenum">
               <a:rPr lang="zh-TW" altLang="en-US" smtClean="0"/>
               <a:pPr/>
-              <a:t>37</a:t>
+              <a:t>39</a:t>
             </a:fld>
             <a:endParaRPr lang="zh-TW" altLang="en-US"/>
           </a:p>
@@ -10922,7 +11130,213 @@
 </p:sld>
 </file>
 
-<file path=ppt/slides/slide38.xml><?xml version="1.0" encoding="utf-8"?>
+<file path=ppt/slides/slide4.xml><?xml version="1.0" encoding="utf-8"?>
+<p:sld xmlns:a="http://schemas.openxmlformats.org/drawingml/2006/main" xmlns:r="http://schemas.openxmlformats.org/officeDocument/2006/relationships" xmlns:p="http://schemas.openxmlformats.org/presentationml/2006/main">
+  <p:cSld>
+    <p:spTree>
+      <p:nvGrpSpPr>
+        <p:cNvPr id="1" name=""/>
+        <p:cNvGrpSpPr/>
+        <p:nvPr/>
+      </p:nvGrpSpPr>
+      <p:grpSpPr>
+        <a:xfrm>
+          <a:off x="0" y="0"/>
+          <a:ext cx="0" cy="0"/>
+          <a:chOff x="0" y="0"/>
+          <a:chExt cx="0" cy="0"/>
+        </a:xfrm>
+      </p:grpSpPr>
+      <p:sp>
+        <p:nvSpPr>
+          <p:cNvPr id="2" name="標題 1"/>
+          <p:cNvSpPr>
+            <a:spLocks noGrp="1"/>
+          </p:cNvSpPr>
+          <p:nvPr>
+            <p:ph type="title"/>
+          </p:nvPr>
+        </p:nvSpPr>
+        <p:spPr/>
+        <p:txBody>
+          <a:bodyPr>
+            <a:normAutofit/>
+          </a:bodyPr>
+          <a:lstStyle/>
+          <a:p>
+            <a:r>
+              <a:rPr lang="en-US" altLang="zh-TW" dirty="0" smtClean="0"/>
+              <a:t>What’s Android?</a:t>
+            </a:r>
+            <a:endParaRPr lang="zh-TW" altLang="en-US" dirty="0"/>
+          </a:p>
+        </p:txBody>
+      </p:sp>
+      <p:sp>
+        <p:nvSpPr>
+          <p:cNvPr id="3" name="內容版面配置區 2"/>
+          <p:cNvSpPr>
+            <a:spLocks noGrp="1"/>
+          </p:cNvSpPr>
+          <p:nvPr>
+            <p:ph idx="1"/>
+          </p:nvPr>
+        </p:nvSpPr>
+        <p:spPr/>
+        <p:txBody>
+          <a:bodyPr/>
+          <a:lstStyle/>
+          <a:p>
+            <a:pPr>
+              <a:lnSpc>
+                <a:spcPct val="80000"/>
+              </a:lnSpc>
+            </a:pPr>
+            <a:r>
+              <a:rPr lang="en-US" altLang="zh-TW" sz="2800" dirty="0" smtClean="0">
+                <a:ea typeface="新細明體" pitchFamily="18" charset="-120"/>
+              </a:rPr>
+              <a:t>A software stack for mobile devices that includes</a:t>
+            </a:r>
+          </a:p>
+          <a:p>
+            <a:pPr lvl="1">
+              <a:lnSpc>
+                <a:spcPct val="80000"/>
+              </a:lnSpc>
+            </a:pPr>
+            <a:r>
+              <a:rPr lang="en-US" altLang="zh-TW" sz="2400" dirty="0" smtClean="0">
+                <a:ea typeface="新細明體" pitchFamily="18" charset="-120"/>
+              </a:rPr>
+              <a:t>Operating </a:t>
+            </a:r>
+            <a:r>
+              <a:rPr lang="en-US" altLang="zh-TW" sz="2400" dirty="0" smtClean="0">
+                <a:ea typeface="新細明體" pitchFamily="18" charset="-120"/>
+              </a:rPr>
+              <a:t>system  (Linux based)</a:t>
+            </a:r>
+          </a:p>
+          <a:p>
+            <a:pPr lvl="1">
+              <a:lnSpc>
+                <a:spcPct val="80000"/>
+              </a:lnSpc>
+            </a:pPr>
+            <a:r>
+              <a:rPr lang="en-US" altLang="zh-TW" sz="2400" dirty="0" smtClean="0">
+                <a:ea typeface="新細明體" pitchFamily="18" charset="-120"/>
+              </a:rPr>
+              <a:t>Middleware </a:t>
+            </a:r>
+          </a:p>
+          <a:p>
+            <a:pPr lvl="1">
+              <a:lnSpc>
+                <a:spcPct val="80000"/>
+              </a:lnSpc>
+            </a:pPr>
+            <a:r>
+              <a:rPr lang="en-US" altLang="zh-TW" sz="2400" dirty="0" smtClean="0">
+                <a:ea typeface="新細明體" pitchFamily="18" charset="-120"/>
+              </a:rPr>
+              <a:t>Key </a:t>
+            </a:r>
+            <a:r>
+              <a:rPr lang="en-US" altLang="zh-TW" sz="2400" dirty="0" smtClean="0">
+                <a:ea typeface="新細明體" pitchFamily="18" charset="-120"/>
+              </a:rPr>
+              <a:t>Applications</a:t>
+            </a:r>
+          </a:p>
+          <a:p>
+            <a:pPr lvl="1">
+              <a:lnSpc>
+                <a:spcPct val="80000"/>
+              </a:lnSpc>
+            </a:pPr>
+            <a:endParaRPr lang="en-US" altLang="zh-TW" sz="2400" dirty="0" smtClean="0">
+              <a:ea typeface="新細明體" pitchFamily="18" charset="-120"/>
+            </a:endParaRPr>
+          </a:p>
+          <a:p>
+            <a:endParaRPr lang="zh-TW" altLang="en-US" dirty="0"/>
+          </a:p>
+        </p:txBody>
+      </p:sp>
+      <p:sp>
+        <p:nvSpPr>
+          <p:cNvPr id="4" name="投影片編號版面配置區 3"/>
+          <p:cNvSpPr>
+            <a:spLocks noGrp="1"/>
+          </p:cNvSpPr>
+          <p:nvPr>
+            <p:ph type="sldNum" sz="quarter" idx="12"/>
+          </p:nvPr>
+        </p:nvSpPr>
+        <p:spPr/>
+        <p:txBody>
+          <a:bodyPr/>
+          <a:lstStyle/>
+          <a:p>
+            <a:fld id="{61C9D09F-C6A3-454C-A042-D5DAFD494666}" type="slidenum">
+              <a:rPr lang="zh-TW" altLang="en-US" smtClean="0"/>
+              <a:pPr/>
+              <a:t>4</a:t>
+            </a:fld>
+            <a:endParaRPr lang="zh-TW" altLang="en-US"/>
+          </a:p>
+        </p:txBody>
+      </p:sp>
+      <p:pic>
+        <p:nvPicPr>
+          <p:cNvPr id="5" name="Picture 2" descr="Android System Architecture"/>
+          <p:cNvPicPr>
+            <a:picLocks noChangeAspect="1" noChangeArrowheads="1"/>
+          </p:cNvPicPr>
+          <p:nvPr/>
+        </p:nvPicPr>
+        <p:blipFill>
+          <a:blip r:embed="rId2" cstate="print"/>
+          <a:srcRect/>
+          <a:stretch>
+            <a:fillRect/>
+          </a:stretch>
+        </p:blipFill>
+        <p:spPr bwMode="auto">
+          <a:xfrm>
+            <a:off x="2195736" y="3081564"/>
+            <a:ext cx="5112568" cy="3670713"/>
+          </a:xfrm>
+          <a:prstGeom prst="rect">
+            <a:avLst/>
+          </a:prstGeom>
+          <a:noFill/>
+          <a:ln w="9525">
+            <a:noFill/>
+            <a:miter lim="800000"/>
+            <a:headEnd/>
+            <a:tailEnd/>
+          </a:ln>
+        </p:spPr>
+      </p:pic>
+    </p:spTree>
+  </p:cSld>
+  <p:clrMapOvr>
+    <a:masterClrMapping/>
+  </p:clrMapOvr>
+  <p:timing>
+    <p:tnLst>
+      <p:par>
+        <p:cTn id="1" dur="indefinite" restart="never" nodeType="tmRoot"/>
+      </p:par>
+    </p:tnLst>
+  </p:timing>
+</p:sld>
+</file>
+
+<file path=ppt/slides/slide40.xml><?xml version="1.0" encoding="utf-8"?>
 <p:sld xmlns:a="http://schemas.openxmlformats.org/drawingml/2006/main" xmlns:r="http://schemas.openxmlformats.org/officeDocument/2006/relationships" xmlns:p="http://schemas.openxmlformats.org/presentationml/2006/main">
   <p:cSld>
     <p:spTree>
@@ -11137,7 +11551,7 @@
             <a:fld id="{61C9D09F-C6A3-454C-A042-D5DAFD494666}" type="slidenum">
               <a:rPr lang="zh-TW" altLang="en-US" smtClean="0"/>
               <a:pPr/>
-              <a:t>38</a:t>
+              <a:t>40</a:t>
             </a:fld>
             <a:endParaRPr lang="zh-TW" altLang="en-US"/>
           </a:p>
@@ -11158,7 +11572,7 @@
 </p:sld>
 </file>
 
-<file path=ppt/slides/slide39.xml><?xml version="1.0" encoding="utf-8"?>
+<file path=ppt/slides/slide41.xml><?xml version="1.0" encoding="utf-8"?>
 <p:sld xmlns:a="http://schemas.openxmlformats.org/drawingml/2006/main" xmlns:r="http://schemas.openxmlformats.org/officeDocument/2006/relationships" xmlns:p="http://schemas.openxmlformats.org/presentationml/2006/main">
   <p:cSld>
     <p:spTree>
@@ -11238,7 +11652,7 @@
             <a:fld id="{61C9D09F-C6A3-454C-A042-D5DAFD494666}" type="slidenum">
               <a:rPr lang="zh-TW" altLang="en-US" smtClean="0"/>
               <a:pPr/>
-              <a:t>39</a:t>
+              <a:t>41</a:t>
             </a:fld>
             <a:endParaRPr lang="zh-TW" altLang="en-US"/>
           </a:p>
@@ -11291,7 +11705,7 @@
 </p:sld>
 </file>
 
-<file path=ppt/slides/slide4.xml><?xml version="1.0" encoding="utf-8"?>
+<file path=ppt/slides/slide42.xml><?xml version="1.0" encoding="utf-8"?>
 <p:sld xmlns:a="http://schemas.openxmlformats.org/drawingml/2006/main" xmlns:r="http://schemas.openxmlformats.org/officeDocument/2006/relationships" xmlns:p="http://schemas.openxmlformats.org/presentationml/2006/main">
   <p:cSld>
     <p:spTree>
@@ -11320,14 +11734,12 @@
         </p:nvSpPr>
         <p:spPr/>
         <p:txBody>
-          <a:bodyPr>
-            <a:normAutofit/>
-          </a:bodyPr>
+          <a:bodyPr/>
           <a:lstStyle/>
           <a:p>
             <a:r>
               <a:rPr lang="en-US" altLang="zh-TW" dirty="0" smtClean="0"/>
-              <a:t>Environment setup (1/4)</a:t>
+              <a:t>Activity</a:t>
             </a:r>
             <a:endParaRPr lang="zh-TW" altLang="en-US" dirty="0"/>
           </a:p>
@@ -11348,111 +11760,13 @@
           <a:bodyPr/>
           <a:lstStyle/>
           <a:p>
-            <a:r>
-              <a:rPr lang="en-US" altLang="zh-TW" dirty="0" smtClean="0"/>
-              <a:t>Prerequisite :</a:t>
-            </a:r>
-          </a:p>
-          <a:p>
-            <a:pPr lvl="1"/>
-            <a:r>
-              <a:rPr lang="en-US" altLang="zh-TW" dirty="0" smtClean="0"/>
-              <a:t>IDE: Eclipse or Android Studio </a:t>
-            </a:r>
-            <a:r>
-              <a:rPr lang="en-US" altLang="zh-TW" dirty="0" smtClean="0">
-                <a:solidFill>
-                  <a:srgbClr val="FF0000"/>
-                </a:solidFill>
-              </a:rPr>
-              <a:t>(Recommended!!)</a:t>
-            </a:r>
-            <a:endParaRPr lang="en-US" altLang="zh-TW" dirty="0" smtClean="0">
-              <a:solidFill>
-                <a:srgbClr val="FF0000"/>
-              </a:solidFill>
-            </a:endParaRPr>
-          </a:p>
-          <a:p>
-            <a:pPr lvl="2"/>
-            <a:r>
-              <a:rPr lang="en-US" altLang="zh-TW" dirty="0" smtClean="0">
-                <a:solidFill>
-                  <a:schemeClr val="tx2"/>
-                </a:solidFill>
-                <a:hlinkClick r:id="rId2"/>
-              </a:rPr>
-              <a:t>http://</a:t>
-            </a:r>
-            <a:r>
-              <a:rPr lang="en-US" altLang="zh-TW" dirty="0" smtClean="0">
-                <a:solidFill>
-                  <a:schemeClr val="tx2"/>
-                </a:solidFill>
-                <a:hlinkClick r:id="rId2"/>
-              </a:rPr>
-              <a:t>developer.android.com/sdk/index.html</a:t>
-            </a:r>
-            <a:endParaRPr lang="en-US" altLang="zh-TW" dirty="0" smtClean="0">
-              <a:solidFill>
-                <a:schemeClr val="tx2"/>
-              </a:solidFill>
-            </a:endParaRPr>
-          </a:p>
-          <a:p>
-            <a:pPr lvl="2"/>
-            <a:r>
-              <a:rPr lang="en-US" altLang="zh-TW" dirty="0" smtClean="0"/>
-              <a:t>Android SDK </a:t>
-            </a:r>
-            <a:r>
-              <a:rPr lang="en-US" altLang="zh-TW" dirty="0" smtClean="0"/>
-              <a:t>Manager</a:t>
-            </a:r>
-            <a:endParaRPr lang="en-US" altLang="zh-TW" dirty="0" smtClean="0">
-              <a:solidFill>
-                <a:schemeClr val="tx2"/>
-              </a:solidFill>
-            </a:endParaRPr>
-          </a:p>
-          <a:p>
-            <a:pPr lvl="1"/>
-            <a:r>
-              <a:rPr lang="en-US" altLang="zh-TW" dirty="0" smtClean="0"/>
-              <a:t>JDK: Java Development Kit</a:t>
-            </a:r>
-          </a:p>
-          <a:p>
-            <a:pPr lvl="2"/>
-            <a:r>
-              <a:rPr lang="en-US" altLang="zh-TW" dirty="0" smtClean="0">
-                <a:solidFill>
-                  <a:schemeClr val="tx2"/>
-                </a:solidFill>
-                <a:hlinkClick r:id="rId3"/>
-              </a:rPr>
-              <a:t>http://</a:t>
-            </a:r>
-            <a:r>
-              <a:rPr lang="en-US" altLang="zh-TW" dirty="0" smtClean="0">
-                <a:solidFill>
-                  <a:schemeClr val="tx2"/>
-                </a:solidFill>
-                <a:hlinkClick r:id="rId3"/>
-              </a:rPr>
-              <a:t>www.oracle.com/technetwork/java/javase/downloads/jdk8-downloads-2133151.html</a:t>
-            </a:r>
-            <a:endParaRPr lang="en-US" altLang="zh-TW" dirty="0" smtClean="0">
-              <a:solidFill>
-                <a:schemeClr val="tx2"/>
-              </a:solidFill>
-            </a:endParaRPr>
-          </a:p>
-        </p:txBody>
-      </p:sp>
-      <p:sp>
-        <p:nvSpPr>
-          <p:cNvPr id="4" name="投影片編號版面配置區 3"/>
+            <a:endParaRPr lang="zh-TW" altLang="en-US" dirty="0"/>
+          </a:p>
+        </p:txBody>
+      </p:sp>
+      <p:sp>
+        <p:nvSpPr>
+          <p:cNvPr id="6" name="投影片編號版面配置區 5"/>
           <p:cNvSpPr>
             <a:spLocks noGrp="1"/>
           </p:cNvSpPr>
@@ -11468,105 +11782,7 @@
             <a:fld id="{61C9D09F-C6A3-454C-A042-D5DAFD494666}" type="slidenum">
               <a:rPr lang="zh-TW" altLang="en-US" smtClean="0"/>
               <a:pPr/>
-              <a:t>4</a:t>
-            </a:fld>
-            <a:endParaRPr lang="zh-TW" altLang="en-US"/>
-          </a:p>
-        </p:txBody>
-      </p:sp>
-    </p:spTree>
-  </p:cSld>
-  <p:clrMapOvr>
-    <a:masterClrMapping/>
-  </p:clrMapOvr>
-  <p:timing>
-    <p:tnLst>
-      <p:par>
-        <p:cTn id="1" dur="indefinite" restart="never" nodeType="tmRoot"/>
-      </p:par>
-    </p:tnLst>
-  </p:timing>
-</p:sld>
-</file>
-
-<file path=ppt/slides/slide40.xml><?xml version="1.0" encoding="utf-8"?>
-<p:sld xmlns:a="http://schemas.openxmlformats.org/drawingml/2006/main" xmlns:r="http://schemas.openxmlformats.org/officeDocument/2006/relationships" xmlns:p="http://schemas.openxmlformats.org/presentationml/2006/main">
-  <p:cSld>
-    <p:spTree>
-      <p:nvGrpSpPr>
-        <p:cNvPr id="1" name=""/>
-        <p:cNvGrpSpPr/>
-        <p:nvPr/>
-      </p:nvGrpSpPr>
-      <p:grpSpPr>
-        <a:xfrm>
-          <a:off x="0" y="0"/>
-          <a:ext cx="0" cy="0"/>
-          <a:chOff x="0" y="0"/>
-          <a:chExt cx="0" cy="0"/>
-        </a:xfrm>
-      </p:grpSpPr>
-      <p:sp>
-        <p:nvSpPr>
-          <p:cNvPr id="2" name="標題 1"/>
-          <p:cNvSpPr>
-            <a:spLocks noGrp="1"/>
-          </p:cNvSpPr>
-          <p:nvPr>
-            <p:ph type="title"/>
-          </p:nvPr>
-        </p:nvSpPr>
-        <p:spPr/>
-        <p:txBody>
-          <a:bodyPr/>
-          <a:lstStyle/>
-          <a:p>
-            <a:r>
-              <a:rPr lang="en-US" altLang="zh-TW" dirty="0" smtClean="0"/>
-              <a:t>Activity</a:t>
-            </a:r>
-            <a:endParaRPr lang="zh-TW" altLang="en-US" dirty="0"/>
-          </a:p>
-        </p:txBody>
-      </p:sp>
-      <p:sp>
-        <p:nvSpPr>
-          <p:cNvPr id="3" name="內容版面配置區 2"/>
-          <p:cNvSpPr>
-            <a:spLocks noGrp="1"/>
-          </p:cNvSpPr>
-          <p:nvPr>
-            <p:ph idx="1"/>
-          </p:nvPr>
-        </p:nvSpPr>
-        <p:spPr/>
-        <p:txBody>
-          <a:bodyPr/>
-          <a:lstStyle/>
-          <a:p>
-            <a:endParaRPr lang="zh-TW" altLang="en-US" dirty="0"/>
-          </a:p>
-        </p:txBody>
-      </p:sp>
-      <p:sp>
-        <p:nvSpPr>
-          <p:cNvPr id="6" name="投影片編號版面配置區 5"/>
-          <p:cNvSpPr>
-            <a:spLocks noGrp="1"/>
-          </p:cNvSpPr>
-          <p:nvPr>
-            <p:ph type="sldNum" sz="quarter" idx="12"/>
-          </p:nvPr>
-        </p:nvSpPr>
-        <p:spPr/>
-        <p:txBody>
-          <a:bodyPr/>
-          <a:lstStyle/>
-          <a:p>
-            <a:fld id="{61C9D09F-C6A3-454C-A042-D5DAFD494666}" type="slidenum">
-              <a:rPr lang="zh-TW" altLang="en-US" smtClean="0"/>
-              <a:pPr/>
-              <a:t>40</a:t>
+              <a:t>42</a:t>
             </a:fld>
             <a:endParaRPr lang="zh-TW" altLang="en-US"/>
           </a:p>
@@ -11619,7 +11835,7 @@
 </p:sld>
 </file>
 
-<file path=ppt/slides/slide41.xml><?xml version="1.0" encoding="utf-8"?>
+<file path=ppt/slides/slide43.xml><?xml version="1.0" encoding="utf-8"?>
 <p:sld xmlns:a="http://schemas.openxmlformats.org/drawingml/2006/main" xmlns:r="http://schemas.openxmlformats.org/officeDocument/2006/relationships" xmlns:p="http://schemas.openxmlformats.org/presentationml/2006/main">
   <p:cSld>
     <p:spTree>
@@ -11688,7 +11904,11 @@
             <a:pPr lvl="1"/>
             <a:r>
               <a:rPr lang="en-US" altLang="zh-TW" dirty="0" smtClean="0"/>
-              <a:t>Intent (</a:t>
+              <a:t>Intent </a:t>
+            </a:r>
+            <a:r>
+              <a:rPr lang="en-US" altLang="zh-TW" dirty="0" smtClean="0"/>
+              <a:t>class(</a:t>
             </a:r>
             <a:r>
               <a:rPr lang="zh-TW" altLang="en-US" dirty="0" smtClean="0"/>
@@ -11703,8 +11923,21 @@
             <a:pPr lvl="2"/>
             <a:r>
               <a:rPr lang="en-US" altLang="zh-TW" dirty="0" smtClean="0"/>
-              <a:t>Explicit intent</a:t>
-            </a:r>
+              <a:t>Explicit </a:t>
+            </a:r>
+            <a:r>
+              <a:rPr lang="en-US" altLang="zh-TW" dirty="0" smtClean="0"/>
+              <a:t>intent (</a:t>
+            </a:r>
+            <a:r>
+              <a:rPr lang="zh-TW" altLang="en-US" dirty="0" smtClean="0"/>
+              <a:t>顯性</a:t>
+            </a:r>
+            <a:r>
+              <a:rPr lang="en-US" altLang="zh-TW" dirty="0" smtClean="0"/>
+              <a:t>)</a:t>
+            </a:r>
+            <a:endParaRPr lang="en-US" altLang="zh-TW" dirty="0" smtClean="0"/>
           </a:p>
           <a:p>
             <a:pPr lvl="3"/>
@@ -11743,9 +11976,30 @@
           <a:p>
             <a:pPr lvl="2"/>
             <a:r>
+              <a:rPr lang="en-US" altLang="zh-TW" dirty="0"/>
+              <a:t>Implicit </a:t>
+            </a:r>
+            <a:r>
               <a:rPr lang="en-US" altLang="zh-TW" dirty="0" smtClean="0"/>
-              <a:t>Implicit intent</a:t>
-            </a:r>
+              <a:t>intent</a:t>
+            </a:r>
+            <a:r>
+              <a:rPr lang="zh-TW" altLang="en-US" dirty="0" smtClean="0"/>
+              <a:t> </a:t>
+            </a:r>
+            <a:r>
+              <a:rPr lang="en-US" altLang="zh-TW" dirty="0" smtClean="0"/>
+              <a:t>(</a:t>
+            </a:r>
+            <a:r>
+              <a:rPr lang="zh-TW" altLang="en-US" dirty="0" smtClean="0"/>
+              <a:t>隱性</a:t>
+            </a:r>
+            <a:r>
+              <a:rPr lang="en-US" altLang="zh-TW" dirty="0" smtClean="0"/>
+              <a:t>)</a:t>
+            </a:r>
+            <a:endParaRPr lang="en-US" altLang="zh-TW" dirty="0" smtClean="0"/>
           </a:p>
           <a:p>
             <a:pPr lvl="3"/>
@@ -11753,6 +12007,7 @@
               <a:rPr lang="en-US" altLang="zh-TW" dirty="0" smtClean="0"/>
               <a:t>Intent-filter</a:t>
             </a:r>
+            <a:endParaRPr lang="en-US" altLang="zh-TW" dirty="0" smtClean="0"/>
           </a:p>
         </p:txBody>
       </p:sp>
@@ -11774,7 +12029,7 @@
             <a:fld id="{61C9D09F-C6A3-454C-A042-D5DAFD494666}" type="slidenum">
               <a:rPr lang="zh-TW" altLang="en-US" smtClean="0"/>
               <a:pPr/>
-              <a:t>41</a:t>
+              <a:t>43</a:t>
             </a:fld>
             <a:endParaRPr lang="zh-TW" altLang="en-US" dirty="0"/>
           </a:p>
@@ -12113,7 +12368,7 @@
 </p:sld>
 </file>
 
-<file path=ppt/slides/slide42.xml><?xml version="1.0" encoding="utf-8"?>
+<file path=ppt/slides/slide44.xml><?xml version="1.0" encoding="utf-8"?>
 <p:sld xmlns:a="http://schemas.openxmlformats.org/drawingml/2006/main" xmlns:r="http://schemas.openxmlformats.org/officeDocument/2006/relationships" xmlns:p="http://schemas.openxmlformats.org/presentationml/2006/main">
   <p:cSld>
     <p:spTree>
@@ -12291,7 +12546,7 @@
             <a:fld id="{61C9D09F-C6A3-454C-A042-D5DAFD494666}" type="slidenum">
               <a:rPr lang="zh-TW" altLang="en-US" smtClean="0"/>
               <a:pPr/>
-              <a:t>42</a:t>
+              <a:t>44</a:t>
             </a:fld>
             <a:endParaRPr lang="zh-TW" altLang="en-US"/>
           </a:p>
@@ -12312,7 +12567,7 @@
 </p:sld>
 </file>
 
-<file path=ppt/slides/slide43.xml><?xml version="1.0" encoding="utf-8"?>
+<file path=ppt/slides/slide45.xml><?xml version="1.0" encoding="utf-8"?>
 <p:sld xmlns:a="http://schemas.openxmlformats.org/drawingml/2006/main" xmlns:r="http://schemas.openxmlformats.org/officeDocument/2006/relationships" xmlns:p="http://schemas.openxmlformats.org/presentationml/2006/main">
   <p:cSld>
     <p:spTree>
@@ -12474,7 +12729,7 @@
             <a:fld id="{61C9D09F-C6A3-454C-A042-D5DAFD494666}" type="slidenum">
               <a:rPr lang="zh-TW" altLang="en-US" smtClean="0"/>
               <a:pPr/>
-              <a:t>43</a:t>
+              <a:t>45</a:t>
             </a:fld>
             <a:endParaRPr lang="zh-TW" altLang="en-US"/>
           </a:p>
@@ -12527,7 +12782,7 @@
 </p:sld>
 </file>
 
-<file path=ppt/slides/slide44.xml><?xml version="1.0" encoding="utf-8"?>
+<file path=ppt/slides/slide46.xml><?xml version="1.0" encoding="utf-8"?>
 <p:sld xmlns:a="http://schemas.openxmlformats.org/drawingml/2006/main" xmlns:r="http://schemas.openxmlformats.org/officeDocument/2006/relationships" xmlns:p="http://schemas.openxmlformats.org/presentationml/2006/main">
   <p:cSld>
     <p:spTree>
@@ -12675,7 +12930,7 @@
             <a:fld id="{61C9D09F-C6A3-454C-A042-D5DAFD494666}" type="slidenum">
               <a:rPr lang="zh-TW" altLang="en-US" smtClean="0"/>
               <a:pPr/>
-              <a:t>44</a:t>
+              <a:t>46</a:t>
             </a:fld>
             <a:endParaRPr lang="zh-TW" altLang="en-US"/>
           </a:p>
@@ -12728,7 +12983,7 @@
 </p:sld>
 </file>
 
-<file path=ppt/slides/slide45.xml><?xml version="1.0" encoding="utf-8"?>
+<file path=ppt/slides/slide47.xml><?xml version="1.0" encoding="utf-8"?>
 <p:sld xmlns:a="http://schemas.openxmlformats.org/drawingml/2006/main" xmlns:r="http://schemas.openxmlformats.org/officeDocument/2006/relationships" xmlns:p="http://schemas.openxmlformats.org/presentationml/2006/main">
   <p:cSld>
     <p:spTree>
@@ -12786,7 +13041,7 @@
             <a:fld id="{61C9D09F-C6A3-454C-A042-D5DAFD494666}" type="slidenum">
               <a:rPr lang="zh-TW" altLang="en-US" smtClean="0"/>
               <a:pPr/>
-              <a:t>45</a:t>
+              <a:t>47</a:t>
             </a:fld>
             <a:endParaRPr lang="zh-TW" altLang="en-US"/>
           </a:p>
@@ -12839,7 +13094,7 @@
 </p:sld>
 </file>
 
-<file path=ppt/slides/slide46.xml><?xml version="1.0" encoding="utf-8"?>
+<file path=ppt/slides/slide48.xml><?xml version="1.0" encoding="utf-8"?>
 <p:sld xmlns:a="http://schemas.openxmlformats.org/drawingml/2006/main" xmlns:r="http://schemas.openxmlformats.org/officeDocument/2006/relationships" xmlns:p="http://schemas.openxmlformats.org/presentationml/2006/main">
   <p:cSld>
     <p:spTree>
@@ -12920,7 +13175,7 @@
             <a:fld id="{61C9D09F-C6A3-454C-A042-D5DAFD494666}" type="slidenum">
               <a:rPr lang="zh-TW" altLang="en-US" smtClean="0"/>
               <a:pPr/>
-              <a:t>46</a:t>
+              <a:t>48</a:t>
             </a:fld>
             <a:endParaRPr lang="zh-TW" altLang="en-US"/>
           </a:p>
@@ -12941,7 +13196,7 @@
 </p:sld>
 </file>
 
-<file path=ppt/slides/slide47.xml><?xml version="1.0" encoding="utf-8"?>
+<file path=ppt/slides/slide49.xml><?xml version="1.0" encoding="utf-8"?>
 <p:sld xmlns:a="http://schemas.openxmlformats.org/drawingml/2006/main" xmlns:r="http://schemas.openxmlformats.org/officeDocument/2006/relationships" xmlns:p="http://schemas.openxmlformats.org/presentationml/2006/main">
   <p:cSld>
     <p:spTree>
@@ -12999,7 +13254,7 @@
             <a:fld id="{61C9D09F-C6A3-454C-A042-D5DAFD494666}" type="slidenum">
               <a:rPr lang="zh-TW" altLang="en-US" smtClean="0"/>
               <a:pPr/>
-              <a:t>47</a:t>
+              <a:t>49</a:t>
             </a:fld>
             <a:endParaRPr lang="zh-TW" altLang="en-US"/>
           </a:p>
@@ -13052,7 +13307,7 @@
 </p:sld>
 </file>
 
-<file path=ppt/slides/slide48.xml><?xml version="1.0" encoding="utf-8"?>
+<file path=ppt/slides/slide5.xml><?xml version="1.0" encoding="utf-8"?>
 <p:sld xmlns:a="http://schemas.openxmlformats.org/drawingml/2006/main" xmlns:r="http://schemas.openxmlformats.org/officeDocument/2006/relationships" xmlns:p="http://schemas.openxmlformats.org/presentationml/2006/main">
   <p:cSld>
     <p:spTree>
@@ -13081,29 +13336,6 @@
         </p:nvSpPr>
         <p:spPr/>
         <p:txBody>
-          <a:bodyPr/>
-          <a:lstStyle/>
-          <a:p>
-            <a:r>
-              <a:rPr lang="en-US" altLang="zh-TW" dirty="0" smtClean="0"/>
-              <a:t>Function Demo</a:t>
-            </a:r>
-            <a:endParaRPr lang="zh-TW" altLang="en-US" dirty="0"/>
-          </a:p>
-        </p:txBody>
-      </p:sp>
-      <p:sp>
-        <p:nvSpPr>
-          <p:cNvPr id="3" name="內容版面配置區 2"/>
-          <p:cNvSpPr>
-            <a:spLocks noGrp="1"/>
-          </p:cNvSpPr>
-          <p:nvPr>
-            <p:ph idx="1"/>
-          </p:nvPr>
-        </p:nvSpPr>
-        <p:spPr/>
-        <p:txBody>
           <a:bodyPr>
             <a:normAutofit/>
           </a:bodyPr>
@@ -13111,29 +13343,96 @@
           <a:p>
             <a:r>
               <a:rPr lang="en-US" altLang="zh-TW" dirty="0" smtClean="0"/>
-              <a:t>Main Thread (UI Thread)</a:t>
+              <a:t>Environment setup (1/4)</a:t>
+            </a:r>
+            <a:endParaRPr lang="zh-TW" altLang="en-US" dirty="0"/>
+          </a:p>
+        </p:txBody>
+      </p:sp>
+      <p:sp>
+        <p:nvSpPr>
+          <p:cNvPr id="3" name="內容版面配置區 2"/>
+          <p:cNvSpPr>
+            <a:spLocks noGrp="1"/>
+          </p:cNvSpPr>
+          <p:nvPr>
+            <p:ph idx="1"/>
+          </p:nvPr>
+        </p:nvSpPr>
+        <p:spPr/>
+        <p:txBody>
+          <a:bodyPr/>
+          <a:lstStyle/>
+          <a:p>
+            <a:r>
+              <a:rPr lang="en-US" altLang="zh-TW" dirty="0" smtClean="0"/>
+              <a:t>Prerequisite :</a:t>
             </a:r>
           </a:p>
           <a:p>
             <a:pPr lvl="1"/>
             <a:r>
               <a:rPr lang="en-US" altLang="zh-TW" dirty="0" smtClean="0"/>
-              <a:t>Created when app starts.</a:t>
-            </a:r>
+              <a:t>IDE: Eclipse or Android </a:t>
+            </a:r>
+            <a:r>
+              <a:rPr lang="en-US" altLang="zh-TW" dirty="0" smtClean="0"/>
+              <a:t>Studio</a:t>
+            </a:r>
+          </a:p>
+          <a:p>
+            <a:pPr lvl="2"/>
+            <a:r>
+              <a:rPr lang="en-US" altLang="zh-TW" dirty="0" smtClean="0">
+                <a:solidFill>
+                  <a:schemeClr val="tx2"/>
+                </a:solidFill>
+                <a:hlinkClick r:id="rId2"/>
+              </a:rPr>
+              <a:t>http</a:t>
+            </a:r>
+            <a:r>
+              <a:rPr lang="en-US" altLang="zh-TW" dirty="0" smtClean="0">
+                <a:solidFill>
+                  <a:schemeClr val="tx2"/>
+                </a:solidFill>
+                <a:hlinkClick r:id="rId2"/>
+              </a:rPr>
+              <a:t>://developer.android.com/sdk/index.html</a:t>
+            </a:r>
+            <a:endParaRPr lang="en-US" altLang="zh-TW" dirty="0" smtClean="0">
+              <a:solidFill>
+                <a:schemeClr val="tx2"/>
+              </a:solidFill>
+            </a:endParaRPr>
           </a:p>
           <a:p>
             <a:pPr lvl="1"/>
             <a:r>
               <a:rPr lang="en-US" altLang="zh-TW" dirty="0" smtClean="0"/>
-              <a:t>ANR(Android is not responding) issue</a:t>
+              <a:t>JDK</a:t>
+            </a:r>
+            <a:r>
+              <a:rPr lang="en-US" altLang="zh-TW" dirty="0" smtClean="0"/>
+              <a:t>: Java Development Kit</a:t>
             </a:r>
           </a:p>
           <a:p>
             <a:pPr lvl="2"/>
             <a:r>
-              <a:rPr lang="en-US" altLang="zh-TW" dirty="0" smtClean="0"/>
-              <a:t>Perform a time-consuming  task. (e.g. Downloading, DB r/w)</a:t>
-            </a:r>
+              <a:rPr lang="en-US" altLang="zh-TW" dirty="0" smtClean="0">
+                <a:solidFill>
+                  <a:schemeClr val="tx2"/>
+                </a:solidFill>
+                <a:hlinkClick r:id="rId3"/>
+              </a:rPr>
+              <a:t>http://www.oracle.com/technetwork/java/javase/downloads/jdk8-downloads-2133151.html</a:t>
+            </a:r>
+            <a:endParaRPr lang="en-US" altLang="zh-TW" dirty="0" smtClean="0">
+              <a:solidFill>
+                <a:schemeClr val="tx2"/>
+              </a:solidFill>
+            </a:endParaRPr>
           </a:p>
         </p:txBody>
       </p:sp>
@@ -13155,7 +13454,160 @@
             <a:fld id="{61C9D09F-C6A3-454C-A042-D5DAFD494666}" type="slidenum">
               <a:rPr lang="zh-TW" altLang="en-US" smtClean="0"/>
               <a:pPr/>
-              <a:t>48</a:t>
+              <a:t>5</a:t>
+            </a:fld>
+            <a:endParaRPr lang="zh-TW" altLang="en-US"/>
+          </a:p>
+        </p:txBody>
+      </p:sp>
+    </p:spTree>
+  </p:cSld>
+  <p:clrMapOvr>
+    <a:masterClrMapping/>
+  </p:clrMapOvr>
+  <p:timing>
+    <p:tnLst>
+      <p:par>
+        <p:cTn id="1" dur="indefinite" restart="never" nodeType="tmRoot"/>
+      </p:par>
+    </p:tnLst>
+  </p:timing>
+</p:sld>
+</file>
+
+<file path=ppt/slides/slide50.xml><?xml version="1.0" encoding="utf-8"?>
+<p:sld xmlns:a="http://schemas.openxmlformats.org/drawingml/2006/main" xmlns:r="http://schemas.openxmlformats.org/officeDocument/2006/relationships" xmlns:p="http://schemas.openxmlformats.org/presentationml/2006/main">
+  <p:cSld>
+    <p:spTree>
+      <p:nvGrpSpPr>
+        <p:cNvPr id="1" name=""/>
+        <p:cNvGrpSpPr/>
+        <p:nvPr/>
+      </p:nvGrpSpPr>
+      <p:grpSpPr>
+        <a:xfrm>
+          <a:off x="0" y="0"/>
+          <a:ext cx="0" cy="0"/>
+          <a:chOff x="0" y="0"/>
+          <a:chExt cx="0" cy="0"/>
+        </a:xfrm>
+      </p:grpSpPr>
+      <p:sp>
+        <p:nvSpPr>
+          <p:cNvPr id="2" name="標題 1"/>
+          <p:cNvSpPr>
+            <a:spLocks noGrp="1"/>
+          </p:cNvSpPr>
+          <p:nvPr>
+            <p:ph type="title"/>
+          </p:nvPr>
+        </p:nvSpPr>
+        <p:spPr/>
+        <p:txBody>
+          <a:bodyPr/>
+          <a:lstStyle/>
+          <a:p>
+            <a:r>
+              <a:rPr lang="en-US" altLang="zh-TW" dirty="0" smtClean="0"/>
+              <a:t>Function Demo</a:t>
+            </a:r>
+            <a:endParaRPr lang="zh-TW" altLang="en-US" dirty="0"/>
+          </a:p>
+        </p:txBody>
+      </p:sp>
+      <p:sp>
+        <p:nvSpPr>
+          <p:cNvPr id="3" name="內容版面配置區 2"/>
+          <p:cNvSpPr>
+            <a:spLocks noGrp="1"/>
+          </p:cNvSpPr>
+          <p:nvPr>
+            <p:ph idx="1"/>
+          </p:nvPr>
+        </p:nvSpPr>
+        <p:spPr/>
+        <p:txBody>
+          <a:bodyPr>
+            <a:normAutofit/>
+          </a:bodyPr>
+          <a:lstStyle/>
+          <a:p>
+            <a:r>
+              <a:rPr lang="en-US" altLang="zh-TW" dirty="0" smtClean="0"/>
+              <a:t>Main Thread (UI Thread)</a:t>
+            </a:r>
+          </a:p>
+          <a:p>
+            <a:pPr lvl="1"/>
+            <a:r>
+              <a:rPr lang="en-US" altLang="zh-TW" dirty="0" smtClean="0"/>
+              <a:t>Created when app starts.</a:t>
+            </a:r>
+          </a:p>
+          <a:p>
+            <a:pPr lvl="1"/>
+            <a:r>
+              <a:rPr lang="en-US" altLang="zh-TW" dirty="0" smtClean="0"/>
+              <a:t>ANR(Android is not responding) issue</a:t>
+            </a:r>
+          </a:p>
+          <a:p>
+            <a:pPr lvl="2"/>
+            <a:r>
+              <a:rPr lang="en-US" altLang="zh-TW" dirty="0" smtClean="0"/>
+              <a:t>Perform a time-consuming  task. </a:t>
+            </a:r>
+            <a:endParaRPr lang="en-US" altLang="zh-TW" dirty="0" smtClean="0"/>
+          </a:p>
+          <a:p>
+            <a:pPr lvl="2"/>
+            <a:r>
+              <a:rPr lang="en-US" altLang="zh-TW" dirty="0" smtClean="0"/>
+              <a:t>(</a:t>
+            </a:r>
+            <a:r>
+              <a:rPr lang="en-US" altLang="zh-TW" dirty="0" smtClean="0"/>
+              <a:t>e.g. Downloading, </a:t>
+            </a:r>
+            <a:r>
+              <a:rPr lang="en-US" altLang="zh-TW" dirty="0" smtClean="0"/>
+              <a:t>Database </a:t>
+            </a:r>
+            <a:r>
+              <a:rPr lang="en-US" altLang="zh-TW" dirty="0"/>
+              <a:t>read</a:t>
+            </a:r>
+            <a:r>
+              <a:rPr lang="en-US" altLang="zh-TW" dirty="0" smtClean="0"/>
+              <a:t>/write</a:t>
+            </a:r>
+            <a:r>
+              <a:rPr lang="en-US" altLang="zh-TW" dirty="0" smtClean="0"/>
+              <a:t>)</a:t>
+            </a:r>
+            <a:endParaRPr lang="en-US" altLang="zh-TW" dirty="0" smtClean="0"/>
+          </a:p>
+        </p:txBody>
+      </p:sp>
+      <p:sp>
+        <p:nvSpPr>
+          <p:cNvPr id="4" name="投影片編號版面配置區 3"/>
+          <p:cNvSpPr>
+            <a:spLocks noGrp="1"/>
+          </p:cNvSpPr>
+          <p:nvPr>
+            <p:ph type="sldNum" sz="quarter" idx="12"/>
+          </p:nvPr>
+        </p:nvSpPr>
+        <p:spPr/>
+        <p:txBody>
+          <a:bodyPr/>
+          <a:lstStyle/>
+          <a:p>
+            <a:fld id="{61C9D09F-C6A3-454C-A042-D5DAFD494666}" type="slidenum">
+              <a:rPr lang="zh-TW" altLang="en-US" smtClean="0"/>
+              <a:pPr/>
+              <a:t>50</a:t>
             </a:fld>
             <a:endParaRPr lang="zh-TW" altLang="en-US"/>
           </a:p>
@@ -13208,7 +13660,7 @@
 </p:sld>
 </file>
 
-<file path=ppt/slides/slide49.xml><?xml version="1.0" encoding="utf-8"?>
+<file path=ppt/slides/slide51.xml><?xml version="1.0" encoding="utf-8"?>
 <p:sld xmlns:a="http://schemas.openxmlformats.org/drawingml/2006/main" xmlns:r="http://schemas.openxmlformats.org/officeDocument/2006/relationships" xmlns:p="http://schemas.openxmlformats.org/presentationml/2006/main">
   <p:cSld>
     <p:spTree>
@@ -13333,7 +13785,7 @@
             <a:fld id="{61C9D09F-C6A3-454C-A042-D5DAFD494666}" type="slidenum">
               <a:rPr lang="zh-TW" altLang="en-US" smtClean="0"/>
               <a:pPr/>
-              <a:t>49</a:t>
+              <a:t>51</a:t>
             </a:fld>
             <a:endParaRPr lang="zh-TW" altLang="en-US"/>
           </a:p>
@@ -13386,7 +13838,7 @@
 </p:sld>
 </file>
 
-<file path=ppt/slides/slide5.xml><?xml version="1.0" encoding="utf-8"?>
+<file path=ppt/slides/slide52.xml><?xml version="1.0" encoding="utf-8"?>
 <p:sld xmlns:a="http://schemas.openxmlformats.org/drawingml/2006/main" xmlns:r="http://schemas.openxmlformats.org/officeDocument/2006/relationships" xmlns:p="http://schemas.openxmlformats.org/presentationml/2006/main">
   <p:cSld>
     <p:spTree>
@@ -13420,7 +13872,7 @@
           <a:p>
             <a:r>
               <a:rPr lang="en-US" altLang="zh-TW" dirty="0" smtClean="0"/>
-              <a:t>Environment setup (2/4)</a:t>
+              <a:t>Function Demo</a:t>
             </a:r>
             <a:endParaRPr lang="zh-TW" altLang="en-US" dirty="0"/>
           </a:p>
@@ -13442,66 +13894,26 @@
           <a:lstStyle/>
           <a:p>
             <a:r>
-              <a:rPr lang="en-US" altLang="zh-TW" sz="3000" dirty="0" smtClean="0"/>
-              <a:t>Install IDE (Take </a:t>
-            </a:r>
-            <a:r>
-              <a:rPr lang="en-US" altLang="zh-TW" sz="3000" u="sng" dirty="0" smtClean="0">
-                <a:solidFill>
-                  <a:srgbClr val="FF0000"/>
-                </a:solidFill>
-              </a:rPr>
-              <a:t>Android Studio</a:t>
-            </a:r>
-            <a:r>
-              <a:rPr lang="en-US" altLang="zh-TW" sz="3000" dirty="0" smtClean="0"/>
-              <a:t> as example)</a:t>
+              <a:rPr lang="en-US" altLang="zh-TW" dirty="0" smtClean="0"/>
+              <a:t>Permission setting</a:t>
             </a:r>
           </a:p>
           <a:p>
             <a:pPr lvl="1"/>
             <a:r>
               <a:rPr lang="en-US" altLang="zh-TW" dirty="0" smtClean="0"/>
-              <a:t>Just press “Next” to finish the installation.</a:t>
-            </a:r>
-          </a:p>
-          <a:p>
-            <a:r>
-              <a:rPr lang="en-US" altLang="zh-TW" sz="3000" dirty="0" smtClean="0"/>
-              <a:t>Install Java Development Kit</a:t>
+              <a:t>AndroidManifest.xml</a:t>
             </a:r>
           </a:p>
           <a:p>
             <a:pPr lvl="1"/>
-            <a:r>
-              <a:rPr lang="fr-FR" altLang="zh-TW" sz="2300" dirty="0" smtClean="0"/>
-              <a:t>Add environment variable</a:t>
-            </a:r>
-          </a:p>
-          <a:p>
-            <a:pPr lvl="1"/>
-            <a:r>
-              <a:rPr lang="en-US" altLang="zh-TW" sz="2300" dirty="0" smtClean="0"/>
-              <a:t>Variable name: </a:t>
-            </a:r>
-            <a:r>
-              <a:rPr lang="fr-FR" altLang="zh-TW" sz="2300" b="1" dirty="0" smtClean="0"/>
-              <a:t>JAVA_HOME</a:t>
-            </a:r>
-          </a:p>
-          <a:p>
-            <a:pPr lvl="1"/>
-            <a:r>
-              <a:rPr lang="fr-FR" altLang="zh-TW" sz="2300" dirty="0" smtClean="0"/>
-              <a:t>Value: the root folder of JDK</a:t>
-            </a:r>
-            <a:endParaRPr lang="zh-TW" altLang="en-US" sz="2300" dirty="0"/>
-          </a:p>
-        </p:txBody>
-      </p:sp>
-      <p:sp>
-        <p:nvSpPr>
-          <p:cNvPr id="5" name="投影片編號版面配置區 4"/>
+            <a:endParaRPr lang="zh-TW" altLang="en-US" dirty="0"/>
+          </a:p>
+        </p:txBody>
+      </p:sp>
+      <p:sp>
+        <p:nvSpPr>
+          <p:cNvPr id="4" name="投影片編號版面配置區 3"/>
           <p:cNvSpPr>
             <a:spLocks noGrp="1"/>
           </p:cNvSpPr>
@@ -13517,7 +13929,596 @@
             <a:fld id="{61C9D09F-C6A3-454C-A042-D5DAFD494666}" type="slidenum">
               <a:rPr lang="zh-TW" altLang="en-US" smtClean="0"/>
               <a:pPr/>
-              <a:t>5</a:t>
+              <a:t>52</a:t>
+            </a:fld>
+            <a:endParaRPr lang="zh-TW" altLang="en-US"/>
+          </a:p>
+        </p:txBody>
+      </p:sp>
+      <p:pic>
+        <p:nvPicPr>
+          <p:cNvPr id="4098" name="Picture 2"/>
+          <p:cNvPicPr>
+            <a:picLocks noChangeAspect="1" noChangeArrowheads="1"/>
+          </p:cNvPicPr>
+          <p:nvPr/>
+        </p:nvPicPr>
+        <p:blipFill>
+          <a:blip r:embed="rId2" cstate="print"/>
+          <a:srcRect/>
+          <a:stretch>
+            <a:fillRect/>
+          </a:stretch>
+        </p:blipFill>
+        <p:spPr bwMode="auto">
+          <a:xfrm>
+            <a:off x="1049238" y="2708920"/>
+            <a:ext cx="6115050" cy="3219450"/>
+          </a:xfrm>
+          <a:prstGeom prst="rect">
+            <a:avLst/>
+          </a:prstGeom>
+          <a:noFill/>
+          <a:ln w="9525">
+            <a:noFill/>
+            <a:miter lim="800000"/>
+            <a:headEnd/>
+            <a:tailEnd/>
+          </a:ln>
+        </p:spPr>
+      </p:pic>
+    </p:spTree>
+  </p:cSld>
+  <p:clrMapOvr>
+    <a:masterClrMapping/>
+  </p:clrMapOvr>
+  <p:timing>
+    <p:tnLst>
+      <p:par>
+        <p:cTn id="1" dur="indefinite" restart="never" nodeType="tmRoot"/>
+      </p:par>
+    </p:tnLst>
+  </p:timing>
+</p:sld>
+</file>
+
+<file path=ppt/slides/slide53.xml><?xml version="1.0" encoding="utf-8"?>
+<p:sld xmlns:a="http://schemas.openxmlformats.org/drawingml/2006/main" xmlns:r="http://schemas.openxmlformats.org/officeDocument/2006/relationships" xmlns:p="http://schemas.openxmlformats.org/presentationml/2006/main">
+  <p:cSld>
+    <p:spTree>
+      <p:nvGrpSpPr>
+        <p:cNvPr id="1" name=""/>
+        <p:cNvGrpSpPr/>
+        <p:nvPr/>
+      </p:nvGrpSpPr>
+      <p:grpSpPr>
+        <a:xfrm>
+          <a:off x="0" y="0"/>
+          <a:ext cx="0" cy="0"/>
+          <a:chOff x="0" y="0"/>
+          <a:chExt cx="0" cy="0"/>
+        </a:xfrm>
+      </p:grpSpPr>
+      <p:sp>
+        <p:nvSpPr>
+          <p:cNvPr id="2" name="標題 1"/>
+          <p:cNvSpPr>
+            <a:spLocks noGrp="1"/>
+          </p:cNvSpPr>
+          <p:nvPr>
+            <p:ph type="title"/>
+          </p:nvPr>
+        </p:nvSpPr>
+        <p:spPr/>
+        <p:txBody>
+          <a:bodyPr/>
+          <a:lstStyle/>
+          <a:p>
+            <a:r>
+              <a:rPr lang="en-US" altLang="zh-TW" dirty="0" smtClean="0"/>
+              <a:t>The other important component</a:t>
+            </a:r>
+            <a:endParaRPr lang="zh-TW" altLang="en-US" dirty="0"/>
+          </a:p>
+        </p:txBody>
+      </p:sp>
+      <p:sp>
+        <p:nvSpPr>
+          <p:cNvPr id="3" name="內容版面配置區 2"/>
+          <p:cNvSpPr>
+            <a:spLocks noGrp="1"/>
+          </p:cNvSpPr>
+          <p:nvPr>
+            <p:ph idx="1"/>
+          </p:nvPr>
+        </p:nvSpPr>
+        <p:spPr/>
+        <p:txBody>
+          <a:bodyPr>
+            <a:normAutofit/>
+          </a:bodyPr>
+          <a:lstStyle/>
+          <a:p>
+            <a:r>
+              <a:rPr lang="en-US" altLang="zh-TW" sz="2300" dirty="0" smtClean="0"/>
+              <a:t>Service</a:t>
+            </a:r>
+          </a:p>
+          <a:p>
+            <a:pPr lvl="1"/>
+            <a:r>
+              <a:rPr lang="en-US" altLang="zh-TW" sz="2000" dirty="0" smtClean="0"/>
+              <a:t>No UI</a:t>
+            </a:r>
+          </a:p>
+          <a:p>
+            <a:pPr lvl="1"/>
+            <a:r>
+              <a:rPr lang="en-US" altLang="zh-TW" sz="2000" dirty="0" smtClean="0"/>
+              <a:t>Always works in the background.</a:t>
+            </a:r>
+          </a:p>
+          <a:p>
+            <a:pPr lvl="1"/>
+            <a:r>
+              <a:rPr lang="en-US" altLang="zh-TW" sz="2000" dirty="0" smtClean="0"/>
+              <a:t>Play music, or data download.</a:t>
+            </a:r>
+            <a:endParaRPr lang="en-US" altLang="zh-TW" sz="2000" dirty="0" smtClean="0"/>
+          </a:p>
+          <a:p>
+            <a:r>
+              <a:rPr lang="en-US" altLang="zh-TW" sz="2300" dirty="0" smtClean="0"/>
+              <a:t>Broadcast </a:t>
+            </a:r>
+            <a:r>
+              <a:rPr lang="en-US" altLang="zh-TW" sz="2300" dirty="0" smtClean="0"/>
+              <a:t>receiver</a:t>
+            </a:r>
+          </a:p>
+          <a:p>
+            <a:r>
+              <a:rPr lang="en-US" altLang="zh-TW" sz="2300" dirty="0" smtClean="0"/>
+              <a:t>Content </a:t>
+            </a:r>
+            <a:r>
+              <a:rPr lang="en-US" altLang="zh-TW" sz="2300" dirty="0" smtClean="0"/>
+              <a:t>Provider</a:t>
+            </a:r>
+          </a:p>
+          <a:p>
+            <a:pPr lvl="1"/>
+            <a:r>
+              <a:rPr lang="en-US" altLang="zh-TW" sz="2000" dirty="0" smtClean="0"/>
+              <a:t>Cross-process data exchange</a:t>
+            </a:r>
+            <a:endParaRPr lang="zh-TW" altLang="en-US" sz="2000" dirty="0"/>
+          </a:p>
+        </p:txBody>
+      </p:sp>
+      <p:sp>
+        <p:nvSpPr>
+          <p:cNvPr id="4" name="投影片編號版面配置區 3"/>
+          <p:cNvSpPr>
+            <a:spLocks noGrp="1"/>
+          </p:cNvSpPr>
+          <p:nvPr>
+            <p:ph type="sldNum" sz="quarter" idx="12"/>
+          </p:nvPr>
+        </p:nvSpPr>
+        <p:spPr/>
+        <p:txBody>
+          <a:bodyPr/>
+          <a:lstStyle/>
+          <a:p>
+            <a:fld id="{61C9D09F-C6A3-454C-A042-D5DAFD494666}" type="slidenum">
+              <a:rPr lang="zh-TW" altLang="en-US" smtClean="0"/>
+              <a:pPr/>
+              <a:t>53</a:t>
+            </a:fld>
+            <a:endParaRPr lang="zh-TW" altLang="en-US"/>
+          </a:p>
+        </p:txBody>
+      </p:sp>
+    </p:spTree>
+  </p:cSld>
+  <p:clrMapOvr>
+    <a:masterClrMapping/>
+  </p:clrMapOvr>
+  <p:timing>
+    <p:tnLst>
+      <p:par>
+        <p:cTn id="1" dur="indefinite" restart="never" nodeType="tmRoot"/>
+      </p:par>
+    </p:tnLst>
+  </p:timing>
+</p:sld>
+</file>
+
+<file path=ppt/slides/slide54.xml><?xml version="1.0" encoding="utf-8"?>
+<p:sld xmlns:a="http://schemas.openxmlformats.org/drawingml/2006/main" xmlns:r="http://schemas.openxmlformats.org/officeDocument/2006/relationships" xmlns:p="http://schemas.openxmlformats.org/presentationml/2006/main">
+  <p:cSld>
+    <p:spTree>
+      <p:nvGrpSpPr>
+        <p:cNvPr id="1" name=""/>
+        <p:cNvGrpSpPr/>
+        <p:nvPr/>
+      </p:nvGrpSpPr>
+      <p:grpSpPr>
+        <a:xfrm>
+          <a:off x="0" y="0"/>
+          <a:ext cx="0" cy="0"/>
+          <a:chOff x="0" y="0"/>
+          <a:chExt cx="0" cy="0"/>
+        </a:xfrm>
+      </p:grpSpPr>
+      <p:sp>
+        <p:nvSpPr>
+          <p:cNvPr id="2" name="標題 1"/>
+          <p:cNvSpPr>
+            <a:spLocks noGrp="1"/>
+          </p:cNvSpPr>
+          <p:nvPr>
+            <p:ph type="title"/>
+          </p:nvPr>
+        </p:nvSpPr>
+        <p:spPr/>
+        <p:txBody>
+          <a:bodyPr/>
+          <a:lstStyle/>
+          <a:p>
+            <a:r>
+              <a:rPr lang="en-US" altLang="zh-TW" dirty="0" smtClean="0"/>
+              <a:t>Reference</a:t>
+            </a:r>
+            <a:endParaRPr lang="zh-TW" altLang="en-US" dirty="0"/>
+          </a:p>
+        </p:txBody>
+      </p:sp>
+      <p:sp>
+        <p:nvSpPr>
+          <p:cNvPr id="3" name="內容版面配置區 2"/>
+          <p:cNvSpPr>
+            <a:spLocks noGrp="1"/>
+          </p:cNvSpPr>
+          <p:nvPr>
+            <p:ph idx="1"/>
+          </p:nvPr>
+        </p:nvSpPr>
+        <p:spPr/>
+        <p:txBody>
+          <a:bodyPr>
+            <a:normAutofit fontScale="92500" lnSpcReduction="10000"/>
+          </a:bodyPr>
+          <a:lstStyle/>
+          <a:p>
+            <a:pPr marL="457200" indent="-457200">
+              <a:buFont typeface="+mj-lt"/>
+              <a:buAutoNum type="arabicPeriod"/>
+            </a:pPr>
+            <a:r>
+              <a:rPr lang="en-US" altLang="zh-TW" sz="2400" dirty="0" smtClean="0"/>
+              <a:t>Android Developer - </a:t>
+            </a:r>
+            <a:r>
+              <a:rPr lang="en-US" altLang="zh-TW" sz="2400" dirty="0" smtClean="0">
+                <a:hlinkClick r:id="rId2"/>
+              </a:rPr>
+              <a:t>http://developer.android.com/develop/index.html</a:t>
+            </a:r>
+            <a:endParaRPr lang="en-US" altLang="zh-TW" sz="2400" dirty="0" smtClean="0"/>
+          </a:p>
+          <a:p>
+            <a:pPr marL="457200" indent="-457200">
+              <a:buFont typeface="+mj-lt"/>
+              <a:buAutoNum type="arabicPeriod"/>
+            </a:pPr>
+            <a:r>
+              <a:rPr lang="en-US" altLang="zh-TW" sz="2400" dirty="0" err="1" smtClean="0"/>
+              <a:t>CodeData</a:t>
+            </a:r>
+            <a:r>
+              <a:rPr lang="en-US" altLang="zh-TW" sz="2400" dirty="0" smtClean="0"/>
+              <a:t> - </a:t>
+            </a:r>
+            <a:r>
+              <a:rPr lang="en-US" altLang="zh-TW" sz="2400" dirty="0" smtClean="0">
+                <a:hlinkClick r:id="rId3"/>
+              </a:rPr>
+              <a:t>http://www.codedata.com.tw/mobile/android-tutorial-the-2nd-class-2-ui/</a:t>
+            </a:r>
+            <a:endParaRPr lang="en-US" altLang="zh-TW" sz="2400" dirty="0" smtClean="0"/>
+          </a:p>
+          <a:p>
+            <a:pPr marL="457200" indent="-457200">
+              <a:buFont typeface="+mj-lt"/>
+              <a:buAutoNum type="arabicPeriod"/>
+            </a:pPr>
+            <a:r>
+              <a:rPr lang="en-US" altLang="zh-TW" sz="2400" dirty="0" smtClean="0"/>
+              <a:t>Implicit activity -</a:t>
+            </a:r>
+            <a:r>
+              <a:rPr lang="en-US" altLang="zh-TW" sz="2400" dirty="0" smtClean="0">
+                <a:hlinkClick r:id="rId4"/>
+              </a:rPr>
+              <a:t>http://blog.csdn.net/xln0130/article/details/6721561</a:t>
+            </a:r>
+            <a:endParaRPr lang="en-US" altLang="zh-TW" sz="2400" dirty="0" smtClean="0"/>
+          </a:p>
+          <a:p>
+            <a:pPr marL="457200" indent="-457200">
+              <a:buFont typeface="+mj-lt"/>
+              <a:buAutoNum type="arabicPeriod"/>
+            </a:pPr>
+            <a:r>
+              <a:rPr lang="en-US" altLang="zh-TW" sz="2400" dirty="0" err="1" smtClean="0"/>
+              <a:t>AsyncTask</a:t>
+            </a:r>
+            <a:r>
+              <a:rPr lang="en-US" altLang="zh-TW" sz="2400" dirty="0" smtClean="0"/>
+              <a:t> </a:t>
+            </a:r>
+            <a:r>
+              <a:rPr lang="en-US" altLang="zh-TW" sz="2400" dirty="0" smtClean="0"/>
+              <a:t>-</a:t>
+            </a:r>
+            <a:r>
+              <a:rPr lang="en-US" altLang="zh-TW" sz="2400" dirty="0" smtClean="0">
+                <a:hlinkClick r:id="rId5"/>
+              </a:rPr>
+              <a:t>http</a:t>
+            </a:r>
+            <a:r>
+              <a:rPr lang="en-US" altLang="zh-TW" sz="2400" dirty="0" smtClean="0">
+                <a:hlinkClick r:id="rId5"/>
+              </a:rPr>
+              <a:t>://developer.android.com/reference/android/os/AsyncTask.html</a:t>
+            </a:r>
+            <a:endParaRPr lang="en-US" altLang="zh-TW" sz="2400" dirty="0" smtClean="0"/>
+          </a:p>
+          <a:p>
+            <a:pPr marL="457200" indent="-457200">
+              <a:buFont typeface="+mj-lt"/>
+              <a:buAutoNum type="arabicPeriod"/>
+            </a:pPr>
+            <a:r>
+              <a:rPr lang="en-US" altLang="zh-TW" sz="2400" dirty="0" err="1" smtClean="0"/>
+              <a:t>Genymotion</a:t>
+            </a:r>
+            <a:r>
+              <a:rPr lang="en-US" altLang="zh-TW" sz="2400" dirty="0" smtClean="0"/>
+              <a:t> (3</a:t>
+            </a:r>
+            <a:r>
+              <a:rPr lang="en-US" altLang="zh-TW" sz="2400" baseline="30000" dirty="0" smtClean="0"/>
+              <a:t>rd</a:t>
+            </a:r>
+            <a:r>
+              <a:rPr lang="en-US" altLang="zh-TW" sz="2400" dirty="0" smtClean="0"/>
+              <a:t>-party Android Emulator)  -</a:t>
+            </a:r>
+          </a:p>
+          <a:p>
+            <a:pPr>
+              <a:buNone/>
+            </a:pPr>
+            <a:r>
+              <a:rPr lang="en-US" altLang="zh-TW" sz="2400" dirty="0" smtClean="0"/>
+              <a:t>     </a:t>
+            </a:r>
+            <a:r>
+              <a:rPr lang="en-US" altLang="zh-TW" sz="2400" dirty="0" smtClean="0">
+                <a:hlinkClick r:id="rId6"/>
+              </a:rPr>
+              <a:t>https://www.genymotion.com</a:t>
+            </a:r>
+            <a:r>
+              <a:rPr lang="en-US" altLang="zh-TW" sz="2400" dirty="0" smtClean="0">
+                <a:hlinkClick r:id="rId6"/>
+              </a:rPr>
+              <a:t>/</a:t>
+            </a:r>
+            <a:endParaRPr lang="en-US" altLang="zh-TW" sz="2400" dirty="0" smtClean="0"/>
+          </a:p>
+          <a:p>
+            <a:pPr>
+              <a:buNone/>
+            </a:pPr>
+            <a:r>
+              <a:rPr lang="en-US" altLang="zh-TW" sz="2400" dirty="0"/>
+              <a:t>6. </a:t>
+            </a:r>
+            <a:r>
+              <a:rPr lang="en-US" altLang="zh-TW" sz="2400" dirty="0" smtClean="0"/>
+              <a:t>	  Android History - </a:t>
+            </a:r>
+            <a:r>
+              <a:rPr lang="en-US" altLang="zh-TW" sz="2400" dirty="0" smtClean="0">
+                <a:hlinkClick r:id="rId7"/>
+              </a:rPr>
+              <a:t>http</a:t>
+            </a:r>
+            <a:r>
+              <a:rPr lang="en-US" altLang="zh-TW" sz="2400" dirty="0">
+                <a:hlinkClick r:id="rId7"/>
+              </a:rPr>
+              <a:t>://www.xcubelabs.com/images/android-infograph-live.png</a:t>
+            </a:r>
+            <a:endParaRPr lang="en-US" altLang="zh-TW" sz="2400" dirty="0" smtClean="0"/>
+          </a:p>
+          <a:p>
+            <a:endParaRPr lang="zh-TW" altLang="en-US" sz="2400" dirty="0"/>
+          </a:p>
+        </p:txBody>
+      </p:sp>
+      <p:sp>
+        <p:nvSpPr>
+          <p:cNvPr id="4" name="投影片編號版面配置區 3"/>
+          <p:cNvSpPr>
+            <a:spLocks noGrp="1"/>
+          </p:cNvSpPr>
+          <p:nvPr>
+            <p:ph type="sldNum" sz="quarter" idx="12"/>
+          </p:nvPr>
+        </p:nvSpPr>
+        <p:spPr/>
+        <p:txBody>
+          <a:bodyPr/>
+          <a:lstStyle/>
+          <a:p>
+            <a:fld id="{61C9D09F-C6A3-454C-A042-D5DAFD494666}" type="slidenum">
+              <a:rPr lang="zh-TW" altLang="en-US" smtClean="0"/>
+              <a:pPr/>
+              <a:t>54</a:t>
+            </a:fld>
+            <a:endParaRPr lang="zh-TW" altLang="en-US"/>
+          </a:p>
+        </p:txBody>
+      </p:sp>
+    </p:spTree>
+  </p:cSld>
+  <p:clrMapOvr>
+    <a:masterClrMapping/>
+  </p:clrMapOvr>
+  <p:timing>
+    <p:tnLst>
+      <p:par>
+        <p:cTn id="1" dur="indefinite" restart="never" nodeType="tmRoot"/>
+      </p:par>
+    </p:tnLst>
+  </p:timing>
+</p:sld>
+</file>
+
+<file path=ppt/slides/slide6.xml><?xml version="1.0" encoding="utf-8"?>
+<p:sld xmlns:a="http://schemas.openxmlformats.org/drawingml/2006/main" xmlns:r="http://schemas.openxmlformats.org/officeDocument/2006/relationships" xmlns:p="http://schemas.openxmlformats.org/presentationml/2006/main">
+  <p:cSld>
+    <p:spTree>
+      <p:nvGrpSpPr>
+        <p:cNvPr id="1" name=""/>
+        <p:cNvGrpSpPr/>
+        <p:nvPr/>
+      </p:nvGrpSpPr>
+      <p:grpSpPr>
+        <a:xfrm>
+          <a:off x="0" y="0"/>
+          <a:ext cx="0" cy="0"/>
+          <a:chOff x="0" y="0"/>
+          <a:chExt cx="0" cy="0"/>
+        </a:xfrm>
+      </p:grpSpPr>
+      <p:sp>
+        <p:nvSpPr>
+          <p:cNvPr id="2" name="標題 1"/>
+          <p:cNvSpPr>
+            <a:spLocks noGrp="1"/>
+          </p:cNvSpPr>
+          <p:nvPr>
+            <p:ph type="title"/>
+          </p:nvPr>
+        </p:nvSpPr>
+        <p:spPr/>
+        <p:txBody>
+          <a:bodyPr/>
+          <a:lstStyle/>
+          <a:p>
+            <a:r>
+              <a:rPr lang="en-US" altLang="zh-TW" dirty="0" smtClean="0"/>
+              <a:t>Environment setup (2/4)</a:t>
+            </a:r>
+            <a:endParaRPr lang="zh-TW" altLang="en-US" dirty="0"/>
+          </a:p>
+        </p:txBody>
+      </p:sp>
+      <p:sp>
+        <p:nvSpPr>
+          <p:cNvPr id="3" name="內容版面配置區 2"/>
+          <p:cNvSpPr>
+            <a:spLocks noGrp="1"/>
+          </p:cNvSpPr>
+          <p:nvPr>
+            <p:ph idx="1"/>
+          </p:nvPr>
+        </p:nvSpPr>
+        <p:spPr/>
+        <p:txBody>
+          <a:bodyPr/>
+          <a:lstStyle/>
+          <a:p>
+            <a:r>
+              <a:rPr lang="en-US" altLang="zh-TW" sz="3000" dirty="0" smtClean="0"/>
+              <a:t>Install </a:t>
+            </a:r>
+            <a:r>
+              <a:rPr lang="en-US" altLang="zh-TW" sz="3000" dirty="0" smtClean="0"/>
+              <a:t>IDE</a:t>
+            </a:r>
+          </a:p>
+          <a:p>
+            <a:pPr lvl="1"/>
+            <a:r>
+              <a:rPr lang="en-US" altLang="zh-TW" dirty="0" smtClean="0"/>
+              <a:t>Just press “Next” to finish the installation.</a:t>
+            </a:r>
+          </a:p>
+          <a:p>
+            <a:r>
+              <a:rPr lang="en-US" altLang="zh-TW" sz="3000" dirty="0" smtClean="0"/>
+              <a:t>Install </a:t>
+            </a:r>
+            <a:r>
+              <a:rPr lang="en-US" altLang="zh-TW" sz="3000" dirty="0" smtClean="0"/>
+              <a:t>Java Development Kit</a:t>
+            </a:r>
+          </a:p>
+          <a:p>
+            <a:pPr lvl="1"/>
+            <a:r>
+              <a:rPr lang="fr-FR" altLang="zh-TW" sz="2300" dirty="0" smtClean="0"/>
+              <a:t>Add environment variable</a:t>
+            </a:r>
+          </a:p>
+          <a:p>
+            <a:pPr lvl="1"/>
+            <a:r>
+              <a:rPr lang="en-US" altLang="zh-TW" sz="2300" dirty="0" smtClean="0"/>
+              <a:t>Variable name: </a:t>
+            </a:r>
+            <a:r>
+              <a:rPr lang="fr-FR" altLang="zh-TW" sz="2300" b="1" dirty="0" smtClean="0"/>
+              <a:t>JAVA_HOME</a:t>
+            </a:r>
+          </a:p>
+          <a:p>
+            <a:pPr lvl="1"/>
+            <a:r>
+              <a:rPr lang="fr-FR" altLang="zh-TW" sz="2300" dirty="0" smtClean="0"/>
+              <a:t>Value: the root folder of JDK</a:t>
+            </a:r>
+            <a:endParaRPr lang="zh-TW" altLang="en-US" sz="2300" dirty="0"/>
+          </a:p>
+        </p:txBody>
+      </p:sp>
+      <p:sp>
+        <p:nvSpPr>
+          <p:cNvPr id="5" name="投影片編號版面配置區 4"/>
+          <p:cNvSpPr>
+            <a:spLocks noGrp="1"/>
+          </p:cNvSpPr>
+          <p:nvPr>
+            <p:ph type="sldNum" sz="quarter" idx="12"/>
+          </p:nvPr>
+        </p:nvSpPr>
+        <p:spPr/>
+        <p:txBody>
+          <a:bodyPr/>
+          <a:lstStyle/>
+          <a:p>
+            <a:fld id="{61C9D09F-C6A3-454C-A042-D5DAFD494666}" type="slidenum">
+              <a:rPr lang="zh-TW" altLang="en-US" smtClean="0"/>
+              <a:pPr/>
+              <a:t>6</a:t>
             </a:fld>
             <a:endParaRPr lang="zh-TW" altLang="en-US"/>
           </a:p>
@@ -13570,7 +14571,7 @@
 </p:sld>
 </file>
 
-<file path=ppt/slides/slide50.xml><?xml version="1.0" encoding="utf-8"?>
+<file path=ppt/slides/slide7.xml><?xml version="1.0" encoding="utf-8"?>
 <p:sld xmlns:a="http://schemas.openxmlformats.org/drawingml/2006/main" xmlns:r="http://schemas.openxmlformats.org/officeDocument/2006/relationships" xmlns:p="http://schemas.openxmlformats.org/presentationml/2006/main">
   <p:cSld>
     <p:spTree>
@@ -13604,7 +14605,7 @@
           <a:p>
             <a:r>
               <a:rPr lang="en-US" altLang="zh-TW" dirty="0" smtClean="0"/>
-              <a:t>Function Demo</a:t>
+              <a:t>Environment setup (3/4)</a:t>
             </a:r>
             <a:endParaRPr lang="zh-TW" altLang="en-US" dirty="0"/>
           </a:p>
@@ -13627,25 +14628,21 @@
           <a:p>
             <a:r>
               <a:rPr lang="en-US" altLang="zh-TW" dirty="0" smtClean="0"/>
-              <a:t>Permission setting</a:t>
+              <a:t>Android SDK</a:t>
             </a:r>
           </a:p>
           <a:p>
             <a:pPr lvl="1"/>
             <a:r>
               <a:rPr lang="en-US" altLang="zh-TW" dirty="0" smtClean="0"/>
-              <a:t>AndroidManifest.xml</a:t>
-            </a:r>
-          </a:p>
-          <a:p>
-            <a:pPr lvl="1"/>
-            <a:endParaRPr lang="zh-TW" altLang="en-US" dirty="0"/>
-          </a:p>
-        </p:txBody>
-      </p:sp>
-      <p:sp>
-        <p:nvSpPr>
-          <p:cNvPr id="4" name="投影片編號版面配置區 3"/>
+              <a:t>Configure -&gt; SDK Manager</a:t>
+            </a:r>
+          </a:p>
+        </p:txBody>
+      </p:sp>
+      <p:sp>
+        <p:nvSpPr>
+          <p:cNvPr id="6" name="投影片編號版面配置區 5"/>
           <p:cNvSpPr>
             <a:spLocks noGrp="1"/>
           </p:cNvSpPr>
@@ -13661,462 +14658,7 @@
             <a:fld id="{61C9D09F-C6A3-454C-A042-D5DAFD494666}" type="slidenum">
               <a:rPr lang="zh-TW" altLang="en-US" smtClean="0"/>
               <a:pPr/>
-              <a:t>50</a:t>
-            </a:fld>
-            <a:endParaRPr lang="zh-TW" altLang="en-US"/>
-          </a:p>
-        </p:txBody>
-      </p:sp>
-      <p:pic>
-        <p:nvPicPr>
-          <p:cNvPr id="4098" name="Picture 2"/>
-          <p:cNvPicPr>
-            <a:picLocks noChangeAspect="1" noChangeArrowheads="1"/>
-          </p:cNvPicPr>
-          <p:nvPr/>
-        </p:nvPicPr>
-        <p:blipFill>
-          <a:blip r:embed="rId2" cstate="print"/>
-          <a:srcRect/>
-          <a:stretch>
-            <a:fillRect/>
-          </a:stretch>
-        </p:blipFill>
-        <p:spPr bwMode="auto">
-          <a:xfrm>
-            <a:off x="1049238" y="2708920"/>
-            <a:ext cx="6115050" cy="3219450"/>
-          </a:xfrm>
-          <a:prstGeom prst="rect">
-            <a:avLst/>
-          </a:prstGeom>
-          <a:noFill/>
-          <a:ln w="9525">
-            <a:noFill/>
-            <a:miter lim="800000"/>
-            <a:headEnd/>
-            <a:tailEnd/>
-          </a:ln>
-        </p:spPr>
-      </p:pic>
-    </p:spTree>
-  </p:cSld>
-  <p:clrMapOvr>
-    <a:masterClrMapping/>
-  </p:clrMapOvr>
-  <p:timing>
-    <p:tnLst>
-      <p:par>
-        <p:cTn id="1" dur="indefinite" restart="never" nodeType="tmRoot"/>
-      </p:par>
-    </p:tnLst>
-  </p:timing>
-</p:sld>
-</file>
-
-<file path=ppt/slides/slide51.xml><?xml version="1.0" encoding="utf-8"?>
-<p:sld xmlns:a="http://schemas.openxmlformats.org/drawingml/2006/main" xmlns:r="http://schemas.openxmlformats.org/officeDocument/2006/relationships" xmlns:p="http://schemas.openxmlformats.org/presentationml/2006/main">
-  <p:cSld>
-    <p:spTree>
-      <p:nvGrpSpPr>
-        <p:cNvPr id="1" name=""/>
-        <p:cNvGrpSpPr/>
-        <p:nvPr/>
-      </p:nvGrpSpPr>
-      <p:grpSpPr>
-        <a:xfrm>
-          <a:off x="0" y="0"/>
-          <a:ext cx="0" cy="0"/>
-          <a:chOff x="0" y="0"/>
-          <a:chExt cx="0" cy="0"/>
-        </a:xfrm>
-      </p:grpSpPr>
-      <p:sp>
-        <p:nvSpPr>
-          <p:cNvPr id="2" name="標題 1"/>
-          <p:cNvSpPr>
-            <a:spLocks noGrp="1"/>
-          </p:cNvSpPr>
-          <p:nvPr>
-            <p:ph type="title"/>
-          </p:nvPr>
-        </p:nvSpPr>
-        <p:spPr/>
-        <p:txBody>
-          <a:bodyPr/>
-          <a:lstStyle/>
-          <a:p>
-            <a:endParaRPr lang="zh-TW" altLang="en-US" dirty="0"/>
-          </a:p>
-        </p:txBody>
-      </p:sp>
-      <p:sp>
-        <p:nvSpPr>
-          <p:cNvPr id="3" name="內容版面配置區 2"/>
-          <p:cNvSpPr>
-            <a:spLocks noGrp="1"/>
-          </p:cNvSpPr>
-          <p:nvPr>
-            <p:ph idx="1"/>
-          </p:nvPr>
-        </p:nvSpPr>
-        <p:spPr/>
-        <p:txBody>
-          <a:bodyPr/>
-          <a:lstStyle/>
-          <a:p>
-            <a:r>
-              <a:rPr lang="en-US" altLang="zh-TW" dirty="0" smtClean="0"/>
-              <a:t>Service</a:t>
-            </a:r>
-          </a:p>
-          <a:p>
-            <a:r>
-              <a:rPr lang="en-US" altLang="zh-TW" dirty="0" smtClean="0"/>
-              <a:t>Broadcast receiver</a:t>
-            </a:r>
-          </a:p>
-          <a:p>
-            <a:r>
-              <a:rPr lang="en-US" altLang="zh-TW" dirty="0" smtClean="0"/>
-              <a:t>Content Provider</a:t>
-            </a:r>
-            <a:endParaRPr lang="zh-TW" altLang="en-US" dirty="0"/>
-          </a:p>
-        </p:txBody>
-      </p:sp>
-      <p:sp>
-        <p:nvSpPr>
-          <p:cNvPr id="4" name="投影片編號版面配置區 3"/>
-          <p:cNvSpPr>
-            <a:spLocks noGrp="1"/>
-          </p:cNvSpPr>
-          <p:nvPr>
-            <p:ph type="sldNum" sz="quarter" idx="12"/>
-          </p:nvPr>
-        </p:nvSpPr>
-        <p:spPr/>
-        <p:txBody>
-          <a:bodyPr/>
-          <a:lstStyle/>
-          <a:p>
-            <a:fld id="{61C9D09F-C6A3-454C-A042-D5DAFD494666}" type="slidenum">
-              <a:rPr lang="zh-TW" altLang="en-US" smtClean="0"/>
-              <a:pPr/>
-              <a:t>51</a:t>
-            </a:fld>
-            <a:endParaRPr lang="zh-TW" altLang="en-US"/>
-          </a:p>
-        </p:txBody>
-      </p:sp>
-    </p:spTree>
-  </p:cSld>
-  <p:clrMapOvr>
-    <a:masterClrMapping/>
-  </p:clrMapOvr>
-  <p:timing>
-    <p:tnLst>
-      <p:par>
-        <p:cTn id="1" dur="indefinite" restart="never" nodeType="tmRoot"/>
-      </p:par>
-    </p:tnLst>
-  </p:timing>
-</p:sld>
-</file>
-
-<file path=ppt/slides/slide52.xml><?xml version="1.0" encoding="utf-8"?>
-<p:sld xmlns:a="http://schemas.openxmlformats.org/drawingml/2006/main" xmlns:r="http://schemas.openxmlformats.org/officeDocument/2006/relationships" xmlns:p="http://schemas.openxmlformats.org/presentationml/2006/main">
-  <p:cSld>
-    <p:spTree>
-      <p:nvGrpSpPr>
-        <p:cNvPr id="1" name=""/>
-        <p:cNvGrpSpPr/>
-        <p:nvPr/>
-      </p:nvGrpSpPr>
-      <p:grpSpPr>
-        <a:xfrm>
-          <a:off x="0" y="0"/>
-          <a:ext cx="0" cy="0"/>
-          <a:chOff x="0" y="0"/>
-          <a:chExt cx="0" cy="0"/>
-        </a:xfrm>
-      </p:grpSpPr>
-      <p:sp>
-        <p:nvSpPr>
-          <p:cNvPr id="2" name="標題 1"/>
-          <p:cNvSpPr>
-            <a:spLocks noGrp="1"/>
-          </p:cNvSpPr>
-          <p:nvPr>
-            <p:ph type="title"/>
-          </p:nvPr>
-        </p:nvSpPr>
-        <p:spPr/>
-        <p:txBody>
-          <a:bodyPr/>
-          <a:lstStyle/>
-          <a:p>
-            <a:r>
-              <a:rPr lang="en-US" altLang="zh-TW" dirty="0" smtClean="0"/>
-              <a:t>Reference</a:t>
-            </a:r>
-            <a:endParaRPr lang="zh-TW" altLang="en-US" dirty="0"/>
-          </a:p>
-        </p:txBody>
-      </p:sp>
-      <p:sp>
-        <p:nvSpPr>
-          <p:cNvPr id="3" name="內容版面配置區 2"/>
-          <p:cNvSpPr>
-            <a:spLocks noGrp="1"/>
-          </p:cNvSpPr>
-          <p:nvPr>
-            <p:ph idx="1"/>
-          </p:nvPr>
-        </p:nvSpPr>
-        <p:spPr/>
-        <p:txBody>
-          <a:bodyPr/>
-          <a:lstStyle/>
-          <a:p>
-            <a:pPr marL="457200" indent="-457200">
-              <a:buFont typeface="+mj-lt"/>
-              <a:buAutoNum type="arabicPeriod"/>
-            </a:pPr>
-            <a:r>
-              <a:rPr lang="en-US" altLang="zh-TW" sz="2400" dirty="0" smtClean="0"/>
-              <a:t>Android Developer - </a:t>
-            </a:r>
-            <a:r>
-              <a:rPr lang="en-US" altLang="zh-TW" sz="2400" dirty="0" smtClean="0">
-                <a:hlinkClick r:id="rId2"/>
-              </a:rPr>
-              <a:t>http://developer.android.com/develop/index.html</a:t>
-            </a:r>
-            <a:endParaRPr lang="en-US" altLang="zh-TW" sz="2400" dirty="0" smtClean="0"/>
-          </a:p>
-          <a:p>
-            <a:pPr marL="457200" indent="-457200">
-              <a:buFont typeface="+mj-lt"/>
-              <a:buAutoNum type="arabicPeriod"/>
-            </a:pPr>
-            <a:r>
-              <a:rPr lang="en-US" altLang="zh-TW" sz="2400" dirty="0" err="1" smtClean="0"/>
-              <a:t>CodeData</a:t>
-            </a:r>
-            <a:r>
-              <a:rPr lang="en-US" altLang="zh-TW" sz="2400" dirty="0" smtClean="0"/>
-              <a:t> - </a:t>
-            </a:r>
-            <a:r>
-              <a:rPr lang="en-US" altLang="zh-TW" sz="2400" dirty="0" smtClean="0">
-                <a:hlinkClick r:id="rId3"/>
-              </a:rPr>
-              <a:t>http://www.codedata.com.tw/mobile/android-tutorial-the-2nd-class-2-ui/</a:t>
-            </a:r>
-            <a:endParaRPr lang="en-US" altLang="zh-TW" sz="2400" dirty="0" smtClean="0"/>
-          </a:p>
-          <a:p>
-            <a:pPr marL="457200" indent="-457200">
-              <a:buFont typeface="+mj-lt"/>
-              <a:buAutoNum type="arabicPeriod"/>
-            </a:pPr>
-            <a:r>
-              <a:rPr lang="en-US" altLang="zh-TW" sz="2400" dirty="0" smtClean="0"/>
-              <a:t>Implicit activity -</a:t>
-            </a:r>
-            <a:r>
-              <a:rPr lang="en-US" altLang="zh-TW" sz="2400" dirty="0" smtClean="0">
-                <a:hlinkClick r:id="rId4"/>
-              </a:rPr>
-              <a:t>http://blog.csdn.net/xln0130/article/details/6721561</a:t>
-            </a:r>
-            <a:endParaRPr lang="en-US" altLang="zh-TW" sz="2400" dirty="0" smtClean="0"/>
-          </a:p>
-          <a:p>
-            <a:pPr marL="457200" indent="-457200">
-              <a:buFont typeface="+mj-lt"/>
-              <a:buAutoNum type="arabicPeriod"/>
-            </a:pPr>
-            <a:r>
-              <a:rPr lang="en-US" altLang="zh-TW" sz="2400" dirty="0" err="1" smtClean="0"/>
-              <a:t>AsyncTask</a:t>
-            </a:r>
-            <a:r>
-              <a:rPr lang="en-US" altLang="zh-TW" sz="2400" dirty="0" smtClean="0"/>
-              <a:t> –</a:t>
-            </a:r>
-            <a:r>
-              <a:rPr lang="en-US" altLang="zh-TW" sz="2400" dirty="0" smtClean="0">
-                <a:hlinkClick r:id="rId5"/>
-              </a:rPr>
-              <a:t>http://developer.android.com/reference/android/os/AsyncTask.html</a:t>
-            </a:r>
-            <a:endParaRPr lang="en-US" altLang="zh-TW" sz="2400" dirty="0" smtClean="0"/>
-          </a:p>
-          <a:p>
-            <a:pPr marL="457200" indent="-457200">
-              <a:buFont typeface="+mj-lt"/>
-              <a:buAutoNum type="arabicPeriod"/>
-            </a:pPr>
-            <a:r>
-              <a:rPr lang="en-US" altLang="zh-TW" sz="2400" dirty="0" err="1" smtClean="0"/>
-              <a:t>Genymotion</a:t>
-            </a:r>
-            <a:r>
-              <a:rPr lang="en-US" altLang="zh-TW" sz="2400" dirty="0" smtClean="0"/>
-              <a:t> (3</a:t>
-            </a:r>
-            <a:r>
-              <a:rPr lang="en-US" altLang="zh-TW" sz="2400" baseline="30000" dirty="0" smtClean="0"/>
-              <a:t>rd</a:t>
-            </a:r>
-            <a:r>
-              <a:rPr lang="en-US" altLang="zh-TW" sz="2400" dirty="0" smtClean="0"/>
-              <a:t>-party Android Emulator)  -</a:t>
-            </a:r>
-          </a:p>
-          <a:p>
-            <a:pPr>
-              <a:buNone/>
-            </a:pPr>
-            <a:r>
-              <a:rPr lang="en-US" altLang="zh-TW" sz="2400" dirty="0" smtClean="0"/>
-              <a:t>     https://www.genymotion.com/</a:t>
-            </a:r>
-          </a:p>
-          <a:p>
-            <a:endParaRPr lang="zh-TW" altLang="en-US" sz="2400" dirty="0"/>
-          </a:p>
-        </p:txBody>
-      </p:sp>
-      <p:sp>
-        <p:nvSpPr>
-          <p:cNvPr id="4" name="投影片編號版面配置區 3"/>
-          <p:cNvSpPr>
-            <a:spLocks noGrp="1"/>
-          </p:cNvSpPr>
-          <p:nvPr>
-            <p:ph type="sldNum" sz="quarter" idx="12"/>
-          </p:nvPr>
-        </p:nvSpPr>
-        <p:spPr/>
-        <p:txBody>
-          <a:bodyPr/>
-          <a:lstStyle/>
-          <a:p>
-            <a:fld id="{61C9D09F-C6A3-454C-A042-D5DAFD494666}" type="slidenum">
-              <a:rPr lang="zh-TW" altLang="en-US" smtClean="0"/>
-              <a:pPr/>
-              <a:t>52</a:t>
-            </a:fld>
-            <a:endParaRPr lang="zh-TW" altLang="en-US"/>
-          </a:p>
-        </p:txBody>
-      </p:sp>
-    </p:spTree>
-  </p:cSld>
-  <p:clrMapOvr>
-    <a:masterClrMapping/>
-  </p:clrMapOvr>
-  <p:timing>
-    <p:tnLst>
-      <p:par>
-        <p:cTn id="1" dur="indefinite" restart="never" nodeType="tmRoot"/>
-      </p:par>
-    </p:tnLst>
-  </p:timing>
-</p:sld>
-</file>
-
-<file path=ppt/slides/slide6.xml><?xml version="1.0" encoding="utf-8"?>
-<p:sld xmlns:a="http://schemas.openxmlformats.org/drawingml/2006/main" xmlns:r="http://schemas.openxmlformats.org/officeDocument/2006/relationships" xmlns:p="http://schemas.openxmlformats.org/presentationml/2006/main">
-  <p:cSld>
-    <p:spTree>
-      <p:nvGrpSpPr>
-        <p:cNvPr id="1" name=""/>
-        <p:cNvGrpSpPr/>
-        <p:nvPr/>
-      </p:nvGrpSpPr>
-      <p:grpSpPr>
-        <a:xfrm>
-          <a:off x="0" y="0"/>
-          <a:ext cx="0" cy="0"/>
-          <a:chOff x="0" y="0"/>
-          <a:chExt cx="0" cy="0"/>
-        </a:xfrm>
-      </p:grpSpPr>
-      <p:sp>
-        <p:nvSpPr>
-          <p:cNvPr id="2" name="標題 1"/>
-          <p:cNvSpPr>
-            <a:spLocks noGrp="1"/>
-          </p:cNvSpPr>
-          <p:nvPr>
-            <p:ph type="title"/>
-          </p:nvPr>
-        </p:nvSpPr>
-        <p:spPr/>
-        <p:txBody>
-          <a:bodyPr/>
-          <a:lstStyle/>
-          <a:p>
-            <a:r>
-              <a:rPr lang="en-US" altLang="zh-TW" dirty="0" smtClean="0"/>
-              <a:t>Environment setup (3/4)</a:t>
-            </a:r>
-            <a:endParaRPr lang="zh-TW" altLang="en-US" dirty="0"/>
-          </a:p>
-        </p:txBody>
-      </p:sp>
-      <p:sp>
-        <p:nvSpPr>
-          <p:cNvPr id="3" name="內容版面配置區 2"/>
-          <p:cNvSpPr>
-            <a:spLocks noGrp="1"/>
-          </p:cNvSpPr>
-          <p:nvPr>
-            <p:ph idx="1"/>
-          </p:nvPr>
-        </p:nvSpPr>
-        <p:spPr/>
-        <p:txBody>
-          <a:bodyPr/>
-          <a:lstStyle/>
-          <a:p>
-            <a:r>
-              <a:rPr lang="en-US" altLang="zh-TW" dirty="0" smtClean="0"/>
-              <a:t>Android SDK</a:t>
-            </a:r>
-          </a:p>
-          <a:p>
-            <a:pPr lvl="1"/>
-            <a:r>
-              <a:rPr lang="en-US" altLang="zh-TW" dirty="0" smtClean="0"/>
-              <a:t>Configure -&gt; SDK Manager</a:t>
-            </a:r>
-          </a:p>
-        </p:txBody>
-      </p:sp>
-      <p:sp>
-        <p:nvSpPr>
-          <p:cNvPr id="6" name="投影片編號版面配置區 5"/>
-          <p:cNvSpPr>
-            <a:spLocks noGrp="1"/>
-          </p:cNvSpPr>
-          <p:nvPr>
-            <p:ph type="sldNum" sz="quarter" idx="12"/>
-          </p:nvPr>
-        </p:nvSpPr>
-        <p:spPr/>
-        <p:txBody>
-          <a:bodyPr/>
-          <a:lstStyle/>
-          <a:p>
-            <a:fld id="{61C9D09F-C6A3-454C-A042-D5DAFD494666}" type="slidenum">
-              <a:rPr lang="zh-TW" altLang="en-US" smtClean="0"/>
-              <a:pPr/>
-              <a:t>6</a:t>
+              <a:t>7</a:t>
             </a:fld>
             <a:endParaRPr lang="zh-TW" altLang="en-US"/>
           </a:p>
@@ -14201,7 +14743,7 @@
 </p:sld>
 </file>
 
-<file path=ppt/slides/slide7.xml><?xml version="1.0" encoding="utf-8"?>
+<file path=ppt/slides/slide8.xml><?xml version="1.0" encoding="utf-8"?>
 <p:sld xmlns:a="http://schemas.openxmlformats.org/drawingml/2006/main" xmlns:r="http://schemas.openxmlformats.org/officeDocument/2006/relationships" xmlns:p="http://schemas.openxmlformats.org/presentationml/2006/main">
   <p:cSld>
     <p:spTree>
@@ -14303,7 +14845,7 @@
             <a:fld id="{61C9D09F-C6A3-454C-A042-D5DAFD494666}" type="slidenum">
               <a:rPr lang="zh-TW" altLang="en-US" smtClean="0"/>
               <a:pPr/>
-              <a:t>7</a:t>
+              <a:t>8</a:t>
             </a:fld>
             <a:endParaRPr lang="zh-TW" altLang="en-US"/>
           </a:p>
@@ -14424,7 +14966,7 @@
 </p:sld>
 </file>
 
-<file path=ppt/slides/slide8.xml><?xml version="1.0" encoding="utf-8"?>
+<file path=ppt/slides/slide9.xml><?xml version="1.0" encoding="utf-8"?>
 <p:sld xmlns:a="http://schemas.openxmlformats.org/drawingml/2006/main" xmlns:r="http://schemas.openxmlformats.org/officeDocument/2006/relationships" xmlns:p="http://schemas.openxmlformats.org/presentationml/2006/main">
   <p:cSld>
     <p:spTree>
@@ -14501,7 +15043,7 @@
             <a:fld id="{61C9D09F-C6A3-454C-A042-D5DAFD494666}" type="slidenum">
               <a:rPr lang="zh-TW" altLang="en-US" smtClean="0"/>
               <a:pPr/>
-              <a:t>8</a:t>
+              <a:t>9</a:t>
             </a:fld>
             <a:endParaRPr lang="zh-TW" altLang="en-US"/>
           </a:p>
@@ -14548,247 +15090,6 @@
     <p:tnLst>
       <p:par>
         <p:cTn id="1" dur="indefinite" restart="never" nodeType="tmRoot"/>
-      </p:par>
-    </p:tnLst>
-  </p:timing>
-</p:sld>
-</file>
-
-<file path=ppt/slides/slide9.xml><?xml version="1.0" encoding="utf-8"?>
-<p:sld xmlns:a="http://schemas.openxmlformats.org/drawingml/2006/main" xmlns:r="http://schemas.openxmlformats.org/officeDocument/2006/relationships" xmlns:p="http://schemas.openxmlformats.org/presentationml/2006/main">
-  <p:cSld>
-    <p:spTree>
-      <p:nvGrpSpPr>
-        <p:cNvPr id="1" name=""/>
-        <p:cNvGrpSpPr/>
-        <p:nvPr/>
-      </p:nvGrpSpPr>
-      <p:grpSpPr>
-        <a:xfrm>
-          <a:off x="0" y="0"/>
-          <a:ext cx="0" cy="0"/>
-          <a:chOff x="0" y="0"/>
-          <a:chExt cx="0" cy="0"/>
-        </a:xfrm>
-      </p:grpSpPr>
-      <p:sp>
-        <p:nvSpPr>
-          <p:cNvPr id="2" name="標題 1"/>
-          <p:cNvSpPr>
-            <a:spLocks noGrp="1"/>
-          </p:cNvSpPr>
-          <p:nvPr>
-            <p:ph type="title"/>
-          </p:nvPr>
-        </p:nvSpPr>
-        <p:spPr/>
-        <p:txBody>
-          <a:bodyPr/>
-          <a:lstStyle/>
-          <a:p>
-            <a:r>
-              <a:rPr lang="en-US" altLang="zh-TW" dirty="0" smtClean="0"/>
-              <a:t>Hello World (2/8)</a:t>
-            </a:r>
-            <a:endParaRPr lang="zh-TW" altLang="en-US" dirty="0"/>
-          </a:p>
-        </p:txBody>
-      </p:sp>
-      <p:sp>
-        <p:nvSpPr>
-          <p:cNvPr id="3" name="內容版面配置區 2"/>
-          <p:cNvSpPr>
-            <a:spLocks noGrp="1"/>
-          </p:cNvSpPr>
-          <p:nvPr>
-            <p:ph idx="1"/>
-          </p:nvPr>
-        </p:nvSpPr>
-        <p:spPr/>
-        <p:txBody>
-          <a:bodyPr/>
-          <a:lstStyle/>
-          <a:p>
-            <a:endParaRPr lang="zh-TW" altLang="en-US"/>
-          </a:p>
-        </p:txBody>
-      </p:sp>
-      <p:sp>
-        <p:nvSpPr>
-          <p:cNvPr id="5" name="投影片編號版面配置區 4"/>
-          <p:cNvSpPr>
-            <a:spLocks noGrp="1"/>
-          </p:cNvSpPr>
-          <p:nvPr>
-            <p:ph type="sldNum" sz="quarter" idx="12"/>
-          </p:nvPr>
-        </p:nvSpPr>
-        <p:spPr/>
-        <p:txBody>
-          <a:bodyPr/>
-          <a:lstStyle/>
-          <a:p>
-            <a:fld id="{61C9D09F-C6A3-454C-A042-D5DAFD494666}" type="slidenum">
-              <a:rPr lang="zh-TW" altLang="en-US" smtClean="0"/>
-              <a:pPr/>
-              <a:t>9</a:t>
-            </a:fld>
-            <a:endParaRPr lang="zh-TW" altLang="en-US"/>
-          </a:p>
-        </p:txBody>
-      </p:sp>
-      <p:pic>
-        <p:nvPicPr>
-          <p:cNvPr id="7171" name="Picture 3"/>
-          <p:cNvPicPr>
-            <a:picLocks noChangeAspect="1" noChangeArrowheads="1"/>
-          </p:cNvPicPr>
-          <p:nvPr/>
-        </p:nvPicPr>
-        <p:blipFill>
-          <a:blip r:embed="rId2" cstate="print"/>
-          <a:srcRect/>
-          <a:stretch>
-            <a:fillRect/>
-          </a:stretch>
-        </p:blipFill>
-        <p:spPr bwMode="auto">
-          <a:xfrm>
-            <a:off x="505519" y="1412776"/>
-            <a:ext cx="8314953" cy="5259876"/>
-          </a:xfrm>
-          <a:prstGeom prst="rect">
-            <a:avLst/>
-          </a:prstGeom>
-          <a:noFill/>
-          <a:ln w="9525">
-            <a:noFill/>
-            <a:miter lim="800000"/>
-            <a:headEnd/>
-            <a:tailEnd/>
-          </a:ln>
-        </p:spPr>
-      </p:pic>
-      <p:cxnSp>
-        <p:nvCxnSpPr>
-          <p:cNvPr id="7" name="直線接點 6"/>
-          <p:cNvCxnSpPr/>
-          <p:nvPr/>
-        </p:nvCxnSpPr>
-        <p:spPr>
-          <a:xfrm>
-            <a:off x="1907704" y="4725144"/>
-            <a:ext cx="2088232" cy="0"/>
-          </a:xfrm>
-          <a:prstGeom prst="line">
-            <a:avLst/>
-          </a:prstGeom>
-          <a:ln w="38100">
-            <a:solidFill>
-              <a:srgbClr val="FFC000"/>
-            </a:solidFill>
-          </a:ln>
-        </p:spPr>
-        <p:style>
-          <a:lnRef idx="1">
-            <a:schemeClr val="accent1"/>
-          </a:lnRef>
-          <a:fillRef idx="0">
-            <a:schemeClr val="accent1"/>
-          </a:fillRef>
-          <a:effectRef idx="0">
-            <a:schemeClr val="accent1"/>
-          </a:effectRef>
-          <a:fontRef idx="minor">
-            <a:schemeClr val="tx1"/>
-          </a:fontRef>
-        </p:style>
-      </p:cxnSp>
-    </p:spTree>
-  </p:cSld>
-  <p:clrMapOvr>
-    <a:masterClrMapping/>
-  </p:clrMapOvr>
-  <p:timing>
-    <p:tnLst>
-      <p:par>
-        <p:cTn id="1" dur="indefinite" restart="never" nodeType="tmRoot">
-          <p:childTnLst>
-            <p:seq concurrent="1" nextAc="seek">
-              <p:cTn id="2" dur="indefinite" nodeType="mainSeq">
-                <p:childTnLst>
-                  <p:par>
-                    <p:cTn id="3" fill="hold">
-                      <p:stCondLst>
-                        <p:cond delay="indefinite"/>
-                      </p:stCondLst>
-                      <p:childTnLst>
-                        <p:par>
-                          <p:cTn id="4" fill="hold">
-                            <p:stCondLst>
-                              <p:cond delay="0"/>
-                            </p:stCondLst>
-                            <p:childTnLst>
-                              <p:par>
-                                <p:cTn id="5" presetID="18" presetClass="entr" presetSubtype="6" fill="hold" nodeType="clickEffect">
-                                  <p:stCondLst>
-                                    <p:cond delay="0"/>
-                                  </p:stCondLst>
-                                  <p:childTnLst>
-                                    <p:set>
-                                      <p:cBhvr>
-                                        <p:cTn id="6" dur="1" fill="hold">
-                                          <p:stCondLst>
-                                            <p:cond delay="0"/>
-                                          </p:stCondLst>
-                                        </p:cTn>
-                                        <p:tgtEl>
-                                          <p:spTgt spid="7"/>
-                                        </p:tgtEl>
-                                        <p:attrNameLst>
-                                          <p:attrName>style.visibility</p:attrName>
-                                        </p:attrNameLst>
-                                      </p:cBhvr>
-                                      <p:to>
-                                        <p:strVal val="visible"/>
-                                      </p:to>
-                                    </p:set>
-                                    <p:animEffect transition="in" filter="strips(downRight)">
-                                      <p:cBhvr>
-                                        <p:cTn id="7" dur="500"/>
-                                        <p:tgtEl>
-                                          <p:spTgt spid="7"/>
-                                        </p:tgtEl>
-                                      </p:cBhvr>
-                                    </p:animEffect>
-                                  </p:childTnLst>
-                                </p:cTn>
-                              </p:par>
-                            </p:childTnLst>
-                          </p:cTn>
-                        </p:par>
-                      </p:childTnLst>
-                    </p:cTn>
-                  </p:par>
-                </p:childTnLst>
-              </p:cTn>
-              <p:prevCondLst>
-                <p:cond evt="onPrev" delay="0">
-                  <p:tgtEl>
-                    <p:sldTgt/>
-                  </p:tgtEl>
-                </p:cond>
-              </p:prevCondLst>
-              <p:nextCondLst>
-                <p:cond evt="onNext" delay="0">
-                  <p:tgtEl>
-                    <p:sldTgt/>
-                  </p:tgtEl>
-                </p:cond>
-              </p:nextCondLst>
-            </p:seq>
-          </p:childTnLst>
-        </p:cTn>
       </p:par>
     </p:tnLst>
   </p:timing>

--- a/The introduction of Android.pptx
+++ b/The introduction of Android.pptx
@@ -162,7 +162,7 @@
   </p:defaultTextStyle>
   <p:extLst>
     <p:ext uri="{EFAFB233-063F-42B5-8137-9DF3F51BA10A}">
-      <p15:sldGuideLst xmlns:p15="http://schemas.microsoft.com/office/powerpoint/2012/main">
+      <p15:sldGuideLst xmlns:p15="http://schemas.microsoft.com/office/powerpoint/2012/main" xmlns="">
         <p15:guide id="1" orient="horz" pos="2160">
           <p15:clr>
             <a:srgbClr val="A4A3A4"/>
@@ -262,7 +262,7 @@
             <a:fld id="{180D6729-D2F0-4F51-BF2D-6E78F4E0549D}" type="datetimeFigureOut">
               <a:rPr lang="zh-TW" altLang="en-US" smtClean="0"/>
               <a:pPr/>
-              <a:t>2015/3/23</a:t>
+              <a:t>2015/3/24</a:t>
             </a:fld>
             <a:endParaRPr lang="zh-TW" altLang="en-US"/>
           </a:p>
@@ -433,7 +433,7 @@
     </p:spTree>
     <p:extLst>
       <p:ext uri="{BB962C8B-B14F-4D97-AF65-F5344CB8AC3E}">
-        <p14:creationId xmlns:p14="http://schemas.microsoft.com/office/powerpoint/2010/main" val="1683216627"/>
+        <p14:creationId xmlns:p14="http://schemas.microsoft.com/office/powerpoint/2010/main" xmlns="" val="1683216627"/>
       </p:ext>
     </p:extLst>
   </p:cSld>
@@ -615,7 +615,7 @@
     </p:spTree>
     <p:extLst>
       <p:ext uri="{BB962C8B-B14F-4D97-AF65-F5344CB8AC3E}">
-        <p14:creationId xmlns:p14="http://schemas.microsoft.com/office/powerpoint/2010/main" val="2780538443"/>
+        <p14:creationId xmlns:p14="http://schemas.microsoft.com/office/powerpoint/2010/main" xmlns="" val="2780538443"/>
       </p:ext>
     </p:extLst>
   </p:cSld>
@@ -707,7 +707,7 @@
     </p:spTree>
     <p:extLst>
       <p:ext uri="{BB962C8B-B14F-4D97-AF65-F5344CB8AC3E}">
-        <p14:creationId xmlns:p14="http://schemas.microsoft.com/office/powerpoint/2010/main" val="4114691309"/>
+        <p14:creationId xmlns:p14="http://schemas.microsoft.com/office/powerpoint/2010/main" xmlns="" val="4114691309"/>
       </p:ext>
     </p:extLst>
   </p:cSld>
@@ -1041,7 +1041,7 @@
     </p:spTree>
     <p:extLst>
       <p:ext uri="{BB962C8B-B14F-4D97-AF65-F5344CB8AC3E}">
-        <p14:creationId xmlns:p14="http://schemas.microsoft.com/office/powerpoint/2010/main" val="4072290900"/>
+        <p14:creationId xmlns:p14="http://schemas.microsoft.com/office/powerpoint/2010/main" xmlns="" val="4072290900"/>
       </p:ext>
     </p:extLst>
   </p:cSld>
@@ -1133,7 +1133,7 @@
     </p:spTree>
     <p:extLst>
       <p:ext uri="{BB962C8B-B14F-4D97-AF65-F5344CB8AC3E}">
-        <p14:creationId xmlns:p14="http://schemas.microsoft.com/office/powerpoint/2010/main" val="1063746329"/>
+        <p14:creationId xmlns:p14="http://schemas.microsoft.com/office/powerpoint/2010/main" xmlns="" val="1063746329"/>
       </p:ext>
     </p:extLst>
   </p:cSld>
@@ -1225,7 +1225,7 @@
     </p:spTree>
     <p:extLst>
       <p:ext uri="{BB962C8B-B14F-4D97-AF65-F5344CB8AC3E}">
-        <p14:creationId xmlns:p14="http://schemas.microsoft.com/office/powerpoint/2010/main" val="250867821"/>
+        <p14:creationId xmlns:p14="http://schemas.microsoft.com/office/powerpoint/2010/main" xmlns="" val="250867821"/>
       </p:ext>
     </p:extLst>
   </p:cSld>
@@ -1417,7 +1417,7 @@
             <a:fld id="{32150ACF-AE19-4285-A341-3B60AE88A971}" type="datetime1">
               <a:rPr lang="zh-TW" altLang="en-US" smtClean="0"/>
               <a:pPr/>
-              <a:t>2015/3/23</a:t>
+              <a:t>2015/3/24</a:t>
             </a:fld>
             <a:endParaRPr lang="zh-TW" altLang="en-US"/>
           </a:p>
@@ -1584,7 +1584,7 @@
             <a:fld id="{1A57B9C2-099F-44F8-BE43-9C4AE7BB1F7C}" type="datetime1">
               <a:rPr lang="zh-TW" altLang="en-US" smtClean="0"/>
               <a:pPr/>
-              <a:t>2015/3/23</a:t>
+              <a:t>2015/3/24</a:t>
             </a:fld>
             <a:endParaRPr lang="zh-TW" altLang="en-US"/>
           </a:p>
@@ -1761,7 +1761,7 @@
             <a:fld id="{A8C8B2B4-A37A-44F2-97EA-D2EE0FC525FD}" type="datetime1">
               <a:rPr lang="zh-TW" altLang="en-US" smtClean="0"/>
               <a:pPr/>
-              <a:t>2015/3/23</a:t>
+              <a:t>2015/3/24</a:t>
             </a:fld>
             <a:endParaRPr lang="zh-TW" altLang="en-US"/>
           </a:p>
@@ -1928,7 +1928,7 @@
             <a:fld id="{B56CE1A1-3B98-4D71-9244-5B7CB3DAF24D}" type="datetime1">
               <a:rPr lang="zh-TW" altLang="en-US" smtClean="0"/>
               <a:pPr/>
-              <a:t>2015/3/23</a:t>
+              <a:t>2015/3/24</a:t>
             </a:fld>
             <a:endParaRPr lang="zh-TW" altLang="en-US"/>
           </a:p>
@@ -2171,7 +2171,7 @@
             <a:fld id="{17DE191A-7323-46FB-A0C7-38FCCB787B4A}" type="datetime1">
               <a:rPr lang="zh-TW" altLang="en-US" smtClean="0"/>
               <a:pPr/>
-              <a:t>2015/3/23</a:t>
+              <a:t>2015/3/24</a:t>
             </a:fld>
             <a:endParaRPr lang="zh-TW" altLang="en-US"/>
           </a:p>
@@ -2456,7 +2456,7 @@
             <a:fld id="{17404ED9-3834-4FF9-BA59-532244FAB420}" type="datetime1">
               <a:rPr lang="zh-TW" altLang="en-US" smtClean="0"/>
               <a:pPr/>
-              <a:t>2015/3/23</a:t>
+              <a:t>2015/3/24</a:t>
             </a:fld>
             <a:endParaRPr lang="zh-TW" altLang="en-US"/>
           </a:p>
@@ -2875,7 +2875,7 @@
             <a:fld id="{6287BF8E-3D85-4270-906A-27D40E009BD5}" type="datetime1">
               <a:rPr lang="zh-TW" altLang="en-US" smtClean="0"/>
               <a:pPr/>
-              <a:t>2015/3/23</a:t>
+              <a:t>2015/3/24</a:t>
             </a:fld>
             <a:endParaRPr lang="zh-TW" altLang="en-US"/>
           </a:p>
@@ -2990,7 +2990,7 @@
             <a:fld id="{7153160E-EB62-4A98-AA0A-074087B93006}" type="datetime1">
               <a:rPr lang="zh-TW" altLang="en-US" smtClean="0"/>
               <a:pPr/>
-              <a:t>2015/3/23</a:t>
+              <a:t>2015/3/24</a:t>
             </a:fld>
             <a:endParaRPr lang="zh-TW" altLang="en-US"/>
           </a:p>
@@ -3082,7 +3082,7 @@
             <a:fld id="{080C97D8-85AA-40BD-861D-F5A0EC96D687}" type="datetime1">
               <a:rPr lang="zh-TW" altLang="en-US" smtClean="0"/>
               <a:pPr/>
-              <a:t>2015/3/23</a:t>
+              <a:t>2015/3/24</a:t>
             </a:fld>
             <a:endParaRPr lang="zh-TW" altLang="en-US"/>
           </a:p>
@@ -3356,7 +3356,7 @@
             <a:fld id="{4EB85F74-A159-4E61-9C04-83B01F6B07EB}" type="datetime1">
               <a:rPr lang="zh-TW" altLang="en-US" smtClean="0"/>
               <a:pPr/>
-              <a:t>2015/3/23</a:t>
+              <a:t>2015/3/24</a:t>
             </a:fld>
             <a:endParaRPr lang="zh-TW" altLang="en-US"/>
           </a:p>
@@ -3606,7 +3606,7 @@
             <a:fld id="{CEE4EF2B-0365-4FD9-83E0-8C07BAF4A461}" type="datetime1">
               <a:rPr lang="zh-TW" altLang="en-US" smtClean="0"/>
               <a:pPr/>
-              <a:t>2015/3/23</a:t>
+              <a:t>2015/3/24</a:t>
             </a:fld>
             <a:endParaRPr lang="zh-TW" altLang="en-US"/>
           </a:p>
@@ -3816,7 +3816,7 @@
             <a:fld id="{1CCBC19A-0ADB-4CC5-B96B-60B8930FC291}" type="datetime1">
               <a:rPr lang="zh-TW" altLang="en-US" smtClean="0"/>
               <a:pPr/>
-              <a:t>2015/3/23</a:t>
+              <a:t>2015/3/24</a:t>
             </a:fld>
             <a:endParaRPr lang="zh-TW" altLang="en-US"/>
           </a:p>
@@ -4659,8 +4659,8 @@
         </p:blipFill>
         <p:spPr bwMode="auto">
           <a:xfrm>
-            <a:off x="32767" y="1268760"/>
-            <a:ext cx="9075737" cy="5235575"/>
+            <a:off x="251520" y="1412776"/>
+            <a:ext cx="8612859" cy="4968552"/>
           </a:xfrm>
           <a:prstGeom prst="rect">
             <a:avLst/>
@@ -5222,7 +5222,7 @@
           <a:p>
             <a:pPr lvl="3"/>
             <a:r>
-              <a:rPr lang="en-US" altLang="zh-TW" dirty="0" smtClean="0"/>
+              <a:rPr lang="en-US" altLang="zh-TW" sz="2200" dirty="0" smtClean="0"/>
               <a:t>Tap 7 times to activate.</a:t>
             </a:r>
           </a:p>
@@ -5388,7 +5388,7 @@
         </p:blipFill>
         <p:spPr bwMode="auto">
           <a:xfrm>
-            <a:off x="5280885" y="692696"/>
+            <a:off x="4860032" y="692696"/>
             <a:ext cx="3395572" cy="6048672"/>
           </a:xfrm>
           <a:prstGeom prst="rect">
@@ -5443,7 +5443,7 @@
         </p:nvSpPr>
         <p:spPr>
           <a:xfrm>
-            <a:off x="3995936" y="3312023"/>
+            <a:off x="4067944" y="3356992"/>
             <a:ext cx="504056" cy="288032"/>
           </a:xfrm>
           <a:prstGeom prst="rightArrow">
@@ -5560,15 +5560,21 @@
             <a:pPr lvl="1"/>
             <a:r>
               <a:rPr lang="en-US" altLang="zh-TW" sz="2700" dirty="0" smtClean="0"/>
-              <a:t>Some information about this app </a:t>
-            </a:r>
+              <a:t>Some information about this </a:t>
+            </a:r>
+            <a:r>
+              <a:rPr lang="en-US" altLang="zh-TW" sz="2700" dirty="0" smtClean="0"/>
+              <a:t>App </a:t>
+            </a:r>
+            <a:endParaRPr lang="en-US" altLang="zh-TW" sz="2700" dirty="0" smtClean="0"/>
           </a:p>
           <a:p>
             <a:pPr lvl="2"/>
             <a:r>
               <a:rPr lang="en-US" altLang="zh-TW" dirty="0" smtClean="0"/>
-              <a:t>Entry point</a:t>
-            </a:r>
+              <a:t>Activity</a:t>
+            </a:r>
+            <a:endParaRPr lang="en-US" altLang="zh-TW" sz="2400" dirty="0" smtClean="0"/>
           </a:p>
           <a:p>
             <a:pPr lvl="2"/>
@@ -5576,13 +5582,6 @@
               <a:rPr lang="en-US" altLang="zh-TW" sz="2400" dirty="0" smtClean="0"/>
               <a:t>Permission</a:t>
             </a:r>
-          </a:p>
-          <a:p>
-            <a:pPr lvl="2"/>
-            <a:r>
-              <a:rPr lang="en-US" altLang="zh-TW" dirty="0" smtClean="0"/>
-              <a:t>Activity</a:t>
-            </a:r>
             <a:endParaRPr lang="en-US" altLang="zh-TW" sz="2400" dirty="0" smtClean="0"/>
           </a:p>
           <a:p>
@@ -5594,8 +5593,12 @@
             <a:endParaRPr lang="zh-TW" altLang="en-US" sz="2400" dirty="0" smtClean="0"/>
           </a:p>
           <a:p>
-            <a:pPr lvl="1"/>
-            <a:endParaRPr lang="en-US" altLang="zh-TW" sz="2300" dirty="0" smtClean="0"/>
+            <a:pPr lvl="2"/>
+            <a:r>
+              <a:rPr lang="en-US" altLang="zh-TW" sz="1900" dirty="0" smtClean="0"/>
+              <a:t>…….</a:t>
+            </a:r>
+            <a:endParaRPr lang="en-US" altLang="zh-TW" sz="1900" dirty="0" smtClean="0"/>
           </a:p>
         </p:txBody>
       </p:sp>
@@ -5623,6 +5626,38 @@
           </a:p>
         </p:txBody>
       </p:sp>
+      <p:pic>
+        <p:nvPicPr>
+          <p:cNvPr id="41985" name="Picture 1"/>
+          <p:cNvPicPr>
+            <a:picLocks noChangeAspect="1" noChangeArrowheads="1"/>
+          </p:cNvPicPr>
+          <p:nvPr/>
+        </p:nvPicPr>
+        <p:blipFill>
+          <a:blip r:embed="rId2" cstate="print"/>
+          <a:srcRect/>
+          <a:stretch>
+            <a:fillRect/>
+          </a:stretch>
+        </p:blipFill>
+        <p:spPr bwMode="auto">
+          <a:xfrm>
+            <a:off x="3275856" y="2636912"/>
+            <a:ext cx="5486561" cy="4223094"/>
+          </a:xfrm>
+          <a:prstGeom prst="rect">
+            <a:avLst/>
+          </a:prstGeom>
+          <a:noFill/>
+          <a:ln w="9525">
+            <a:noFill/>
+            <a:miter lim="800000"/>
+            <a:headEnd/>
+            <a:tailEnd/>
+          </a:ln>
+        </p:spPr>
+      </p:pic>
     </p:spTree>
   </p:cSld>
   <p:clrMapOvr>
@@ -5706,7 +5741,7 @@
             <a:pPr lvl="1"/>
             <a:r>
               <a:rPr lang="en-US" altLang="zh-TW" dirty="0" smtClean="0"/>
-              <a:t>Logic algorithm</a:t>
+              <a:t>Logic operation</a:t>
             </a:r>
             <a:endParaRPr lang="zh-TW" altLang="en-US" dirty="0" smtClean="0"/>
           </a:p>
@@ -5756,7 +5791,7 @@
         </p:blipFill>
         <p:spPr bwMode="auto">
           <a:xfrm>
-            <a:off x="1115616" y="2708920"/>
+            <a:off x="1043608" y="2708920"/>
             <a:ext cx="4392488" cy="3924971"/>
           </a:xfrm>
           <a:prstGeom prst="rect">
@@ -5771,6 +5806,52 @@
           </a:ln>
         </p:spPr>
       </p:pic>
+      <p:sp>
+        <p:nvSpPr>
+          <p:cNvPr id="6" name="矩形 5"/>
+          <p:cNvSpPr/>
+          <p:nvPr/>
+        </p:nvSpPr>
+        <p:spPr>
+          <a:xfrm>
+            <a:off x="1259632" y="3717032"/>
+            <a:ext cx="4104456" cy="864096"/>
+          </a:xfrm>
+          <a:prstGeom prst="rect">
+            <a:avLst/>
+          </a:prstGeom>
+          <a:noFill/>
+          <a:ln>
+            <a:solidFill>
+              <a:srgbClr val="FFC000"/>
+            </a:solidFill>
+          </a:ln>
+        </p:spPr>
+        <p:style>
+          <a:lnRef idx="2">
+            <a:schemeClr val="accent1">
+              <a:shade val="50000"/>
+            </a:schemeClr>
+          </a:lnRef>
+          <a:fillRef idx="1">
+            <a:schemeClr val="accent1"/>
+          </a:fillRef>
+          <a:effectRef idx="0">
+            <a:schemeClr val="accent1"/>
+          </a:effectRef>
+          <a:fontRef idx="minor">
+            <a:schemeClr val="lt1"/>
+          </a:fontRef>
+        </p:style>
+        <p:txBody>
+          <a:bodyPr rtlCol="0" anchor="ctr"/>
+          <a:lstStyle/>
+          <a:p>
+            <a:pPr algn="ctr"/>
+            <a:endParaRPr lang="zh-TW" altLang="en-US"/>
+          </a:p>
+        </p:txBody>
+      </p:sp>
     </p:spTree>
   </p:cSld>
   <p:clrMapOvr>
@@ -5857,14 +5938,37 @@
             <a:pPr lvl="1"/>
             <a:r>
               <a:rPr lang="en-US" altLang="zh-TW" sz="2100" dirty="0" smtClean="0"/>
-              <a:t>Bitmap, App Icon with different resolutions</a:t>
+              <a:t>Bitmap </a:t>
             </a:r>
           </a:p>
           <a:p>
             <a:pPr lvl="1"/>
             <a:r>
               <a:rPr lang="en-US" altLang="zh-TW" sz="2100" dirty="0" smtClean="0"/>
-              <a:t>Shape, Layer, Scale….</a:t>
+              <a:t>App Icon  (</a:t>
+            </a:r>
+            <a:r>
+              <a:rPr lang="en-US" altLang="zh-TW" sz="2100" dirty="0" smtClean="0">
+                <a:solidFill>
+                  <a:srgbClr val="FF0000"/>
+                </a:solidFill>
+              </a:rPr>
+              <a:t>before Android Studio 1.1</a:t>
+            </a:r>
+            <a:r>
+              <a:rPr lang="en-US" altLang="zh-TW" sz="2100" dirty="0" smtClean="0"/>
+              <a:t>)</a:t>
+            </a:r>
+          </a:p>
+          <a:p>
+            <a:pPr lvl="1"/>
+            <a:r>
+              <a:rPr lang="en-US" altLang="zh-TW" sz="2100" dirty="0" smtClean="0"/>
+              <a:t>Shape</a:t>
+            </a:r>
+            <a:r>
+              <a:rPr lang="en-US" altLang="zh-TW" sz="2100" dirty="0" smtClean="0"/>
+              <a:t>, Layer, Scale….</a:t>
             </a:r>
             <a:endParaRPr lang="zh-TW" altLang="en-US" sz="2100" dirty="0"/>
           </a:p>
@@ -5911,8 +6015,8 @@
         </p:blipFill>
         <p:spPr bwMode="auto">
           <a:xfrm>
-            <a:off x="251520" y="2897559"/>
-            <a:ext cx="5998020" cy="3960441"/>
+            <a:off x="683568" y="3305313"/>
+            <a:ext cx="5421956" cy="3580071"/>
           </a:xfrm>
           <a:prstGeom prst="rect">
             <a:avLst/>
@@ -5943,7 +6047,7 @@
         </p:blipFill>
         <p:spPr bwMode="auto">
           <a:xfrm>
-            <a:off x="6372200" y="2924944"/>
+            <a:off x="6300192" y="2996952"/>
             <a:ext cx="2402648" cy="3842337"/>
           </a:xfrm>
           <a:prstGeom prst="rect">
@@ -6043,11 +6147,7 @@
           <a:p>
             <a:r>
               <a:rPr lang="en-US" altLang="zh-TW" sz="2000" dirty="0" smtClean="0"/>
-              <a:t>What’s </a:t>
-            </a:r>
-            <a:r>
-              <a:rPr lang="en-US" altLang="zh-TW" sz="2000" dirty="0" smtClean="0"/>
-              <a:t>Android</a:t>
+              <a:t>What’s Android</a:t>
             </a:r>
           </a:p>
           <a:p>
@@ -6097,7 +6197,11 @@
           <a:p>
             <a:r>
               <a:rPr lang="en-US" altLang="zh-TW" sz="2000" dirty="0" smtClean="0"/>
-              <a:t>[Function Demo]</a:t>
+              <a:t>[APP </a:t>
+            </a:r>
+            <a:r>
+              <a:rPr lang="en-US" altLang="zh-TW" sz="2000" dirty="0" smtClean="0"/>
+              <a:t>Demo]</a:t>
             </a:r>
           </a:p>
           <a:p>
@@ -6210,19 +6314,19 @@
           <a:lstStyle/>
           <a:p>
             <a:r>
-              <a:rPr lang="en-US" altLang="zh-TW" b="1" dirty="0" smtClean="0"/>
+              <a:rPr lang="en-US" altLang="zh-TW" sz="3000" b="1" dirty="0" smtClean="0"/>
               <a:t>res – </a:t>
             </a:r>
             <a:r>
-              <a:rPr lang="en-US" altLang="zh-TW" dirty="0" err="1" smtClean="0"/>
+              <a:rPr lang="en-US" altLang="zh-TW" sz="3000" dirty="0" err="1" smtClean="0"/>
               <a:t>mipmap</a:t>
             </a:r>
             <a:r>
-              <a:rPr lang="en-US" altLang="zh-TW" dirty="0" smtClean="0"/>
+              <a:rPr lang="en-US" altLang="zh-TW" sz="3000" dirty="0" smtClean="0"/>
               <a:t> (</a:t>
             </a:r>
             <a:r>
-              <a:rPr lang="en-US" altLang="zh-TW" dirty="0" smtClean="0">
+              <a:rPr lang="en-US" altLang="zh-TW" sz="3000" dirty="0" smtClean="0">
                 <a:solidFill>
                   <a:srgbClr val="FF0000"/>
                 </a:solidFill>
@@ -6230,15 +6334,39 @@
               <a:t>updated!</a:t>
             </a:r>
             <a:r>
+              <a:rPr lang="en-US" altLang="zh-TW" sz="3000" dirty="0" smtClean="0"/>
+              <a:t> </a:t>
+            </a:r>
+            <a:r>
+              <a:rPr lang="en-US" altLang="zh-TW" sz="3000" dirty="0" smtClean="0">
+                <a:solidFill>
+                  <a:srgbClr val="FF0000"/>
+                </a:solidFill>
+              </a:rPr>
+              <a:t>Android  Studio 1.1</a:t>
+            </a:r>
+            <a:r>
+              <a:rPr lang="en-US" altLang="zh-TW" sz="3000" dirty="0" smtClean="0"/>
+              <a:t>)</a:t>
+            </a:r>
+          </a:p>
+          <a:p>
+            <a:pPr lvl="1"/>
+            <a:r>
               <a:rPr lang="en-US" altLang="zh-TW" dirty="0" smtClean="0"/>
-              <a:t> Android  Studio 1.1)</a:t>
-            </a:r>
-          </a:p>
-          <a:p>
-            <a:pPr lvl="1"/>
+              <a:t>App Icon </a:t>
+            </a:r>
             <a:r>
               <a:rPr lang="en-US" altLang="zh-TW" dirty="0" smtClean="0"/>
-              <a:t>App Icon will put here</a:t>
+              <a:t>move to </a:t>
+            </a:r>
+            <a:r>
+              <a:rPr lang="en-US" altLang="zh-TW" dirty="0" err="1" smtClean="0"/>
+              <a:t>mipmap</a:t>
+            </a:r>
+            <a:r>
+              <a:rPr lang="en-US" altLang="zh-TW" dirty="0" smtClean="0"/>
+              <a:t> folder</a:t>
             </a:r>
             <a:endParaRPr lang="zh-TW" altLang="en-US" dirty="0"/>
           </a:p>
@@ -6285,20 +6413,31 @@
         </p:blipFill>
         <p:spPr bwMode="auto">
           <a:xfrm>
-            <a:off x="323528" y="3761253"/>
+            <a:off x="323528" y="3429000"/>
             <a:ext cx="5472608" cy="2085919"/>
           </a:xfrm>
           <a:prstGeom prst="rect">
             <a:avLst/>
           </a:prstGeom>
-          <a:noFill/>
-          <a:ln w="9525">
-            <a:noFill/>
-            <a:miter lim="800000"/>
+          <a:ln>
             <a:headEnd/>
             <a:tailEnd/>
           </a:ln>
         </p:spPr>
+        <p:style>
+          <a:lnRef idx="3">
+            <a:schemeClr val="lt1"/>
+          </a:lnRef>
+          <a:fillRef idx="1">
+            <a:schemeClr val="accent3"/>
+          </a:fillRef>
+          <a:effectRef idx="1">
+            <a:schemeClr val="accent3"/>
+          </a:effectRef>
+          <a:fontRef idx="minor">
+            <a:schemeClr val="lt1"/>
+          </a:fontRef>
+        </p:style>
       </p:pic>
       <p:pic>
         <p:nvPicPr>
@@ -6317,7 +6456,7 @@
         </p:blipFill>
         <p:spPr bwMode="auto">
           <a:xfrm>
-            <a:off x="6012160" y="3401213"/>
+            <a:off x="5940152" y="3212976"/>
             <a:ext cx="2952328" cy="2548067"/>
           </a:xfrm>
           <a:prstGeom prst="rect">
@@ -6325,7 +6464,9 @@
           </a:prstGeom>
           <a:noFill/>
           <a:ln w="9525">
-            <a:noFill/>
+            <a:solidFill>
+              <a:srgbClr val="92D050"/>
+            </a:solidFill>
             <a:miter lim="800000"/>
             <a:headEnd/>
             <a:tailEnd/>
@@ -6406,18 +6547,20 @@
           </a:xfrm>
         </p:spPr>
         <p:txBody>
-          <a:bodyPr/>
-          <a:lstStyle/>
-          <a:p>
-            <a:r>
-              <a:rPr lang="en-US" altLang="zh-TW" sz="2800" b="1" dirty="0" smtClean="0"/>
+          <a:bodyPr>
+            <a:normAutofit/>
+          </a:bodyPr>
+          <a:lstStyle/>
+          <a:p>
+            <a:r>
+              <a:rPr lang="en-US" altLang="zh-TW" b="1" dirty="0" smtClean="0"/>
               <a:t>res - </a:t>
             </a:r>
             <a:r>
-              <a:rPr lang="en-US" altLang="zh-TW" sz="2700" dirty="0" smtClean="0"/>
+              <a:rPr lang="en-US" altLang="zh-TW" dirty="0" smtClean="0"/>
               <a:t>Layout</a:t>
             </a:r>
-            <a:endParaRPr lang="zh-TW" altLang="en-US" sz="2700" dirty="0"/>
+            <a:endParaRPr lang="zh-TW" altLang="en-US" dirty="0"/>
           </a:p>
         </p:txBody>
       </p:sp>
@@ -6494,7 +6637,7 @@
         </p:blipFill>
         <p:spPr bwMode="auto">
           <a:xfrm>
-            <a:off x="1331642" y="4149082"/>
+            <a:off x="1043608" y="4365104"/>
             <a:ext cx="3869701" cy="2016223"/>
           </a:xfrm>
           <a:prstGeom prst="rect">
@@ -6509,92 +6652,6 @@
           </a:ln>
         </p:spPr>
       </p:pic>
-      <p:cxnSp>
-        <p:nvCxnSpPr>
-          <p:cNvPr id="7" name="直線單箭頭接點 6"/>
-          <p:cNvCxnSpPr/>
-          <p:nvPr/>
-        </p:nvCxnSpPr>
-        <p:spPr>
-          <a:xfrm flipH="1">
-            <a:off x="4427984" y="4221089"/>
-            <a:ext cx="1368152" cy="1224136"/>
-          </a:xfrm>
-          <a:prstGeom prst="straightConnector1">
-            <a:avLst/>
-          </a:prstGeom>
-          <a:ln>
-            <a:solidFill>
-              <a:schemeClr val="accent3">
-                <a:lumMod val="50000"/>
-              </a:schemeClr>
-            </a:solidFill>
-            <a:tailEnd type="arrow"/>
-          </a:ln>
-        </p:spPr>
-        <p:style>
-          <a:lnRef idx="1">
-            <a:schemeClr val="accent1"/>
-          </a:lnRef>
-          <a:fillRef idx="0">
-            <a:schemeClr val="accent1"/>
-          </a:fillRef>
-          <a:effectRef idx="0">
-            <a:schemeClr val="accent1"/>
-          </a:effectRef>
-          <a:fontRef idx="minor">
-            <a:schemeClr val="tx1"/>
-          </a:fontRef>
-        </p:style>
-      </p:cxnSp>
-      <p:sp>
-        <p:nvSpPr>
-          <p:cNvPr id="10" name="矩形 9"/>
-          <p:cNvSpPr/>
-          <p:nvPr/>
-        </p:nvSpPr>
-        <p:spPr>
-          <a:xfrm>
-            <a:off x="4139952" y="4149081"/>
-            <a:ext cx="1080120" cy="288032"/>
-          </a:xfrm>
-          <a:prstGeom prst="rect">
-            <a:avLst/>
-          </a:prstGeom>
-          <a:noFill/>
-          <a:ln>
-            <a:solidFill>
-              <a:schemeClr val="accent3">
-                <a:lumMod val="50000"/>
-              </a:schemeClr>
-            </a:solidFill>
-          </a:ln>
-        </p:spPr>
-        <p:style>
-          <a:lnRef idx="2">
-            <a:schemeClr val="accent1">
-              <a:shade val="50000"/>
-            </a:schemeClr>
-          </a:lnRef>
-          <a:fillRef idx="1">
-            <a:schemeClr val="accent1"/>
-          </a:fillRef>
-          <a:effectRef idx="0">
-            <a:schemeClr val="accent1"/>
-          </a:effectRef>
-          <a:fontRef idx="minor">
-            <a:schemeClr val="lt1"/>
-          </a:fontRef>
-        </p:style>
-        <p:txBody>
-          <a:bodyPr rtlCol="0" anchor="ctr"/>
-          <a:lstStyle/>
-          <a:p>
-            <a:pPr algn="ctr"/>
-            <a:endParaRPr lang="zh-TW" altLang="en-US"/>
-          </a:p>
-        </p:txBody>
-      </p:sp>
     </p:spTree>
   </p:cSld>
   <p:clrMapOvr>
@@ -7127,7 +7184,15 @@
                   <a:srgbClr val="FF0000"/>
                 </a:solidFill>
               </a:rPr>
-              <a:t>Do not hard-coded pixel </a:t>
+              <a:t>Do not </a:t>
+            </a:r>
+            <a:r>
+              <a:rPr lang="en-US" altLang="zh-TW" sz="2300" dirty="0" smtClean="0">
+                <a:solidFill>
+                  <a:srgbClr val="FF0000"/>
+                </a:solidFill>
+              </a:rPr>
+              <a:t>hardcode </a:t>
             </a:r>
             <a:r>
               <a:rPr lang="zh-TW" altLang="en-US" sz="2300" dirty="0" smtClean="0"/>
@@ -7222,7 +7287,7 @@
         </p:nvSpPr>
         <p:spPr>
           <a:xfrm>
-            <a:off x="3851920" y="2843644"/>
+            <a:off x="3816424" y="2915652"/>
             <a:ext cx="5004048" cy="369332"/>
           </a:xfrm>
           <a:prstGeom prst="rect">
@@ -7428,12 +7493,26 @@
           <a:p>
             <a:r>
               <a:rPr lang="en-US" altLang="zh-TW" sz="2800" b="1" dirty="0" smtClean="0"/>
-              <a:t>res - </a:t>
+              <a:t>res </a:t>
+            </a:r>
+            <a:r>
+              <a:rPr lang="en-US" altLang="zh-TW" sz="2800" b="1" dirty="0" smtClean="0"/>
+              <a:t>– </a:t>
             </a:r>
             <a:r>
               <a:rPr lang="en-US" altLang="zh-TW" sz="2700" dirty="0" smtClean="0"/>
               <a:t>Menu</a:t>
             </a:r>
+          </a:p>
+          <a:p>
+            <a:endParaRPr lang="en-US" altLang="zh-TW" sz="2700" dirty="0" smtClean="0"/>
+          </a:p>
+          <a:p>
+            <a:r>
+              <a:rPr lang="en-US" altLang="zh-TW" sz="2700" dirty="0" smtClean="0"/>
+              <a:t>                              </a:t>
+            </a:r>
+            <a:endParaRPr lang="en-US" altLang="zh-TW" sz="1500" dirty="0" smtClean="0"/>
           </a:p>
         </p:txBody>
       </p:sp>
@@ -7556,8 +7635,8 @@
         </p:blipFill>
         <p:spPr bwMode="auto">
           <a:xfrm>
-            <a:off x="2968477" y="4797152"/>
-            <a:ext cx="6175523" cy="1421145"/>
+            <a:off x="2915816" y="4077072"/>
+            <a:ext cx="6048672" cy="1391954"/>
           </a:xfrm>
           <a:prstGeom prst="rect">
             <a:avLst/>
@@ -7588,7 +7667,7 @@
         </p:blipFill>
         <p:spPr bwMode="auto">
           <a:xfrm>
-            <a:off x="3851918" y="3068958"/>
+            <a:off x="3491880" y="2492896"/>
             <a:ext cx="3312368" cy="998376"/>
           </a:xfrm>
           <a:prstGeom prst="rect">
@@ -7692,15 +7771,32 @@
             <a:pPr lvl="1"/>
             <a:r>
               <a:rPr lang="en-US" altLang="zh-TW" sz="2300" dirty="0" smtClean="0"/>
-              <a:t>All of the words should be set here.</a:t>
+              <a:t>All of the words should be </a:t>
+            </a:r>
+            <a:r>
+              <a:rPr lang="en-US" altLang="zh-TW" sz="2300" dirty="0" smtClean="0"/>
+              <a:t>defined here</a:t>
+            </a:r>
+            <a:r>
+              <a:rPr lang="en-US" altLang="zh-TW" sz="2300" dirty="0" smtClean="0"/>
+              <a:t>.</a:t>
             </a:r>
           </a:p>
           <a:p>
             <a:pPr lvl="1"/>
             <a:r>
               <a:rPr lang="en-US" altLang="zh-TW" sz="2300" dirty="0" smtClean="0"/>
-              <a:t>Support multi-language.</a:t>
-            </a:r>
+              <a:t>For m</a:t>
+            </a:r>
+            <a:r>
+              <a:rPr lang="en-US" altLang="zh-TW" sz="2300" dirty="0" smtClean="0"/>
+              <a:t>ulti-language</a:t>
+            </a:r>
+            <a:r>
+              <a:rPr lang="en-US" altLang="zh-TW" sz="2300" dirty="0" smtClean="0"/>
+              <a:t> purpose.</a:t>
+            </a:r>
+            <a:endParaRPr lang="en-US" altLang="zh-TW" sz="2300" dirty="0" smtClean="0"/>
           </a:p>
           <a:p>
             <a:pPr lvl="1"/>
@@ -7732,6 +7828,70 @@
           </a:p>
         </p:txBody>
       </p:sp>
+      <p:pic>
+        <p:nvPicPr>
+          <p:cNvPr id="5" name="Picture 3"/>
+          <p:cNvPicPr>
+            <a:picLocks noChangeAspect="1" noChangeArrowheads="1"/>
+          </p:cNvPicPr>
+          <p:nvPr/>
+        </p:nvPicPr>
+        <p:blipFill>
+          <a:blip r:embed="rId2" cstate="print"/>
+          <a:srcRect/>
+          <a:stretch>
+            <a:fillRect/>
+          </a:stretch>
+        </p:blipFill>
+        <p:spPr bwMode="auto">
+          <a:xfrm>
+            <a:off x="899592" y="3573016"/>
+            <a:ext cx="3869701" cy="2016223"/>
+          </a:xfrm>
+          <a:prstGeom prst="rect">
+            <a:avLst/>
+          </a:prstGeom>
+          <a:noFill/>
+          <a:ln w="9525">
+            <a:noFill/>
+            <a:miter lim="800000"/>
+            <a:headEnd/>
+            <a:tailEnd/>
+          </a:ln>
+        </p:spPr>
+      </p:pic>
+      <p:pic>
+        <p:nvPicPr>
+          <p:cNvPr id="32769" name="Picture 1"/>
+          <p:cNvPicPr>
+            <a:picLocks noChangeAspect="1" noChangeArrowheads="1"/>
+          </p:cNvPicPr>
+          <p:nvPr/>
+        </p:nvPicPr>
+        <p:blipFill>
+          <a:blip r:embed="rId3" cstate="print"/>
+          <a:srcRect/>
+          <a:stretch>
+            <a:fillRect/>
+          </a:stretch>
+        </p:blipFill>
+        <p:spPr bwMode="auto">
+          <a:xfrm>
+            <a:off x="5076056" y="2780928"/>
+            <a:ext cx="3390900" cy="3486150"/>
+          </a:xfrm>
+          <a:prstGeom prst="rect">
+            <a:avLst/>
+          </a:prstGeom>
+          <a:noFill/>
+          <a:ln w="9525">
+            <a:noFill/>
+            <a:miter lim="800000"/>
+            <a:headEnd/>
+            <a:tailEnd/>
+          </a:ln>
+        </p:spPr>
+      </p:pic>
     </p:spTree>
   </p:cSld>
   <p:clrMapOvr>
@@ -7859,20 +8019,31 @@
         </p:blipFill>
         <p:spPr bwMode="auto">
           <a:xfrm>
-            <a:off x="2771800" y="4077072"/>
-            <a:ext cx="5031932" cy="2448272"/>
+            <a:off x="2757731" y="3923997"/>
+            <a:ext cx="5198549" cy="2529339"/>
           </a:xfrm>
           <a:prstGeom prst="rect">
             <a:avLst/>
           </a:prstGeom>
-          <a:noFill/>
-          <a:ln w="9525">
-            <a:noFill/>
-            <a:miter lim="800000"/>
+          <a:ln>
             <a:headEnd/>
             <a:tailEnd/>
           </a:ln>
         </p:spPr>
+        <p:style>
+          <a:lnRef idx="1">
+            <a:schemeClr val="accent6"/>
+          </a:lnRef>
+          <a:fillRef idx="2">
+            <a:schemeClr val="accent6"/>
+          </a:fillRef>
+          <a:effectRef idx="1">
+            <a:schemeClr val="accent6"/>
+          </a:effectRef>
+          <a:fontRef idx="minor">
+            <a:schemeClr val="dk1"/>
+          </a:fontRef>
+        </p:style>
       </p:pic>
       <p:pic>
         <p:nvPicPr>
@@ -7891,20 +8062,31 @@
         </p:blipFill>
         <p:spPr bwMode="auto">
           <a:xfrm>
-            <a:off x="2843017" y="2492896"/>
-            <a:ext cx="4249263" cy="1080120"/>
+            <a:off x="2775757" y="2492896"/>
+            <a:ext cx="4532547" cy="1152128"/>
           </a:xfrm>
           <a:prstGeom prst="rect">
             <a:avLst/>
           </a:prstGeom>
-          <a:noFill/>
-          <a:ln w="9525">
-            <a:noFill/>
-            <a:miter lim="800000"/>
+          <a:ln>
             <a:headEnd/>
             <a:tailEnd/>
           </a:ln>
         </p:spPr>
+        <p:style>
+          <a:lnRef idx="1">
+            <a:schemeClr val="accent6"/>
+          </a:lnRef>
+          <a:fillRef idx="2">
+            <a:schemeClr val="accent6"/>
+          </a:fillRef>
+          <a:effectRef idx="1">
+            <a:schemeClr val="accent6"/>
+          </a:effectRef>
+          <a:fontRef idx="minor">
+            <a:schemeClr val="dk1"/>
+          </a:fontRef>
+        </p:style>
       </p:pic>
       <p:sp>
         <p:nvSpPr>
@@ -7914,8 +8096,8 @@
         </p:nvSpPr>
         <p:spPr>
           <a:xfrm>
-            <a:off x="683568" y="5157192"/>
-            <a:ext cx="1872208" cy="369332"/>
+            <a:off x="251520" y="5157192"/>
+            <a:ext cx="2304256" cy="446276"/>
           </a:xfrm>
           <a:prstGeom prst="rect">
             <a:avLst/>
@@ -7934,10 +8116,10 @@
           <a:lstStyle/>
           <a:p>
             <a:r>
-              <a:rPr lang="en-US" altLang="zh-TW" dirty="0" smtClean="0"/>
+              <a:rPr lang="en-US" altLang="zh-TW" sz="2300" dirty="0" smtClean="0"/>
               <a:t>activity_main.xml</a:t>
             </a:r>
-            <a:endParaRPr lang="zh-TW" altLang="en-US" dirty="0"/>
+            <a:endParaRPr lang="zh-TW" altLang="en-US" sz="2300" dirty="0"/>
           </a:p>
         </p:txBody>
       </p:sp>
@@ -7949,8 +8131,8 @@
         </p:nvSpPr>
         <p:spPr>
           <a:xfrm>
-            <a:off x="827584" y="2996952"/>
-            <a:ext cx="1440160" cy="369332"/>
+            <a:off x="395536" y="2852936"/>
+            <a:ext cx="1872208" cy="446276"/>
           </a:xfrm>
           <a:prstGeom prst="rect">
             <a:avLst/>
@@ -7970,13 +8152,174 @@
           <a:p>
             <a:pPr algn="ctr"/>
             <a:r>
-              <a:rPr lang="en-US" altLang="zh-TW" dirty="0" smtClean="0"/>
+              <a:rPr lang="en-US" altLang="zh-TW" sz="2300" dirty="0" smtClean="0"/>
               <a:t>dimens.xml</a:t>
             </a:r>
-            <a:endParaRPr lang="zh-TW" altLang="en-US" dirty="0"/>
-          </a:p>
-        </p:txBody>
-      </p:sp>
+            <a:endParaRPr lang="zh-TW" altLang="en-US" sz="2300" dirty="0"/>
+          </a:p>
+        </p:txBody>
+      </p:sp>
+      <p:sp>
+        <p:nvSpPr>
+          <p:cNvPr id="9" name="右大括弧 8"/>
+          <p:cNvSpPr/>
+          <p:nvPr/>
+        </p:nvSpPr>
+        <p:spPr>
+          <a:xfrm>
+            <a:off x="7092280" y="5085184"/>
+            <a:ext cx="216024" cy="720080"/>
+          </a:xfrm>
+          <a:prstGeom prst="rightBrace">
+            <a:avLst/>
+          </a:prstGeom>
+          <a:ln w="15875">
+            <a:solidFill>
+              <a:schemeClr val="accent6">
+                <a:lumMod val="50000"/>
+              </a:schemeClr>
+            </a:solidFill>
+          </a:ln>
+        </p:spPr>
+        <p:style>
+          <a:lnRef idx="1">
+            <a:schemeClr val="accent1"/>
+          </a:lnRef>
+          <a:fillRef idx="0">
+            <a:schemeClr val="accent1"/>
+          </a:fillRef>
+          <a:effectRef idx="0">
+            <a:schemeClr val="accent1"/>
+          </a:effectRef>
+          <a:fontRef idx="minor">
+            <a:schemeClr val="tx1"/>
+          </a:fontRef>
+        </p:style>
+        <p:txBody>
+          <a:bodyPr rtlCol="0" anchor="ctr"/>
+          <a:lstStyle/>
+          <a:p>
+            <a:pPr algn="ctr"/>
+            <a:endParaRPr lang="zh-TW" altLang="en-US"/>
+          </a:p>
+        </p:txBody>
+      </p:sp>
+      <p:cxnSp>
+        <p:nvCxnSpPr>
+          <p:cNvPr id="16" name="直線接點 15"/>
+          <p:cNvCxnSpPr>
+            <a:stCxn id="9" idx="1"/>
+          </p:cNvCxnSpPr>
+          <p:nvPr/>
+        </p:nvCxnSpPr>
+        <p:spPr>
+          <a:xfrm>
+            <a:off x="7308304" y="5445224"/>
+            <a:ext cx="864096" cy="0"/>
+          </a:xfrm>
+          <a:prstGeom prst="line">
+            <a:avLst/>
+          </a:prstGeom>
+          <a:ln w="15875">
+            <a:solidFill>
+              <a:schemeClr val="accent6">
+                <a:lumMod val="50000"/>
+              </a:schemeClr>
+            </a:solidFill>
+          </a:ln>
+        </p:spPr>
+        <p:style>
+          <a:lnRef idx="1">
+            <a:schemeClr val="accent1"/>
+          </a:lnRef>
+          <a:fillRef idx="0">
+            <a:schemeClr val="accent1"/>
+          </a:fillRef>
+          <a:effectRef idx="0">
+            <a:schemeClr val="accent1"/>
+          </a:effectRef>
+          <a:fontRef idx="minor">
+            <a:schemeClr val="tx1"/>
+          </a:fontRef>
+        </p:style>
+      </p:cxnSp>
+      <p:cxnSp>
+        <p:nvCxnSpPr>
+          <p:cNvPr id="18" name="直線接點 17"/>
+          <p:cNvCxnSpPr/>
+          <p:nvPr/>
+        </p:nvCxnSpPr>
+        <p:spPr>
+          <a:xfrm flipV="1">
+            <a:off x="8172400" y="3068960"/>
+            <a:ext cx="0" cy="2376264"/>
+          </a:xfrm>
+          <a:prstGeom prst="line">
+            <a:avLst/>
+          </a:prstGeom>
+          <a:ln w="15875">
+            <a:solidFill>
+              <a:schemeClr val="accent6">
+                <a:lumMod val="50000"/>
+              </a:schemeClr>
+            </a:solidFill>
+          </a:ln>
+        </p:spPr>
+        <p:style>
+          <a:lnRef idx="1">
+            <a:schemeClr val="accent1"/>
+          </a:lnRef>
+          <a:fillRef idx="0">
+            <a:schemeClr val="accent1"/>
+          </a:fillRef>
+          <a:effectRef idx="0">
+            <a:schemeClr val="accent1"/>
+          </a:effectRef>
+          <a:fontRef idx="minor">
+            <a:schemeClr val="tx1"/>
+          </a:fontRef>
+        </p:style>
+      </p:cxnSp>
+      <p:cxnSp>
+        <p:nvCxnSpPr>
+          <p:cNvPr id="20" name="直線單箭頭接點 19"/>
+          <p:cNvCxnSpPr>
+            <a:endCxn id="3075" idx="3"/>
+          </p:cNvCxnSpPr>
+          <p:nvPr/>
+        </p:nvCxnSpPr>
+        <p:spPr>
+          <a:xfrm flipH="1">
+            <a:off x="7308304" y="3068960"/>
+            <a:ext cx="864096" cy="0"/>
+          </a:xfrm>
+          <a:prstGeom prst="straightConnector1">
+            <a:avLst/>
+          </a:prstGeom>
+          <a:ln w="15875">
+            <a:solidFill>
+              <a:schemeClr val="accent6">
+                <a:lumMod val="50000"/>
+              </a:schemeClr>
+            </a:solidFill>
+            <a:tailEnd type="arrow"/>
+          </a:ln>
+        </p:spPr>
+        <p:style>
+          <a:lnRef idx="1">
+            <a:schemeClr val="accent1"/>
+          </a:lnRef>
+          <a:fillRef idx="0">
+            <a:schemeClr val="accent1"/>
+          </a:fillRef>
+          <a:effectRef idx="0">
+            <a:schemeClr val="accent1"/>
+          </a:effectRef>
+          <a:fontRef idx="minor">
+            <a:schemeClr val="tx1"/>
+          </a:fontRef>
+        </p:style>
+      </p:cxnSp>
     </p:spTree>
   </p:cSld>
   <p:clrMapOvr>
@@ -8306,36 +8649,6 @@
           </a:p>
         </p:txBody>
       </p:sp>
-      <p:sp>
-        <p:nvSpPr>
-          <p:cNvPr id="11" name="文字方塊 10"/>
-          <p:cNvSpPr txBox="1"/>
-          <p:nvPr/>
-        </p:nvSpPr>
-        <p:spPr>
-          <a:xfrm>
-            <a:off x="4139952" y="2267580"/>
-            <a:ext cx="707181" cy="369332"/>
-          </a:xfrm>
-          <a:prstGeom prst="rect">
-            <a:avLst/>
-          </a:prstGeom>
-          <a:noFill/>
-        </p:spPr>
-        <p:txBody>
-          <a:bodyPr wrap="none" rtlCol="0">
-            <a:spAutoFit/>
-          </a:bodyPr>
-          <a:lstStyle/>
-          <a:p>
-            <a:r>
-              <a:rPr lang="en-US" altLang="zh-TW" dirty="0" smtClean="0"/>
-              <a:t>move</a:t>
-            </a:r>
-            <a:endParaRPr lang="zh-TW" altLang="en-US" dirty="0"/>
-          </a:p>
-        </p:txBody>
-      </p:sp>
     </p:spTree>
   </p:cSld>
   <p:clrMapOvr>
@@ -8415,11 +8728,19 @@
           <a:p>
             <a:r>
               <a:rPr lang="en-US" altLang="zh-TW" sz="2800" dirty="0" smtClean="0"/>
-              <a:t>Give it a try!  Change the “Hello world!” by pressing </a:t>
-            </a:r>
-            <a:r>
-              <a:rPr lang="en-US" altLang="zh-TW" sz="2800" dirty="0" err="1" smtClean="0"/>
-              <a:t>btn</a:t>
+              <a:t>Give it a try!  </a:t>
+            </a:r>
+            <a:r>
+              <a:rPr lang="en-US" altLang="zh-TW" sz="2800" dirty="0" smtClean="0"/>
+              <a:t>Change </a:t>
+            </a:r>
+            <a:r>
+              <a:rPr lang="en-US" altLang="zh-TW" sz="2800" dirty="0" smtClean="0"/>
+              <a:t>“Hello world!” by pressing </a:t>
+            </a:r>
+            <a:r>
+              <a:rPr lang="en-US" altLang="zh-TW" sz="2800" dirty="0" smtClean="0"/>
+              <a:t>button.</a:t>
             </a:r>
             <a:endParaRPr lang="en-US" altLang="zh-TW" sz="2800" dirty="0" smtClean="0"/>
           </a:p>
@@ -8504,8 +8825,8 @@
         </p:blipFill>
         <p:spPr bwMode="auto">
           <a:xfrm>
-            <a:off x="4441192" y="2204864"/>
-            <a:ext cx="4702807" cy="4680519"/>
+            <a:off x="4441193" y="2204864"/>
+            <a:ext cx="4523296" cy="4501859"/>
           </a:xfrm>
           <a:prstGeom prst="rect">
             <a:avLst/>
@@ -8957,10 +9278,10 @@
           <p:nvPr/>
         </p:nvPicPr>
         <p:blipFill>
-          <a:blip r:embed="rId2">
+          <a:blip r:embed="rId2" cstate="print">
             <a:extLst>
               <a:ext uri="{28A0092B-C50C-407E-A947-70E740481C1C}">
-                <a14:useLocalDpi xmlns:a14="http://schemas.microsoft.com/office/drawing/2010/main" val="0"/>
+                <a14:useLocalDpi xmlns:a14="http://schemas.microsoft.com/office/drawing/2010/main" xmlns="" val="0"/>
               </a:ext>
             </a:extLst>
           </a:blip>
@@ -8980,7 +9301,7 @@
           <a:noFill/>
           <a:extLst>
             <a:ext uri="{909E8E84-426E-40DD-AFC4-6F175D3DCCD1}">
-              <a14:hiddenFill xmlns:a14="http://schemas.microsoft.com/office/drawing/2010/main">
+              <a14:hiddenFill xmlns:a14="http://schemas.microsoft.com/office/drawing/2010/main" xmlns="">
                 <a:solidFill>
                   <a:srgbClr val="FFFFFF"/>
                 </a:solidFill>
@@ -8992,7 +9313,7 @@
     </p:spTree>
     <p:extLst>
       <p:ext uri="{BB962C8B-B14F-4D97-AF65-F5344CB8AC3E}">
-        <p14:creationId xmlns:p14="http://schemas.microsoft.com/office/powerpoint/2010/main" val="1667164242"/>
+        <p14:creationId xmlns:p14="http://schemas.microsoft.com/office/powerpoint/2010/main" xmlns="" val="1667164242"/>
       </p:ext>
     </p:extLst>
   </p:cSld>
@@ -9815,6 +10136,9 @@
               </a:rPr>
               <a:t>MainActivity.java</a:t>
             </a:r>
+            <a:endParaRPr lang="en-US" altLang="zh-TW" dirty="0" smtClean="0">
+              <a:sym typeface="Wingdings" pitchFamily="2" charset="2"/>
+            </a:endParaRPr>
           </a:p>
           <a:p>
             <a:pPr lvl="1"/>
@@ -10853,7 +11177,7 @@
     </p:spTree>
     <p:extLst>
       <p:ext uri="{BB962C8B-B14F-4D97-AF65-F5344CB8AC3E}">
-        <p14:creationId xmlns:p14="http://schemas.microsoft.com/office/powerpoint/2010/main" val="4075594646"/>
+        <p14:creationId xmlns:p14="http://schemas.microsoft.com/office/powerpoint/2010/main" xmlns="" val="4075594646"/>
       </p:ext>
     </p:extLst>
   </p:cSld>
@@ -11209,13 +11533,7 @@
               <a:rPr lang="en-US" altLang="zh-TW" sz="2400" dirty="0" smtClean="0">
                 <a:ea typeface="新細明體" pitchFamily="18" charset="-120"/>
               </a:rPr>
-              <a:t>Operating </a:t>
-            </a:r>
-            <a:r>
-              <a:rPr lang="en-US" altLang="zh-TW" sz="2400" dirty="0" smtClean="0">
-                <a:ea typeface="新細明體" pitchFamily="18" charset="-120"/>
-              </a:rPr>
-              <a:t>system  (Linux based)</a:t>
+              <a:t>Operating system  (Linux based)</a:t>
             </a:r>
           </a:p>
           <a:p>
@@ -11241,13 +11559,7 @@
               <a:rPr lang="en-US" altLang="zh-TW" sz="2400" dirty="0" smtClean="0">
                 <a:ea typeface="新細明體" pitchFamily="18" charset="-120"/>
               </a:rPr>
-              <a:t>Key </a:t>
-            </a:r>
-            <a:r>
-              <a:rPr lang="en-US" altLang="zh-TW" sz="2400" dirty="0" smtClean="0">
-                <a:ea typeface="新細明體" pitchFamily="18" charset="-120"/>
-              </a:rPr>
-              <a:t>Applications</a:t>
+              <a:t>Key Applications</a:t>
             </a:r>
           </a:p>
           <a:p>
@@ -11622,15 +11934,35 @@
             <p:ph idx="1"/>
           </p:nvPr>
         </p:nvSpPr>
-        <p:spPr/>
+        <p:spPr>
+          <a:xfrm>
+            <a:off x="457200" y="1484784"/>
+            <a:ext cx="8229600" cy="4641379"/>
+          </a:xfrm>
+        </p:spPr>
         <p:txBody>
           <a:bodyPr/>
           <a:lstStyle/>
           <a:p>
             <a:r>
               <a:rPr lang="en-US" altLang="zh-TW" dirty="0" smtClean="0"/>
-              <a:t>Create the second activity</a:t>
-            </a:r>
+              <a:t>Give a try! Observe lifecycle of Activity.</a:t>
+            </a:r>
+          </a:p>
+          <a:p>
+            <a:r>
+              <a:rPr lang="en-US" altLang="zh-TW" dirty="0" smtClean="0"/>
+              <a:t>Create </a:t>
+            </a:r>
+            <a:r>
+              <a:rPr lang="en-US" altLang="zh-TW" dirty="0" smtClean="0"/>
+              <a:t>the second </a:t>
+            </a:r>
+            <a:r>
+              <a:rPr lang="en-US" altLang="zh-TW" dirty="0" smtClean="0"/>
+              <a:t>activity.</a:t>
+            </a:r>
+            <a:endParaRPr lang="en-US" altLang="zh-TW" dirty="0" smtClean="0"/>
           </a:p>
         </p:txBody>
       </p:sp>
@@ -11675,8 +12007,8 @@
         </p:blipFill>
         <p:spPr bwMode="auto">
           <a:xfrm>
-            <a:off x="323529" y="2200276"/>
-            <a:ext cx="8420100" cy="4657725"/>
+            <a:off x="1120452" y="2636912"/>
+            <a:ext cx="7339980" cy="4060238"/>
           </a:xfrm>
           <a:prstGeom prst="rect">
             <a:avLst/>
@@ -11904,11 +12236,7 @@
             <a:pPr lvl="1"/>
             <a:r>
               <a:rPr lang="en-US" altLang="zh-TW" dirty="0" smtClean="0"/>
-              <a:t>Intent </a:t>
-            </a:r>
-            <a:r>
-              <a:rPr lang="en-US" altLang="zh-TW" dirty="0" smtClean="0"/>
-              <a:t>class(</a:t>
+              <a:t>Intent class(</a:t>
             </a:r>
             <a:r>
               <a:rPr lang="zh-TW" altLang="en-US" dirty="0" smtClean="0"/>
@@ -11923,11 +12251,7 @@
             <a:pPr lvl="2"/>
             <a:r>
               <a:rPr lang="en-US" altLang="zh-TW" dirty="0" smtClean="0"/>
-              <a:t>Explicit </a:t>
-            </a:r>
-            <a:r>
-              <a:rPr lang="en-US" altLang="zh-TW" dirty="0" smtClean="0"/>
-              <a:t>intent (</a:t>
+              <a:t>Explicit intent (</a:t>
             </a:r>
             <a:r>
               <a:rPr lang="zh-TW" altLang="en-US" dirty="0" smtClean="0"/>
@@ -11937,7 +12261,6 @@
               <a:rPr lang="en-US" altLang="zh-TW" dirty="0" smtClean="0"/>
               <a:t>)</a:t>
             </a:r>
-            <a:endParaRPr lang="en-US" altLang="zh-TW" dirty="0" smtClean="0"/>
           </a:p>
           <a:p>
             <a:pPr lvl="3"/>
@@ -11998,14 +12321,6 @@
             <a:r>
               <a:rPr lang="en-US" altLang="zh-TW" dirty="0" smtClean="0"/>
               <a:t>)</a:t>
-            </a:r>
-            <a:endParaRPr lang="en-US" altLang="zh-TW" dirty="0" smtClean="0"/>
-          </a:p>
-          <a:p>
-            <a:pPr lvl="3"/>
-            <a:r>
-              <a:rPr lang="en-US" altLang="zh-TW" dirty="0" smtClean="0"/>
-              <a:t>Intent-filter</a:t>
             </a:r>
             <a:endParaRPr lang="en-US" altLang="zh-TW" dirty="0" smtClean="0"/>
           </a:p>
@@ -12052,7 +12367,7 @@
         </p:blipFill>
         <p:spPr bwMode="auto">
           <a:xfrm>
-            <a:off x="1474987" y="4365105"/>
+            <a:off x="1114943" y="4464496"/>
             <a:ext cx="5401273" cy="2492896"/>
           </a:xfrm>
           <a:prstGeom prst="rect">
@@ -12078,7 +12393,7 @@
         </p:blipFill>
         <p:spPr bwMode="auto">
           <a:xfrm>
-            <a:off x="4610101" y="3322315"/>
+            <a:off x="107504" y="3933056"/>
             <a:ext cx="4533900" cy="495300"/>
           </a:xfrm>
           <a:prstGeom prst="rect">
@@ -12110,7 +12425,7 @@
         </p:blipFill>
         <p:spPr bwMode="auto">
           <a:xfrm>
-            <a:off x="4572000" y="3898380"/>
+            <a:off x="4536504" y="3933056"/>
             <a:ext cx="4572000" cy="466725"/>
           </a:xfrm>
           <a:prstGeom prst="rect">
@@ -12133,8 +12448,8 @@
         </p:nvSpPr>
         <p:spPr>
           <a:xfrm>
-            <a:off x="6911752" y="5657673"/>
-            <a:ext cx="2232248" cy="1200329"/>
+            <a:off x="6480720" y="5877272"/>
+            <a:ext cx="2771800" cy="923330"/>
           </a:xfrm>
           <a:prstGeom prst="rect">
             <a:avLst/>
@@ -12420,105 +12735,150 @@
         </p:nvSpPr>
         <p:spPr/>
         <p:txBody>
-          <a:bodyPr/>
+          <a:bodyPr>
+            <a:normAutofit/>
+          </a:bodyPr>
           <a:lstStyle/>
           <a:p>
             <a:r>
               <a:rPr lang="en-US" altLang="zh-TW" dirty="0" smtClean="0"/>
-              <a:t>Can let Intent carry information to others.</a:t>
+              <a:t>※Can </a:t>
+            </a:r>
+            <a:r>
+              <a:rPr lang="en-US" altLang="zh-TW" dirty="0" smtClean="0"/>
+              <a:t>let Intent carry information to others.</a:t>
             </a:r>
           </a:p>
           <a:p>
             <a:pPr lvl="1"/>
             <a:r>
-              <a:rPr lang="en-US" altLang="zh-TW" dirty="0" err="1" smtClean="0"/>
+              <a:rPr lang="en-US" altLang="zh-TW" sz="2500" dirty="0" err="1" smtClean="0"/>
               <a:t>MainActivity</a:t>
             </a:r>
             <a:r>
-              <a:rPr lang="en-US" altLang="zh-TW" dirty="0" smtClean="0"/>
+              <a:rPr lang="en-US" altLang="zh-TW" sz="2500" dirty="0" smtClean="0"/>
               <a:t>:</a:t>
             </a:r>
           </a:p>
           <a:p>
             <a:pPr lvl="2"/>
             <a:r>
-              <a:rPr lang="en-US" altLang="zh-TW" dirty="0" err="1" smtClean="0"/>
+              <a:rPr lang="en-US" altLang="zh-TW" sz="2200" dirty="0" smtClean="0"/>
+              <a:t>Intent it = new Intent(</a:t>
+            </a:r>
+            <a:r>
+              <a:rPr lang="en-US" altLang="zh-TW" sz="2200" dirty="0" err="1" smtClean="0"/>
+              <a:t>MainActivity.this</a:t>
+            </a:r>
+            <a:r>
+              <a:rPr lang="en-US" altLang="zh-TW" sz="2200" dirty="0" smtClean="0"/>
+              <a:t>, </a:t>
+            </a:r>
+            <a:r>
+              <a:rPr lang="en-US" altLang="zh-TW" sz="2200" dirty="0" err="1" smtClean="0"/>
+              <a:t>SecondActivity.class</a:t>
+            </a:r>
+            <a:r>
+              <a:rPr lang="en-US" altLang="zh-TW" sz="2200" dirty="0" smtClean="0"/>
+              <a:t>);</a:t>
+            </a:r>
+          </a:p>
+          <a:p>
+            <a:pPr lvl="2"/>
+            <a:r>
+              <a:rPr lang="en-US" altLang="zh-TW" sz="2200" dirty="0" err="1" smtClean="0"/>
               <a:t>it.putExtra</a:t>
             </a:r>
             <a:r>
-              <a:rPr lang="en-US" altLang="zh-TW" dirty="0" smtClean="0"/>
+              <a:rPr lang="en-US" altLang="zh-TW" sz="2200" dirty="0" smtClean="0"/>
               <a:t>(“name”, “John”);</a:t>
             </a:r>
           </a:p>
           <a:p>
             <a:pPr lvl="2"/>
             <a:r>
-              <a:rPr lang="en-US" altLang="zh-TW" dirty="0" err="1" smtClean="0"/>
+              <a:rPr lang="en-US" altLang="zh-TW" sz="2200" dirty="0" err="1" smtClean="0"/>
               <a:t>it.putExtra</a:t>
             </a:r>
             <a:r>
-              <a:rPr lang="en-US" altLang="zh-TW" dirty="0" smtClean="0"/>
-              <a:t>(“age”, 24);</a:t>
-            </a:r>
+              <a:rPr lang="en-US" altLang="zh-TW" sz="2200" dirty="0" smtClean="0"/>
+              <a:t>(“age”, 24</a:t>
+            </a:r>
+            <a:r>
+              <a:rPr lang="en-US" altLang="zh-TW" sz="2200" dirty="0" smtClean="0"/>
+              <a:t>);</a:t>
+            </a:r>
+          </a:p>
+          <a:p>
+            <a:pPr lvl="2"/>
+            <a:r>
+              <a:rPr lang="en-US" altLang="zh-TW" sz="2200" dirty="0" err="1" smtClean="0"/>
+              <a:t>startActivity</a:t>
+            </a:r>
+            <a:r>
+              <a:rPr lang="en-US" altLang="zh-TW" sz="2200" dirty="0" smtClean="0"/>
+              <a:t>(it);</a:t>
+            </a:r>
+            <a:endParaRPr lang="en-US" altLang="zh-TW" sz="2200" dirty="0" smtClean="0"/>
           </a:p>
           <a:p>
             <a:pPr lvl="1"/>
             <a:r>
-              <a:rPr lang="en-US" altLang="zh-TW" dirty="0" err="1" smtClean="0"/>
+              <a:rPr lang="en-US" altLang="zh-TW" sz="2500" dirty="0" err="1" smtClean="0"/>
               <a:t>SecondActivity</a:t>
             </a:r>
             <a:r>
-              <a:rPr lang="en-US" altLang="zh-TW" dirty="0" smtClean="0"/>
+              <a:rPr lang="en-US" altLang="zh-TW" sz="2500" dirty="0" smtClean="0"/>
               <a:t>:</a:t>
             </a:r>
           </a:p>
           <a:p>
             <a:pPr lvl="2"/>
             <a:r>
-              <a:rPr lang="en-US" altLang="zh-TW" dirty="0" smtClean="0"/>
+              <a:rPr lang="en-US" altLang="zh-TW" sz="2200" dirty="0" smtClean="0"/>
               <a:t>String Name = </a:t>
             </a:r>
             <a:r>
-              <a:rPr lang="en-US" altLang="zh-TW" dirty="0" err="1" smtClean="0"/>
+              <a:rPr lang="en-US" altLang="zh-TW" sz="2200" dirty="0" err="1" smtClean="0"/>
               <a:t>getIntent</a:t>
             </a:r>
             <a:r>
-              <a:rPr lang="en-US" altLang="zh-TW" dirty="0" smtClean="0"/>
+              <a:rPr lang="en-US" altLang="zh-TW" sz="2200" dirty="0" smtClean="0"/>
               <a:t>().</a:t>
             </a:r>
             <a:r>
-              <a:rPr lang="en-US" altLang="zh-TW" dirty="0" err="1" smtClean="0"/>
+              <a:rPr lang="en-US" altLang="zh-TW" sz="2200" dirty="0" err="1" smtClean="0"/>
               <a:t>getStringExtra</a:t>
             </a:r>
             <a:r>
-              <a:rPr lang="en-US" altLang="zh-TW" dirty="0" smtClean="0"/>
+              <a:rPr lang="en-US" altLang="zh-TW" sz="2200" dirty="0" smtClean="0"/>
               <a:t>(“name”);</a:t>
             </a:r>
           </a:p>
           <a:p>
             <a:pPr lvl="2"/>
             <a:r>
-              <a:rPr lang="en-US" altLang="zh-TW" dirty="0" err="1" smtClean="0"/>
+              <a:rPr lang="en-US" altLang="zh-TW" sz="2200" dirty="0" err="1" smtClean="0"/>
               <a:t>int</a:t>
             </a:r>
             <a:r>
-              <a:rPr lang="en-US" altLang="zh-TW" dirty="0" smtClean="0"/>
+              <a:rPr lang="en-US" altLang="zh-TW" sz="2200" dirty="0" smtClean="0"/>
               <a:t> Age = </a:t>
             </a:r>
             <a:r>
-              <a:rPr lang="en-US" altLang="zh-TW" dirty="0" err="1" smtClean="0"/>
+              <a:rPr lang="en-US" altLang="zh-TW" sz="2200" dirty="0" err="1" smtClean="0"/>
               <a:t>getIntent</a:t>
             </a:r>
             <a:r>
-              <a:rPr lang="en-US" altLang="zh-TW" dirty="0" smtClean="0"/>
+              <a:rPr lang="en-US" altLang="zh-TW" sz="2200" dirty="0" smtClean="0"/>
               <a:t>().</a:t>
             </a:r>
             <a:r>
-              <a:rPr lang="en-US" altLang="zh-TW" dirty="0" err="1" smtClean="0"/>
+              <a:rPr lang="en-US" altLang="zh-TW" sz="2200" dirty="0" err="1" smtClean="0"/>
               <a:t>getIntExtra</a:t>
             </a:r>
             <a:r>
-              <a:rPr lang="en-US" altLang="zh-TW" dirty="0" smtClean="0"/>
+              <a:rPr lang="en-US" altLang="zh-TW" sz="2200" dirty="0" smtClean="0"/>
               <a:t>(“age”);</a:t>
             </a:r>
           </a:p>
@@ -12624,6 +12984,25 @@
           <a:p>
             <a:r>
               <a:rPr lang="en-US" altLang="zh-TW" dirty="0" smtClean="0"/>
+              <a:t>Override</a:t>
+            </a:r>
+            <a:r>
+              <a:rPr lang="zh-TW" altLang="en-US" dirty="0" smtClean="0"/>
+              <a:t> </a:t>
+            </a:r>
+            <a:r>
+              <a:rPr lang="en-US" altLang="zh-TW" dirty="0" err="1" smtClean="0"/>
+              <a:t>baseclass</a:t>
+            </a:r>
+            <a:r>
+              <a:rPr lang="en-US" altLang="zh-TW" dirty="0" smtClean="0"/>
+              <a:t>’ method</a:t>
+            </a:r>
+            <a:endParaRPr lang="en-US" altLang="zh-TW" dirty="0" smtClean="0"/>
+          </a:p>
+          <a:p>
+            <a:r>
+              <a:rPr lang="en-US" altLang="zh-TW" dirty="0" smtClean="0"/>
               <a:t>Press </a:t>
             </a:r>
             <a:r>
@@ -12632,12 +13011,21 @@
                   <a:srgbClr val="FF0000"/>
                 </a:solidFill>
               </a:rPr>
-              <a:t>ctrl + O </a:t>
+              <a:t>ctrl + </a:t>
+            </a:r>
+            <a:r>
+              <a:rPr lang="en-US" altLang="zh-TW" dirty="0" smtClean="0">
+                <a:solidFill>
+                  <a:srgbClr val="FF0000"/>
+                </a:solidFill>
+              </a:rPr>
+              <a:t>O</a:t>
             </a:r>
             <a:r>
               <a:rPr lang="en-US" altLang="zh-TW" dirty="0" smtClean="0"/>
-              <a:t>to override:</a:t>
-            </a:r>
+              <a:t>:</a:t>
+            </a:r>
+            <a:endParaRPr lang="en-US" altLang="zh-TW" dirty="0" smtClean="0"/>
           </a:p>
           <a:p>
             <a:pPr lvl="1"/>
@@ -12752,7 +13140,7 @@
         </p:blipFill>
         <p:spPr bwMode="auto">
           <a:xfrm>
-            <a:off x="5436098" y="1466609"/>
+            <a:off x="5537771" y="1412776"/>
             <a:ext cx="3498725" cy="5346769"/>
           </a:xfrm>
           <a:prstGeom prst="rect">
@@ -12829,7 +13217,15 @@
             </a:r>
             <a:r>
               <a:rPr lang="en-US" altLang="zh-TW" sz="2400" dirty="0" smtClean="0"/>
-              <a:t> class to print the runtime message (like </a:t>
+              <a:t> class to print </a:t>
+            </a:r>
+            <a:r>
+              <a:rPr lang="en-US" altLang="zh-TW" sz="2400" dirty="0" smtClean="0"/>
+              <a:t> the </a:t>
+            </a:r>
+            <a:r>
+              <a:rPr lang="en-US" altLang="zh-TW" sz="2400" dirty="0" smtClean="0"/>
+              <a:t>runtime message (like </a:t>
             </a:r>
             <a:r>
               <a:rPr lang="en-US" altLang="zh-TW" sz="2400" dirty="0" err="1" smtClean="0"/>
@@ -13230,7 +13626,7 @@
           <a:p>
             <a:r>
               <a:rPr lang="en-US" altLang="zh-TW" dirty="0" smtClean="0"/>
-              <a:t>Function Demo</a:t>
+              <a:t>APP Demo</a:t>
             </a:r>
             <a:endParaRPr lang="zh-TW" altLang="en-US" dirty="0"/>
           </a:p>
@@ -13359,9 +13755,16 @@
             <p:ph idx="1"/>
           </p:nvPr>
         </p:nvSpPr>
-        <p:spPr/>
-        <p:txBody>
-          <a:bodyPr/>
+        <p:spPr>
+          <a:xfrm>
+            <a:off x="457200" y="1600200"/>
+            <a:ext cx="8229600" cy="4997152"/>
+          </a:xfrm>
+        </p:spPr>
+        <p:txBody>
+          <a:bodyPr>
+            <a:normAutofit fontScale="92500" lnSpcReduction="10000"/>
+          </a:bodyPr>
           <a:lstStyle/>
           <a:p>
             <a:r>
@@ -13373,11 +13776,7 @@
             <a:pPr lvl="1"/>
             <a:r>
               <a:rPr lang="en-US" altLang="zh-TW" dirty="0" smtClean="0"/>
-              <a:t>IDE: Eclipse or Android </a:t>
-            </a:r>
-            <a:r>
-              <a:rPr lang="en-US" altLang="zh-TW" dirty="0" smtClean="0"/>
-              <a:t>Studio</a:t>
+              <a:t>IDE: Eclipse or Android Studio</a:t>
             </a:r>
           </a:p>
           <a:p>
@@ -13389,7 +13788,7 @@
                 </a:solidFill>
                 <a:hlinkClick r:id="rId2"/>
               </a:rPr>
-              <a:t>http</a:t>
+              <a:t>http://</a:t>
             </a:r>
             <a:r>
               <a:rPr lang="en-US" altLang="zh-TW" dirty="0" smtClean="0">
@@ -13398,7 +13797,7 @@
                 </a:solidFill>
                 <a:hlinkClick r:id="rId2"/>
               </a:rPr>
-              <a:t>://developer.android.com/sdk/index.html</a:t>
+              <a:t>developer.android.com/sdk/index.html</a:t>
             </a:r>
             <a:endParaRPr lang="en-US" altLang="zh-TW" dirty="0" smtClean="0">
               <a:solidFill>
@@ -13407,14 +13806,58 @@
             </a:endParaRPr>
           </a:p>
           <a:p>
+            <a:pPr lvl="2"/>
+            <a:endParaRPr lang="en-US" altLang="zh-TW" dirty="0" smtClean="0">
+              <a:solidFill>
+                <a:schemeClr val="tx2"/>
+              </a:solidFill>
+            </a:endParaRPr>
+          </a:p>
+          <a:p>
+            <a:pPr lvl="2"/>
+            <a:endParaRPr lang="en-US" altLang="zh-TW" dirty="0" smtClean="0">
+              <a:solidFill>
+                <a:schemeClr val="tx2"/>
+              </a:solidFill>
+            </a:endParaRPr>
+          </a:p>
+          <a:p>
+            <a:pPr lvl="2"/>
+            <a:endParaRPr lang="en-US" altLang="zh-TW" dirty="0" smtClean="0">
+              <a:solidFill>
+                <a:schemeClr val="tx2"/>
+              </a:solidFill>
+            </a:endParaRPr>
+          </a:p>
+          <a:p>
+            <a:pPr lvl="2"/>
+            <a:endParaRPr lang="en-US" altLang="zh-TW" dirty="0" smtClean="0">
+              <a:solidFill>
+                <a:schemeClr val="tx2"/>
+              </a:solidFill>
+            </a:endParaRPr>
+          </a:p>
+          <a:p>
+            <a:pPr lvl="2"/>
+            <a:endParaRPr lang="en-US" altLang="zh-TW" dirty="0" smtClean="0">
+              <a:solidFill>
+                <a:schemeClr val="tx2"/>
+              </a:solidFill>
+            </a:endParaRPr>
+          </a:p>
+          <a:p>
+            <a:pPr lvl="2"/>
+            <a:endParaRPr lang="en-US" altLang="zh-TW" dirty="0" smtClean="0">
+              <a:solidFill>
+                <a:schemeClr val="tx2"/>
+              </a:solidFill>
+            </a:endParaRPr>
+          </a:p>
+          <a:p>
             <a:pPr lvl="1"/>
             <a:r>
               <a:rPr lang="en-US" altLang="zh-TW" dirty="0" smtClean="0"/>
-              <a:t>JDK</a:t>
-            </a:r>
-            <a:r>
-              <a:rPr lang="en-US" altLang="zh-TW" dirty="0" smtClean="0"/>
-              <a:t>: Java Development Kit</a:t>
+              <a:t>JDK: Java Development Kit</a:t>
             </a:r>
           </a:p>
           <a:p>
@@ -13460,6 +13903,58 @@
           </a:p>
         </p:txBody>
       </p:sp>
+      <p:pic>
+        <p:nvPicPr>
+          <p:cNvPr id="54274" name="Picture 2" descr="http://blog.teamtreehouse.com/wp-content/uploads/2013/05/studio_splash.png"/>
+          <p:cNvPicPr>
+            <a:picLocks noChangeAspect="1" noChangeArrowheads="1"/>
+          </p:cNvPicPr>
+          <p:nvPr/>
+        </p:nvPicPr>
+        <p:blipFill>
+          <a:blip r:embed="rId4" cstate="print"/>
+          <a:srcRect/>
+          <a:stretch>
+            <a:fillRect/>
+          </a:stretch>
+        </p:blipFill>
+        <p:spPr bwMode="auto">
+          <a:xfrm>
+            <a:off x="5004048" y="3068960"/>
+            <a:ext cx="2684939" cy="2016224"/>
+          </a:xfrm>
+          <a:prstGeom prst="rect">
+            <a:avLst/>
+          </a:prstGeom>
+          <a:noFill/>
+        </p:spPr>
+      </p:pic>
+      <p:pic>
+        <p:nvPicPr>
+          <p:cNvPr id="54276" name="Picture 4" descr="https://raw.githubusercontent.com/yoshimov/chocolatey-packages/master/eclipse-java-juno/Eclipse_Icon_by_flosweb.png"/>
+          <p:cNvPicPr>
+            <a:picLocks noChangeAspect="1" noChangeArrowheads="1"/>
+          </p:cNvPicPr>
+          <p:nvPr/>
+        </p:nvPicPr>
+        <p:blipFill>
+          <a:blip r:embed="rId5" cstate="print"/>
+          <a:srcRect/>
+          <a:stretch>
+            <a:fillRect/>
+          </a:stretch>
+        </p:blipFill>
+        <p:spPr bwMode="auto">
+          <a:xfrm>
+            <a:off x="1475656" y="2852936"/>
+            <a:ext cx="2381250" cy="2381250"/>
+          </a:xfrm>
+          <a:prstGeom prst="rect">
+            <a:avLst/>
+          </a:prstGeom>
+          <a:noFill/>
+        </p:spPr>
+      </p:pic>
     </p:spTree>
   </p:cSld>
   <p:clrMapOvr>
@@ -13509,7 +14004,7 @@
           <a:p>
             <a:r>
               <a:rPr lang="en-US" altLang="zh-TW" dirty="0" smtClean="0"/>
-              <a:t>Function Demo</a:t>
+              <a:t>APP Demo</a:t>
             </a:r>
             <a:endParaRPr lang="zh-TW" altLang="en-US" dirty="0"/>
           </a:p>
@@ -13557,21 +14052,12 @@
               <a:rPr lang="en-US" altLang="zh-TW" dirty="0" smtClean="0"/>
               <a:t>Perform a time-consuming  task. </a:t>
             </a:r>
-            <a:endParaRPr lang="en-US" altLang="zh-TW" dirty="0" smtClean="0"/>
           </a:p>
           <a:p>
             <a:pPr lvl="2"/>
             <a:r>
               <a:rPr lang="en-US" altLang="zh-TW" dirty="0" smtClean="0"/>
-              <a:t>(</a:t>
-            </a:r>
-            <a:r>
-              <a:rPr lang="en-US" altLang="zh-TW" dirty="0" smtClean="0"/>
-              <a:t>e.g. Downloading, </a:t>
-            </a:r>
-            <a:r>
-              <a:rPr lang="en-US" altLang="zh-TW" dirty="0" smtClean="0"/>
-              <a:t>Database </a:t>
+              <a:t>(e.g. Downloading, Database </a:t>
             </a:r>
             <a:r>
               <a:rPr lang="en-US" altLang="zh-TW" dirty="0"/>
@@ -13579,13 +14065,8 @@
             </a:r>
             <a:r>
               <a:rPr lang="en-US" altLang="zh-TW" dirty="0" smtClean="0"/>
-              <a:t>/write</a:t>
-            </a:r>
-            <a:r>
-              <a:rPr lang="en-US" altLang="zh-TW" dirty="0" smtClean="0"/>
-              <a:t>)</a:t>
-            </a:r>
-            <a:endParaRPr lang="en-US" altLang="zh-TW" dirty="0" smtClean="0"/>
+              <a:t>/write)</a:t>
+            </a:r>
           </a:p>
         </p:txBody>
       </p:sp>
@@ -13694,7 +14175,7 @@
           <a:p>
             <a:r>
               <a:rPr lang="en-US" altLang="zh-TW" dirty="0" smtClean="0"/>
-              <a:t>Function Demo</a:t>
+              <a:t>APP Demo</a:t>
             </a:r>
             <a:endParaRPr lang="zh-TW" altLang="en-US" dirty="0"/>
           </a:p>
@@ -13872,7 +14353,7 @@
           <a:p>
             <a:r>
               <a:rPr lang="en-US" altLang="zh-TW" dirty="0" smtClean="0"/>
-              <a:t>Function Demo</a:t>
+              <a:t>APP Demo</a:t>
             </a:r>
             <a:endParaRPr lang="zh-TW" altLang="en-US" dirty="0"/>
           </a:p>
@@ -14064,7 +14545,6 @@
               <a:rPr lang="en-US" altLang="zh-TW" sz="2000" dirty="0" smtClean="0"/>
               <a:t>Play music, or data download.</a:t>
             </a:r>
-            <a:endParaRPr lang="en-US" altLang="zh-TW" sz="2000" dirty="0" smtClean="0"/>
           </a:p>
           <a:p>
             <a:r>
@@ -14077,13 +14557,17 @@
             </a:r>
           </a:p>
           <a:p>
+            <a:pPr lvl="1"/>
+            <a:r>
+              <a:rPr lang="en-US" altLang="zh-TW" sz="1900" dirty="0" smtClean="0"/>
+              <a:t>System</a:t>
+            </a:r>
+            <a:endParaRPr lang="en-US" altLang="zh-TW" sz="1900" dirty="0" smtClean="0"/>
+          </a:p>
+          <a:p>
             <a:r>
               <a:rPr lang="en-US" altLang="zh-TW" sz="2300" dirty="0" smtClean="0"/>
-              <a:t>Content </a:t>
-            </a:r>
-            <a:r>
-              <a:rPr lang="en-US" altLang="zh-TW" sz="2300" dirty="0" smtClean="0"/>
-              <a:t>Provider</a:t>
+              <a:t>Content Provider</a:t>
             </a:r>
           </a:p>
           <a:p>
@@ -14257,23 +14741,13 @@
             </a:r>
             <a:r>
               <a:rPr lang="en-US" altLang="zh-TW" sz="2400" dirty="0" smtClean="0"/>
-              <a:t> </a:t>
-            </a:r>
-            <a:r>
-              <a:rPr lang="en-US" altLang="zh-TW" sz="2400" dirty="0" smtClean="0"/>
-              <a:t>-</a:t>
+              <a:t> -</a:t>
             </a:r>
             <a:r>
               <a:rPr lang="en-US" altLang="zh-TW" sz="2400" dirty="0" smtClean="0">
                 <a:hlinkClick r:id="rId5"/>
               </a:rPr>
-              <a:t>http</a:t>
-            </a:r>
-            <a:r>
-              <a:rPr lang="en-US" altLang="zh-TW" sz="2400" dirty="0" smtClean="0">
-                <a:hlinkClick r:id="rId5"/>
-              </a:rPr>
-              <a:t>://developer.android.com/reference/android/os/AsyncTask.html</a:t>
+              <a:t>http://developer.android.com/reference/android/os/AsyncTask.html</a:t>
             </a:r>
             <a:endParaRPr lang="en-US" altLang="zh-TW" sz="2400" dirty="0" smtClean="0"/>
           </a:p>
@@ -14311,13 +14785,7 @@
               <a:rPr lang="en-US" altLang="zh-TW" sz="2400" dirty="0" smtClean="0">
                 <a:hlinkClick r:id="rId6"/>
               </a:rPr>
-              <a:t>https://www.genymotion.com</a:t>
-            </a:r>
-            <a:r>
-              <a:rPr lang="en-US" altLang="zh-TW" sz="2400" dirty="0" smtClean="0">
-                <a:hlinkClick r:id="rId6"/>
-              </a:rPr>
-              <a:t>/</a:t>
+              <a:t>https://www.genymotion.com/</a:t>
             </a:r>
             <a:endParaRPr lang="en-US" altLang="zh-TW" sz="2400" dirty="0" smtClean="0"/>
           </a:p>
@@ -14448,11 +14916,7 @@
           <a:p>
             <a:r>
               <a:rPr lang="en-US" altLang="zh-TW" sz="3000" dirty="0" smtClean="0"/>
-              <a:t>Install </a:t>
-            </a:r>
-            <a:r>
-              <a:rPr lang="en-US" altLang="zh-TW" sz="3000" dirty="0" smtClean="0"/>
-              <a:t>IDE</a:t>
+              <a:t>Install IDE</a:t>
             </a:r>
           </a:p>
           <a:p>
@@ -14465,11 +14929,7 @@
           <a:p>
             <a:r>
               <a:rPr lang="en-US" altLang="zh-TW" sz="3000" dirty="0" smtClean="0"/>
-              <a:t>Install </a:t>
-            </a:r>
-            <a:r>
-              <a:rPr lang="en-US" altLang="zh-TW" sz="3000" dirty="0" smtClean="0"/>
-              <a:t>Java Development Kit</a:t>
+              <a:t>Install Java Development Kit</a:t>
             </a:r>
           </a:p>
           <a:p>
@@ -14542,7 +15002,7 @@
         <p:spPr bwMode="auto">
           <a:xfrm>
             <a:off x="1259632" y="4509120"/>
-            <a:ext cx="5370596" cy="2160240"/>
+            <a:ext cx="5040560" cy="2027488"/>
           </a:xfrm>
           <a:prstGeom prst="rect">
             <a:avLst/>
@@ -14807,23 +15267,58 @@
           <a:p>
             <a:r>
               <a:rPr lang="en-US" altLang="zh-TW" sz="2800" dirty="0" smtClean="0"/>
-              <a:t>Install SDK Tools &amp; SDK Platform-tools</a:t>
-            </a:r>
-          </a:p>
-          <a:p>
+              <a:t>Install SDK </a:t>
+            </a:r>
             <a:r>
               <a:rPr lang="en-US" altLang="zh-TW" sz="2800" dirty="0" smtClean="0"/>
-              <a:t>Install the Android API (4.0</a:t>
-            </a:r>
-            <a:r>
-              <a:rPr lang="zh-TW" altLang="en-US" sz="2800" dirty="0" smtClean="0"/>
-              <a:t>↑ </a:t>
-            </a:r>
+              <a:t>Tools, Platform-tools and Build-tools</a:t>
+            </a:r>
+          </a:p>
+          <a:p>
+            <a:endParaRPr lang="en-US" altLang="zh-TW" sz="2800" dirty="0" smtClean="0"/>
+          </a:p>
+          <a:p>
+            <a:endParaRPr lang="en-US" altLang="zh-TW" sz="2800" dirty="0" smtClean="0"/>
+          </a:p>
+          <a:p>
             <a:r>
               <a:rPr lang="en-US" altLang="zh-TW" sz="2800" dirty="0" smtClean="0"/>
-              <a:t>recommended)</a:t>
-            </a:r>
-            <a:endParaRPr lang="zh-TW" altLang="en-US" sz="2800" dirty="0"/>
+              <a:t>Install </a:t>
+            </a:r>
+            <a:r>
+              <a:rPr lang="en-US" altLang="zh-TW" sz="2800" dirty="0" smtClean="0"/>
+              <a:t>Android API</a:t>
+            </a:r>
+          </a:p>
+          <a:p>
+            <a:pPr lvl="1"/>
+            <a:r>
+              <a:rPr lang="en-US" altLang="zh-TW" sz="2400" dirty="0" smtClean="0"/>
+              <a:t> Android 4.0(API 14) cover </a:t>
+            </a:r>
+            <a:r>
+              <a:rPr lang="en-US" altLang="zh-TW" sz="2400" dirty="0" smtClean="0"/>
+              <a:t>90%+ </a:t>
+            </a:r>
+            <a:endParaRPr lang="en-US" altLang="zh-TW" sz="2400" dirty="0" smtClean="0"/>
+          </a:p>
+          <a:p>
+            <a:pPr lvl="1">
+              <a:buNone/>
+            </a:pPr>
+            <a:r>
+              <a:rPr lang="en-US" altLang="zh-TW" sz="2400" dirty="0" smtClean="0"/>
+              <a:t> </a:t>
+            </a:r>
+            <a:r>
+              <a:rPr lang="en-US" altLang="zh-TW" sz="2400" dirty="0" smtClean="0"/>
+              <a:t>    of </a:t>
+            </a:r>
+            <a:r>
+              <a:rPr lang="en-US" altLang="zh-TW" sz="2400" dirty="0" smtClean="0"/>
+              <a:t>devices in use now</a:t>
+            </a:r>
+            <a:endParaRPr lang="zh-TW" altLang="en-US" sz="2400" dirty="0"/>
           </a:p>
         </p:txBody>
       </p:sp>
@@ -14853,7 +15348,7 @@
       </p:sp>
       <p:pic>
         <p:nvPicPr>
-          <p:cNvPr id="4" name="Picture 2"/>
+          <p:cNvPr id="6146" name="Picture 2"/>
           <p:cNvPicPr>
             <a:picLocks noChangeAspect="1" noChangeArrowheads="1"/>
           </p:cNvPicPr>
@@ -14868,42 +15363,8 @@
         </p:blipFill>
         <p:spPr bwMode="auto">
           <a:xfrm>
-            <a:off x="251520" y="2852936"/>
-            <a:ext cx="5219700" cy="542925"/>
-          </a:xfrm>
-          <a:prstGeom prst="rect">
-            <a:avLst/>
-          </a:prstGeom>
-          <a:noFill/>
-          <a:ln w="9525">
-            <a:solidFill>
-              <a:schemeClr val="accent2"/>
-            </a:solidFill>
-            <a:miter lim="800000"/>
-            <a:headEnd/>
-            <a:tailEnd/>
-          </a:ln>
-        </p:spPr>
-      </p:pic>
-      <p:pic>
-        <p:nvPicPr>
-          <p:cNvPr id="6146" name="Picture 2"/>
-          <p:cNvPicPr>
-            <a:picLocks noChangeAspect="1" noChangeArrowheads="1"/>
-          </p:cNvPicPr>
-          <p:nvPr/>
-        </p:nvPicPr>
-        <p:blipFill>
-          <a:blip r:embed="rId3" cstate="print"/>
-          <a:srcRect/>
-          <a:stretch>
-            <a:fillRect/>
-          </a:stretch>
-        </p:blipFill>
-        <p:spPr bwMode="auto">
-          <a:xfrm>
-            <a:off x="5796136" y="2543907"/>
-            <a:ext cx="3216424" cy="4314093"/>
+            <a:off x="5508104" y="3091296"/>
+            <a:ext cx="2808312" cy="3766704"/>
           </a:xfrm>
           <a:prstGeom prst="rect">
             <a:avLst/>
@@ -14926,7 +15387,7 @@
           <p:nvPr/>
         </p:nvPicPr>
         <p:blipFill>
-          <a:blip r:embed="rId4" cstate="print"/>
+          <a:blip r:embed="rId3" cstate="print"/>
           <a:srcRect/>
           <a:stretch>
             <a:fillRect/>
@@ -14934,8 +15395,8 @@
         </p:blipFill>
         <p:spPr bwMode="auto">
           <a:xfrm>
-            <a:off x="971600" y="3558464"/>
-            <a:ext cx="3312368" cy="3182904"/>
+            <a:off x="1475656" y="4437112"/>
+            <a:ext cx="2519357" cy="2420888"/>
           </a:xfrm>
           <a:prstGeom prst="rect">
             <a:avLst/>
@@ -14945,6 +15406,38 @@
             <a:solidFill>
               <a:schemeClr val="accent2"/>
             </a:solidFill>
+            <a:miter lim="800000"/>
+            <a:headEnd/>
+            <a:tailEnd/>
+          </a:ln>
+        </p:spPr>
+      </p:pic>
+      <p:pic>
+        <p:nvPicPr>
+          <p:cNvPr id="51201" name="Picture 1"/>
+          <p:cNvPicPr>
+            <a:picLocks noChangeAspect="1" noChangeArrowheads="1"/>
+          </p:cNvPicPr>
+          <p:nvPr/>
+        </p:nvPicPr>
+        <p:blipFill>
+          <a:blip r:embed="rId4" cstate="print"/>
+          <a:srcRect/>
+          <a:stretch>
+            <a:fillRect/>
+          </a:stretch>
+        </p:blipFill>
+        <p:spPr bwMode="auto">
+          <a:xfrm>
+            <a:off x="899592" y="2132857"/>
+            <a:ext cx="5400600" cy="853176"/>
+          </a:xfrm>
+          <a:prstGeom prst="rect">
+            <a:avLst/>
+          </a:prstGeom>
+          <a:noFill/>
+          <a:ln w="9525">
+            <a:noFill/>
             <a:miter lim="800000"/>
             <a:headEnd/>
             <a:tailEnd/>
@@ -15066,8 +15559,8 @@
         </p:blipFill>
         <p:spPr bwMode="auto">
           <a:xfrm>
-            <a:off x="1099892" y="1268761"/>
-            <a:ext cx="7360543" cy="5563947"/>
+            <a:off x="1043608" y="1321436"/>
+            <a:ext cx="7170026" cy="5419932"/>
           </a:xfrm>
           <a:prstGeom prst="rect">
             <a:avLst/>

--- a/The introduction of Android.pptx
+++ b/The introduction of Android.pptx
@@ -5,7 +5,7 @@
     <p:sldMasterId id="2147483660" r:id="rId1"/>
   </p:sldMasterIdLst>
   <p:notesMasterIdLst>
-    <p:notesMasterId r:id="rId61"/>
+    <p:notesMasterId r:id="rId64"/>
   </p:notesMasterIdLst>
   <p:sldIdLst>
     <p:sldId id="256" r:id="rId2"/>
@@ -63,10 +63,13 @@
     <p:sldId id="315" r:id="rId54"/>
     <p:sldId id="307" r:id="rId55"/>
     <p:sldId id="317" r:id="rId56"/>
-    <p:sldId id="316" r:id="rId57"/>
-    <p:sldId id="299" r:id="rId58"/>
-    <p:sldId id="294" r:id="rId59"/>
-    <p:sldId id="332" r:id="rId60"/>
+    <p:sldId id="333" r:id="rId57"/>
+    <p:sldId id="335" r:id="rId58"/>
+    <p:sldId id="336" r:id="rId59"/>
+    <p:sldId id="316" r:id="rId60"/>
+    <p:sldId id="299" r:id="rId61"/>
+    <p:sldId id="294" r:id="rId62"/>
+    <p:sldId id="332" r:id="rId63"/>
   </p:sldIdLst>
   <p:sldSz cx="9144000" cy="6858000" type="screen4x3"/>
   <p:notesSz cx="6858000" cy="9144000"/>
@@ -267,7 +270,7 @@
             <a:fld id="{180D6729-D2F0-4F51-BF2D-6E78F4E0549D}" type="datetimeFigureOut">
               <a:rPr lang="zh-TW" altLang="en-US" smtClean="0"/>
               <a:pPr/>
-              <a:t>2015/3/25</a:t>
+              <a:t>2015/3/26</a:t>
             </a:fld>
             <a:endParaRPr lang="zh-TW" altLang="en-US"/>
           </a:p>
@@ -1422,7 +1425,7 @@
             <a:fld id="{32150ACF-AE19-4285-A341-3B60AE88A971}" type="datetime1">
               <a:rPr lang="zh-TW" altLang="en-US" smtClean="0"/>
               <a:pPr/>
-              <a:t>2015/3/25</a:t>
+              <a:t>2015/3/26</a:t>
             </a:fld>
             <a:endParaRPr lang="zh-TW" altLang="en-US"/>
           </a:p>
@@ -1589,7 +1592,7 @@
             <a:fld id="{1A57B9C2-099F-44F8-BE43-9C4AE7BB1F7C}" type="datetime1">
               <a:rPr lang="zh-TW" altLang="en-US" smtClean="0"/>
               <a:pPr/>
-              <a:t>2015/3/25</a:t>
+              <a:t>2015/3/26</a:t>
             </a:fld>
             <a:endParaRPr lang="zh-TW" altLang="en-US"/>
           </a:p>
@@ -1766,7 +1769,7 @@
             <a:fld id="{A8C8B2B4-A37A-44F2-97EA-D2EE0FC525FD}" type="datetime1">
               <a:rPr lang="zh-TW" altLang="en-US" smtClean="0"/>
               <a:pPr/>
-              <a:t>2015/3/25</a:t>
+              <a:t>2015/3/26</a:t>
             </a:fld>
             <a:endParaRPr lang="zh-TW" altLang="en-US"/>
           </a:p>
@@ -1933,7 +1936,7 @@
             <a:fld id="{B56CE1A1-3B98-4D71-9244-5B7CB3DAF24D}" type="datetime1">
               <a:rPr lang="zh-TW" altLang="en-US" smtClean="0"/>
               <a:pPr/>
-              <a:t>2015/3/25</a:t>
+              <a:t>2015/3/26</a:t>
             </a:fld>
             <a:endParaRPr lang="zh-TW" altLang="en-US"/>
           </a:p>
@@ -2176,7 +2179,7 @@
             <a:fld id="{17DE191A-7323-46FB-A0C7-38FCCB787B4A}" type="datetime1">
               <a:rPr lang="zh-TW" altLang="en-US" smtClean="0"/>
               <a:pPr/>
-              <a:t>2015/3/25</a:t>
+              <a:t>2015/3/26</a:t>
             </a:fld>
             <a:endParaRPr lang="zh-TW" altLang="en-US"/>
           </a:p>
@@ -2461,7 +2464,7 @@
             <a:fld id="{17404ED9-3834-4FF9-BA59-532244FAB420}" type="datetime1">
               <a:rPr lang="zh-TW" altLang="en-US" smtClean="0"/>
               <a:pPr/>
-              <a:t>2015/3/25</a:t>
+              <a:t>2015/3/26</a:t>
             </a:fld>
             <a:endParaRPr lang="zh-TW" altLang="en-US"/>
           </a:p>
@@ -2880,7 +2883,7 @@
             <a:fld id="{6287BF8E-3D85-4270-906A-27D40E009BD5}" type="datetime1">
               <a:rPr lang="zh-TW" altLang="en-US" smtClean="0"/>
               <a:pPr/>
-              <a:t>2015/3/25</a:t>
+              <a:t>2015/3/26</a:t>
             </a:fld>
             <a:endParaRPr lang="zh-TW" altLang="en-US"/>
           </a:p>
@@ -2995,7 +2998,7 @@
             <a:fld id="{7153160E-EB62-4A98-AA0A-074087B93006}" type="datetime1">
               <a:rPr lang="zh-TW" altLang="en-US" smtClean="0"/>
               <a:pPr/>
-              <a:t>2015/3/25</a:t>
+              <a:t>2015/3/26</a:t>
             </a:fld>
             <a:endParaRPr lang="zh-TW" altLang="en-US"/>
           </a:p>
@@ -3087,7 +3090,7 @@
             <a:fld id="{080C97D8-85AA-40BD-861D-F5A0EC96D687}" type="datetime1">
               <a:rPr lang="zh-TW" altLang="en-US" smtClean="0"/>
               <a:pPr/>
-              <a:t>2015/3/25</a:t>
+              <a:t>2015/3/26</a:t>
             </a:fld>
             <a:endParaRPr lang="zh-TW" altLang="en-US"/>
           </a:p>
@@ -3361,7 +3364,7 @@
             <a:fld id="{4EB85F74-A159-4E61-9C04-83B01F6B07EB}" type="datetime1">
               <a:rPr lang="zh-TW" altLang="en-US" smtClean="0"/>
               <a:pPr/>
-              <a:t>2015/3/25</a:t>
+              <a:t>2015/3/26</a:t>
             </a:fld>
             <a:endParaRPr lang="zh-TW" altLang="en-US"/>
           </a:p>
@@ -3611,7 +3614,7 @@
             <a:fld id="{CEE4EF2B-0365-4FD9-83E0-8C07BAF4A461}" type="datetime1">
               <a:rPr lang="zh-TW" altLang="en-US" smtClean="0"/>
               <a:pPr/>
-              <a:t>2015/3/25</a:t>
+              <a:t>2015/3/26</a:t>
             </a:fld>
             <a:endParaRPr lang="zh-TW" altLang="en-US"/>
           </a:p>
@@ -3821,7 +3824,7 @@
             <a:fld id="{1CCBC19A-0ADB-4CC5-B96B-60B8930FC291}" type="datetime1">
               <a:rPr lang="zh-TW" altLang="en-US" smtClean="0"/>
               <a:pPr/>
-              <a:t>2015/3/25</a:t>
+              <a:t>2015/3/26</a:t>
             </a:fld>
             <a:endParaRPr lang="zh-TW" altLang="en-US"/>
           </a:p>
@@ -4193,92 +4196,9 @@
           <a:chExt cx="0" cy="0"/>
         </a:xfrm>
       </p:grpSpPr>
-      <p:sp>
-        <p:nvSpPr>
-          <p:cNvPr id="2" name="標題 1"/>
-          <p:cNvSpPr>
-            <a:spLocks noGrp="1"/>
-          </p:cNvSpPr>
-          <p:nvPr>
-            <p:ph type="ctrTitle"/>
-          </p:nvPr>
-        </p:nvSpPr>
-        <p:spPr>
-          <a:xfrm>
-            <a:off x="685800" y="2996952"/>
-            <a:ext cx="7772400" cy="1470025"/>
-          </a:xfrm>
-        </p:spPr>
-        <p:txBody>
-          <a:bodyPr>
-            <a:normAutofit/>
-          </a:bodyPr>
-          <a:lstStyle/>
-          <a:p>
-            <a:r>
-              <a:rPr lang="en-US" altLang="zh-TW" sz="3800" dirty="0" smtClean="0"/>
-              <a:t>The introduction of Android Development </a:t>
-            </a:r>
-            <a:endParaRPr lang="zh-TW" altLang="en-US" sz="3800" dirty="0"/>
-          </a:p>
-        </p:txBody>
-      </p:sp>
-      <p:sp>
-        <p:nvSpPr>
-          <p:cNvPr id="3" name="副標題 2"/>
-          <p:cNvSpPr>
-            <a:spLocks noGrp="1"/>
-          </p:cNvSpPr>
-          <p:nvPr>
-            <p:ph type="subTitle" idx="1"/>
-          </p:nvPr>
-        </p:nvSpPr>
-        <p:spPr>
-          <a:xfrm>
-            <a:off x="1947664" y="5301208"/>
-            <a:ext cx="5144616" cy="528464"/>
-          </a:xfrm>
-        </p:spPr>
-        <p:txBody>
-          <a:bodyPr>
-            <a:normAutofit fontScale="92500" lnSpcReduction="10000"/>
-          </a:bodyPr>
-          <a:lstStyle/>
-          <a:p>
-            <a:r>
-              <a:rPr lang="en-US" altLang="zh-TW" dirty="0" smtClean="0"/>
-              <a:t>Alex</a:t>
-            </a:r>
-          </a:p>
-        </p:txBody>
-      </p:sp>
-      <p:sp>
-        <p:nvSpPr>
-          <p:cNvPr id="5" name="投影片編號版面配置區 4"/>
-          <p:cNvSpPr>
-            <a:spLocks noGrp="1"/>
-          </p:cNvSpPr>
-          <p:nvPr>
-            <p:ph type="sldNum" sz="quarter" idx="12"/>
-          </p:nvPr>
-        </p:nvSpPr>
-        <p:spPr/>
-        <p:txBody>
-          <a:bodyPr/>
-          <a:lstStyle/>
-          <a:p>
-            <a:fld id="{61C9D09F-C6A3-454C-A042-D5DAFD494666}" type="slidenum">
-              <a:rPr lang="zh-TW" altLang="en-US" smtClean="0"/>
-              <a:pPr/>
-              <a:t>1</a:t>
-            </a:fld>
-            <a:endParaRPr lang="zh-TW" altLang="en-US"/>
-          </a:p>
-        </p:txBody>
-      </p:sp>
       <p:pic>
         <p:nvPicPr>
-          <p:cNvPr id="4" name="Picture 1" descr="logo"/>
+          <p:cNvPr id="68614" name="Picture 6" descr="http://www.lottspace.com/wp/wp-content/uploads/2013/11/Android.jpg"/>
           <p:cNvPicPr>
             <a:picLocks noChangeAspect="1" noChangeArrowheads="1"/>
           </p:cNvPicPr>
@@ -4293,7 +4213,134 @@
         </p:blipFill>
         <p:spPr bwMode="auto">
           <a:xfrm>
-            <a:off x="3059832" y="1412776"/>
+            <a:off x="0" y="0"/>
+            <a:ext cx="9144000" cy="6858000"/>
+          </a:xfrm>
+          <a:prstGeom prst="rect">
+            <a:avLst/>
+          </a:prstGeom>
+          <a:noFill/>
+        </p:spPr>
+      </p:pic>
+      <p:sp>
+        <p:nvSpPr>
+          <p:cNvPr id="2" name="標題 1"/>
+          <p:cNvSpPr>
+            <a:spLocks noGrp="1"/>
+          </p:cNvSpPr>
+          <p:nvPr>
+            <p:ph type="ctrTitle"/>
+          </p:nvPr>
+        </p:nvSpPr>
+        <p:spPr>
+          <a:xfrm>
+            <a:off x="2521496" y="3356992"/>
+            <a:ext cx="6875040" cy="1440160"/>
+          </a:xfrm>
+        </p:spPr>
+        <p:txBody>
+          <a:bodyPr>
+            <a:normAutofit/>
+          </a:bodyPr>
+          <a:lstStyle/>
+          <a:p>
+            <a:r>
+              <a:rPr lang="en-US" altLang="zh-TW" sz="2800" dirty="0" smtClean="0">
+                <a:solidFill>
+                  <a:schemeClr val="bg1">
+                    <a:lumMod val="95000"/>
+                  </a:schemeClr>
+                </a:solidFill>
+              </a:rPr>
+              <a:t>The introduction of Android Development </a:t>
+            </a:r>
+            <a:endParaRPr lang="zh-TW" altLang="en-US" sz="2800" dirty="0">
+              <a:solidFill>
+                <a:schemeClr val="bg1">
+                  <a:lumMod val="95000"/>
+                </a:schemeClr>
+              </a:solidFill>
+            </a:endParaRPr>
+          </a:p>
+        </p:txBody>
+      </p:sp>
+      <p:sp>
+        <p:nvSpPr>
+          <p:cNvPr id="3" name="副標題 2"/>
+          <p:cNvSpPr>
+            <a:spLocks noGrp="1"/>
+          </p:cNvSpPr>
+          <p:nvPr>
+            <p:ph type="subTitle" idx="1"/>
+          </p:nvPr>
+        </p:nvSpPr>
+        <p:spPr>
+          <a:xfrm>
+            <a:off x="6012160" y="4628728"/>
+            <a:ext cx="4032448" cy="528464"/>
+          </a:xfrm>
+        </p:spPr>
+        <p:txBody>
+          <a:bodyPr>
+            <a:normAutofit fontScale="92500" lnSpcReduction="10000"/>
+          </a:bodyPr>
+          <a:lstStyle/>
+          <a:p>
+            <a:r>
+              <a:rPr lang="en-US" altLang="zh-TW" dirty="0" smtClean="0">
+                <a:solidFill>
+                  <a:schemeClr val="bg1">
+                    <a:lumMod val="95000"/>
+                  </a:schemeClr>
+                </a:solidFill>
+              </a:rPr>
+              <a:t>Alex</a:t>
+            </a:r>
+          </a:p>
+        </p:txBody>
+      </p:sp>
+      <p:sp>
+        <p:nvSpPr>
+          <p:cNvPr id="5" name="投影片編號版面配置區 4"/>
+          <p:cNvSpPr>
+            <a:spLocks noGrp="1"/>
+          </p:cNvSpPr>
+          <p:nvPr>
+            <p:ph type="sldNum" sz="quarter" idx="12"/>
+          </p:nvPr>
+        </p:nvSpPr>
+        <p:spPr/>
+        <p:txBody>
+          <a:bodyPr/>
+          <a:lstStyle/>
+          <a:p>
+            <a:fld id="{61C9D09F-C6A3-454C-A042-D5DAFD494666}" type="slidenum">
+              <a:rPr lang="zh-TW" altLang="en-US" smtClean="0"/>
+              <a:pPr/>
+              <a:t>1</a:t>
+            </a:fld>
+            <a:endParaRPr lang="zh-TW" altLang="en-US"/>
+          </a:p>
+        </p:txBody>
+      </p:sp>
+      <p:pic>
+        <p:nvPicPr>
+          <p:cNvPr id="4" name="Picture 1" descr="logo"/>
+          <p:cNvPicPr>
+            <a:picLocks noChangeAspect="1" noChangeArrowheads="1"/>
+          </p:cNvPicPr>
+          <p:nvPr/>
+        </p:nvPicPr>
+        <p:blipFill>
+          <a:blip r:embed="rId4" cstate="print"/>
+          <a:srcRect/>
+          <a:stretch>
+            <a:fillRect/>
+          </a:stretch>
+        </p:blipFill>
+        <p:spPr bwMode="auto">
+          <a:xfrm>
+            <a:off x="5436096" y="1196752"/>
             <a:ext cx="2797565" cy="1368152"/>
           </a:xfrm>
           <a:prstGeom prst="rect">
@@ -4357,11 +4404,7 @@
           <a:p>
             <a:r>
               <a:rPr lang="en-US" altLang="zh-TW" dirty="0" smtClean="0"/>
-              <a:t>Hello World (</a:t>
-            </a:r>
-            <a:r>
-              <a:rPr lang="en-US" altLang="zh-TW" dirty="0" smtClean="0"/>
-              <a:t>2/9)</a:t>
+              <a:t>Hello World (2/9)</a:t>
             </a:r>
             <a:endParaRPr lang="zh-TW" altLang="en-US" dirty="0"/>
           </a:p>
@@ -4427,7 +4470,7 @@
         </p:blipFill>
         <p:spPr bwMode="auto">
           <a:xfrm>
-            <a:off x="505519" y="1412776"/>
+            <a:off x="505519" y="1337476"/>
             <a:ext cx="8314953" cy="5259876"/>
           </a:xfrm>
           <a:prstGeom prst="rect">
@@ -4450,7 +4493,7 @@
         </p:nvCxnSpPr>
         <p:spPr>
           <a:xfrm>
-            <a:off x="1907704" y="4725144"/>
+            <a:off x="1907704" y="4653136"/>
             <a:ext cx="2088232" cy="0"/>
           </a:xfrm>
           <a:prstGeom prst="line">
@@ -4602,11 +4645,7 @@
           <a:p>
             <a:r>
               <a:rPr lang="en-US" altLang="zh-TW" dirty="0" smtClean="0"/>
-              <a:t>Hello World (</a:t>
-            </a:r>
-            <a:r>
-              <a:rPr lang="en-US" altLang="zh-TW" dirty="0" smtClean="0"/>
-              <a:t>3/9)</a:t>
+              <a:t>Hello World (3/9)</a:t>
             </a:r>
             <a:endParaRPr lang="zh-TW" altLang="en-US" dirty="0"/>
           </a:p>
@@ -4736,11 +4775,7 @@
           <a:p>
             <a:r>
               <a:rPr lang="en-US" altLang="zh-TW" dirty="0" smtClean="0"/>
-              <a:t>Hello World (</a:t>
-            </a:r>
-            <a:r>
-              <a:rPr lang="en-US" altLang="zh-TW" dirty="0" smtClean="0"/>
-              <a:t>4/9)</a:t>
+              <a:t>Hello World (4/9)</a:t>
             </a:r>
             <a:endParaRPr lang="zh-TW" altLang="en-US" dirty="0"/>
           </a:p>
@@ -4870,11 +4905,7 @@
           <a:p>
             <a:r>
               <a:rPr lang="en-US" altLang="zh-TW" dirty="0" smtClean="0"/>
-              <a:t>Hello World (</a:t>
-            </a:r>
-            <a:r>
-              <a:rPr lang="en-US" altLang="zh-TW" dirty="0" smtClean="0"/>
-              <a:t>5/9)</a:t>
+              <a:t>Hello World (5/9)</a:t>
             </a:r>
             <a:endParaRPr lang="zh-TW" altLang="en-US" dirty="0"/>
           </a:p>
@@ -5004,11 +5035,7 @@
           <a:p>
             <a:r>
               <a:rPr lang="en-US" altLang="zh-TW" dirty="0" smtClean="0"/>
-              <a:t>Hello World (</a:t>
-            </a:r>
-            <a:r>
-              <a:rPr lang="en-US" altLang="zh-TW" dirty="0" smtClean="0"/>
-              <a:t>6/9)</a:t>
+              <a:t>Hello World (6/9)</a:t>
             </a:r>
             <a:endParaRPr lang="zh-TW" altLang="en-US" dirty="0"/>
           </a:p>
@@ -5138,11 +5165,7 @@
           <a:p>
             <a:r>
               <a:rPr lang="en-US" altLang="zh-TW" dirty="0" smtClean="0"/>
-              <a:t>Hello World (</a:t>
-            </a:r>
-            <a:r>
-              <a:rPr lang="en-US" altLang="zh-TW" dirty="0" smtClean="0"/>
-              <a:t>7/9)</a:t>
+              <a:t>Hello World (7/9)</a:t>
             </a:r>
             <a:endParaRPr lang="zh-TW" altLang="en-US" dirty="0"/>
           </a:p>
@@ -5193,21 +5216,8 @@
             <a:pPr lvl="2"/>
             <a:r>
               <a:rPr lang="en-US" altLang="zh-TW" sz="2000" dirty="0" smtClean="0"/>
-              <a:t>Resolution</a:t>
-            </a:r>
-            <a:r>
-              <a:rPr lang="en-US" altLang="zh-TW" sz="2000" dirty="0" smtClean="0"/>
-              <a:t>, CPU architecture, RAM, SD Card, </a:t>
-            </a:r>
-            <a:r>
-              <a:rPr lang="en-US" altLang="zh-TW" sz="2000" dirty="0" smtClean="0"/>
-              <a:t>Android Ver</a:t>
-            </a:r>
-            <a:r>
-              <a:rPr lang="en-US" altLang="zh-TW" sz="2000" dirty="0" smtClean="0"/>
-              <a:t>.</a:t>
-            </a:r>
-            <a:endParaRPr lang="en-US" altLang="zh-TW" sz="2000" dirty="0" smtClean="0"/>
+              <a:t>Resolution, CPU architecture, RAM, SD Card, Android Ver.</a:t>
+            </a:r>
           </a:p>
         </p:txBody>
       </p:sp>
@@ -5316,15 +5326,7 @@
           <a:p>
             <a:r>
               <a:rPr lang="en-US" altLang="zh-TW" dirty="0" smtClean="0"/>
-              <a:t>Hello World </a:t>
-            </a:r>
-            <a:r>
-              <a:rPr lang="en-US" altLang="zh-TW" dirty="0" smtClean="0"/>
-              <a:t>(8/9</a:t>
-            </a:r>
-            <a:r>
-              <a:rPr lang="en-US" altLang="zh-TW" dirty="0" smtClean="0"/>
-              <a:t>)</a:t>
+              <a:t>Hello World (8/9)</a:t>
             </a:r>
             <a:endParaRPr lang="zh-TW" altLang="en-US" dirty="0"/>
           </a:p>
@@ -5392,11 +5394,7 @@
             </a:r>
             <a:r>
               <a:rPr lang="en-US" altLang="zh-TW" dirty="0" smtClean="0"/>
-              <a:t> than the built-in </a:t>
-            </a:r>
-            <a:r>
-              <a:rPr lang="en-US" altLang="zh-TW" dirty="0" smtClean="0"/>
-              <a:t>AVD (</a:t>
+              <a:t> than the built-in AVD (</a:t>
             </a:r>
             <a:r>
               <a:rPr lang="en-US" altLang="zh-TW" dirty="0" err="1" smtClean="0"/>
@@ -5406,7 +5404,6 @@
               <a:rPr lang="en-US" altLang="zh-TW" dirty="0" smtClean="0"/>
               <a:t>)</a:t>
             </a:r>
-            <a:endParaRPr lang="en-US" altLang="zh-TW" dirty="0" smtClean="0"/>
           </a:p>
           <a:p>
             <a:pPr lvl="2"/>
@@ -5420,11 +5417,7 @@
             </a:r>
             <a:r>
               <a:rPr lang="en-US" altLang="zh-TW" dirty="0" smtClean="0"/>
-              <a:t> of Android </a:t>
-            </a:r>
-            <a:r>
-              <a:rPr lang="en-US" altLang="zh-TW" dirty="0" smtClean="0"/>
-              <a:t>Studio</a:t>
+              <a:t> of Android Studio</a:t>
             </a:r>
           </a:p>
         </p:txBody>
@@ -5534,15 +5527,7 @@
           <a:p>
             <a:r>
               <a:rPr lang="en-US" altLang="zh-TW" dirty="0" smtClean="0"/>
-              <a:t>Hello World </a:t>
-            </a:r>
-            <a:r>
-              <a:rPr lang="en-US" altLang="zh-TW" dirty="0" smtClean="0"/>
-              <a:t>(9/9</a:t>
-            </a:r>
-            <a:r>
-              <a:rPr lang="en-US" altLang="zh-TW" dirty="0" smtClean="0"/>
-              <a:t>)</a:t>
+              <a:t>Hello World (9/9)</a:t>
             </a:r>
             <a:endParaRPr lang="zh-TW" altLang="en-US" dirty="0"/>
           </a:p>
@@ -6196,7 +6181,7 @@
           <a:p>
             <a:r>
               <a:rPr lang="en-US" altLang="zh-TW" sz="2000" dirty="0" smtClean="0"/>
-              <a:t>Basic Component (Button, TextView)</a:t>
+              <a:t>Basic Widget Component (Button, TextView)</a:t>
             </a:r>
           </a:p>
           <a:p>
@@ -9320,7 +9305,7 @@
           <a:p>
             <a:r>
               <a:rPr lang="en-US" altLang="zh-TW" dirty="0" smtClean="0"/>
-              <a:t>Basic Component</a:t>
+              <a:t>Basic Widget Component</a:t>
             </a:r>
             <a:endParaRPr lang="zh-TW" altLang="en-US" dirty="0"/>
           </a:p>
@@ -9739,7 +9724,7 @@
           <a:p>
             <a:r>
               <a:rPr lang="en-US" altLang="zh-TW" dirty="0" smtClean="0"/>
-              <a:t>Basic Component</a:t>
+              <a:t>Basic Widget Component</a:t>
             </a:r>
             <a:endParaRPr lang="zh-TW" altLang="en-US" dirty="0"/>
           </a:p>
@@ -10660,7 +10645,7 @@
           <a:p>
             <a:r>
               <a:rPr lang="en-US" altLang="zh-TW" dirty="0" smtClean="0"/>
-              <a:t>Basic Component</a:t>
+              <a:t>Basic Widget Component</a:t>
             </a:r>
             <a:endParaRPr lang="zh-TW" altLang="en-US" dirty="0"/>
           </a:p>
@@ -10868,7 +10853,9 @@
             <a:avLst/>
           </a:prstGeom>
           <a:solidFill>
-            <a:srgbClr val="FFFF00"/>
+            <a:schemeClr val="bg2">
+              <a:lumMod val="50000"/>
+            </a:schemeClr>
           </a:solidFill>
           <a:ln>
             <a:noFill/>
@@ -10948,7 +10935,7 @@
           <a:p>
             <a:r>
               <a:rPr lang="en-US" altLang="zh-TW" dirty="0" smtClean="0"/>
-              <a:t>Basic Component</a:t>
+              <a:t>Basic Widget Component</a:t>
             </a:r>
             <a:endParaRPr lang="zh-TW" altLang="en-US" dirty="0"/>
           </a:p>
@@ -11117,7 +11104,7 @@
           <a:p>
             <a:r>
               <a:rPr lang="en-US" altLang="zh-TW" dirty="0" smtClean="0"/>
-              <a:t>Basic Component</a:t>
+              <a:t>Basic Widget Component</a:t>
             </a:r>
             <a:endParaRPr lang="zh-TW" altLang="en-US" dirty="0"/>
           </a:p>
@@ -12306,7 +12293,9 @@
           <p:nvPr/>
         </p:nvPicPr>
         <p:blipFill>
-          <a:blip r:embed="rId2" cstate="print"/>
+          <a:blip r:embed="rId2" cstate="print">
+            <a:lum bright="-10000" contrast="-4000"/>
+          </a:blip>
           <a:srcRect/>
           <a:stretch>
             <a:fillRect/>
@@ -12314,8 +12303,8 @@
         </p:blipFill>
         <p:spPr bwMode="auto">
           <a:xfrm>
-            <a:off x="2195736" y="188640"/>
-            <a:ext cx="4886325" cy="6315076"/>
+            <a:off x="2049776" y="1"/>
+            <a:ext cx="5330536" cy="6889174"/>
           </a:xfrm>
           <a:prstGeom prst="rect">
             <a:avLst/>
@@ -12831,7 +12820,9 @@
           <p:nvPr/>
         </p:nvPicPr>
         <p:blipFill>
-          <a:blip r:embed="rId3" cstate="print"/>
+          <a:blip r:embed="rId3" cstate="print">
+            <a:lum bright="-5000" contrast="-14000"/>
+          </a:blip>
           <a:srcRect/>
           <a:stretch>
             <a:fillRect/>
@@ -12839,8 +12830,8 @@
         </p:blipFill>
         <p:spPr bwMode="auto">
           <a:xfrm>
-            <a:off x="107504" y="3933056"/>
-            <a:ext cx="4533900" cy="495300"/>
+            <a:off x="110108" y="3933056"/>
+            <a:ext cx="4461892" cy="487434"/>
           </a:xfrm>
           <a:prstGeom prst="rect">
             <a:avLst/>
@@ -12863,7 +12854,9 @@
           <p:nvPr/>
         </p:nvPicPr>
         <p:blipFill>
-          <a:blip r:embed="rId4" cstate="print"/>
+          <a:blip r:embed="rId4" cstate="print">
+            <a:lum bright="-5000" contrast="-14000"/>
+          </a:blip>
           <a:srcRect/>
           <a:stretch>
             <a:fillRect/>
@@ -12871,7 +12864,7 @@
         </p:blipFill>
         <p:spPr bwMode="auto">
           <a:xfrm>
-            <a:off x="4536504" y="3933056"/>
+            <a:off x="4572000" y="3933056"/>
             <a:ext cx="4572000" cy="466725"/>
           </a:xfrm>
           <a:prstGeom prst="rect">
@@ -13193,13 +13186,8 @@
           <a:p>
             <a:r>
               <a:rPr lang="en-US" altLang="zh-TW" sz="2600" dirty="0" smtClean="0"/>
-              <a:t>※Can let Intent carry information to </a:t>
-            </a:r>
-            <a:r>
-              <a:rPr lang="en-US" altLang="zh-TW" sz="2600" dirty="0" smtClean="0"/>
-              <a:t>other activity.</a:t>
-            </a:r>
-            <a:endParaRPr lang="en-US" altLang="zh-TW" sz="2600" dirty="0" smtClean="0"/>
+              <a:t>※Can let Intent carry information to other activity.</a:t>
+            </a:r>
           </a:p>
           <a:p>
             <a:pPr lvl="1"/>
@@ -13243,11 +13231,7 @@
             </a:r>
             <a:r>
               <a:rPr lang="en-US" altLang="zh-TW" sz="1900" dirty="0" smtClean="0"/>
-              <a:t>(“name”, “John</a:t>
-            </a:r>
-            <a:r>
-              <a:rPr lang="en-US" altLang="zh-TW" sz="1900" dirty="0" smtClean="0"/>
-              <a:t>”);     </a:t>
+              <a:t>(“name”, “John”);     </a:t>
             </a:r>
             <a:r>
               <a:rPr lang="en-US" altLang="zh-TW" sz="1900" dirty="0" err="1" smtClean="0"/>
@@ -13327,13 +13311,8 @@
             </a:r>
             <a:r>
               <a:rPr lang="en-US" altLang="zh-TW" sz="1900" dirty="0" smtClean="0"/>
-              <a:t>(“age</a:t>
-            </a:r>
-            <a:r>
-              <a:rPr lang="en-US" altLang="zh-TW" sz="1900" dirty="0" smtClean="0"/>
-              <a:t>”);</a:t>
-            </a:r>
-            <a:endParaRPr lang="en-US" altLang="zh-TW" sz="1900" dirty="0" smtClean="0"/>
+              <a:t>(“age”);</a:t>
+            </a:r>
           </a:p>
         </p:txBody>
       </p:sp>
@@ -13546,6 +13525,73 @@
             <a:r>
               <a:rPr lang="en-US" altLang="zh-TW" dirty="0" smtClean="0"/>
               <a:t>Ahe:24</a:t>
+            </a:r>
+            <a:endParaRPr lang="zh-TW" altLang="en-US" dirty="0"/>
+          </a:p>
+        </p:txBody>
+      </p:sp>
+      <p:sp>
+        <p:nvSpPr>
+          <p:cNvPr id="12" name="橢圓形圖說文字 11"/>
+          <p:cNvSpPr/>
+          <p:nvPr/>
+        </p:nvSpPr>
+        <p:spPr>
+          <a:xfrm>
+            <a:off x="6804248" y="4149080"/>
+            <a:ext cx="1944216" cy="1224136"/>
+          </a:xfrm>
+          <a:prstGeom prst="wedgeEllipseCallout">
+            <a:avLst>
+              <a:gd name="adj1" fmla="val -51680"/>
+              <a:gd name="adj2" fmla="val 30532"/>
+            </a:avLst>
+          </a:prstGeom>
+        </p:spPr>
+        <p:style>
+          <a:lnRef idx="2">
+            <a:schemeClr val="accent1">
+              <a:shade val="50000"/>
+            </a:schemeClr>
+          </a:lnRef>
+          <a:fillRef idx="1">
+            <a:schemeClr val="accent1"/>
+          </a:fillRef>
+          <a:effectRef idx="0">
+            <a:schemeClr val="accent1"/>
+          </a:effectRef>
+          <a:fontRef idx="minor">
+            <a:schemeClr val="lt1"/>
+          </a:fontRef>
+        </p:style>
+        <p:txBody>
+          <a:bodyPr rtlCol="0" anchor="ctr"/>
+          <a:lstStyle/>
+          <a:p>
+            <a:pPr algn="ctr"/>
+            <a:r>
+              <a:rPr lang="zh-TW" altLang="en-US" dirty="0" smtClean="0"/>
+              <a:t>使用</a:t>
+            </a:r>
+            <a:r>
+              <a:rPr lang="en-US" altLang="zh-TW" dirty="0" err="1" smtClean="0"/>
+              <a:t>getIntent</a:t>
+            </a:r>
+            <a:r>
+              <a:rPr lang="en-US" altLang="zh-TW" dirty="0" smtClean="0"/>
+              <a:t>()</a:t>
+            </a:r>
+            <a:r>
+              <a:rPr lang="zh-TW" altLang="en-US" dirty="0" smtClean="0"/>
+              <a:t>方法</a:t>
+            </a:r>
+            <a:r>
+              <a:rPr lang="en-US" altLang="zh-TW" dirty="0" smtClean="0"/>
+              <a:t>,</a:t>
+            </a:r>
+            <a:r>
+              <a:rPr lang="zh-TW" altLang="en-US" dirty="0" smtClean="0"/>
+              <a:t>取得資料</a:t>
             </a:r>
             <a:endParaRPr lang="zh-TW" altLang="en-US" dirty="0"/>
           </a:p>
@@ -13652,6 +13698,59 @@
                       </p:childTnLst>
                     </p:cTn>
                   </p:par>
+                  <p:par>
+                    <p:cTn id="11" fill="hold">
+                      <p:stCondLst>
+                        <p:cond delay="indefinite"/>
+                      </p:stCondLst>
+                      <p:childTnLst>
+                        <p:par>
+                          <p:cTn id="12" fill="hold">
+                            <p:stCondLst>
+                              <p:cond delay="0"/>
+                            </p:stCondLst>
+                            <p:childTnLst>
+                              <p:par>
+                                <p:cTn id="13" presetID="3" presetClass="entr" presetSubtype="10" fill="hold" grpId="0" nodeType="clickEffect">
+                                  <p:stCondLst>
+                                    <p:cond delay="0"/>
+                                  </p:stCondLst>
+                                  <p:childTnLst>
+                                    <p:set>
+                                      <p:cBhvr>
+                                        <p:cTn id="14" dur="1" fill="hold">
+                                          <p:stCondLst>
+                                            <p:cond delay="0"/>
+                                          </p:stCondLst>
+                                        </p:cTn>
+                                        <p:tgtEl>
+                                          <p:spTgt spid="12"/>
+                                        </p:tgtEl>
+                                        <p:attrNameLst>
+                                          <p:attrName>style.visibility</p:attrName>
+                                        </p:attrNameLst>
+                                      </p:cBhvr>
+                                      <p:to>
+                                        <p:strVal val="visible"/>
+                                      </p:to>
+                                    </p:set>
+                                    <p:animEffect transition="in" filter="blinds(horizontal)">
+                                      <p:cBhvr>
+                                        <p:cTn id="15" dur="500"/>
+                                        <p:tgtEl>
+                                          <p:spTgt spid="12"/>
+                                        </p:tgtEl>
+                                      </p:cBhvr>
+                                    </p:animEffect>
+                                  </p:childTnLst>
+                                </p:cTn>
+                              </p:par>
+                            </p:childTnLst>
+                          </p:cTn>
+                        </p:par>
+                      </p:childTnLst>
+                    </p:cTn>
+                  </p:par>
                 </p:childTnLst>
               </p:cTn>
               <p:prevCondLst>
@@ -13675,6 +13774,7 @@
     </p:tnLst>
     <p:bldLst>
       <p:bldP spid="9" grpId="0" animBg="1"/>
+      <p:bldP spid="12" grpId="0" animBg="1"/>
     </p:bldLst>
   </p:timing>
 </p:sld>
@@ -14093,10 +14193,18 @@
           <a:lstStyle/>
           <a:p>
             <a:r>
-              <a:rPr lang="en-US" altLang="zh-TW" dirty="0" err="1" smtClean="0"/>
+              <a:rPr lang="en-US" altLang="zh-TW" dirty="0" err="1" smtClean="0">
+                <a:solidFill>
+                  <a:srgbClr val="00B0F0"/>
+                </a:solidFill>
+              </a:rPr>
               <a:t>RequestCode</a:t>
             </a:r>
-            <a:endParaRPr lang="zh-TW" altLang="en-US" dirty="0"/>
+            <a:endParaRPr lang="zh-TW" altLang="en-US" dirty="0">
+              <a:solidFill>
+                <a:srgbClr val="00B0F0"/>
+              </a:solidFill>
+            </a:endParaRPr>
           </a:p>
         </p:txBody>
       </p:sp>
@@ -14186,14 +14294,20 @@
             <a:r>
               <a:rPr lang="en-US" altLang="zh-TW" dirty="0" smtClean="0">
                 <a:solidFill>
-                  <a:srgbClr val="92D050"/>
+                  <a:schemeClr val="tx1">
+                    <a:lumMod val="85000"/>
+                    <a:lumOff val="15000"/>
+                  </a:schemeClr>
                 </a:solidFill>
               </a:rPr>
               <a:t>data</a:t>
             </a:r>
             <a:endParaRPr lang="zh-TW" altLang="en-US" dirty="0">
               <a:solidFill>
-                <a:srgbClr val="92D050"/>
+                <a:schemeClr val="tx1">
+                  <a:lumMod val="85000"/>
+                  <a:lumOff val="15000"/>
+                </a:schemeClr>
               </a:solidFill>
             </a:endParaRPr>
           </a:p>
@@ -14222,10 +14336,18 @@
           <a:lstStyle/>
           <a:p>
             <a:r>
-              <a:rPr lang="en-US" altLang="zh-TW" dirty="0" err="1" smtClean="0"/>
+              <a:rPr lang="en-US" altLang="zh-TW" dirty="0" err="1" smtClean="0">
+                <a:solidFill>
+                  <a:srgbClr val="FF0000"/>
+                </a:solidFill>
+              </a:rPr>
               <a:t>ResultCode</a:t>
             </a:r>
-            <a:endParaRPr lang="zh-TW" altLang="en-US" dirty="0"/>
+            <a:endParaRPr lang="zh-TW" altLang="en-US" dirty="0">
+              <a:solidFill>
+                <a:srgbClr val="FF0000"/>
+              </a:solidFill>
+            </a:endParaRPr>
           </a:p>
         </p:txBody>
       </p:sp>
@@ -14662,11 +14784,7 @@
             </a:r>
             <a:r>
               <a:rPr lang="en-US" altLang="zh-TW" dirty="0" smtClean="0"/>
-              <a:t> </a:t>
-            </a:r>
-            <a:r>
-              <a:rPr lang="en-US" altLang="zh-TW" dirty="0" smtClean="0"/>
-              <a:t>method</a:t>
+              <a:t> method</a:t>
             </a:r>
           </a:p>
           <a:p>
@@ -15157,7 +15275,7 @@
             <a:pPr lvl="1"/>
             <a:r>
               <a:rPr lang="en-US" altLang="zh-TW" sz="2000" dirty="0" smtClean="0"/>
-              <a:t>Declare a final String variable LOG_TAG = “##Tag##”</a:t>
+              <a:t>Declare a variable LOG_TAG = “##Tag##”</a:t>
             </a:r>
           </a:p>
           <a:p>
@@ -15208,7 +15326,20 @@
           <a:p>
             <a:r>
               <a:rPr lang="en-US" altLang="zh-TW" sz="2400" dirty="0" smtClean="0"/>
-              <a:t>Use debug tool (DDMS) to get the message</a:t>
+              <a:t>Press Debug</a:t>
+            </a:r>
+          </a:p>
+          <a:p>
+            <a:endParaRPr lang="en-US" altLang="zh-TW" sz="2400" dirty="0" smtClean="0"/>
+          </a:p>
+          <a:p>
+            <a:r>
+              <a:rPr lang="en-US" altLang="zh-TW" sz="2400" dirty="0" smtClean="0"/>
+              <a:t>Use </a:t>
+            </a:r>
+            <a:r>
+              <a:rPr lang="en-US" altLang="zh-TW" sz="2400" dirty="0" smtClean="0"/>
+              <a:t>debug tool (DDMS) to get the message</a:t>
             </a:r>
           </a:p>
           <a:p>
@@ -15274,7 +15405,48 @@
           </a:prstGeom>
           <a:noFill/>
           <a:ln w="9525">
-            <a:noFill/>
+            <a:solidFill>
+              <a:schemeClr val="accent4">
+                <a:lumMod val="60000"/>
+                <a:lumOff val="40000"/>
+              </a:schemeClr>
+            </a:solidFill>
+            <a:miter lim="800000"/>
+            <a:headEnd/>
+            <a:tailEnd/>
+          </a:ln>
+        </p:spPr>
+      </p:pic>
+      <p:pic>
+        <p:nvPicPr>
+          <p:cNvPr id="13314" name="Picture 2"/>
+          <p:cNvPicPr>
+            <a:picLocks noChangeAspect="1" noChangeArrowheads="1"/>
+          </p:cNvPicPr>
+          <p:nvPr/>
+        </p:nvPicPr>
+        <p:blipFill>
+          <a:blip r:embed="rId3" cstate="print"/>
+          <a:srcRect/>
+          <a:stretch>
+            <a:fillRect/>
+          </a:stretch>
+        </p:blipFill>
+        <p:spPr bwMode="auto">
+          <a:xfrm>
+            <a:off x="2483768" y="4293096"/>
+            <a:ext cx="1714500" cy="600075"/>
+          </a:xfrm>
+          <a:prstGeom prst="rect">
+            <a:avLst/>
+          </a:prstGeom>
+          <a:noFill/>
+          <a:ln w="9525">
+            <a:solidFill>
+              <a:schemeClr val="accent2">
+                <a:lumMod val="75000"/>
+              </a:schemeClr>
+            </a:solidFill>
             <a:miter lim="800000"/>
             <a:headEnd/>
             <a:tailEnd/>
@@ -15590,8 +15762,8 @@
         </p:blipFill>
         <p:spPr bwMode="auto">
           <a:xfrm>
-            <a:off x="827584" y="1268760"/>
-            <a:ext cx="2952328" cy="5434322"/>
+            <a:off x="755576" y="1196752"/>
+            <a:ext cx="3024336" cy="5566866"/>
           </a:xfrm>
           <a:prstGeom prst="rect">
             <a:avLst/>
@@ -15629,7 +15801,13 @@
           <a:p>
             <a:r>
               <a:rPr lang="en-US" altLang="zh-TW" sz="2800" dirty="0" smtClean="0"/>
-              <a:t>Component:</a:t>
+              <a:t>Widget Component:</a:t>
+            </a:r>
+          </a:p>
+          <a:p>
+            <a:r>
+              <a:rPr lang="en-US" altLang="zh-TW" sz="2800" dirty="0" smtClean="0"/>
+              <a:t>	Button</a:t>
             </a:r>
           </a:p>
           <a:p>
@@ -15638,9 +15816,10 @@
               <a:t>	</a:t>
             </a:r>
             <a:r>
-              <a:rPr lang="en-US" altLang="zh-TW" sz="2800" dirty="0" smtClean="0"/>
-              <a:t>Button</a:t>
-            </a:r>
+              <a:rPr lang="en-US" altLang="zh-TW" sz="2800" dirty="0" err="1" smtClean="0"/>
+              <a:t>TextView</a:t>
+            </a:r>
+            <a:endParaRPr lang="en-US" altLang="zh-TW" sz="2800" dirty="0" smtClean="0"/>
           </a:p>
           <a:p>
             <a:r>
@@ -15649,9 +15828,15 @@
             </a:r>
             <a:r>
               <a:rPr lang="en-US" altLang="zh-TW" sz="2800" dirty="0" err="1" smtClean="0"/>
-              <a:t>TextView</a:t>
+              <a:t>ImageView</a:t>
             </a:r>
             <a:endParaRPr lang="en-US" altLang="zh-TW" sz="2800" dirty="0" smtClean="0"/>
+          </a:p>
+          <a:p>
+            <a:r>
+              <a:rPr lang="en-US" altLang="zh-TW" sz="2800" dirty="0" smtClean="0"/>
+              <a:t>	Spinner</a:t>
+            </a:r>
           </a:p>
           <a:p>
             <a:r>
@@ -15660,27 +15845,6 @@
             </a:r>
             <a:r>
               <a:rPr lang="en-US" altLang="zh-TW" sz="2800" dirty="0" err="1" smtClean="0"/>
-              <a:t>ImageView</a:t>
-            </a:r>
-            <a:endParaRPr lang="en-US" altLang="zh-TW" sz="2800" dirty="0" smtClean="0"/>
-          </a:p>
-          <a:p>
-            <a:r>
-              <a:rPr lang="en-US" altLang="zh-TW" sz="2800" dirty="0" smtClean="0"/>
-              <a:t>	</a:t>
-            </a:r>
-            <a:r>
-              <a:rPr lang="en-US" altLang="zh-TW" sz="2800" dirty="0" smtClean="0"/>
-              <a:t>Spinner</a:t>
-            </a:r>
-          </a:p>
-          <a:p>
-            <a:r>
-              <a:rPr lang="en-US" altLang="zh-TW" sz="2800" dirty="0" smtClean="0"/>
-              <a:t>	</a:t>
-            </a:r>
-            <a:r>
-              <a:rPr lang="en-US" altLang="zh-TW" sz="2800" dirty="0" err="1" smtClean="0"/>
               <a:t>ProgressBar</a:t>
             </a:r>
             <a:endParaRPr lang="en-US" altLang="zh-TW" sz="2800" dirty="0" smtClean="0"/>
@@ -15694,11 +15858,7 @@
           <a:p>
             <a:r>
               <a:rPr lang="en-US" altLang="zh-TW" sz="2800" dirty="0" smtClean="0"/>
-              <a:t>	</a:t>
-            </a:r>
-            <a:r>
-              <a:rPr lang="en-US" altLang="zh-TW" sz="2800" dirty="0" smtClean="0"/>
-              <a:t>Download </a:t>
+              <a:t>	Download </a:t>
             </a:r>
             <a:r>
               <a:rPr lang="en-US" altLang="zh-TW" sz="2800" dirty="0" err="1" smtClean="0"/>
@@ -15709,21 +15869,13 @@
           <a:p>
             <a:r>
               <a:rPr lang="en-US" altLang="zh-TW" sz="2800" dirty="0" smtClean="0"/>
-              <a:t>	</a:t>
-            </a:r>
+              <a:t>	Show DL progress</a:t>
+            </a:r>
+          </a:p>
+          <a:p>
             <a:r>
               <a:rPr lang="en-US" altLang="zh-TW" sz="2800" dirty="0" smtClean="0"/>
-              <a:t>Show DL progress</a:t>
-            </a:r>
-          </a:p>
-          <a:p>
-            <a:r>
-              <a:rPr lang="en-US" altLang="zh-TW" sz="2800" dirty="0" smtClean="0"/>
-              <a:t>	</a:t>
-            </a:r>
-            <a:r>
-              <a:rPr lang="en-US" altLang="zh-TW" sz="2800" dirty="0" smtClean="0"/>
-              <a:t>Load </a:t>
+              <a:t>	Load </a:t>
             </a:r>
             <a:r>
               <a:rPr lang="en-US" altLang="zh-TW" sz="2800" dirty="0" err="1" smtClean="0"/>
@@ -15734,11 +15886,7 @@
           <a:p>
             <a:r>
               <a:rPr lang="en-US" altLang="zh-TW" sz="2800" dirty="0" smtClean="0"/>
-              <a:t>	</a:t>
-            </a:r>
-            <a:r>
-              <a:rPr lang="en-US" altLang="zh-TW" sz="2800" dirty="0" smtClean="0"/>
-              <a:t>Invoke other app</a:t>
+              <a:t>	Invoke other app</a:t>
             </a:r>
             <a:endParaRPr lang="zh-TW" altLang="en-US" sz="2800" dirty="0"/>
           </a:p>
@@ -15980,20 +16128,21 @@
             <p:ph idx="1"/>
           </p:nvPr>
         </p:nvSpPr>
-        <p:spPr/>
+        <p:spPr>
+          <a:xfrm>
+            <a:off x="457200" y="1412776"/>
+            <a:ext cx="8229600" cy="5445224"/>
+          </a:xfrm>
+        </p:spPr>
         <p:txBody>
           <a:bodyPr>
-            <a:normAutofit lnSpcReduction="10000"/>
+            <a:normAutofit/>
           </a:bodyPr>
           <a:lstStyle/>
           <a:p>
             <a:r>
               <a:rPr lang="en-US" altLang="zh-TW" sz="2500" dirty="0" smtClean="0"/>
-              <a:t>Background thread </a:t>
-            </a:r>
-            <a:r>
-              <a:rPr lang="en-US" altLang="zh-TW" sz="2500" dirty="0" smtClean="0"/>
-              <a:t>(Worker Thread)</a:t>
+              <a:t>Background thread (Worker Thread)</a:t>
             </a:r>
           </a:p>
           <a:p>
@@ -16026,19 +16175,7 @@
             <a:endParaRPr lang="en-US" altLang="zh-TW" dirty="0" smtClean="0"/>
           </a:p>
           <a:p>
-            <a:r>
-              <a:rPr lang="en-US" altLang="zh-TW" dirty="0" smtClean="0"/>
-              <a:t> </a:t>
-            </a:r>
-            <a:r>
-              <a:rPr lang="en-US" altLang="zh-TW" sz="2500" dirty="0" err="1" smtClean="0"/>
-              <a:t>AsyncTask</a:t>
-            </a:r>
-            <a:r>
-              <a:rPr lang="en-US" altLang="zh-TW" sz="2500" dirty="0" smtClean="0"/>
-              <a:t> </a:t>
-            </a:r>
-            <a:endParaRPr lang="en-US" altLang="zh-TW" sz="2500" dirty="0" smtClean="0"/>
+            <a:endParaRPr lang="en-US" altLang="zh-TW" dirty="0" smtClean="0"/>
           </a:p>
           <a:p>
             <a:endParaRPr lang="zh-TW" altLang="en-US" dirty="0"/>
@@ -16086,8 +16223,8 @@
         </p:blipFill>
         <p:spPr bwMode="auto">
           <a:xfrm>
-            <a:off x="2530004" y="2412452"/>
-            <a:ext cx="6578500" cy="3536828"/>
+            <a:off x="1224136" y="2828432"/>
+            <a:ext cx="6876256" cy="3696912"/>
           </a:xfrm>
           <a:prstGeom prst="rect">
             <a:avLst/>
@@ -16172,20 +16309,24 @@
           <a:lstStyle/>
           <a:p>
             <a:r>
+              <a:rPr lang="en-US" altLang="zh-TW" dirty="0" err="1" smtClean="0"/>
+              <a:t>AsyncTask</a:t>
+            </a:r>
+            <a:r>
               <a:rPr lang="en-US" altLang="zh-TW" dirty="0" smtClean="0"/>
-              <a:t>Permission setting</a:t>
+              <a:t> class</a:t>
             </a:r>
           </a:p>
           <a:p>
             <a:pPr lvl="1"/>
             <a:r>
+              <a:rPr lang="en-US" altLang="zh-TW" dirty="0" err="1" smtClean="0"/>
+              <a:t>AsyncTask</a:t>
+            </a:r>
+            <a:r>
               <a:rPr lang="en-US" altLang="zh-TW" dirty="0" smtClean="0"/>
-              <a:t>AndroidManifest.xml</a:t>
-            </a:r>
-          </a:p>
-          <a:p>
-            <a:pPr lvl="1"/>
-            <a:endParaRPr lang="zh-TW" altLang="en-US" dirty="0"/>
+              <a:t> enables proper and easy use of the UI thread. This class allows to perform background operations and publish results on the UI thread without having to manipulate threads and/or handlers.</a:t>
+            </a:r>
           </a:p>
         </p:txBody>
       </p:sp>
@@ -16208,6 +16349,5971 @@
               <a:rPr lang="zh-TW" altLang="en-US" smtClean="0"/>
               <a:pPr/>
               <a:t>56</a:t>
+            </a:fld>
+            <a:endParaRPr lang="zh-TW" altLang="en-US"/>
+          </a:p>
+        </p:txBody>
+      </p:sp>
+      <p:sp>
+        <p:nvSpPr>
+          <p:cNvPr id="1025" name="Rectangle 1"/>
+          <p:cNvSpPr>
+            <a:spLocks noChangeArrowheads="1"/>
+          </p:cNvSpPr>
+          <p:nvPr/>
+        </p:nvSpPr>
+        <p:spPr bwMode="auto">
+          <a:xfrm>
+            <a:off x="755576" y="5085184"/>
+            <a:ext cx="65" cy="468026"/>
+          </a:xfrm>
+          <a:prstGeom prst="rect">
+            <a:avLst/>
+          </a:prstGeom>
+          <a:solidFill>
+            <a:srgbClr val="F7F7F7"/>
+          </a:solidFill>
+          <a:ln w="9525">
+            <a:noFill/>
+            <a:miter lim="800000"/>
+            <a:headEnd/>
+            <a:tailEnd/>
+          </a:ln>
+          <a:effectLst/>
+        </p:spPr>
+        <p:txBody>
+          <a:bodyPr vert="horz" wrap="none" lIns="0" tIns="0" rIns="0" bIns="158700" numCol="1" anchor="ctr" anchorCtr="0" compatLnSpc="1">
+            <a:prstTxWarp prst="textNoShape">
+              <a:avLst/>
+            </a:prstTxWarp>
+            <a:spAutoFit/>
+          </a:bodyPr>
+          <a:lstStyle/>
+          <a:p>
+            <a:pPr marL="0" marR="0" lvl="0" indent="0" algn="l" defTabSz="914400" rtl="0" eaLnBrk="1" fontAlgn="base" latinLnBrk="0" hangingPunct="1">
+              <a:lnSpc>
+                <a:spcPct val="100000"/>
+              </a:lnSpc>
+              <a:spcBef>
+                <a:spcPct val="0"/>
+              </a:spcBef>
+              <a:spcAft>
+                <a:spcPct val="0"/>
+              </a:spcAft>
+              <a:buClrTx/>
+              <a:buSzTx/>
+              <a:buFontTx/>
+              <a:buNone/>
+              <a:tabLst/>
+            </a:pPr>
+            <a:endParaRPr kumimoji="1" lang="zh-TW" altLang="zh-TW" sz="2000" b="0" i="0" u="none" strike="noStrike" cap="none" normalizeH="0" baseline="0" dirty="0" smtClean="0">
+              <a:ln>
+                <a:noFill/>
+              </a:ln>
+              <a:solidFill>
+                <a:schemeClr val="tx1"/>
+              </a:solidFill>
+              <a:effectLst/>
+              <a:latin typeface="Arial" pitchFamily="34" charset="0"/>
+              <a:ea typeface="新細明體" pitchFamily="18" charset="-120"/>
+              <a:cs typeface="新細明體" pitchFamily="18" charset="-120"/>
+            </a:endParaRPr>
+          </a:p>
+        </p:txBody>
+      </p:sp>
+    </p:spTree>
+  </p:cSld>
+  <p:clrMapOvr>
+    <a:masterClrMapping/>
+  </p:clrMapOvr>
+  <p:timing>
+    <p:tnLst>
+      <p:par>
+        <p:cTn id="1" dur="indefinite" restart="never" nodeType="tmRoot"/>
+      </p:par>
+    </p:tnLst>
+  </p:timing>
+</p:sld>
+</file>
+
+<file path=ppt/slides/slide57.xml><?xml version="1.0" encoding="utf-8"?>
+<p:sld xmlns:a="http://schemas.openxmlformats.org/drawingml/2006/main" xmlns:r="http://schemas.openxmlformats.org/officeDocument/2006/relationships" xmlns:p="http://schemas.openxmlformats.org/presentationml/2006/main">
+  <p:cSld>
+    <p:spTree>
+      <p:nvGrpSpPr>
+        <p:cNvPr id="1" name=""/>
+        <p:cNvGrpSpPr/>
+        <p:nvPr/>
+      </p:nvGrpSpPr>
+      <p:grpSpPr>
+        <a:xfrm>
+          <a:off x="0" y="0"/>
+          <a:ext cx="0" cy="0"/>
+          <a:chOff x="0" y="0"/>
+          <a:chExt cx="0" cy="0"/>
+        </a:xfrm>
+      </p:grpSpPr>
+      <p:sp>
+        <p:nvSpPr>
+          <p:cNvPr id="2" name="標題 1"/>
+          <p:cNvSpPr>
+            <a:spLocks noGrp="1"/>
+          </p:cNvSpPr>
+          <p:nvPr>
+            <p:ph type="title"/>
+          </p:nvPr>
+        </p:nvSpPr>
+        <p:spPr/>
+        <p:txBody>
+          <a:bodyPr/>
+          <a:lstStyle/>
+          <a:p>
+            <a:r>
+              <a:rPr lang="en-US" altLang="zh-TW" dirty="0" smtClean="0"/>
+              <a:t>APP Demo</a:t>
+            </a:r>
+            <a:endParaRPr lang="zh-TW" altLang="en-US" dirty="0"/>
+          </a:p>
+        </p:txBody>
+      </p:sp>
+      <p:sp>
+        <p:nvSpPr>
+          <p:cNvPr id="3" name="內容版面配置區 2"/>
+          <p:cNvSpPr>
+            <a:spLocks noGrp="1"/>
+          </p:cNvSpPr>
+          <p:nvPr>
+            <p:ph idx="1"/>
+          </p:nvPr>
+        </p:nvSpPr>
+        <p:spPr/>
+        <p:txBody>
+          <a:bodyPr>
+            <a:normAutofit/>
+          </a:bodyPr>
+          <a:lstStyle/>
+          <a:p>
+            <a:r>
+              <a:rPr lang="en-US" altLang="zh-TW" sz="3000" dirty="0" smtClean="0"/>
+              <a:t>To use this class, you may create your own class and extends it.</a:t>
+            </a:r>
+          </a:p>
+          <a:p>
+            <a:pPr lvl="1"/>
+            <a:r>
+              <a:rPr kumimoji="1" lang="zh-TW" altLang="zh-TW" sz="2000" dirty="0" smtClean="0">
+                <a:solidFill>
+                  <a:srgbClr val="000088"/>
+                </a:solidFill>
+                <a:latin typeface="Arial Unicode MS" pitchFamily="34" charset="-120"/>
+                <a:ea typeface="Courier New" pitchFamily="49" charset="0"/>
+                <a:cs typeface="新細明體" pitchFamily="18" charset="-120"/>
+              </a:rPr>
+              <a:t>private</a:t>
+            </a:r>
+            <a:r>
+              <a:rPr kumimoji="1" lang="zh-TW" altLang="zh-TW" sz="2000" dirty="0" smtClean="0">
+                <a:solidFill>
+                  <a:srgbClr val="000000"/>
+                </a:solidFill>
+                <a:latin typeface="Arial Unicode MS" pitchFamily="34" charset="-120"/>
+                <a:ea typeface="Courier New" pitchFamily="49" charset="0"/>
+                <a:cs typeface="新細明體" pitchFamily="18" charset="-120"/>
+              </a:rPr>
+              <a:t> </a:t>
+            </a:r>
+            <a:r>
+              <a:rPr kumimoji="1" lang="zh-TW" altLang="zh-TW" sz="2000" dirty="0" smtClean="0">
+                <a:solidFill>
+                  <a:srgbClr val="000088"/>
+                </a:solidFill>
+                <a:latin typeface="Arial Unicode MS" pitchFamily="34" charset="-120"/>
+                <a:ea typeface="Courier New" pitchFamily="49" charset="0"/>
+                <a:cs typeface="新細明體" pitchFamily="18" charset="-120"/>
+              </a:rPr>
+              <a:t>class</a:t>
+            </a:r>
+            <a:r>
+              <a:rPr kumimoji="1" lang="zh-TW" altLang="zh-TW" sz="2000" dirty="0" smtClean="0">
+                <a:solidFill>
+                  <a:srgbClr val="000000"/>
+                </a:solidFill>
+                <a:latin typeface="Arial Unicode MS" pitchFamily="34" charset="-120"/>
+                <a:ea typeface="Courier New" pitchFamily="49" charset="0"/>
+                <a:cs typeface="新細明體" pitchFamily="18" charset="-120"/>
+              </a:rPr>
+              <a:t> </a:t>
+            </a:r>
+            <a:r>
+              <a:rPr kumimoji="1" lang="zh-TW" altLang="zh-TW" sz="2000" dirty="0" smtClean="0">
+                <a:solidFill>
+                  <a:srgbClr val="660066"/>
+                </a:solidFill>
+                <a:latin typeface="Arial Unicode MS" pitchFamily="34" charset="-120"/>
+                <a:ea typeface="Courier New" pitchFamily="49" charset="0"/>
+                <a:cs typeface="新細明體" pitchFamily="18" charset="-120"/>
+              </a:rPr>
+              <a:t>MyTask</a:t>
+            </a:r>
+            <a:r>
+              <a:rPr kumimoji="1" lang="zh-TW" altLang="zh-TW" sz="2000" dirty="0" smtClean="0">
+                <a:solidFill>
+                  <a:srgbClr val="000000"/>
+                </a:solidFill>
+                <a:latin typeface="Arial Unicode MS" pitchFamily="34" charset="-120"/>
+                <a:ea typeface="Courier New" pitchFamily="49" charset="0"/>
+                <a:cs typeface="新細明體" pitchFamily="18" charset="-120"/>
+              </a:rPr>
+              <a:t> </a:t>
+            </a:r>
+            <a:r>
+              <a:rPr kumimoji="1" lang="zh-TW" altLang="zh-TW" sz="2000" dirty="0" smtClean="0">
+                <a:solidFill>
+                  <a:srgbClr val="000088"/>
+                </a:solidFill>
+                <a:latin typeface="Arial Unicode MS" pitchFamily="34" charset="-120"/>
+                <a:ea typeface="Courier New" pitchFamily="49" charset="0"/>
+                <a:cs typeface="新細明體" pitchFamily="18" charset="-120"/>
+              </a:rPr>
+              <a:t>extends</a:t>
+            </a:r>
+            <a:r>
+              <a:rPr kumimoji="1" lang="zh-TW" altLang="zh-TW" sz="2000" dirty="0" smtClean="0">
+                <a:solidFill>
+                  <a:srgbClr val="000000"/>
+                </a:solidFill>
+                <a:latin typeface="Arial Unicode MS" pitchFamily="34" charset="-120"/>
+                <a:ea typeface="Courier New" pitchFamily="49" charset="0"/>
+                <a:cs typeface="新細明體" pitchFamily="18" charset="-120"/>
+              </a:rPr>
+              <a:t> </a:t>
+            </a:r>
+            <a:r>
+              <a:rPr kumimoji="1" lang="zh-TW" altLang="zh-TW" sz="2000" dirty="0" smtClean="0">
+                <a:solidFill>
+                  <a:srgbClr val="660066"/>
+                </a:solidFill>
+                <a:latin typeface="Arial Unicode MS" pitchFamily="34" charset="-120"/>
+                <a:ea typeface="Courier New" pitchFamily="49" charset="0"/>
+                <a:cs typeface="新細明體" pitchFamily="18" charset="-120"/>
+              </a:rPr>
+              <a:t>AsyncTask</a:t>
+            </a:r>
+            <a:r>
+              <a:rPr kumimoji="1" lang="zh-TW" altLang="zh-TW" sz="2000" dirty="0" smtClean="0">
+                <a:solidFill>
+                  <a:srgbClr val="666600"/>
+                </a:solidFill>
+                <a:latin typeface="Arial Unicode MS" pitchFamily="34" charset="-120"/>
+                <a:ea typeface="Courier New" pitchFamily="49" charset="0"/>
+                <a:cs typeface="新細明體" pitchFamily="18" charset="-120"/>
+              </a:rPr>
+              <a:t>&lt;</a:t>
+            </a:r>
+            <a:r>
+              <a:rPr kumimoji="1" lang="zh-TW" altLang="zh-TW" sz="2000" dirty="0" smtClean="0">
+                <a:solidFill>
+                  <a:srgbClr val="660066"/>
+                </a:solidFill>
+                <a:latin typeface="Arial Unicode MS" pitchFamily="34" charset="-120"/>
+                <a:ea typeface="Courier New" pitchFamily="49" charset="0"/>
+                <a:cs typeface="新細明體" pitchFamily="18" charset="-120"/>
+              </a:rPr>
+              <a:t>Void</a:t>
+            </a:r>
+            <a:r>
+              <a:rPr kumimoji="1" lang="zh-TW" altLang="zh-TW" sz="2000" dirty="0" smtClean="0">
+                <a:solidFill>
+                  <a:srgbClr val="666600"/>
+                </a:solidFill>
+                <a:latin typeface="Arial Unicode MS" pitchFamily="34" charset="-120"/>
+                <a:ea typeface="Courier New" pitchFamily="49" charset="0"/>
+                <a:cs typeface="新細明體" pitchFamily="18" charset="-120"/>
+              </a:rPr>
+              <a:t>,</a:t>
+            </a:r>
+            <a:r>
+              <a:rPr kumimoji="1" lang="zh-TW" altLang="zh-TW" sz="2000" dirty="0" smtClean="0">
+                <a:solidFill>
+                  <a:srgbClr val="000000"/>
+                </a:solidFill>
+                <a:latin typeface="Arial Unicode MS" pitchFamily="34" charset="-120"/>
+                <a:ea typeface="Courier New" pitchFamily="49" charset="0"/>
+                <a:cs typeface="新細明體" pitchFamily="18" charset="-120"/>
+              </a:rPr>
+              <a:t> </a:t>
+            </a:r>
+            <a:r>
+              <a:rPr kumimoji="1" lang="zh-TW" altLang="zh-TW" sz="2000" dirty="0" smtClean="0">
+                <a:solidFill>
+                  <a:srgbClr val="660066"/>
+                </a:solidFill>
+                <a:latin typeface="Arial Unicode MS" pitchFamily="34" charset="-120"/>
+                <a:ea typeface="Courier New" pitchFamily="49" charset="0"/>
+                <a:cs typeface="新細明體" pitchFamily="18" charset="-120"/>
+              </a:rPr>
+              <a:t>Void</a:t>
+            </a:r>
+            <a:r>
+              <a:rPr kumimoji="1" lang="zh-TW" altLang="zh-TW" sz="2000" dirty="0" smtClean="0">
+                <a:solidFill>
+                  <a:srgbClr val="666600"/>
+                </a:solidFill>
+                <a:latin typeface="Arial Unicode MS" pitchFamily="34" charset="-120"/>
+                <a:ea typeface="Courier New" pitchFamily="49" charset="0"/>
+                <a:cs typeface="新細明體" pitchFamily="18" charset="-120"/>
+              </a:rPr>
+              <a:t>,</a:t>
+            </a:r>
+            <a:r>
+              <a:rPr kumimoji="1" lang="zh-TW" altLang="zh-TW" sz="2000" dirty="0" smtClean="0">
+                <a:solidFill>
+                  <a:srgbClr val="000000"/>
+                </a:solidFill>
+                <a:latin typeface="Arial Unicode MS" pitchFamily="34" charset="-120"/>
+                <a:ea typeface="Courier New" pitchFamily="49" charset="0"/>
+                <a:cs typeface="新細明體" pitchFamily="18" charset="-120"/>
+              </a:rPr>
+              <a:t> </a:t>
+            </a:r>
+            <a:r>
+              <a:rPr kumimoji="1" lang="zh-TW" altLang="zh-TW" sz="2000" dirty="0" smtClean="0">
+                <a:solidFill>
+                  <a:srgbClr val="660066"/>
+                </a:solidFill>
+                <a:latin typeface="Arial Unicode MS" pitchFamily="34" charset="-120"/>
+                <a:ea typeface="Courier New" pitchFamily="49" charset="0"/>
+                <a:cs typeface="新細明體" pitchFamily="18" charset="-120"/>
+              </a:rPr>
+              <a:t>Void</a:t>
+            </a:r>
+            <a:r>
+              <a:rPr kumimoji="1" lang="zh-TW" altLang="zh-TW" sz="2000" dirty="0" smtClean="0">
+                <a:solidFill>
+                  <a:srgbClr val="666600"/>
+                </a:solidFill>
+                <a:latin typeface="Arial Unicode MS" pitchFamily="34" charset="-120"/>
+                <a:ea typeface="Courier New" pitchFamily="49" charset="0"/>
+                <a:cs typeface="新細明體" pitchFamily="18" charset="-120"/>
+              </a:rPr>
+              <a:t>&gt;</a:t>
+            </a:r>
+            <a:r>
+              <a:rPr kumimoji="1" lang="zh-TW" altLang="zh-TW" sz="2000" dirty="0" smtClean="0">
+                <a:solidFill>
+                  <a:srgbClr val="000000"/>
+                </a:solidFill>
+                <a:latin typeface="Arial Unicode MS" pitchFamily="34" charset="-120"/>
+                <a:ea typeface="Courier New" pitchFamily="49" charset="0"/>
+                <a:cs typeface="新細明體" pitchFamily="18" charset="-120"/>
+              </a:rPr>
+              <a:t> </a:t>
+            </a:r>
+            <a:r>
+              <a:rPr kumimoji="1" lang="zh-TW" altLang="zh-TW" sz="2000" dirty="0" smtClean="0">
+                <a:solidFill>
+                  <a:srgbClr val="666600"/>
+                </a:solidFill>
+                <a:latin typeface="Arial Unicode MS" pitchFamily="34" charset="-120"/>
+                <a:ea typeface="Courier New" pitchFamily="49" charset="0"/>
+                <a:cs typeface="新細明體" pitchFamily="18" charset="-120"/>
+              </a:rPr>
+              <a:t>{</a:t>
+            </a:r>
+            <a:r>
+              <a:rPr kumimoji="1" lang="zh-TW" altLang="zh-TW" sz="2000" dirty="0" smtClean="0">
+                <a:solidFill>
+                  <a:srgbClr val="000000"/>
+                </a:solidFill>
+                <a:latin typeface="Arial Unicode MS" pitchFamily="34" charset="-120"/>
+                <a:ea typeface="Courier New" pitchFamily="49" charset="0"/>
+                <a:cs typeface="新細明體" pitchFamily="18" charset="-120"/>
+              </a:rPr>
+              <a:t> </a:t>
+            </a:r>
+            <a:r>
+              <a:rPr kumimoji="1" lang="zh-TW" altLang="zh-TW" sz="2000" dirty="0" smtClean="0">
+                <a:solidFill>
+                  <a:srgbClr val="666600"/>
+                </a:solidFill>
+                <a:latin typeface="Arial Unicode MS" pitchFamily="34" charset="-120"/>
+                <a:ea typeface="Courier New" pitchFamily="49" charset="0"/>
+                <a:cs typeface="新細明體" pitchFamily="18" charset="-120"/>
+              </a:rPr>
+              <a:t>...</a:t>
+            </a:r>
+            <a:r>
+              <a:rPr kumimoji="1" lang="zh-TW" altLang="zh-TW" sz="2000" dirty="0" smtClean="0">
+                <a:solidFill>
+                  <a:srgbClr val="000000"/>
+                </a:solidFill>
+                <a:latin typeface="Arial Unicode MS" pitchFamily="34" charset="-120"/>
+                <a:ea typeface="Courier New" pitchFamily="49" charset="0"/>
+                <a:cs typeface="新細明體" pitchFamily="18" charset="-120"/>
+              </a:rPr>
+              <a:t> </a:t>
+            </a:r>
+            <a:r>
+              <a:rPr kumimoji="1" lang="zh-TW" altLang="zh-TW" sz="2000" dirty="0" smtClean="0">
+                <a:solidFill>
+                  <a:srgbClr val="666600"/>
+                </a:solidFill>
+                <a:latin typeface="Arial Unicode MS" pitchFamily="34" charset="-120"/>
+                <a:ea typeface="Courier New" pitchFamily="49" charset="0"/>
+                <a:cs typeface="新細明體" pitchFamily="18" charset="-120"/>
+              </a:rPr>
+              <a:t>}</a:t>
+            </a:r>
+            <a:r>
+              <a:rPr kumimoji="1" lang="zh-TW" altLang="zh-TW" sz="2000" dirty="0" smtClean="0">
+                <a:latin typeface="Arial" pitchFamily="34" charset="0"/>
+                <a:ea typeface="新細明體" pitchFamily="18" charset="-120"/>
+                <a:cs typeface="新細明體" pitchFamily="18" charset="-120"/>
+              </a:rPr>
+              <a:t> </a:t>
+            </a:r>
+            <a:endParaRPr lang="en-US" altLang="zh-TW" sz="2000" dirty="0" smtClean="0"/>
+          </a:p>
+          <a:p>
+            <a:endParaRPr lang="zh-TW" altLang="en-US" dirty="0"/>
+          </a:p>
+        </p:txBody>
+      </p:sp>
+      <p:sp>
+        <p:nvSpPr>
+          <p:cNvPr id="4" name="投影片編號版面配置區 3"/>
+          <p:cNvSpPr>
+            <a:spLocks noGrp="1"/>
+          </p:cNvSpPr>
+          <p:nvPr>
+            <p:ph type="sldNum" sz="quarter" idx="12"/>
+          </p:nvPr>
+        </p:nvSpPr>
+        <p:spPr/>
+        <p:txBody>
+          <a:bodyPr/>
+          <a:lstStyle/>
+          <a:p>
+            <a:fld id="{61C9D09F-C6A3-454C-A042-D5DAFD494666}" type="slidenum">
+              <a:rPr lang="zh-TW" altLang="en-US" smtClean="0"/>
+              <a:pPr/>
+              <a:t>57</a:t>
+            </a:fld>
+            <a:endParaRPr lang="zh-TW" altLang="en-US"/>
+          </a:p>
+        </p:txBody>
+      </p:sp>
+      <p:graphicFrame>
+        <p:nvGraphicFramePr>
+          <p:cNvPr id="5" name="表格 4"/>
+          <p:cNvGraphicFramePr>
+            <a:graphicFrameLocks noGrp="1"/>
+          </p:cNvGraphicFramePr>
+          <p:nvPr/>
+        </p:nvGraphicFramePr>
+        <p:xfrm>
+          <a:off x="539552" y="3212976"/>
+          <a:ext cx="8280919" cy="3384378"/>
+        </p:xfrm>
+        <a:graphic>
+          <a:graphicData uri="http://schemas.openxmlformats.org/drawingml/2006/table">
+            <a:tbl>
+              <a:tblPr firstRow="1" bandRow="1">
+                <a:tableStyleId>{5C22544A-7EE6-4342-B048-85BDC9FD1C3A}</a:tableStyleId>
+              </a:tblPr>
+              <a:tblGrid>
+                <a:gridCol w="1510357"/>
+                <a:gridCol w="3385281"/>
+                <a:gridCol w="3385281"/>
+              </a:tblGrid>
+              <a:tr h="662159">
+                <a:tc>
+                  <a:txBody>
+                    <a:bodyPr/>
+                    <a:lstStyle/>
+                    <a:p>
+                      <a:pPr algn="ctr"/>
+                      <a:r>
+                        <a:rPr lang="en-US" altLang="zh-TW" dirty="0" smtClean="0"/>
+                        <a:t>Run on</a:t>
+                      </a:r>
+                      <a:endParaRPr lang="zh-TW" altLang="en-US" dirty="0"/>
+                    </a:p>
+                  </a:txBody>
+                  <a:tcPr/>
+                </a:tc>
+                <a:tc>
+                  <a:txBody>
+                    <a:bodyPr/>
+                    <a:lstStyle/>
+                    <a:p>
+                      <a:pPr algn="ctr"/>
+                      <a:r>
+                        <a:rPr lang="en-US" altLang="zh-TW" dirty="0" smtClean="0"/>
+                        <a:t>Override Method</a:t>
+                      </a:r>
+                      <a:endParaRPr lang="zh-TW" altLang="en-US" dirty="0"/>
+                    </a:p>
+                  </a:txBody>
+                  <a:tcPr/>
+                </a:tc>
+                <a:tc>
+                  <a:txBody>
+                    <a:bodyPr/>
+                    <a:lstStyle/>
+                    <a:p>
+                      <a:pPr algn="ctr"/>
+                      <a:r>
+                        <a:rPr lang="en-US" altLang="zh-TW" dirty="0" smtClean="0"/>
+                        <a:t>Remark</a:t>
+                      </a:r>
+                      <a:endParaRPr lang="zh-TW" altLang="en-US" dirty="0"/>
+                    </a:p>
+                  </a:txBody>
+                  <a:tcPr/>
+                </a:tc>
+              </a:tr>
+              <a:tr h="662159">
+                <a:tc>
+                  <a:txBody>
+                    <a:bodyPr/>
+                    <a:lstStyle/>
+                    <a:p>
+                      <a:pPr marL="0" marR="0" indent="0" algn="l" defTabSz="914400" rtl="0" eaLnBrk="1" fontAlgn="auto" latinLnBrk="0" hangingPunct="1">
+                        <a:lnSpc>
+                          <a:spcPct val="100000"/>
+                        </a:lnSpc>
+                        <a:spcBef>
+                          <a:spcPts val="0"/>
+                        </a:spcBef>
+                        <a:spcAft>
+                          <a:spcPts val="0"/>
+                        </a:spcAft>
+                        <a:buClrTx/>
+                        <a:buSzTx/>
+                        <a:buFontTx/>
+                        <a:buNone/>
+                        <a:tabLst/>
+                        <a:defRPr/>
+                      </a:pPr>
+                      <a:r>
+                        <a:rPr lang="en-US" altLang="zh-TW" dirty="0" smtClean="0"/>
+                        <a:t>UI</a:t>
+                      </a:r>
+                      <a:r>
+                        <a:rPr lang="zh-TW" altLang="en-US" dirty="0" smtClean="0"/>
+                        <a:t> </a:t>
+                      </a:r>
+                      <a:r>
+                        <a:rPr lang="en-US" altLang="zh-TW" dirty="0" smtClean="0"/>
+                        <a:t>Thread</a:t>
+                      </a:r>
+                    </a:p>
+                  </a:txBody>
+                  <a:tcPr/>
+                </a:tc>
+                <a:tc>
+                  <a:txBody>
+                    <a:bodyPr/>
+                    <a:lstStyle/>
+                    <a:p>
+                      <a:pPr marL="0" marR="0" indent="0" algn="l" defTabSz="914400" rtl="0" eaLnBrk="1" fontAlgn="auto" latinLnBrk="0" hangingPunct="1">
+                        <a:lnSpc>
+                          <a:spcPct val="100000"/>
+                        </a:lnSpc>
+                        <a:spcBef>
+                          <a:spcPts val="0"/>
+                        </a:spcBef>
+                        <a:spcAft>
+                          <a:spcPts val="0"/>
+                        </a:spcAft>
+                        <a:buClrTx/>
+                        <a:buSzTx/>
+                        <a:buFontTx/>
+                        <a:buNone/>
+                        <a:tabLst/>
+                        <a:defRPr/>
+                      </a:pPr>
+                      <a:r>
+                        <a:rPr lang="en-US" altLang="zh-TW" dirty="0" smtClean="0"/>
+                        <a:t>onPreExecute()</a:t>
+                      </a:r>
+                    </a:p>
+                  </a:txBody>
+                  <a:tcPr/>
+                </a:tc>
+                <a:tc>
+                  <a:txBody>
+                    <a:bodyPr/>
+                    <a:lstStyle/>
+                    <a:p>
+                      <a:pPr marL="0" marR="0" indent="0" algn="l" defTabSz="914400" rtl="0" eaLnBrk="1" fontAlgn="auto" latinLnBrk="0" hangingPunct="1">
+                        <a:lnSpc>
+                          <a:spcPct val="100000"/>
+                        </a:lnSpc>
+                        <a:spcBef>
+                          <a:spcPts val="0"/>
+                        </a:spcBef>
+                        <a:spcAft>
+                          <a:spcPts val="0"/>
+                        </a:spcAft>
+                        <a:buClrTx/>
+                        <a:buSzTx/>
+                        <a:buFontTx/>
+                        <a:buNone/>
+                        <a:tabLst/>
+                        <a:defRPr/>
+                      </a:pPr>
+                      <a:r>
+                        <a:rPr lang="en-US" altLang="zh-TW" dirty="0" smtClean="0"/>
+                        <a:t>Executed</a:t>
+                      </a:r>
+                      <a:r>
+                        <a:rPr lang="en-US" altLang="zh-TW" baseline="0" dirty="0" smtClean="0"/>
+                        <a:t> before the task.</a:t>
+                      </a:r>
+                      <a:endParaRPr lang="en-US" altLang="zh-TW" dirty="0" smtClean="0"/>
+                    </a:p>
+                  </a:txBody>
+                  <a:tcPr/>
+                </a:tc>
+              </a:tr>
+              <a:tr h="735742">
+                <a:tc>
+                  <a:txBody>
+                    <a:bodyPr/>
+                    <a:lstStyle/>
+                    <a:p>
+                      <a:pPr marL="0" marR="0" indent="0" algn="l" defTabSz="914400" rtl="0" eaLnBrk="1" fontAlgn="auto" latinLnBrk="0" hangingPunct="1">
+                        <a:lnSpc>
+                          <a:spcPct val="100000"/>
+                        </a:lnSpc>
+                        <a:spcBef>
+                          <a:spcPts val="0"/>
+                        </a:spcBef>
+                        <a:spcAft>
+                          <a:spcPts val="0"/>
+                        </a:spcAft>
+                        <a:buClrTx/>
+                        <a:buSzTx/>
+                        <a:buFontTx/>
+                        <a:buNone/>
+                        <a:tabLst/>
+                        <a:defRPr/>
+                      </a:pPr>
+                      <a:r>
+                        <a:rPr lang="en-US" altLang="zh-TW" dirty="0" smtClean="0"/>
+                        <a:t>Background Thread</a:t>
+                      </a:r>
+                    </a:p>
+                  </a:txBody>
+                  <a:tcPr/>
+                </a:tc>
+                <a:tc>
+                  <a:txBody>
+                    <a:bodyPr/>
+                    <a:lstStyle/>
+                    <a:p>
+                      <a:pPr marL="0" marR="0" indent="0" algn="l" defTabSz="914400" rtl="0" eaLnBrk="1" fontAlgn="auto" latinLnBrk="0" hangingPunct="1">
+                        <a:lnSpc>
+                          <a:spcPct val="100000"/>
+                        </a:lnSpc>
+                        <a:spcBef>
+                          <a:spcPts val="0"/>
+                        </a:spcBef>
+                        <a:spcAft>
+                          <a:spcPts val="0"/>
+                        </a:spcAft>
+                        <a:buClrTx/>
+                        <a:buSzTx/>
+                        <a:buFontTx/>
+                        <a:buNone/>
+                        <a:tabLst/>
+                        <a:defRPr/>
+                      </a:pPr>
+                      <a:r>
+                        <a:rPr lang="en-US" altLang="zh-TW" dirty="0" err="1" smtClean="0"/>
+                        <a:t>doInBackground</a:t>
+                      </a:r>
+                      <a:r>
+                        <a:rPr lang="en-US" altLang="zh-TW" dirty="0" smtClean="0"/>
+                        <a:t>(</a:t>
+                      </a:r>
+                      <a:r>
+                        <a:rPr lang="en-US" altLang="zh-TW" dirty="0" err="1" smtClean="0"/>
+                        <a:t>Params</a:t>
+                      </a:r>
+                      <a:r>
+                        <a:rPr lang="en-US" altLang="zh-TW" dirty="0" smtClean="0"/>
+                        <a:t>...)</a:t>
+                      </a:r>
+                    </a:p>
+                    <a:p>
+                      <a:pPr marL="0" marR="0" indent="0" algn="l" defTabSz="914400" rtl="0" eaLnBrk="1" fontAlgn="auto" latinLnBrk="0" hangingPunct="1">
+                        <a:lnSpc>
+                          <a:spcPct val="100000"/>
+                        </a:lnSpc>
+                        <a:spcBef>
+                          <a:spcPts val="0"/>
+                        </a:spcBef>
+                        <a:spcAft>
+                          <a:spcPts val="0"/>
+                        </a:spcAft>
+                        <a:buClrTx/>
+                        <a:buSzTx/>
+                        <a:buFontTx/>
+                        <a:buNone/>
+                        <a:tabLst/>
+                        <a:defRPr/>
+                      </a:pPr>
+                      <a:r>
+                        <a:rPr lang="en-US" altLang="zh-TW" dirty="0" smtClean="0"/>
+                        <a:t>       -  </a:t>
+                      </a:r>
+                      <a:r>
+                        <a:rPr lang="en-US" altLang="zh-TW" dirty="0" err="1" smtClean="0"/>
+                        <a:t>publishProgress</a:t>
+                      </a:r>
+                      <a:r>
+                        <a:rPr lang="en-US" altLang="zh-TW" dirty="0" smtClean="0"/>
+                        <a:t>(Progress…)</a:t>
+                      </a:r>
+                    </a:p>
+                  </a:txBody>
+                  <a:tcPr/>
+                </a:tc>
+                <a:tc>
+                  <a:txBody>
+                    <a:bodyPr/>
+                    <a:lstStyle/>
+                    <a:p>
+                      <a:pPr marL="0" marR="0" indent="0" algn="l" defTabSz="914400" rtl="0" eaLnBrk="1" fontAlgn="auto" latinLnBrk="0" hangingPunct="1">
+                        <a:lnSpc>
+                          <a:spcPct val="100000"/>
+                        </a:lnSpc>
+                        <a:spcBef>
+                          <a:spcPts val="0"/>
+                        </a:spcBef>
+                        <a:spcAft>
+                          <a:spcPts val="0"/>
+                        </a:spcAft>
+                        <a:buClrTx/>
+                        <a:buSzTx/>
+                        <a:buFontTx/>
+                        <a:buNone/>
+                        <a:tabLst/>
+                        <a:defRPr/>
+                      </a:pPr>
+                      <a:r>
+                        <a:rPr lang="en-US" altLang="zh-TW" dirty="0" smtClean="0">
+                          <a:solidFill>
+                            <a:srgbClr val="FF0000"/>
+                          </a:solidFill>
+                        </a:rPr>
+                        <a:t>Abstract</a:t>
+                      </a:r>
+                      <a:r>
+                        <a:rPr lang="en-US" altLang="zh-TW" baseline="0" dirty="0" smtClean="0">
+                          <a:solidFill>
+                            <a:srgbClr val="FF0000"/>
+                          </a:solidFill>
+                        </a:rPr>
+                        <a:t> </a:t>
+                      </a:r>
+                      <a:r>
+                        <a:rPr lang="en-US" altLang="zh-TW" baseline="0" dirty="0" smtClean="0">
+                          <a:solidFill>
+                            <a:srgbClr val="FF0000"/>
+                          </a:solidFill>
+                        </a:rPr>
+                        <a:t>method, </a:t>
+                      </a:r>
+                      <a:r>
+                        <a:rPr lang="en-US" altLang="zh-TW" baseline="0" dirty="0" smtClean="0">
+                          <a:solidFill>
+                            <a:srgbClr val="FF0000"/>
+                          </a:solidFill>
+                        </a:rPr>
+                        <a:t>should be implemented.</a:t>
+                      </a:r>
+                      <a:endParaRPr lang="en-US" altLang="zh-TW" dirty="0" smtClean="0">
+                        <a:solidFill>
+                          <a:srgbClr val="FF0000"/>
+                        </a:solidFill>
+                      </a:endParaRPr>
+                    </a:p>
+                  </a:txBody>
+                  <a:tcPr/>
+                </a:tc>
+              </a:tr>
+              <a:tr h="662159">
+                <a:tc>
+                  <a:txBody>
+                    <a:bodyPr/>
+                    <a:lstStyle/>
+                    <a:p>
+                      <a:pPr marL="0" marR="0" indent="0" algn="l" defTabSz="914400" rtl="0" eaLnBrk="1" fontAlgn="auto" latinLnBrk="0" hangingPunct="1">
+                        <a:lnSpc>
+                          <a:spcPct val="100000"/>
+                        </a:lnSpc>
+                        <a:spcBef>
+                          <a:spcPts val="0"/>
+                        </a:spcBef>
+                        <a:spcAft>
+                          <a:spcPts val="0"/>
+                        </a:spcAft>
+                        <a:buClrTx/>
+                        <a:buSzTx/>
+                        <a:buFontTx/>
+                        <a:buNone/>
+                        <a:tabLst/>
+                        <a:defRPr/>
+                      </a:pPr>
+                      <a:r>
+                        <a:rPr lang="en-US" altLang="zh-TW" dirty="0" smtClean="0"/>
+                        <a:t>UI</a:t>
+                      </a:r>
+                      <a:r>
+                        <a:rPr lang="zh-TW" altLang="en-US" dirty="0" smtClean="0"/>
+                        <a:t> </a:t>
+                      </a:r>
+                      <a:r>
+                        <a:rPr lang="en-US" altLang="zh-TW" dirty="0" smtClean="0"/>
+                        <a:t>Thread</a:t>
+                      </a:r>
+                    </a:p>
+                  </a:txBody>
+                  <a:tcPr/>
+                </a:tc>
+                <a:tc>
+                  <a:txBody>
+                    <a:bodyPr/>
+                    <a:lstStyle/>
+                    <a:p>
+                      <a:pPr marL="0" marR="0" indent="0" algn="l" defTabSz="914400" rtl="0" eaLnBrk="1" fontAlgn="auto" latinLnBrk="0" hangingPunct="1">
+                        <a:lnSpc>
+                          <a:spcPct val="100000"/>
+                        </a:lnSpc>
+                        <a:spcBef>
+                          <a:spcPts val="0"/>
+                        </a:spcBef>
+                        <a:spcAft>
+                          <a:spcPts val="0"/>
+                        </a:spcAft>
+                        <a:buClrTx/>
+                        <a:buSzTx/>
+                        <a:buFontTx/>
+                        <a:buNone/>
+                        <a:tabLst/>
+                        <a:defRPr/>
+                      </a:pPr>
+                      <a:r>
+                        <a:rPr lang="en-US" altLang="zh-TW" dirty="0" err="1" smtClean="0"/>
+                        <a:t>onProgressUpdate</a:t>
+                      </a:r>
+                      <a:r>
+                        <a:rPr lang="en-US" altLang="zh-TW" dirty="0" smtClean="0"/>
+                        <a:t>(Progress...)</a:t>
+                      </a:r>
+                    </a:p>
+                  </a:txBody>
+                  <a:tcPr/>
+                </a:tc>
+                <a:tc>
+                  <a:txBody>
+                    <a:bodyPr/>
+                    <a:lstStyle/>
+                    <a:p>
+                      <a:pPr marL="0" marR="0" indent="0" algn="l" defTabSz="914400" rtl="0" eaLnBrk="1" fontAlgn="auto" latinLnBrk="0" hangingPunct="1">
+                        <a:lnSpc>
+                          <a:spcPct val="100000"/>
+                        </a:lnSpc>
+                        <a:spcBef>
+                          <a:spcPts val="0"/>
+                        </a:spcBef>
+                        <a:spcAft>
+                          <a:spcPts val="0"/>
+                        </a:spcAft>
+                        <a:buClrTx/>
+                        <a:buSzTx/>
+                        <a:buFontTx/>
+                        <a:buNone/>
+                        <a:tabLst/>
+                        <a:defRPr/>
+                      </a:pPr>
+                      <a:r>
+                        <a:rPr lang="en-US" altLang="zh-TW" dirty="0" smtClean="0"/>
+                        <a:t>Can update task’s</a:t>
+                      </a:r>
+                      <a:r>
+                        <a:rPr lang="en-US" altLang="zh-TW" baseline="0" dirty="0" smtClean="0"/>
+                        <a:t> progress on UI.</a:t>
+                      </a:r>
+                      <a:endParaRPr lang="en-US" altLang="zh-TW" dirty="0" smtClean="0"/>
+                    </a:p>
+                  </a:txBody>
+                  <a:tcPr/>
+                </a:tc>
+              </a:tr>
+              <a:tr h="662159">
+                <a:tc>
+                  <a:txBody>
+                    <a:bodyPr/>
+                    <a:lstStyle/>
+                    <a:p>
+                      <a:pPr marL="0" marR="0" indent="0" algn="l" defTabSz="914400" rtl="0" eaLnBrk="1" fontAlgn="auto" latinLnBrk="0" hangingPunct="1">
+                        <a:lnSpc>
+                          <a:spcPct val="100000"/>
+                        </a:lnSpc>
+                        <a:spcBef>
+                          <a:spcPts val="0"/>
+                        </a:spcBef>
+                        <a:spcAft>
+                          <a:spcPts val="0"/>
+                        </a:spcAft>
+                        <a:buClrTx/>
+                        <a:buSzTx/>
+                        <a:buFontTx/>
+                        <a:buNone/>
+                        <a:tabLst/>
+                        <a:defRPr/>
+                      </a:pPr>
+                      <a:r>
+                        <a:rPr lang="en-US" altLang="zh-TW" dirty="0" smtClean="0"/>
+                        <a:t>UI</a:t>
+                      </a:r>
+                      <a:r>
+                        <a:rPr lang="zh-TW" altLang="en-US" dirty="0" smtClean="0"/>
+                        <a:t> </a:t>
+                      </a:r>
+                      <a:r>
+                        <a:rPr lang="en-US" altLang="zh-TW" dirty="0" smtClean="0"/>
+                        <a:t>Thread</a:t>
+                      </a:r>
+                    </a:p>
+                  </a:txBody>
+                  <a:tcPr/>
+                </a:tc>
+                <a:tc>
+                  <a:txBody>
+                    <a:bodyPr/>
+                    <a:lstStyle/>
+                    <a:p>
+                      <a:pPr marL="0" marR="0" indent="0" algn="l" defTabSz="914400" rtl="0" eaLnBrk="1" fontAlgn="auto" latinLnBrk="0" hangingPunct="1">
+                        <a:lnSpc>
+                          <a:spcPct val="100000"/>
+                        </a:lnSpc>
+                        <a:spcBef>
+                          <a:spcPts val="0"/>
+                        </a:spcBef>
+                        <a:spcAft>
+                          <a:spcPts val="0"/>
+                        </a:spcAft>
+                        <a:buClrTx/>
+                        <a:buSzTx/>
+                        <a:buFontTx/>
+                        <a:buNone/>
+                        <a:tabLst/>
+                        <a:defRPr/>
+                      </a:pPr>
+                      <a:r>
+                        <a:rPr lang="en-US" altLang="zh-TW" dirty="0" err="1" smtClean="0"/>
+                        <a:t>onPostExecute</a:t>
+                      </a:r>
+                      <a:r>
+                        <a:rPr lang="en-US" altLang="zh-TW" dirty="0" smtClean="0"/>
+                        <a:t>(Result)</a:t>
+                      </a:r>
+                    </a:p>
+                  </a:txBody>
+                  <a:tcPr/>
+                </a:tc>
+                <a:tc>
+                  <a:txBody>
+                    <a:bodyPr/>
+                    <a:lstStyle/>
+                    <a:p>
+                      <a:pPr marL="0" marR="0" indent="0" algn="l" defTabSz="914400" rtl="0" eaLnBrk="1" fontAlgn="auto" latinLnBrk="0" hangingPunct="1">
+                        <a:lnSpc>
+                          <a:spcPct val="100000"/>
+                        </a:lnSpc>
+                        <a:spcBef>
+                          <a:spcPts val="0"/>
+                        </a:spcBef>
+                        <a:spcAft>
+                          <a:spcPts val="0"/>
+                        </a:spcAft>
+                        <a:buClrTx/>
+                        <a:buSzTx/>
+                        <a:buFontTx/>
+                        <a:buNone/>
+                        <a:tabLst/>
+                        <a:defRPr/>
+                      </a:pPr>
+                      <a:r>
+                        <a:rPr lang="en-US" altLang="zh-TW" dirty="0" smtClean="0"/>
+                        <a:t>Executed</a:t>
+                      </a:r>
+                      <a:r>
+                        <a:rPr lang="en-US" altLang="zh-TW" baseline="0" dirty="0" smtClean="0"/>
+                        <a:t> when task finished.</a:t>
+                      </a:r>
+                      <a:endParaRPr lang="en-US" altLang="zh-TW" dirty="0" smtClean="0"/>
+                    </a:p>
+                  </a:txBody>
+                  <a:tcPr/>
+                </a:tc>
+              </a:tr>
+            </a:tbl>
+          </a:graphicData>
+        </a:graphic>
+      </p:graphicFrame>
+    </p:spTree>
+  </p:cSld>
+  <p:clrMapOvr>
+    <a:masterClrMapping/>
+  </p:clrMapOvr>
+  <p:timing>
+    <p:tnLst>
+      <p:par>
+        <p:cTn id="1" dur="indefinite" restart="never" nodeType="tmRoot"/>
+      </p:par>
+    </p:tnLst>
+  </p:timing>
+</p:sld>
+</file>
+
+<file path=ppt/slides/slide58.xml><?xml version="1.0" encoding="utf-8"?>
+<p:sld xmlns:a="http://schemas.openxmlformats.org/drawingml/2006/main" xmlns:r="http://schemas.openxmlformats.org/officeDocument/2006/relationships" xmlns:p="http://schemas.openxmlformats.org/presentationml/2006/main">
+  <p:cSld>
+    <p:spTree>
+      <p:nvGrpSpPr>
+        <p:cNvPr id="1" name=""/>
+        <p:cNvGrpSpPr/>
+        <p:nvPr/>
+      </p:nvGrpSpPr>
+      <p:grpSpPr>
+        <a:xfrm>
+          <a:off x="0" y="0"/>
+          <a:ext cx="0" cy="0"/>
+          <a:chOff x="0" y="0"/>
+          <a:chExt cx="0" cy="0"/>
+        </a:xfrm>
+      </p:grpSpPr>
+      <p:sp>
+        <p:nvSpPr>
+          <p:cNvPr id="2" name="標題 1"/>
+          <p:cNvSpPr>
+            <a:spLocks noGrp="1"/>
+          </p:cNvSpPr>
+          <p:nvPr>
+            <p:ph type="title"/>
+          </p:nvPr>
+        </p:nvSpPr>
+        <p:spPr/>
+        <p:txBody>
+          <a:bodyPr/>
+          <a:lstStyle/>
+          <a:p>
+            <a:r>
+              <a:rPr lang="en-US" altLang="zh-TW" dirty="0" smtClean="0"/>
+              <a:t>APP Demo</a:t>
+            </a:r>
+            <a:endParaRPr lang="zh-TW" altLang="en-US" dirty="0"/>
+          </a:p>
+        </p:txBody>
+      </p:sp>
+      <p:sp>
+        <p:nvSpPr>
+          <p:cNvPr id="3" name="內容版面配置區 2"/>
+          <p:cNvSpPr>
+            <a:spLocks noGrp="1"/>
+          </p:cNvSpPr>
+          <p:nvPr>
+            <p:ph idx="1"/>
+          </p:nvPr>
+        </p:nvSpPr>
+        <p:spPr>
+          <a:xfrm>
+            <a:off x="467544" y="1268760"/>
+            <a:ext cx="8229600" cy="5589240"/>
+          </a:xfrm>
+        </p:spPr>
+        <p:txBody>
+          <a:bodyPr>
+            <a:normAutofit/>
+          </a:bodyPr>
+          <a:lstStyle/>
+          <a:p>
+            <a:r>
+              <a:rPr lang="en-US" altLang="zh-TW" sz="2500" dirty="0" smtClean="0"/>
+              <a:t>Sample code</a:t>
+            </a:r>
+          </a:p>
+          <a:p>
+            <a:endParaRPr lang="en-US" altLang="zh-TW" sz="2500" dirty="0" smtClean="0"/>
+          </a:p>
+          <a:p>
+            <a:endParaRPr lang="en-US" altLang="zh-TW" sz="2500" dirty="0" smtClean="0"/>
+          </a:p>
+          <a:p>
+            <a:endParaRPr lang="en-US" altLang="zh-TW" sz="2500" dirty="0" smtClean="0"/>
+          </a:p>
+          <a:p>
+            <a:endParaRPr lang="en-US" altLang="zh-TW" sz="2500" dirty="0" smtClean="0"/>
+          </a:p>
+          <a:p>
+            <a:endParaRPr lang="en-US" altLang="zh-TW" sz="2500" dirty="0" smtClean="0"/>
+          </a:p>
+          <a:p>
+            <a:endParaRPr lang="en-US" altLang="zh-TW" sz="2500" dirty="0" smtClean="0"/>
+          </a:p>
+          <a:p>
+            <a:endParaRPr lang="en-US" altLang="zh-TW" sz="2500" dirty="0" smtClean="0"/>
+          </a:p>
+          <a:p>
+            <a:endParaRPr lang="en-US" altLang="zh-TW" sz="2500" dirty="0" smtClean="0"/>
+          </a:p>
+          <a:p>
+            <a:endParaRPr lang="en-US" altLang="zh-TW" sz="2500" dirty="0" smtClean="0"/>
+          </a:p>
+          <a:p>
+            <a:r>
+              <a:rPr lang="en-US" altLang="zh-TW" sz="2500" dirty="0" smtClean="0"/>
+              <a:t>How to use</a:t>
+            </a:r>
+            <a:endParaRPr lang="zh-TW" altLang="en-US" sz="2500" dirty="0"/>
+          </a:p>
+        </p:txBody>
+      </p:sp>
+      <p:sp>
+        <p:nvSpPr>
+          <p:cNvPr id="4" name="投影片編號版面配置區 3"/>
+          <p:cNvSpPr>
+            <a:spLocks noGrp="1"/>
+          </p:cNvSpPr>
+          <p:nvPr>
+            <p:ph type="sldNum" sz="quarter" idx="12"/>
+          </p:nvPr>
+        </p:nvSpPr>
+        <p:spPr/>
+        <p:txBody>
+          <a:bodyPr/>
+          <a:lstStyle/>
+          <a:p>
+            <a:fld id="{61C9D09F-C6A3-454C-A042-D5DAFD494666}" type="slidenum">
+              <a:rPr lang="zh-TW" altLang="en-US" smtClean="0"/>
+              <a:pPr/>
+              <a:t>58</a:t>
+            </a:fld>
+            <a:endParaRPr lang="zh-TW" altLang="en-US"/>
+          </a:p>
+        </p:txBody>
+      </p:sp>
+      <p:sp>
+        <p:nvSpPr>
+          <p:cNvPr id="80898" name="Rectangle 2"/>
+          <p:cNvSpPr>
+            <a:spLocks noChangeArrowheads="1"/>
+          </p:cNvSpPr>
+          <p:nvPr/>
+        </p:nvSpPr>
+        <p:spPr bwMode="auto">
+          <a:xfrm>
+            <a:off x="611560" y="1700808"/>
+            <a:ext cx="8063880" cy="4253678"/>
+          </a:xfrm>
+          <a:prstGeom prst="rect">
+            <a:avLst/>
+          </a:prstGeom>
+          <a:solidFill>
+            <a:srgbClr val="F7F7F7"/>
+          </a:solidFill>
+          <a:ln w="9525">
+            <a:noFill/>
+            <a:miter lim="800000"/>
+            <a:headEnd/>
+            <a:tailEnd/>
+          </a:ln>
+          <a:effectLst/>
+        </p:spPr>
+        <p:txBody>
+          <a:bodyPr vert="horz" wrap="square" lIns="0" tIns="0" rIns="0" bIns="158700" numCol="1" anchor="ctr" anchorCtr="0" compatLnSpc="1">
+            <a:prstTxWarp prst="textNoShape">
+              <a:avLst/>
+            </a:prstTxWarp>
+            <a:spAutoFit/>
+          </a:bodyPr>
+          <a:lstStyle/>
+          <a:p>
+            <a:pPr marL="0" marR="0" lvl="0" indent="0" algn="l" defTabSz="914400" rtl="0" eaLnBrk="1" fontAlgn="base" latinLnBrk="0" hangingPunct="1">
+              <a:lnSpc>
+                <a:spcPct val="100000"/>
+              </a:lnSpc>
+              <a:spcBef>
+                <a:spcPct val="0"/>
+              </a:spcBef>
+              <a:spcAft>
+                <a:spcPct val="0"/>
+              </a:spcAft>
+              <a:buClrTx/>
+              <a:buSzTx/>
+              <a:buFontTx/>
+              <a:buNone/>
+              <a:tabLst/>
+            </a:pPr>
+            <a:r>
+              <a:rPr kumimoji="1" lang="zh-TW" altLang="zh-TW" sz="1400" b="0" i="0" u="none" strike="noStrike" cap="none" normalizeH="0" baseline="0" dirty="0" smtClean="0">
+                <a:ln>
+                  <a:noFill/>
+                </a:ln>
+                <a:solidFill>
+                  <a:srgbClr val="000088"/>
+                </a:solidFill>
+                <a:effectLst/>
+                <a:latin typeface="Courier New" pitchFamily="49" charset="0"/>
+                <a:ea typeface="新細明體" pitchFamily="18" charset="-120"/>
+                <a:cs typeface="Courier New" pitchFamily="49" charset="0"/>
+              </a:rPr>
+              <a:t>private</a:t>
+            </a:r>
+            <a:r>
+              <a:rPr kumimoji="1" lang="zh-TW" altLang="zh-TW" sz="1400" b="0" i="0" u="none" strike="noStrike" cap="none" normalizeH="0" baseline="0" dirty="0" smtClean="0">
+                <a:ln>
+                  <a:noFill/>
+                </a:ln>
+                <a:solidFill>
+                  <a:srgbClr val="000000"/>
+                </a:solidFill>
+                <a:effectLst/>
+                <a:latin typeface="Courier New" pitchFamily="49" charset="0"/>
+                <a:ea typeface="新細明體" pitchFamily="18" charset="-120"/>
+                <a:cs typeface="Courier New" pitchFamily="49" charset="0"/>
+              </a:rPr>
+              <a:t> </a:t>
+            </a:r>
+            <a:r>
+              <a:rPr kumimoji="1" lang="zh-TW" altLang="zh-TW" sz="1400" b="0" i="0" u="none" strike="noStrike" cap="none" normalizeH="0" baseline="0" dirty="0" smtClean="0">
+                <a:ln>
+                  <a:noFill/>
+                </a:ln>
+                <a:solidFill>
+                  <a:srgbClr val="000088"/>
+                </a:solidFill>
+                <a:effectLst/>
+                <a:latin typeface="Courier New" pitchFamily="49" charset="0"/>
+                <a:ea typeface="新細明體" pitchFamily="18" charset="-120"/>
+                <a:cs typeface="Courier New" pitchFamily="49" charset="0"/>
+              </a:rPr>
+              <a:t>class</a:t>
+            </a:r>
+            <a:r>
+              <a:rPr kumimoji="1" lang="zh-TW" altLang="zh-TW" sz="1400" b="0" i="0" u="none" strike="noStrike" cap="none" normalizeH="0" baseline="0" dirty="0" smtClean="0">
+                <a:ln>
+                  <a:noFill/>
+                </a:ln>
+                <a:solidFill>
+                  <a:srgbClr val="000000"/>
+                </a:solidFill>
+                <a:effectLst/>
+                <a:latin typeface="Courier New" pitchFamily="49" charset="0"/>
+                <a:ea typeface="新細明體" pitchFamily="18" charset="-120"/>
+                <a:cs typeface="Courier New" pitchFamily="49" charset="0"/>
+              </a:rPr>
+              <a:t> </a:t>
+            </a:r>
+            <a:r>
+              <a:rPr kumimoji="1" lang="zh-TW" altLang="zh-TW" sz="1400" b="0" i="0" u="none" strike="noStrike" cap="none" normalizeH="0" baseline="0" dirty="0" smtClean="0">
+                <a:ln>
+                  <a:noFill/>
+                </a:ln>
+                <a:solidFill>
+                  <a:srgbClr val="660066"/>
+                </a:solidFill>
+                <a:effectLst/>
+                <a:latin typeface="Courier New" pitchFamily="49" charset="0"/>
+                <a:ea typeface="新細明體" pitchFamily="18" charset="-120"/>
+                <a:cs typeface="Courier New" pitchFamily="49" charset="0"/>
+              </a:rPr>
+              <a:t>DownloadFilesTask</a:t>
+            </a:r>
+            <a:r>
+              <a:rPr kumimoji="1" lang="zh-TW" altLang="zh-TW" sz="1400" b="0" i="0" u="none" strike="noStrike" cap="none" normalizeH="0" baseline="0" dirty="0" smtClean="0">
+                <a:ln>
+                  <a:noFill/>
+                </a:ln>
+                <a:solidFill>
+                  <a:srgbClr val="000000"/>
+                </a:solidFill>
+                <a:effectLst/>
+                <a:latin typeface="Courier New" pitchFamily="49" charset="0"/>
+                <a:ea typeface="新細明體" pitchFamily="18" charset="-120"/>
+                <a:cs typeface="Courier New" pitchFamily="49" charset="0"/>
+              </a:rPr>
+              <a:t> </a:t>
+            </a:r>
+            <a:r>
+              <a:rPr kumimoji="1" lang="zh-TW" altLang="zh-TW" sz="1400" b="0" i="0" u="none" strike="noStrike" cap="none" normalizeH="0" baseline="0" dirty="0" smtClean="0">
+                <a:ln>
+                  <a:noFill/>
+                </a:ln>
+                <a:solidFill>
+                  <a:srgbClr val="000088"/>
+                </a:solidFill>
+                <a:effectLst/>
+                <a:latin typeface="Courier New" pitchFamily="49" charset="0"/>
+                <a:ea typeface="新細明體" pitchFamily="18" charset="-120"/>
+                <a:cs typeface="Courier New" pitchFamily="49" charset="0"/>
+              </a:rPr>
+              <a:t>extends</a:t>
+            </a:r>
+            <a:r>
+              <a:rPr kumimoji="1" lang="zh-TW" altLang="zh-TW" sz="1400" b="0" i="0" u="none" strike="noStrike" cap="none" normalizeH="0" baseline="0" dirty="0" smtClean="0">
+                <a:ln>
+                  <a:noFill/>
+                </a:ln>
+                <a:solidFill>
+                  <a:srgbClr val="000000"/>
+                </a:solidFill>
+                <a:effectLst/>
+                <a:latin typeface="Courier New" pitchFamily="49" charset="0"/>
+                <a:ea typeface="新細明體" pitchFamily="18" charset="-120"/>
+                <a:cs typeface="Courier New" pitchFamily="49" charset="0"/>
+              </a:rPr>
+              <a:t> </a:t>
+            </a:r>
+            <a:r>
+              <a:rPr kumimoji="1" lang="zh-TW" altLang="zh-TW" sz="1400" b="0" i="0" u="none" strike="noStrike" cap="none" normalizeH="0" baseline="0" dirty="0" smtClean="0">
+                <a:ln>
+                  <a:noFill/>
+                </a:ln>
+                <a:solidFill>
+                  <a:srgbClr val="660066"/>
+                </a:solidFill>
+                <a:effectLst/>
+                <a:latin typeface="Courier New" pitchFamily="49" charset="0"/>
+                <a:ea typeface="新細明體" pitchFamily="18" charset="-120"/>
+                <a:cs typeface="Courier New" pitchFamily="49" charset="0"/>
+              </a:rPr>
+              <a:t>AsyncTask</a:t>
+            </a:r>
+            <a:r>
+              <a:rPr kumimoji="1" lang="zh-TW" altLang="zh-TW" sz="1400" b="0" i="0" u="none" strike="noStrike" cap="none" normalizeH="0" baseline="0" dirty="0" smtClean="0">
+                <a:ln>
+                  <a:noFill/>
+                </a:ln>
+                <a:solidFill>
+                  <a:srgbClr val="666600"/>
+                </a:solidFill>
+                <a:effectLst/>
+                <a:latin typeface="Courier New" pitchFamily="49" charset="0"/>
+                <a:ea typeface="新細明體" pitchFamily="18" charset="-120"/>
+                <a:cs typeface="Courier New" pitchFamily="49" charset="0"/>
+              </a:rPr>
+              <a:t>&lt;</a:t>
+            </a:r>
+            <a:r>
+              <a:rPr kumimoji="1" lang="zh-TW" altLang="zh-TW" sz="1400" b="0" i="0" u="none" strike="noStrike" cap="none" normalizeH="0" baseline="0" dirty="0" smtClean="0">
+                <a:ln>
+                  <a:noFill/>
+                </a:ln>
+                <a:solidFill>
+                  <a:srgbClr val="000000"/>
+                </a:solidFill>
+                <a:effectLst/>
+                <a:latin typeface="Courier New" pitchFamily="49" charset="0"/>
+                <a:ea typeface="新細明體" pitchFamily="18" charset="-120"/>
+                <a:cs typeface="Courier New" pitchFamily="49" charset="0"/>
+              </a:rPr>
+              <a:t>URL</a:t>
+            </a:r>
+            <a:r>
+              <a:rPr kumimoji="1" lang="zh-TW" altLang="zh-TW" sz="1400" b="0" i="0" u="none" strike="noStrike" cap="none" normalizeH="0" baseline="0" dirty="0" smtClean="0">
+                <a:ln>
+                  <a:noFill/>
+                </a:ln>
+                <a:solidFill>
+                  <a:srgbClr val="666600"/>
+                </a:solidFill>
+                <a:effectLst/>
+                <a:latin typeface="Courier New" pitchFamily="49" charset="0"/>
+                <a:ea typeface="新細明體" pitchFamily="18" charset="-120"/>
+                <a:cs typeface="Courier New" pitchFamily="49" charset="0"/>
+              </a:rPr>
+              <a:t>,</a:t>
+            </a:r>
+            <a:r>
+              <a:rPr kumimoji="1" lang="zh-TW" altLang="zh-TW" sz="1400" b="0" i="0" u="none" strike="noStrike" cap="none" normalizeH="0" baseline="0" dirty="0" smtClean="0">
+                <a:ln>
+                  <a:noFill/>
+                </a:ln>
+                <a:solidFill>
+                  <a:srgbClr val="000000"/>
+                </a:solidFill>
+                <a:effectLst/>
+                <a:latin typeface="Courier New" pitchFamily="49" charset="0"/>
+                <a:ea typeface="新細明體" pitchFamily="18" charset="-120"/>
+                <a:cs typeface="Courier New" pitchFamily="49" charset="0"/>
+              </a:rPr>
+              <a:t> </a:t>
+            </a:r>
+            <a:r>
+              <a:rPr kumimoji="1" lang="zh-TW" altLang="zh-TW" sz="1400" b="0" i="0" u="none" strike="noStrike" cap="none" normalizeH="0" baseline="0" dirty="0" smtClean="0">
+                <a:ln>
+                  <a:noFill/>
+                </a:ln>
+                <a:solidFill>
+                  <a:srgbClr val="660066"/>
+                </a:solidFill>
+                <a:effectLst/>
+                <a:latin typeface="Courier New" pitchFamily="49" charset="0"/>
+                <a:ea typeface="新細明體" pitchFamily="18" charset="-120"/>
+                <a:cs typeface="Courier New" pitchFamily="49" charset="0"/>
+              </a:rPr>
+              <a:t>Integer</a:t>
+            </a:r>
+            <a:r>
+              <a:rPr kumimoji="1" lang="zh-TW" altLang="zh-TW" sz="1400" b="0" i="0" u="none" strike="noStrike" cap="none" normalizeH="0" baseline="0" dirty="0" smtClean="0">
+                <a:ln>
+                  <a:noFill/>
+                </a:ln>
+                <a:solidFill>
+                  <a:srgbClr val="666600"/>
+                </a:solidFill>
+                <a:effectLst/>
+                <a:latin typeface="Courier New" pitchFamily="49" charset="0"/>
+                <a:ea typeface="新細明體" pitchFamily="18" charset="-120"/>
+                <a:cs typeface="Courier New" pitchFamily="49" charset="0"/>
+              </a:rPr>
+              <a:t>,</a:t>
+            </a:r>
+            <a:r>
+              <a:rPr kumimoji="1" lang="zh-TW" altLang="zh-TW" sz="1400" b="0" i="0" u="none" strike="noStrike" cap="none" normalizeH="0" baseline="0" dirty="0" smtClean="0">
+                <a:ln>
+                  <a:noFill/>
+                </a:ln>
+                <a:solidFill>
+                  <a:srgbClr val="000000"/>
+                </a:solidFill>
+                <a:effectLst/>
+                <a:latin typeface="Courier New" pitchFamily="49" charset="0"/>
+                <a:ea typeface="新細明體" pitchFamily="18" charset="-120"/>
+                <a:cs typeface="Courier New" pitchFamily="49" charset="0"/>
+              </a:rPr>
+              <a:t> </a:t>
+            </a:r>
+            <a:r>
+              <a:rPr kumimoji="1" lang="zh-TW" altLang="zh-TW" sz="1400" b="0" i="0" u="none" strike="noStrike" cap="none" normalizeH="0" baseline="0" dirty="0" smtClean="0">
+                <a:ln>
+                  <a:noFill/>
+                </a:ln>
+                <a:solidFill>
+                  <a:srgbClr val="660066"/>
+                </a:solidFill>
+                <a:effectLst/>
+                <a:latin typeface="Courier New" pitchFamily="49" charset="0"/>
+                <a:ea typeface="新細明體" pitchFamily="18" charset="-120"/>
+                <a:cs typeface="Courier New" pitchFamily="49" charset="0"/>
+              </a:rPr>
+              <a:t>Long</a:t>
+            </a:r>
+            <a:r>
+              <a:rPr kumimoji="1" lang="zh-TW" altLang="zh-TW" sz="1400" b="0" i="0" u="none" strike="noStrike" cap="none" normalizeH="0" baseline="0" dirty="0" smtClean="0">
+                <a:ln>
+                  <a:noFill/>
+                </a:ln>
+                <a:solidFill>
+                  <a:srgbClr val="666600"/>
+                </a:solidFill>
+                <a:effectLst/>
+                <a:latin typeface="Courier New" pitchFamily="49" charset="0"/>
+                <a:ea typeface="新細明體" pitchFamily="18" charset="-120"/>
+                <a:cs typeface="Courier New" pitchFamily="49" charset="0"/>
+              </a:rPr>
+              <a:t>&gt;</a:t>
+            </a:r>
+            <a:r>
+              <a:rPr kumimoji="1" lang="zh-TW" altLang="zh-TW" sz="1400" b="0" i="0" u="none" strike="noStrike" cap="none" normalizeH="0" baseline="0" dirty="0" smtClean="0">
+                <a:ln>
+                  <a:noFill/>
+                </a:ln>
+                <a:solidFill>
+                  <a:srgbClr val="000000"/>
+                </a:solidFill>
+                <a:effectLst/>
+                <a:latin typeface="Courier New" pitchFamily="49" charset="0"/>
+                <a:ea typeface="新細明體" pitchFamily="18" charset="-120"/>
+                <a:cs typeface="Courier New" pitchFamily="49" charset="0"/>
+              </a:rPr>
+              <a:t> </a:t>
+            </a:r>
+            <a:r>
+              <a:rPr kumimoji="1" lang="zh-TW" altLang="zh-TW" sz="1400" b="0" i="0" u="none" strike="noStrike" cap="none" normalizeH="0" baseline="0" dirty="0" smtClean="0">
+                <a:ln>
+                  <a:noFill/>
+                </a:ln>
+                <a:solidFill>
+                  <a:srgbClr val="666600"/>
+                </a:solidFill>
+                <a:effectLst/>
+                <a:latin typeface="Courier New" pitchFamily="49" charset="0"/>
+                <a:ea typeface="新細明體" pitchFamily="18" charset="-120"/>
+                <a:cs typeface="Courier New" pitchFamily="49" charset="0"/>
+              </a:rPr>
+              <a:t>{</a:t>
+            </a:r>
+            <a:r>
+              <a:rPr kumimoji="1" lang="zh-TW" altLang="zh-TW" sz="1400" b="0" i="0" u="none" strike="noStrike" cap="none" normalizeH="0" baseline="0" dirty="0" smtClean="0">
+                <a:ln>
+                  <a:noFill/>
+                </a:ln>
+                <a:solidFill>
+                  <a:srgbClr val="000000"/>
+                </a:solidFill>
+                <a:effectLst/>
+                <a:latin typeface="Courier New" pitchFamily="49" charset="0"/>
+                <a:ea typeface="新細明體" pitchFamily="18" charset="-120"/>
+                <a:cs typeface="Courier New" pitchFamily="49" charset="0"/>
+              </a:rPr>
+              <a:t/>
+            </a:r>
+            <a:br>
+              <a:rPr kumimoji="1" lang="zh-TW" altLang="zh-TW" sz="1400" b="0" i="0" u="none" strike="noStrike" cap="none" normalizeH="0" baseline="0" dirty="0" smtClean="0">
+                <a:ln>
+                  <a:noFill/>
+                </a:ln>
+                <a:solidFill>
+                  <a:srgbClr val="000000"/>
+                </a:solidFill>
+                <a:effectLst/>
+                <a:latin typeface="Courier New" pitchFamily="49" charset="0"/>
+                <a:ea typeface="新細明體" pitchFamily="18" charset="-120"/>
+                <a:cs typeface="Courier New" pitchFamily="49" charset="0"/>
+              </a:rPr>
+            </a:br>
+            <a:r>
+              <a:rPr kumimoji="1" lang="zh-TW" altLang="zh-TW" sz="1400" b="0" i="0" u="none" strike="noStrike" cap="none" normalizeH="0" baseline="0" dirty="0" smtClean="0">
+                <a:ln>
+                  <a:noFill/>
+                </a:ln>
+                <a:solidFill>
+                  <a:srgbClr val="000000"/>
+                </a:solidFill>
+                <a:effectLst/>
+                <a:latin typeface="Arial"/>
+                <a:ea typeface="新細明體" pitchFamily="18" charset="-120"/>
+                <a:cs typeface="Courier New" pitchFamily="49" charset="0"/>
+              </a:rPr>
+              <a:t> </a:t>
+            </a:r>
+            <a:r>
+              <a:rPr kumimoji="1" lang="zh-TW" altLang="zh-TW" sz="1400" b="0" i="0" u="none" strike="noStrike" cap="none" normalizeH="0" baseline="0" dirty="0" smtClean="0">
+                <a:ln>
+                  <a:noFill/>
+                </a:ln>
+                <a:solidFill>
+                  <a:srgbClr val="000000"/>
+                </a:solidFill>
+                <a:effectLst/>
+                <a:latin typeface="Courier New" pitchFamily="49" charset="0"/>
+                <a:ea typeface="新細明體" pitchFamily="18" charset="-120"/>
+                <a:cs typeface="Courier New" pitchFamily="49" charset="0"/>
+              </a:rPr>
+              <a:t> </a:t>
+            </a:r>
+            <a:r>
+              <a:rPr kumimoji="1" lang="zh-TW" altLang="zh-TW" sz="1400" b="0" i="0" u="none" strike="noStrike" cap="none" normalizeH="0" baseline="0" dirty="0" smtClean="0">
+                <a:ln>
+                  <a:noFill/>
+                </a:ln>
+                <a:solidFill>
+                  <a:srgbClr val="000000"/>
+                </a:solidFill>
+                <a:effectLst/>
+                <a:latin typeface="Arial"/>
+                <a:ea typeface="新細明體" pitchFamily="18" charset="-120"/>
+                <a:cs typeface="Courier New" pitchFamily="49" charset="0"/>
+              </a:rPr>
+              <a:t> </a:t>
+            </a:r>
+            <a:r>
+              <a:rPr kumimoji="1" lang="zh-TW" altLang="zh-TW" sz="1400" b="0" i="0" u="none" strike="noStrike" cap="none" normalizeH="0" baseline="0" dirty="0" smtClean="0">
+                <a:ln>
+                  <a:noFill/>
+                </a:ln>
+                <a:solidFill>
+                  <a:srgbClr val="000000"/>
+                </a:solidFill>
+                <a:effectLst/>
+                <a:latin typeface="Courier New" pitchFamily="49" charset="0"/>
+                <a:ea typeface="新細明體" pitchFamily="18" charset="-120"/>
+                <a:cs typeface="Courier New" pitchFamily="49" charset="0"/>
+              </a:rPr>
+              <a:t> </a:t>
+            </a:r>
+            <a:r>
+              <a:rPr kumimoji="1" lang="zh-TW" altLang="zh-TW" sz="1400" b="0" i="0" u="none" strike="noStrike" cap="none" normalizeH="0" baseline="0" dirty="0" smtClean="0">
+                <a:ln>
+                  <a:noFill/>
+                </a:ln>
+                <a:solidFill>
+                  <a:srgbClr val="000000"/>
+                </a:solidFill>
+                <a:effectLst/>
+                <a:latin typeface="Arial"/>
+                <a:ea typeface="新細明體" pitchFamily="18" charset="-120"/>
+                <a:cs typeface="Courier New" pitchFamily="49" charset="0"/>
+              </a:rPr>
+              <a:t> </a:t>
+            </a:r>
+            <a:r>
+              <a:rPr kumimoji="1" lang="zh-TW" altLang="zh-TW" sz="1400" b="0" i="0" u="none" strike="noStrike" cap="none" normalizeH="0" baseline="0" dirty="0" smtClean="0">
+                <a:ln>
+                  <a:noFill/>
+                </a:ln>
+                <a:solidFill>
+                  <a:srgbClr val="000088"/>
+                </a:solidFill>
+                <a:effectLst/>
+                <a:latin typeface="Courier New" pitchFamily="49" charset="0"/>
+                <a:ea typeface="新細明體" pitchFamily="18" charset="-120"/>
+                <a:cs typeface="Courier New" pitchFamily="49" charset="0"/>
+              </a:rPr>
+              <a:t>protected</a:t>
+            </a:r>
+            <a:r>
+              <a:rPr kumimoji="1" lang="zh-TW" altLang="zh-TW" sz="1400" b="0" i="0" u="none" strike="noStrike" cap="none" normalizeH="0" baseline="0" dirty="0" smtClean="0">
+                <a:ln>
+                  <a:noFill/>
+                </a:ln>
+                <a:solidFill>
+                  <a:srgbClr val="000000"/>
+                </a:solidFill>
+                <a:effectLst/>
+                <a:latin typeface="Courier New" pitchFamily="49" charset="0"/>
+                <a:ea typeface="新細明體" pitchFamily="18" charset="-120"/>
+                <a:cs typeface="Courier New" pitchFamily="49" charset="0"/>
+              </a:rPr>
+              <a:t> </a:t>
+            </a:r>
+            <a:r>
+              <a:rPr kumimoji="1" lang="zh-TW" altLang="zh-TW" sz="1400" b="0" i="0" u="none" strike="noStrike" cap="none" normalizeH="0" baseline="0" dirty="0" smtClean="0">
+                <a:ln>
+                  <a:noFill/>
+                </a:ln>
+                <a:solidFill>
+                  <a:srgbClr val="660066"/>
+                </a:solidFill>
+                <a:effectLst/>
+                <a:latin typeface="Courier New" pitchFamily="49" charset="0"/>
+                <a:ea typeface="新細明體" pitchFamily="18" charset="-120"/>
+                <a:cs typeface="Courier New" pitchFamily="49" charset="0"/>
+              </a:rPr>
+              <a:t>Long</a:t>
+            </a:r>
+            <a:r>
+              <a:rPr kumimoji="1" lang="zh-TW" altLang="zh-TW" sz="1400" b="0" i="0" u="none" strike="noStrike" cap="none" normalizeH="0" baseline="0" dirty="0" smtClean="0">
+                <a:ln>
+                  <a:noFill/>
+                </a:ln>
+                <a:solidFill>
+                  <a:srgbClr val="000000"/>
+                </a:solidFill>
+                <a:effectLst/>
+                <a:latin typeface="Courier New" pitchFamily="49" charset="0"/>
+                <a:ea typeface="新細明體" pitchFamily="18" charset="-120"/>
+                <a:cs typeface="Courier New" pitchFamily="49" charset="0"/>
+              </a:rPr>
+              <a:t> doInBackground</a:t>
+            </a:r>
+            <a:r>
+              <a:rPr kumimoji="1" lang="zh-TW" altLang="zh-TW" sz="1400" b="0" i="0" u="none" strike="noStrike" cap="none" normalizeH="0" baseline="0" dirty="0" smtClean="0">
+                <a:ln>
+                  <a:noFill/>
+                </a:ln>
+                <a:solidFill>
+                  <a:srgbClr val="666600"/>
+                </a:solidFill>
+                <a:effectLst/>
+                <a:latin typeface="Courier New" pitchFamily="49" charset="0"/>
+                <a:ea typeface="新細明體" pitchFamily="18" charset="-120"/>
+                <a:cs typeface="Courier New" pitchFamily="49" charset="0"/>
+              </a:rPr>
+              <a:t>(</a:t>
+            </a:r>
+            <a:r>
+              <a:rPr kumimoji="1" lang="zh-TW" altLang="zh-TW" sz="1400" b="0" i="0" u="none" strike="noStrike" cap="none" normalizeH="0" baseline="0" dirty="0" smtClean="0">
+                <a:ln>
+                  <a:noFill/>
+                </a:ln>
+                <a:solidFill>
+                  <a:srgbClr val="000000"/>
+                </a:solidFill>
+                <a:effectLst/>
+                <a:latin typeface="Courier New" pitchFamily="49" charset="0"/>
+                <a:ea typeface="新細明體" pitchFamily="18" charset="-120"/>
+                <a:cs typeface="Courier New" pitchFamily="49" charset="0"/>
+              </a:rPr>
+              <a:t>URL</a:t>
+            </a:r>
+            <a:r>
+              <a:rPr kumimoji="1" lang="zh-TW" altLang="zh-TW" sz="1400" b="0" i="0" u="none" strike="noStrike" cap="none" normalizeH="0" baseline="0" dirty="0" smtClean="0">
+                <a:ln>
+                  <a:noFill/>
+                </a:ln>
+                <a:solidFill>
+                  <a:srgbClr val="666600"/>
+                </a:solidFill>
+                <a:effectLst/>
+                <a:latin typeface="Courier New" pitchFamily="49" charset="0"/>
+                <a:ea typeface="新細明體" pitchFamily="18" charset="-120"/>
+                <a:cs typeface="Courier New" pitchFamily="49" charset="0"/>
+              </a:rPr>
+              <a:t>...</a:t>
+            </a:r>
+            <a:r>
+              <a:rPr kumimoji="1" lang="zh-TW" altLang="zh-TW" sz="1400" b="0" i="0" u="none" strike="noStrike" cap="none" normalizeH="0" baseline="0" dirty="0" smtClean="0">
+                <a:ln>
+                  <a:noFill/>
+                </a:ln>
+                <a:solidFill>
+                  <a:srgbClr val="000000"/>
+                </a:solidFill>
+                <a:effectLst/>
+                <a:latin typeface="Courier New" pitchFamily="49" charset="0"/>
+                <a:ea typeface="新細明體" pitchFamily="18" charset="-120"/>
+                <a:cs typeface="Courier New" pitchFamily="49" charset="0"/>
+              </a:rPr>
+              <a:t> urls</a:t>
+            </a:r>
+            <a:r>
+              <a:rPr kumimoji="1" lang="zh-TW" altLang="zh-TW" sz="1400" b="0" i="0" u="none" strike="noStrike" cap="none" normalizeH="0" baseline="0" dirty="0" smtClean="0">
+                <a:ln>
+                  <a:noFill/>
+                </a:ln>
+                <a:solidFill>
+                  <a:srgbClr val="666600"/>
+                </a:solidFill>
+                <a:effectLst/>
+                <a:latin typeface="Courier New" pitchFamily="49" charset="0"/>
+                <a:ea typeface="新細明體" pitchFamily="18" charset="-120"/>
+                <a:cs typeface="Courier New" pitchFamily="49" charset="0"/>
+              </a:rPr>
+              <a:t>)</a:t>
+            </a:r>
+            <a:r>
+              <a:rPr kumimoji="1" lang="zh-TW" altLang="zh-TW" sz="1400" b="0" i="0" u="none" strike="noStrike" cap="none" normalizeH="0" baseline="0" dirty="0" smtClean="0">
+                <a:ln>
+                  <a:noFill/>
+                </a:ln>
+                <a:solidFill>
+                  <a:srgbClr val="000000"/>
+                </a:solidFill>
+                <a:effectLst/>
+                <a:latin typeface="Courier New" pitchFamily="49" charset="0"/>
+                <a:ea typeface="新細明體" pitchFamily="18" charset="-120"/>
+                <a:cs typeface="Courier New" pitchFamily="49" charset="0"/>
+              </a:rPr>
+              <a:t> </a:t>
+            </a:r>
+            <a:r>
+              <a:rPr kumimoji="1" lang="zh-TW" altLang="zh-TW" sz="1400" b="0" i="0" u="none" strike="noStrike" cap="none" normalizeH="0" baseline="0" dirty="0" smtClean="0">
+                <a:ln>
+                  <a:noFill/>
+                </a:ln>
+                <a:solidFill>
+                  <a:srgbClr val="666600"/>
+                </a:solidFill>
+                <a:effectLst/>
+                <a:latin typeface="Courier New" pitchFamily="49" charset="0"/>
+                <a:ea typeface="新細明體" pitchFamily="18" charset="-120"/>
+                <a:cs typeface="Courier New" pitchFamily="49" charset="0"/>
+              </a:rPr>
+              <a:t>{</a:t>
+            </a:r>
+            <a:r>
+              <a:rPr kumimoji="1" lang="zh-TW" altLang="zh-TW" sz="1400" b="0" i="0" u="none" strike="noStrike" cap="none" normalizeH="0" baseline="0" dirty="0" smtClean="0">
+                <a:ln>
+                  <a:noFill/>
+                </a:ln>
+                <a:solidFill>
+                  <a:srgbClr val="000000"/>
+                </a:solidFill>
+                <a:effectLst/>
+                <a:latin typeface="Courier New" pitchFamily="49" charset="0"/>
+                <a:ea typeface="新細明體" pitchFamily="18" charset="-120"/>
+                <a:cs typeface="Courier New" pitchFamily="49" charset="0"/>
+              </a:rPr>
+              <a:t/>
+            </a:r>
+            <a:br>
+              <a:rPr kumimoji="1" lang="zh-TW" altLang="zh-TW" sz="1400" b="0" i="0" u="none" strike="noStrike" cap="none" normalizeH="0" baseline="0" dirty="0" smtClean="0">
+                <a:ln>
+                  <a:noFill/>
+                </a:ln>
+                <a:solidFill>
+                  <a:srgbClr val="000000"/>
+                </a:solidFill>
+                <a:effectLst/>
+                <a:latin typeface="Courier New" pitchFamily="49" charset="0"/>
+                <a:ea typeface="新細明體" pitchFamily="18" charset="-120"/>
+                <a:cs typeface="Courier New" pitchFamily="49" charset="0"/>
+              </a:rPr>
+            </a:br>
+            <a:r>
+              <a:rPr kumimoji="1" lang="zh-TW" altLang="zh-TW" sz="1400" b="0" i="0" u="none" strike="noStrike" cap="none" normalizeH="0" baseline="0" dirty="0" smtClean="0">
+                <a:ln>
+                  <a:noFill/>
+                </a:ln>
+                <a:solidFill>
+                  <a:srgbClr val="000000"/>
+                </a:solidFill>
+                <a:effectLst/>
+                <a:latin typeface="Arial"/>
+                <a:ea typeface="新細明體" pitchFamily="18" charset="-120"/>
+                <a:cs typeface="Courier New" pitchFamily="49" charset="0"/>
+              </a:rPr>
+              <a:t> </a:t>
+            </a:r>
+            <a:r>
+              <a:rPr kumimoji="1" lang="zh-TW" altLang="zh-TW" sz="1400" b="0" i="0" u="none" strike="noStrike" cap="none" normalizeH="0" baseline="0" dirty="0" smtClean="0">
+                <a:ln>
+                  <a:noFill/>
+                </a:ln>
+                <a:solidFill>
+                  <a:srgbClr val="000000"/>
+                </a:solidFill>
+                <a:effectLst/>
+                <a:latin typeface="Courier New" pitchFamily="49" charset="0"/>
+                <a:ea typeface="新細明體" pitchFamily="18" charset="-120"/>
+                <a:cs typeface="Courier New" pitchFamily="49" charset="0"/>
+              </a:rPr>
+              <a:t> </a:t>
+            </a:r>
+            <a:r>
+              <a:rPr kumimoji="1" lang="zh-TW" altLang="zh-TW" sz="1400" b="0" i="0" u="none" strike="noStrike" cap="none" normalizeH="0" baseline="0" dirty="0" smtClean="0">
+                <a:ln>
+                  <a:noFill/>
+                </a:ln>
+                <a:solidFill>
+                  <a:srgbClr val="000000"/>
+                </a:solidFill>
+                <a:effectLst/>
+                <a:latin typeface="Arial"/>
+                <a:ea typeface="新細明體" pitchFamily="18" charset="-120"/>
+                <a:cs typeface="Courier New" pitchFamily="49" charset="0"/>
+              </a:rPr>
+              <a:t> </a:t>
+            </a:r>
+            <a:r>
+              <a:rPr kumimoji="1" lang="zh-TW" altLang="zh-TW" sz="1400" b="0" i="0" u="none" strike="noStrike" cap="none" normalizeH="0" baseline="0" dirty="0" smtClean="0">
+                <a:ln>
+                  <a:noFill/>
+                </a:ln>
+                <a:solidFill>
+                  <a:srgbClr val="000000"/>
+                </a:solidFill>
+                <a:effectLst/>
+                <a:latin typeface="Courier New" pitchFamily="49" charset="0"/>
+                <a:ea typeface="新細明體" pitchFamily="18" charset="-120"/>
+                <a:cs typeface="Courier New" pitchFamily="49" charset="0"/>
+              </a:rPr>
+              <a:t> </a:t>
+            </a:r>
+            <a:r>
+              <a:rPr kumimoji="1" lang="zh-TW" altLang="zh-TW" sz="1400" b="0" i="0" u="none" strike="noStrike" cap="none" normalizeH="0" baseline="0" dirty="0" smtClean="0">
+                <a:ln>
+                  <a:noFill/>
+                </a:ln>
+                <a:solidFill>
+                  <a:srgbClr val="000000"/>
+                </a:solidFill>
+                <a:effectLst/>
+                <a:latin typeface="Arial"/>
+                <a:ea typeface="新細明體" pitchFamily="18" charset="-120"/>
+                <a:cs typeface="Courier New" pitchFamily="49" charset="0"/>
+              </a:rPr>
+              <a:t> </a:t>
+            </a:r>
+            <a:r>
+              <a:rPr kumimoji="1" lang="zh-TW" altLang="zh-TW" sz="1400" b="0" i="0" u="none" strike="noStrike" cap="none" normalizeH="0" baseline="0" dirty="0" smtClean="0">
+                <a:ln>
+                  <a:noFill/>
+                </a:ln>
+                <a:solidFill>
+                  <a:srgbClr val="000000"/>
+                </a:solidFill>
+                <a:effectLst/>
+                <a:latin typeface="Courier New" pitchFamily="49" charset="0"/>
+                <a:ea typeface="新細明體" pitchFamily="18" charset="-120"/>
+                <a:cs typeface="Courier New" pitchFamily="49" charset="0"/>
+              </a:rPr>
+              <a:t> </a:t>
+            </a:r>
+            <a:r>
+              <a:rPr kumimoji="1" lang="zh-TW" altLang="zh-TW" sz="1400" b="0" i="0" u="none" strike="noStrike" cap="none" normalizeH="0" baseline="0" dirty="0" smtClean="0">
+                <a:ln>
+                  <a:noFill/>
+                </a:ln>
+                <a:solidFill>
+                  <a:srgbClr val="000000"/>
+                </a:solidFill>
+                <a:effectLst/>
+                <a:latin typeface="Arial"/>
+                <a:ea typeface="新細明體" pitchFamily="18" charset="-120"/>
+                <a:cs typeface="Courier New" pitchFamily="49" charset="0"/>
+              </a:rPr>
+              <a:t> </a:t>
+            </a:r>
+            <a:r>
+              <a:rPr kumimoji="1" lang="zh-TW" altLang="zh-TW" sz="1400" b="0" i="0" u="none" strike="noStrike" cap="none" normalizeH="0" baseline="0" dirty="0" smtClean="0">
+                <a:ln>
+                  <a:noFill/>
+                </a:ln>
+                <a:solidFill>
+                  <a:srgbClr val="000000"/>
+                </a:solidFill>
+                <a:effectLst/>
+                <a:latin typeface="Courier New" pitchFamily="49" charset="0"/>
+                <a:ea typeface="新細明體" pitchFamily="18" charset="-120"/>
+                <a:cs typeface="Courier New" pitchFamily="49" charset="0"/>
+              </a:rPr>
+              <a:t> </a:t>
+            </a:r>
+            <a:r>
+              <a:rPr kumimoji="1" lang="zh-TW" altLang="zh-TW" sz="1400" b="0" i="0" u="none" strike="noStrike" cap="none" normalizeH="0" baseline="0" dirty="0" smtClean="0">
+                <a:ln>
+                  <a:noFill/>
+                </a:ln>
+                <a:solidFill>
+                  <a:srgbClr val="000000"/>
+                </a:solidFill>
+                <a:effectLst/>
+                <a:latin typeface="Arial"/>
+                <a:ea typeface="新細明體" pitchFamily="18" charset="-120"/>
+                <a:cs typeface="Courier New" pitchFamily="49" charset="0"/>
+              </a:rPr>
+              <a:t> </a:t>
+            </a:r>
+            <a:r>
+              <a:rPr kumimoji="1" lang="zh-TW" altLang="zh-TW" sz="1400" b="0" i="0" u="none" strike="noStrike" cap="none" normalizeH="0" baseline="0" dirty="0" smtClean="0">
+                <a:ln>
+                  <a:noFill/>
+                </a:ln>
+                <a:solidFill>
+                  <a:srgbClr val="000088"/>
+                </a:solidFill>
+                <a:effectLst/>
+                <a:latin typeface="Courier New" pitchFamily="49" charset="0"/>
+                <a:ea typeface="新細明體" pitchFamily="18" charset="-120"/>
+                <a:cs typeface="Courier New" pitchFamily="49" charset="0"/>
+              </a:rPr>
+              <a:t>int</a:t>
+            </a:r>
+            <a:r>
+              <a:rPr kumimoji="1" lang="zh-TW" altLang="zh-TW" sz="1400" b="0" i="0" u="none" strike="noStrike" cap="none" normalizeH="0" baseline="0" dirty="0" smtClean="0">
+                <a:ln>
+                  <a:noFill/>
+                </a:ln>
+                <a:solidFill>
+                  <a:srgbClr val="000000"/>
+                </a:solidFill>
+                <a:effectLst/>
+                <a:latin typeface="Courier New" pitchFamily="49" charset="0"/>
+                <a:ea typeface="新細明體" pitchFamily="18" charset="-120"/>
+                <a:cs typeface="Courier New" pitchFamily="49" charset="0"/>
+              </a:rPr>
+              <a:t> count </a:t>
+            </a:r>
+            <a:r>
+              <a:rPr kumimoji="1" lang="zh-TW" altLang="zh-TW" sz="1400" b="0" i="0" u="none" strike="noStrike" cap="none" normalizeH="0" baseline="0" dirty="0" smtClean="0">
+                <a:ln>
+                  <a:noFill/>
+                </a:ln>
+                <a:solidFill>
+                  <a:srgbClr val="666600"/>
+                </a:solidFill>
+                <a:effectLst/>
+                <a:latin typeface="Courier New" pitchFamily="49" charset="0"/>
+                <a:ea typeface="新細明體" pitchFamily="18" charset="-120"/>
+                <a:cs typeface="Courier New" pitchFamily="49" charset="0"/>
+              </a:rPr>
+              <a:t>=</a:t>
+            </a:r>
+            <a:r>
+              <a:rPr kumimoji="1" lang="zh-TW" altLang="zh-TW" sz="1400" b="0" i="0" u="none" strike="noStrike" cap="none" normalizeH="0" baseline="0" dirty="0" smtClean="0">
+                <a:ln>
+                  <a:noFill/>
+                </a:ln>
+                <a:solidFill>
+                  <a:srgbClr val="000000"/>
+                </a:solidFill>
+                <a:effectLst/>
+                <a:latin typeface="Courier New" pitchFamily="49" charset="0"/>
+                <a:ea typeface="新細明體" pitchFamily="18" charset="-120"/>
+                <a:cs typeface="Courier New" pitchFamily="49" charset="0"/>
+              </a:rPr>
+              <a:t> urls</a:t>
+            </a:r>
+            <a:r>
+              <a:rPr kumimoji="1" lang="zh-TW" altLang="zh-TW" sz="1400" b="0" i="0" u="none" strike="noStrike" cap="none" normalizeH="0" baseline="0" dirty="0" smtClean="0">
+                <a:ln>
+                  <a:noFill/>
+                </a:ln>
+                <a:solidFill>
+                  <a:srgbClr val="666600"/>
+                </a:solidFill>
+                <a:effectLst/>
+                <a:latin typeface="Courier New" pitchFamily="49" charset="0"/>
+                <a:ea typeface="新細明體" pitchFamily="18" charset="-120"/>
+                <a:cs typeface="Courier New" pitchFamily="49" charset="0"/>
+              </a:rPr>
+              <a:t>.</a:t>
+            </a:r>
+            <a:r>
+              <a:rPr kumimoji="1" lang="zh-TW" altLang="zh-TW" sz="1400" b="0" i="0" u="none" strike="noStrike" cap="none" normalizeH="0" baseline="0" dirty="0" smtClean="0">
+                <a:ln>
+                  <a:noFill/>
+                </a:ln>
+                <a:solidFill>
+                  <a:srgbClr val="000000"/>
+                </a:solidFill>
+                <a:effectLst/>
+                <a:latin typeface="Courier New" pitchFamily="49" charset="0"/>
+                <a:ea typeface="新細明體" pitchFamily="18" charset="-120"/>
+                <a:cs typeface="Courier New" pitchFamily="49" charset="0"/>
+              </a:rPr>
+              <a:t>length</a:t>
+            </a:r>
+            <a:r>
+              <a:rPr kumimoji="1" lang="zh-TW" altLang="zh-TW" sz="1400" b="0" i="0" u="none" strike="noStrike" cap="none" normalizeH="0" baseline="0" dirty="0" smtClean="0">
+                <a:ln>
+                  <a:noFill/>
+                </a:ln>
+                <a:solidFill>
+                  <a:srgbClr val="666600"/>
+                </a:solidFill>
+                <a:effectLst/>
+                <a:latin typeface="Courier New" pitchFamily="49" charset="0"/>
+                <a:ea typeface="新細明體" pitchFamily="18" charset="-120"/>
+                <a:cs typeface="Courier New" pitchFamily="49" charset="0"/>
+              </a:rPr>
+              <a:t>;</a:t>
+            </a:r>
+            <a:r>
+              <a:rPr kumimoji="1" lang="zh-TW" altLang="zh-TW" sz="1400" b="0" i="0" u="none" strike="noStrike" cap="none" normalizeH="0" baseline="0" dirty="0" smtClean="0">
+                <a:ln>
+                  <a:noFill/>
+                </a:ln>
+                <a:solidFill>
+                  <a:srgbClr val="000000"/>
+                </a:solidFill>
+                <a:effectLst/>
+                <a:latin typeface="Courier New" pitchFamily="49" charset="0"/>
+                <a:ea typeface="新細明體" pitchFamily="18" charset="-120"/>
+                <a:cs typeface="Courier New" pitchFamily="49" charset="0"/>
+              </a:rPr>
+              <a:t/>
+            </a:r>
+            <a:br>
+              <a:rPr kumimoji="1" lang="zh-TW" altLang="zh-TW" sz="1400" b="0" i="0" u="none" strike="noStrike" cap="none" normalizeH="0" baseline="0" dirty="0" smtClean="0">
+                <a:ln>
+                  <a:noFill/>
+                </a:ln>
+                <a:solidFill>
+                  <a:srgbClr val="000000"/>
+                </a:solidFill>
+                <a:effectLst/>
+                <a:latin typeface="Courier New" pitchFamily="49" charset="0"/>
+                <a:ea typeface="新細明體" pitchFamily="18" charset="-120"/>
+                <a:cs typeface="Courier New" pitchFamily="49" charset="0"/>
+              </a:rPr>
+            </a:br>
+            <a:r>
+              <a:rPr kumimoji="1" lang="zh-TW" altLang="zh-TW" sz="1400" b="0" i="0" u="none" strike="noStrike" cap="none" normalizeH="0" baseline="0" dirty="0" smtClean="0">
+                <a:ln>
+                  <a:noFill/>
+                </a:ln>
+                <a:solidFill>
+                  <a:srgbClr val="000000"/>
+                </a:solidFill>
+                <a:effectLst/>
+                <a:latin typeface="Arial"/>
+                <a:ea typeface="新細明體" pitchFamily="18" charset="-120"/>
+                <a:cs typeface="Courier New" pitchFamily="49" charset="0"/>
+              </a:rPr>
+              <a:t> </a:t>
+            </a:r>
+            <a:r>
+              <a:rPr kumimoji="1" lang="zh-TW" altLang="zh-TW" sz="1400" b="0" i="0" u="none" strike="noStrike" cap="none" normalizeH="0" baseline="0" dirty="0" smtClean="0">
+                <a:ln>
+                  <a:noFill/>
+                </a:ln>
+                <a:solidFill>
+                  <a:srgbClr val="000000"/>
+                </a:solidFill>
+                <a:effectLst/>
+                <a:latin typeface="Courier New" pitchFamily="49" charset="0"/>
+                <a:ea typeface="新細明體" pitchFamily="18" charset="-120"/>
+                <a:cs typeface="Courier New" pitchFamily="49" charset="0"/>
+              </a:rPr>
+              <a:t> </a:t>
+            </a:r>
+            <a:r>
+              <a:rPr kumimoji="1" lang="zh-TW" altLang="zh-TW" sz="1400" b="0" i="0" u="none" strike="noStrike" cap="none" normalizeH="0" baseline="0" dirty="0" smtClean="0">
+                <a:ln>
+                  <a:noFill/>
+                </a:ln>
+                <a:solidFill>
+                  <a:srgbClr val="000000"/>
+                </a:solidFill>
+                <a:effectLst/>
+                <a:latin typeface="Arial"/>
+                <a:ea typeface="新細明體" pitchFamily="18" charset="-120"/>
+                <a:cs typeface="Courier New" pitchFamily="49" charset="0"/>
+              </a:rPr>
+              <a:t> </a:t>
+            </a:r>
+            <a:r>
+              <a:rPr kumimoji="1" lang="zh-TW" altLang="zh-TW" sz="1400" b="0" i="0" u="none" strike="noStrike" cap="none" normalizeH="0" baseline="0" dirty="0" smtClean="0">
+                <a:ln>
+                  <a:noFill/>
+                </a:ln>
+                <a:solidFill>
+                  <a:srgbClr val="000000"/>
+                </a:solidFill>
+                <a:effectLst/>
+                <a:latin typeface="Courier New" pitchFamily="49" charset="0"/>
+                <a:ea typeface="新細明體" pitchFamily="18" charset="-120"/>
+                <a:cs typeface="Courier New" pitchFamily="49" charset="0"/>
+              </a:rPr>
+              <a:t> </a:t>
+            </a:r>
+            <a:r>
+              <a:rPr kumimoji="1" lang="zh-TW" altLang="zh-TW" sz="1400" b="0" i="0" u="none" strike="noStrike" cap="none" normalizeH="0" baseline="0" dirty="0" smtClean="0">
+                <a:ln>
+                  <a:noFill/>
+                </a:ln>
+                <a:solidFill>
+                  <a:srgbClr val="000000"/>
+                </a:solidFill>
+                <a:effectLst/>
+                <a:latin typeface="Arial"/>
+                <a:ea typeface="新細明體" pitchFamily="18" charset="-120"/>
+                <a:cs typeface="Courier New" pitchFamily="49" charset="0"/>
+              </a:rPr>
+              <a:t> </a:t>
+            </a:r>
+            <a:r>
+              <a:rPr kumimoji="1" lang="zh-TW" altLang="zh-TW" sz="1400" b="0" i="0" u="none" strike="noStrike" cap="none" normalizeH="0" baseline="0" dirty="0" smtClean="0">
+                <a:ln>
+                  <a:noFill/>
+                </a:ln>
+                <a:solidFill>
+                  <a:srgbClr val="000000"/>
+                </a:solidFill>
+                <a:effectLst/>
+                <a:latin typeface="Courier New" pitchFamily="49" charset="0"/>
+                <a:ea typeface="新細明體" pitchFamily="18" charset="-120"/>
+                <a:cs typeface="Courier New" pitchFamily="49" charset="0"/>
+              </a:rPr>
+              <a:t> </a:t>
+            </a:r>
+            <a:r>
+              <a:rPr kumimoji="1" lang="zh-TW" altLang="zh-TW" sz="1400" b="0" i="0" u="none" strike="noStrike" cap="none" normalizeH="0" baseline="0" dirty="0" smtClean="0">
+                <a:ln>
+                  <a:noFill/>
+                </a:ln>
+                <a:solidFill>
+                  <a:srgbClr val="000000"/>
+                </a:solidFill>
+                <a:effectLst/>
+                <a:latin typeface="Arial"/>
+                <a:ea typeface="新細明體" pitchFamily="18" charset="-120"/>
+                <a:cs typeface="Courier New" pitchFamily="49" charset="0"/>
+              </a:rPr>
+              <a:t> </a:t>
+            </a:r>
+            <a:r>
+              <a:rPr kumimoji="1" lang="zh-TW" altLang="zh-TW" sz="1400" b="0" i="0" u="none" strike="noStrike" cap="none" normalizeH="0" baseline="0" dirty="0" smtClean="0">
+                <a:ln>
+                  <a:noFill/>
+                </a:ln>
+                <a:solidFill>
+                  <a:srgbClr val="000000"/>
+                </a:solidFill>
+                <a:effectLst/>
+                <a:latin typeface="Courier New" pitchFamily="49" charset="0"/>
+                <a:ea typeface="新細明體" pitchFamily="18" charset="-120"/>
+                <a:cs typeface="Courier New" pitchFamily="49" charset="0"/>
+              </a:rPr>
+              <a:t> </a:t>
+            </a:r>
+            <a:r>
+              <a:rPr kumimoji="1" lang="zh-TW" altLang="zh-TW" sz="1400" b="0" i="0" u="none" strike="noStrike" cap="none" normalizeH="0" baseline="0" dirty="0" smtClean="0">
+                <a:ln>
+                  <a:noFill/>
+                </a:ln>
+                <a:solidFill>
+                  <a:srgbClr val="000000"/>
+                </a:solidFill>
+                <a:effectLst/>
+                <a:latin typeface="Arial"/>
+                <a:ea typeface="新細明體" pitchFamily="18" charset="-120"/>
+                <a:cs typeface="Courier New" pitchFamily="49" charset="0"/>
+              </a:rPr>
+              <a:t> </a:t>
+            </a:r>
+            <a:r>
+              <a:rPr kumimoji="1" lang="zh-TW" altLang="zh-TW" sz="1400" b="0" i="0" u="none" strike="noStrike" cap="none" normalizeH="0" baseline="0" dirty="0" smtClean="0">
+                <a:ln>
+                  <a:noFill/>
+                </a:ln>
+                <a:solidFill>
+                  <a:srgbClr val="000088"/>
+                </a:solidFill>
+                <a:effectLst/>
+                <a:latin typeface="Courier New" pitchFamily="49" charset="0"/>
+                <a:ea typeface="新細明體" pitchFamily="18" charset="-120"/>
+                <a:cs typeface="Courier New" pitchFamily="49" charset="0"/>
+              </a:rPr>
+              <a:t>long</a:t>
+            </a:r>
+            <a:r>
+              <a:rPr kumimoji="1" lang="zh-TW" altLang="zh-TW" sz="1400" b="0" i="0" u="none" strike="noStrike" cap="none" normalizeH="0" baseline="0" dirty="0" smtClean="0">
+                <a:ln>
+                  <a:noFill/>
+                </a:ln>
+                <a:solidFill>
+                  <a:srgbClr val="000000"/>
+                </a:solidFill>
+                <a:effectLst/>
+                <a:latin typeface="Courier New" pitchFamily="49" charset="0"/>
+                <a:ea typeface="新細明體" pitchFamily="18" charset="-120"/>
+                <a:cs typeface="Courier New" pitchFamily="49" charset="0"/>
+              </a:rPr>
+              <a:t> totalSize </a:t>
+            </a:r>
+            <a:r>
+              <a:rPr kumimoji="1" lang="zh-TW" altLang="zh-TW" sz="1400" b="0" i="0" u="none" strike="noStrike" cap="none" normalizeH="0" baseline="0" dirty="0" smtClean="0">
+                <a:ln>
+                  <a:noFill/>
+                </a:ln>
+                <a:solidFill>
+                  <a:srgbClr val="666600"/>
+                </a:solidFill>
+                <a:effectLst/>
+                <a:latin typeface="Courier New" pitchFamily="49" charset="0"/>
+                <a:ea typeface="新細明體" pitchFamily="18" charset="-120"/>
+                <a:cs typeface="Courier New" pitchFamily="49" charset="0"/>
+              </a:rPr>
+              <a:t>=</a:t>
+            </a:r>
+            <a:r>
+              <a:rPr kumimoji="1" lang="zh-TW" altLang="zh-TW" sz="1400" b="0" i="0" u="none" strike="noStrike" cap="none" normalizeH="0" baseline="0" dirty="0" smtClean="0">
+                <a:ln>
+                  <a:noFill/>
+                </a:ln>
+                <a:solidFill>
+                  <a:srgbClr val="000000"/>
+                </a:solidFill>
+                <a:effectLst/>
+                <a:latin typeface="Courier New" pitchFamily="49" charset="0"/>
+                <a:ea typeface="新細明體" pitchFamily="18" charset="-120"/>
+                <a:cs typeface="Courier New" pitchFamily="49" charset="0"/>
+              </a:rPr>
+              <a:t> </a:t>
+            </a:r>
+            <a:r>
+              <a:rPr kumimoji="1" lang="zh-TW" altLang="zh-TW" sz="1400" b="0" i="0" u="none" strike="noStrike" cap="none" normalizeH="0" baseline="0" dirty="0" smtClean="0">
+                <a:ln>
+                  <a:noFill/>
+                </a:ln>
+                <a:solidFill>
+                  <a:srgbClr val="006666"/>
+                </a:solidFill>
+                <a:effectLst/>
+                <a:latin typeface="Courier New" pitchFamily="49" charset="0"/>
+                <a:ea typeface="新細明體" pitchFamily="18" charset="-120"/>
+                <a:cs typeface="Courier New" pitchFamily="49" charset="0"/>
+              </a:rPr>
+              <a:t>0</a:t>
+            </a:r>
+            <a:r>
+              <a:rPr kumimoji="1" lang="zh-TW" altLang="zh-TW" sz="1400" b="0" i="0" u="none" strike="noStrike" cap="none" normalizeH="0" baseline="0" dirty="0" smtClean="0">
+                <a:ln>
+                  <a:noFill/>
+                </a:ln>
+                <a:solidFill>
+                  <a:srgbClr val="666600"/>
+                </a:solidFill>
+                <a:effectLst/>
+                <a:latin typeface="Courier New" pitchFamily="49" charset="0"/>
+                <a:ea typeface="新細明體" pitchFamily="18" charset="-120"/>
+                <a:cs typeface="Courier New" pitchFamily="49" charset="0"/>
+              </a:rPr>
+              <a:t>;</a:t>
+            </a:r>
+            <a:r>
+              <a:rPr kumimoji="1" lang="zh-TW" altLang="zh-TW" sz="1400" b="0" i="0" u="none" strike="noStrike" cap="none" normalizeH="0" baseline="0" dirty="0" smtClean="0">
+                <a:ln>
+                  <a:noFill/>
+                </a:ln>
+                <a:solidFill>
+                  <a:srgbClr val="000000"/>
+                </a:solidFill>
+                <a:effectLst/>
+                <a:latin typeface="Courier New" pitchFamily="49" charset="0"/>
+                <a:ea typeface="新細明體" pitchFamily="18" charset="-120"/>
+                <a:cs typeface="Courier New" pitchFamily="49" charset="0"/>
+              </a:rPr>
+              <a:t/>
+            </a:r>
+            <a:br>
+              <a:rPr kumimoji="1" lang="zh-TW" altLang="zh-TW" sz="1400" b="0" i="0" u="none" strike="noStrike" cap="none" normalizeH="0" baseline="0" dirty="0" smtClean="0">
+                <a:ln>
+                  <a:noFill/>
+                </a:ln>
+                <a:solidFill>
+                  <a:srgbClr val="000000"/>
+                </a:solidFill>
+                <a:effectLst/>
+                <a:latin typeface="Courier New" pitchFamily="49" charset="0"/>
+                <a:ea typeface="新細明體" pitchFamily="18" charset="-120"/>
+                <a:cs typeface="Courier New" pitchFamily="49" charset="0"/>
+              </a:rPr>
+            </a:br>
+            <a:r>
+              <a:rPr kumimoji="1" lang="zh-TW" altLang="zh-TW" sz="1400" b="0" i="0" u="none" strike="noStrike" cap="none" normalizeH="0" baseline="0" dirty="0" smtClean="0">
+                <a:ln>
+                  <a:noFill/>
+                </a:ln>
+                <a:solidFill>
+                  <a:srgbClr val="000000"/>
+                </a:solidFill>
+                <a:effectLst/>
+                <a:latin typeface="Arial"/>
+                <a:ea typeface="新細明體" pitchFamily="18" charset="-120"/>
+                <a:cs typeface="Courier New" pitchFamily="49" charset="0"/>
+              </a:rPr>
+              <a:t> </a:t>
+            </a:r>
+            <a:r>
+              <a:rPr kumimoji="1" lang="zh-TW" altLang="zh-TW" sz="1400" b="0" i="0" u="none" strike="noStrike" cap="none" normalizeH="0" baseline="0" dirty="0" smtClean="0">
+                <a:ln>
+                  <a:noFill/>
+                </a:ln>
+                <a:solidFill>
+                  <a:srgbClr val="000000"/>
+                </a:solidFill>
+                <a:effectLst/>
+                <a:latin typeface="Courier New" pitchFamily="49" charset="0"/>
+                <a:ea typeface="新細明體" pitchFamily="18" charset="-120"/>
+                <a:cs typeface="Courier New" pitchFamily="49" charset="0"/>
+              </a:rPr>
+              <a:t> </a:t>
+            </a:r>
+            <a:r>
+              <a:rPr kumimoji="1" lang="zh-TW" altLang="zh-TW" sz="1400" b="0" i="0" u="none" strike="noStrike" cap="none" normalizeH="0" baseline="0" dirty="0" smtClean="0">
+                <a:ln>
+                  <a:noFill/>
+                </a:ln>
+                <a:solidFill>
+                  <a:srgbClr val="000000"/>
+                </a:solidFill>
+                <a:effectLst/>
+                <a:latin typeface="Arial"/>
+                <a:ea typeface="新細明體" pitchFamily="18" charset="-120"/>
+                <a:cs typeface="Courier New" pitchFamily="49" charset="0"/>
+              </a:rPr>
+              <a:t> </a:t>
+            </a:r>
+            <a:r>
+              <a:rPr kumimoji="1" lang="zh-TW" altLang="zh-TW" sz="1400" b="0" i="0" u="none" strike="noStrike" cap="none" normalizeH="0" baseline="0" dirty="0" smtClean="0">
+                <a:ln>
+                  <a:noFill/>
+                </a:ln>
+                <a:solidFill>
+                  <a:srgbClr val="000000"/>
+                </a:solidFill>
+                <a:effectLst/>
+                <a:latin typeface="Courier New" pitchFamily="49" charset="0"/>
+                <a:ea typeface="新細明體" pitchFamily="18" charset="-120"/>
+                <a:cs typeface="Courier New" pitchFamily="49" charset="0"/>
+              </a:rPr>
+              <a:t> </a:t>
+            </a:r>
+            <a:r>
+              <a:rPr kumimoji="1" lang="zh-TW" altLang="zh-TW" sz="1400" b="0" i="0" u="none" strike="noStrike" cap="none" normalizeH="0" baseline="0" dirty="0" smtClean="0">
+                <a:ln>
+                  <a:noFill/>
+                </a:ln>
+                <a:solidFill>
+                  <a:srgbClr val="000000"/>
+                </a:solidFill>
+                <a:effectLst/>
+                <a:latin typeface="Arial"/>
+                <a:ea typeface="新細明體" pitchFamily="18" charset="-120"/>
+                <a:cs typeface="Courier New" pitchFamily="49" charset="0"/>
+              </a:rPr>
+              <a:t> </a:t>
+            </a:r>
+            <a:r>
+              <a:rPr kumimoji="1" lang="zh-TW" altLang="zh-TW" sz="1400" b="0" i="0" u="none" strike="noStrike" cap="none" normalizeH="0" baseline="0" dirty="0" smtClean="0">
+                <a:ln>
+                  <a:noFill/>
+                </a:ln>
+                <a:solidFill>
+                  <a:srgbClr val="000000"/>
+                </a:solidFill>
+                <a:effectLst/>
+                <a:latin typeface="Courier New" pitchFamily="49" charset="0"/>
+                <a:ea typeface="新細明體" pitchFamily="18" charset="-120"/>
+                <a:cs typeface="Courier New" pitchFamily="49" charset="0"/>
+              </a:rPr>
+              <a:t> </a:t>
+            </a:r>
+            <a:r>
+              <a:rPr kumimoji="1" lang="zh-TW" altLang="zh-TW" sz="1400" b="0" i="0" u="none" strike="noStrike" cap="none" normalizeH="0" baseline="0" dirty="0" smtClean="0">
+                <a:ln>
+                  <a:noFill/>
+                </a:ln>
+                <a:solidFill>
+                  <a:srgbClr val="000000"/>
+                </a:solidFill>
+                <a:effectLst/>
+                <a:latin typeface="Arial"/>
+                <a:ea typeface="新細明體" pitchFamily="18" charset="-120"/>
+                <a:cs typeface="Courier New" pitchFamily="49" charset="0"/>
+              </a:rPr>
+              <a:t> </a:t>
+            </a:r>
+            <a:r>
+              <a:rPr kumimoji="1" lang="zh-TW" altLang="zh-TW" sz="1400" b="0" i="0" u="none" strike="noStrike" cap="none" normalizeH="0" baseline="0" dirty="0" smtClean="0">
+                <a:ln>
+                  <a:noFill/>
+                </a:ln>
+                <a:solidFill>
+                  <a:srgbClr val="000000"/>
+                </a:solidFill>
+                <a:effectLst/>
+                <a:latin typeface="Courier New" pitchFamily="49" charset="0"/>
+                <a:ea typeface="新細明體" pitchFamily="18" charset="-120"/>
+                <a:cs typeface="Courier New" pitchFamily="49" charset="0"/>
+              </a:rPr>
+              <a:t> </a:t>
+            </a:r>
+            <a:r>
+              <a:rPr kumimoji="1" lang="zh-TW" altLang="zh-TW" sz="1400" b="0" i="0" u="none" strike="noStrike" cap="none" normalizeH="0" baseline="0" dirty="0" smtClean="0">
+                <a:ln>
+                  <a:noFill/>
+                </a:ln>
+                <a:solidFill>
+                  <a:srgbClr val="000000"/>
+                </a:solidFill>
+                <a:effectLst/>
+                <a:latin typeface="Arial"/>
+                <a:ea typeface="新細明體" pitchFamily="18" charset="-120"/>
+                <a:cs typeface="Courier New" pitchFamily="49" charset="0"/>
+              </a:rPr>
+              <a:t> </a:t>
+            </a:r>
+            <a:r>
+              <a:rPr kumimoji="1" lang="zh-TW" altLang="zh-TW" sz="1400" b="0" i="0" u="none" strike="noStrike" cap="none" normalizeH="0" baseline="0" dirty="0" smtClean="0">
+                <a:ln>
+                  <a:noFill/>
+                </a:ln>
+                <a:solidFill>
+                  <a:srgbClr val="000088"/>
+                </a:solidFill>
+                <a:effectLst/>
+                <a:latin typeface="Courier New" pitchFamily="49" charset="0"/>
+                <a:ea typeface="新細明體" pitchFamily="18" charset="-120"/>
+                <a:cs typeface="Courier New" pitchFamily="49" charset="0"/>
+              </a:rPr>
+              <a:t>for</a:t>
+            </a:r>
+            <a:r>
+              <a:rPr kumimoji="1" lang="zh-TW" altLang="zh-TW" sz="1400" b="0" i="0" u="none" strike="noStrike" cap="none" normalizeH="0" baseline="0" dirty="0" smtClean="0">
+                <a:ln>
+                  <a:noFill/>
+                </a:ln>
+                <a:solidFill>
+                  <a:srgbClr val="000000"/>
+                </a:solidFill>
+                <a:effectLst/>
+                <a:latin typeface="Courier New" pitchFamily="49" charset="0"/>
+                <a:ea typeface="新細明體" pitchFamily="18" charset="-120"/>
+                <a:cs typeface="Courier New" pitchFamily="49" charset="0"/>
+              </a:rPr>
+              <a:t> </a:t>
+            </a:r>
+            <a:r>
+              <a:rPr kumimoji="1" lang="zh-TW" altLang="zh-TW" sz="1400" b="0" i="0" u="none" strike="noStrike" cap="none" normalizeH="0" baseline="0" dirty="0" smtClean="0">
+                <a:ln>
+                  <a:noFill/>
+                </a:ln>
+                <a:solidFill>
+                  <a:srgbClr val="666600"/>
+                </a:solidFill>
+                <a:effectLst/>
+                <a:latin typeface="Courier New" pitchFamily="49" charset="0"/>
+                <a:ea typeface="新細明體" pitchFamily="18" charset="-120"/>
+                <a:cs typeface="Courier New" pitchFamily="49" charset="0"/>
+              </a:rPr>
+              <a:t>(</a:t>
+            </a:r>
+            <a:r>
+              <a:rPr kumimoji="1" lang="zh-TW" altLang="zh-TW" sz="1400" b="0" i="0" u="none" strike="noStrike" cap="none" normalizeH="0" baseline="0" dirty="0" smtClean="0">
+                <a:ln>
+                  <a:noFill/>
+                </a:ln>
+                <a:solidFill>
+                  <a:srgbClr val="000088"/>
+                </a:solidFill>
+                <a:effectLst/>
+                <a:latin typeface="Courier New" pitchFamily="49" charset="0"/>
+                <a:ea typeface="新細明體" pitchFamily="18" charset="-120"/>
+                <a:cs typeface="Courier New" pitchFamily="49" charset="0"/>
+              </a:rPr>
+              <a:t>int</a:t>
+            </a:r>
+            <a:r>
+              <a:rPr kumimoji="1" lang="zh-TW" altLang="zh-TW" sz="1400" b="0" i="0" u="none" strike="noStrike" cap="none" normalizeH="0" baseline="0" dirty="0" smtClean="0">
+                <a:ln>
+                  <a:noFill/>
+                </a:ln>
+                <a:solidFill>
+                  <a:srgbClr val="000000"/>
+                </a:solidFill>
+                <a:effectLst/>
+                <a:latin typeface="Courier New" pitchFamily="49" charset="0"/>
+                <a:ea typeface="新細明體" pitchFamily="18" charset="-120"/>
+                <a:cs typeface="Courier New" pitchFamily="49" charset="0"/>
+              </a:rPr>
+              <a:t> i </a:t>
+            </a:r>
+            <a:r>
+              <a:rPr kumimoji="1" lang="zh-TW" altLang="zh-TW" sz="1400" b="0" i="0" u="none" strike="noStrike" cap="none" normalizeH="0" baseline="0" dirty="0" smtClean="0">
+                <a:ln>
+                  <a:noFill/>
+                </a:ln>
+                <a:solidFill>
+                  <a:srgbClr val="666600"/>
+                </a:solidFill>
+                <a:effectLst/>
+                <a:latin typeface="Courier New" pitchFamily="49" charset="0"/>
+                <a:ea typeface="新細明體" pitchFamily="18" charset="-120"/>
+                <a:cs typeface="Courier New" pitchFamily="49" charset="0"/>
+              </a:rPr>
+              <a:t>=</a:t>
+            </a:r>
+            <a:r>
+              <a:rPr kumimoji="1" lang="zh-TW" altLang="zh-TW" sz="1400" b="0" i="0" u="none" strike="noStrike" cap="none" normalizeH="0" baseline="0" dirty="0" smtClean="0">
+                <a:ln>
+                  <a:noFill/>
+                </a:ln>
+                <a:solidFill>
+                  <a:srgbClr val="000000"/>
+                </a:solidFill>
+                <a:effectLst/>
+                <a:latin typeface="Courier New" pitchFamily="49" charset="0"/>
+                <a:ea typeface="新細明體" pitchFamily="18" charset="-120"/>
+                <a:cs typeface="Courier New" pitchFamily="49" charset="0"/>
+              </a:rPr>
+              <a:t> </a:t>
+            </a:r>
+            <a:r>
+              <a:rPr kumimoji="1" lang="zh-TW" altLang="zh-TW" sz="1400" b="0" i="0" u="none" strike="noStrike" cap="none" normalizeH="0" baseline="0" dirty="0" smtClean="0">
+                <a:ln>
+                  <a:noFill/>
+                </a:ln>
+                <a:solidFill>
+                  <a:srgbClr val="006666"/>
+                </a:solidFill>
+                <a:effectLst/>
+                <a:latin typeface="Courier New" pitchFamily="49" charset="0"/>
+                <a:ea typeface="新細明體" pitchFamily="18" charset="-120"/>
+                <a:cs typeface="Courier New" pitchFamily="49" charset="0"/>
+              </a:rPr>
+              <a:t>0</a:t>
+            </a:r>
+            <a:r>
+              <a:rPr kumimoji="1" lang="zh-TW" altLang="zh-TW" sz="1400" b="0" i="0" u="none" strike="noStrike" cap="none" normalizeH="0" baseline="0" dirty="0" smtClean="0">
+                <a:ln>
+                  <a:noFill/>
+                </a:ln>
+                <a:solidFill>
+                  <a:srgbClr val="666600"/>
+                </a:solidFill>
+                <a:effectLst/>
+                <a:latin typeface="Courier New" pitchFamily="49" charset="0"/>
+                <a:ea typeface="新細明體" pitchFamily="18" charset="-120"/>
+                <a:cs typeface="Courier New" pitchFamily="49" charset="0"/>
+              </a:rPr>
+              <a:t>;</a:t>
+            </a:r>
+            <a:r>
+              <a:rPr kumimoji="1" lang="zh-TW" altLang="zh-TW" sz="1400" b="0" i="0" u="none" strike="noStrike" cap="none" normalizeH="0" baseline="0" dirty="0" smtClean="0">
+                <a:ln>
+                  <a:noFill/>
+                </a:ln>
+                <a:solidFill>
+                  <a:srgbClr val="000000"/>
+                </a:solidFill>
+                <a:effectLst/>
+                <a:latin typeface="Courier New" pitchFamily="49" charset="0"/>
+                <a:ea typeface="新細明體" pitchFamily="18" charset="-120"/>
+                <a:cs typeface="Courier New" pitchFamily="49" charset="0"/>
+              </a:rPr>
+              <a:t> i </a:t>
+            </a:r>
+            <a:r>
+              <a:rPr kumimoji="1" lang="zh-TW" altLang="zh-TW" sz="1400" b="0" i="0" u="none" strike="noStrike" cap="none" normalizeH="0" baseline="0" dirty="0" smtClean="0">
+                <a:ln>
+                  <a:noFill/>
+                </a:ln>
+                <a:solidFill>
+                  <a:srgbClr val="666600"/>
+                </a:solidFill>
+                <a:effectLst/>
+                <a:latin typeface="Courier New" pitchFamily="49" charset="0"/>
+                <a:ea typeface="新細明體" pitchFamily="18" charset="-120"/>
+                <a:cs typeface="Courier New" pitchFamily="49" charset="0"/>
+              </a:rPr>
+              <a:t>&lt;</a:t>
+            </a:r>
+            <a:r>
+              <a:rPr kumimoji="1" lang="zh-TW" altLang="zh-TW" sz="1400" b="0" i="0" u="none" strike="noStrike" cap="none" normalizeH="0" baseline="0" dirty="0" smtClean="0">
+                <a:ln>
+                  <a:noFill/>
+                </a:ln>
+                <a:solidFill>
+                  <a:srgbClr val="000000"/>
+                </a:solidFill>
+                <a:effectLst/>
+                <a:latin typeface="Courier New" pitchFamily="49" charset="0"/>
+                <a:ea typeface="新細明體" pitchFamily="18" charset="-120"/>
+                <a:cs typeface="Courier New" pitchFamily="49" charset="0"/>
+              </a:rPr>
+              <a:t> count</a:t>
+            </a:r>
+            <a:r>
+              <a:rPr kumimoji="1" lang="zh-TW" altLang="zh-TW" sz="1400" b="0" i="0" u="none" strike="noStrike" cap="none" normalizeH="0" baseline="0" dirty="0" smtClean="0">
+                <a:ln>
+                  <a:noFill/>
+                </a:ln>
+                <a:solidFill>
+                  <a:srgbClr val="666600"/>
+                </a:solidFill>
+                <a:effectLst/>
+                <a:latin typeface="Courier New" pitchFamily="49" charset="0"/>
+                <a:ea typeface="新細明體" pitchFamily="18" charset="-120"/>
+                <a:cs typeface="Courier New" pitchFamily="49" charset="0"/>
+              </a:rPr>
+              <a:t>;</a:t>
+            </a:r>
+            <a:r>
+              <a:rPr kumimoji="1" lang="zh-TW" altLang="zh-TW" sz="1400" b="0" i="0" u="none" strike="noStrike" cap="none" normalizeH="0" baseline="0" dirty="0" smtClean="0">
+                <a:ln>
+                  <a:noFill/>
+                </a:ln>
+                <a:solidFill>
+                  <a:srgbClr val="000000"/>
+                </a:solidFill>
+                <a:effectLst/>
+                <a:latin typeface="Courier New" pitchFamily="49" charset="0"/>
+                <a:ea typeface="新細明體" pitchFamily="18" charset="-120"/>
+                <a:cs typeface="Courier New" pitchFamily="49" charset="0"/>
+              </a:rPr>
+              <a:t> i</a:t>
+            </a:r>
+            <a:r>
+              <a:rPr kumimoji="1" lang="zh-TW" altLang="zh-TW" sz="1400" b="0" i="0" u="none" strike="noStrike" cap="none" normalizeH="0" baseline="0" dirty="0" smtClean="0">
+                <a:ln>
+                  <a:noFill/>
+                </a:ln>
+                <a:solidFill>
+                  <a:srgbClr val="666600"/>
+                </a:solidFill>
+                <a:effectLst/>
+                <a:latin typeface="Courier New" pitchFamily="49" charset="0"/>
+                <a:ea typeface="新細明體" pitchFamily="18" charset="-120"/>
+                <a:cs typeface="Courier New" pitchFamily="49" charset="0"/>
+              </a:rPr>
+              <a:t>++)</a:t>
+            </a:r>
+            <a:r>
+              <a:rPr kumimoji="1" lang="zh-TW" altLang="zh-TW" sz="1400" b="0" i="0" u="none" strike="noStrike" cap="none" normalizeH="0" baseline="0" dirty="0" smtClean="0">
+                <a:ln>
+                  <a:noFill/>
+                </a:ln>
+                <a:solidFill>
+                  <a:srgbClr val="000000"/>
+                </a:solidFill>
+                <a:effectLst/>
+                <a:latin typeface="Courier New" pitchFamily="49" charset="0"/>
+                <a:ea typeface="新細明體" pitchFamily="18" charset="-120"/>
+                <a:cs typeface="Courier New" pitchFamily="49" charset="0"/>
+              </a:rPr>
+              <a:t> </a:t>
+            </a:r>
+            <a:r>
+              <a:rPr kumimoji="1" lang="zh-TW" altLang="zh-TW" sz="1400" b="0" i="0" u="none" strike="noStrike" cap="none" normalizeH="0" baseline="0" dirty="0" smtClean="0">
+                <a:ln>
+                  <a:noFill/>
+                </a:ln>
+                <a:solidFill>
+                  <a:srgbClr val="666600"/>
+                </a:solidFill>
+                <a:effectLst/>
+                <a:latin typeface="Courier New" pitchFamily="49" charset="0"/>
+                <a:ea typeface="新細明體" pitchFamily="18" charset="-120"/>
+                <a:cs typeface="Courier New" pitchFamily="49" charset="0"/>
+              </a:rPr>
+              <a:t>{</a:t>
+            </a:r>
+            <a:r>
+              <a:rPr kumimoji="1" lang="zh-TW" altLang="zh-TW" sz="1400" b="0" i="0" u="none" strike="noStrike" cap="none" normalizeH="0" baseline="0" dirty="0" smtClean="0">
+                <a:ln>
+                  <a:noFill/>
+                </a:ln>
+                <a:solidFill>
+                  <a:srgbClr val="000000"/>
+                </a:solidFill>
+                <a:effectLst/>
+                <a:latin typeface="Courier New" pitchFamily="49" charset="0"/>
+                <a:ea typeface="新細明體" pitchFamily="18" charset="-120"/>
+                <a:cs typeface="Courier New" pitchFamily="49" charset="0"/>
+              </a:rPr>
+              <a:t/>
+            </a:r>
+            <a:br>
+              <a:rPr kumimoji="1" lang="zh-TW" altLang="zh-TW" sz="1400" b="0" i="0" u="none" strike="noStrike" cap="none" normalizeH="0" baseline="0" dirty="0" smtClean="0">
+                <a:ln>
+                  <a:noFill/>
+                </a:ln>
+                <a:solidFill>
+                  <a:srgbClr val="000000"/>
+                </a:solidFill>
+                <a:effectLst/>
+                <a:latin typeface="Courier New" pitchFamily="49" charset="0"/>
+                <a:ea typeface="新細明體" pitchFamily="18" charset="-120"/>
+                <a:cs typeface="Courier New" pitchFamily="49" charset="0"/>
+              </a:rPr>
+            </a:br>
+            <a:r>
+              <a:rPr kumimoji="1" lang="zh-TW" altLang="zh-TW" sz="1400" b="0" i="0" u="none" strike="noStrike" cap="none" normalizeH="0" baseline="0" dirty="0" smtClean="0">
+                <a:ln>
+                  <a:noFill/>
+                </a:ln>
+                <a:solidFill>
+                  <a:srgbClr val="000000"/>
+                </a:solidFill>
+                <a:effectLst/>
+                <a:latin typeface="Arial"/>
+                <a:ea typeface="新細明體" pitchFamily="18" charset="-120"/>
+                <a:cs typeface="Courier New" pitchFamily="49" charset="0"/>
+              </a:rPr>
+              <a:t> </a:t>
+            </a:r>
+            <a:r>
+              <a:rPr kumimoji="1" lang="zh-TW" altLang="zh-TW" sz="1400" b="0" i="0" u="none" strike="noStrike" cap="none" normalizeH="0" baseline="0" dirty="0" smtClean="0">
+                <a:ln>
+                  <a:noFill/>
+                </a:ln>
+                <a:solidFill>
+                  <a:srgbClr val="000000"/>
+                </a:solidFill>
+                <a:effectLst/>
+                <a:latin typeface="Courier New" pitchFamily="49" charset="0"/>
+                <a:ea typeface="新細明體" pitchFamily="18" charset="-120"/>
+                <a:cs typeface="Courier New" pitchFamily="49" charset="0"/>
+              </a:rPr>
+              <a:t> </a:t>
+            </a:r>
+            <a:r>
+              <a:rPr kumimoji="1" lang="zh-TW" altLang="zh-TW" sz="1400" b="0" i="0" u="none" strike="noStrike" cap="none" normalizeH="0" baseline="0" dirty="0" smtClean="0">
+                <a:ln>
+                  <a:noFill/>
+                </a:ln>
+                <a:solidFill>
+                  <a:srgbClr val="000000"/>
+                </a:solidFill>
+                <a:effectLst/>
+                <a:latin typeface="Arial"/>
+                <a:ea typeface="新細明體" pitchFamily="18" charset="-120"/>
+                <a:cs typeface="Courier New" pitchFamily="49" charset="0"/>
+              </a:rPr>
+              <a:t> </a:t>
+            </a:r>
+            <a:r>
+              <a:rPr kumimoji="1" lang="zh-TW" altLang="zh-TW" sz="1400" b="0" i="0" u="none" strike="noStrike" cap="none" normalizeH="0" baseline="0" dirty="0" smtClean="0">
+                <a:ln>
+                  <a:noFill/>
+                </a:ln>
+                <a:solidFill>
+                  <a:srgbClr val="000000"/>
+                </a:solidFill>
+                <a:effectLst/>
+                <a:latin typeface="Courier New" pitchFamily="49" charset="0"/>
+                <a:ea typeface="新細明體" pitchFamily="18" charset="-120"/>
+                <a:cs typeface="Courier New" pitchFamily="49" charset="0"/>
+              </a:rPr>
+              <a:t> </a:t>
+            </a:r>
+            <a:r>
+              <a:rPr kumimoji="1" lang="zh-TW" altLang="zh-TW" sz="1400" b="0" i="0" u="none" strike="noStrike" cap="none" normalizeH="0" baseline="0" dirty="0" smtClean="0">
+                <a:ln>
+                  <a:noFill/>
+                </a:ln>
+                <a:solidFill>
+                  <a:srgbClr val="000000"/>
+                </a:solidFill>
+                <a:effectLst/>
+                <a:latin typeface="Arial"/>
+                <a:ea typeface="新細明體" pitchFamily="18" charset="-120"/>
+                <a:cs typeface="Courier New" pitchFamily="49" charset="0"/>
+              </a:rPr>
+              <a:t> </a:t>
+            </a:r>
+            <a:r>
+              <a:rPr kumimoji="1" lang="zh-TW" altLang="zh-TW" sz="1400" b="0" i="0" u="none" strike="noStrike" cap="none" normalizeH="0" baseline="0" dirty="0" smtClean="0">
+                <a:ln>
+                  <a:noFill/>
+                </a:ln>
+                <a:solidFill>
+                  <a:srgbClr val="000000"/>
+                </a:solidFill>
+                <a:effectLst/>
+                <a:latin typeface="Courier New" pitchFamily="49" charset="0"/>
+                <a:ea typeface="新細明體" pitchFamily="18" charset="-120"/>
+                <a:cs typeface="Courier New" pitchFamily="49" charset="0"/>
+              </a:rPr>
+              <a:t> </a:t>
+            </a:r>
+            <a:r>
+              <a:rPr kumimoji="1" lang="zh-TW" altLang="zh-TW" sz="1400" b="0" i="0" u="none" strike="noStrike" cap="none" normalizeH="0" baseline="0" dirty="0" smtClean="0">
+                <a:ln>
+                  <a:noFill/>
+                </a:ln>
+                <a:solidFill>
+                  <a:srgbClr val="000000"/>
+                </a:solidFill>
+                <a:effectLst/>
+                <a:latin typeface="Arial"/>
+                <a:ea typeface="新細明體" pitchFamily="18" charset="-120"/>
+                <a:cs typeface="Courier New" pitchFamily="49" charset="0"/>
+              </a:rPr>
+              <a:t> </a:t>
+            </a:r>
+            <a:r>
+              <a:rPr kumimoji="1" lang="zh-TW" altLang="zh-TW" sz="1400" b="0" i="0" u="none" strike="noStrike" cap="none" normalizeH="0" baseline="0" dirty="0" smtClean="0">
+                <a:ln>
+                  <a:noFill/>
+                </a:ln>
+                <a:solidFill>
+                  <a:srgbClr val="000000"/>
+                </a:solidFill>
+                <a:effectLst/>
+                <a:latin typeface="Courier New" pitchFamily="49" charset="0"/>
+                <a:ea typeface="新細明體" pitchFamily="18" charset="-120"/>
+                <a:cs typeface="Courier New" pitchFamily="49" charset="0"/>
+              </a:rPr>
+              <a:t> </a:t>
+            </a:r>
+            <a:r>
+              <a:rPr kumimoji="1" lang="zh-TW" altLang="zh-TW" sz="1400" b="0" i="0" u="none" strike="noStrike" cap="none" normalizeH="0" baseline="0" dirty="0" smtClean="0">
+                <a:ln>
+                  <a:noFill/>
+                </a:ln>
+                <a:solidFill>
+                  <a:srgbClr val="000000"/>
+                </a:solidFill>
+                <a:effectLst/>
+                <a:latin typeface="Arial"/>
+                <a:ea typeface="新細明體" pitchFamily="18" charset="-120"/>
+                <a:cs typeface="Courier New" pitchFamily="49" charset="0"/>
+              </a:rPr>
+              <a:t> </a:t>
+            </a:r>
+            <a:r>
+              <a:rPr kumimoji="1" lang="zh-TW" altLang="zh-TW" sz="1400" b="0" i="0" u="none" strike="noStrike" cap="none" normalizeH="0" baseline="0" dirty="0" smtClean="0">
+                <a:ln>
+                  <a:noFill/>
+                </a:ln>
+                <a:solidFill>
+                  <a:srgbClr val="000000"/>
+                </a:solidFill>
+                <a:effectLst/>
+                <a:latin typeface="Courier New" pitchFamily="49" charset="0"/>
+                <a:ea typeface="新細明體" pitchFamily="18" charset="-120"/>
+                <a:cs typeface="Courier New" pitchFamily="49" charset="0"/>
+              </a:rPr>
+              <a:t> </a:t>
+            </a:r>
+            <a:r>
+              <a:rPr kumimoji="1" lang="zh-TW" altLang="zh-TW" sz="1400" b="0" i="0" u="none" strike="noStrike" cap="none" normalizeH="0" baseline="0" dirty="0" smtClean="0">
+                <a:ln>
+                  <a:noFill/>
+                </a:ln>
+                <a:solidFill>
+                  <a:srgbClr val="000000"/>
+                </a:solidFill>
+                <a:effectLst/>
+                <a:latin typeface="Arial"/>
+                <a:ea typeface="新細明體" pitchFamily="18" charset="-120"/>
+                <a:cs typeface="Courier New" pitchFamily="49" charset="0"/>
+              </a:rPr>
+              <a:t> </a:t>
+            </a:r>
+            <a:r>
+              <a:rPr kumimoji="1" lang="zh-TW" altLang="zh-TW" sz="1400" b="0" i="0" u="none" strike="noStrike" cap="none" normalizeH="0" baseline="0" dirty="0" smtClean="0">
+                <a:ln>
+                  <a:noFill/>
+                </a:ln>
+                <a:solidFill>
+                  <a:srgbClr val="000000"/>
+                </a:solidFill>
+                <a:effectLst/>
+                <a:latin typeface="Courier New" pitchFamily="49" charset="0"/>
+                <a:ea typeface="新細明體" pitchFamily="18" charset="-120"/>
+                <a:cs typeface="Courier New" pitchFamily="49" charset="0"/>
+              </a:rPr>
+              <a:t> </a:t>
+            </a:r>
+            <a:r>
+              <a:rPr kumimoji="1" lang="zh-TW" altLang="zh-TW" sz="1400" b="0" i="0" u="none" strike="noStrike" cap="none" normalizeH="0" baseline="0" dirty="0" smtClean="0">
+                <a:ln>
+                  <a:noFill/>
+                </a:ln>
+                <a:solidFill>
+                  <a:srgbClr val="000000"/>
+                </a:solidFill>
+                <a:effectLst/>
+                <a:latin typeface="Arial"/>
+                <a:ea typeface="新細明體" pitchFamily="18" charset="-120"/>
+                <a:cs typeface="Courier New" pitchFamily="49" charset="0"/>
+              </a:rPr>
+              <a:t> </a:t>
+            </a:r>
+            <a:r>
+              <a:rPr kumimoji="1" lang="zh-TW" altLang="zh-TW" sz="1400" b="0" i="0" u="none" strike="noStrike" cap="none" normalizeH="0" baseline="0" dirty="0" smtClean="0">
+                <a:ln>
+                  <a:noFill/>
+                </a:ln>
+                <a:solidFill>
+                  <a:srgbClr val="000000"/>
+                </a:solidFill>
+                <a:effectLst/>
+                <a:latin typeface="Courier New" pitchFamily="49" charset="0"/>
+                <a:ea typeface="新細明體" pitchFamily="18" charset="-120"/>
+                <a:cs typeface="Courier New" pitchFamily="49" charset="0"/>
+              </a:rPr>
+              <a:t>totalSize </a:t>
+            </a:r>
+            <a:r>
+              <a:rPr kumimoji="1" lang="zh-TW" altLang="zh-TW" sz="1400" b="0" i="0" u="none" strike="noStrike" cap="none" normalizeH="0" baseline="0" dirty="0" smtClean="0">
+                <a:ln>
+                  <a:noFill/>
+                </a:ln>
+                <a:solidFill>
+                  <a:srgbClr val="666600"/>
+                </a:solidFill>
+                <a:effectLst/>
+                <a:latin typeface="Courier New" pitchFamily="49" charset="0"/>
+                <a:ea typeface="新細明體" pitchFamily="18" charset="-120"/>
+                <a:cs typeface="Courier New" pitchFamily="49" charset="0"/>
+              </a:rPr>
+              <a:t>+=</a:t>
+            </a:r>
+            <a:r>
+              <a:rPr kumimoji="1" lang="zh-TW" altLang="zh-TW" sz="1400" b="0" i="0" u="none" strike="noStrike" cap="none" normalizeH="0" baseline="0" dirty="0" smtClean="0">
+                <a:ln>
+                  <a:noFill/>
+                </a:ln>
+                <a:solidFill>
+                  <a:srgbClr val="000000"/>
+                </a:solidFill>
+                <a:effectLst/>
+                <a:latin typeface="Courier New" pitchFamily="49" charset="0"/>
+                <a:ea typeface="新細明體" pitchFamily="18" charset="-120"/>
+                <a:cs typeface="Courier New" pitchFamily="49" charset="0"/>
+              </a:rPr>
+              <a:t> </a:t>
+            </a:r>
+            <a:r>
+              <a:rPr kumimoji="1" lang="zh-TW" altLang="zh-TW" sz="1400" b="0" i="0" u="none" strike="noStrike" cap="none" normalizeH="0" baseline="0" dirty="0" smtClean="0">
+                <a:ln>
+                  <a:noFill/>
+                </a:ln>
+                <a:solidFill>
+                  <a:srgbClr val="660066"/>
+                </a:solidFill>
+                <a:effectLst/>
+                <a:latin typeface="Courier New" pitchFamily="49" charset="0"/>
+                <a:ea typeface="新細明體" pitchFamily="18" charset="-120"/>
+                <a:cs typeface="Courier New" pitchFamily="49" charset="0"/>
+              </a:rPr>
+              <a:t>Downloader</a:t>
+            </a:r>
+            <a:r>
+              <a:rPr kumimoji="1" lang="zh-TW" altLang="zh-TW" sz="1400" b="0" i="0" u="none" strike="noStrike" cap="none" normalizeH="0" baseline="0" dirty="0" smtClean="0">
+                <a:ln>
+                  <a:noFill/>
+                </a:ln>
+                <a:solidFill>
+                  <a:srgbClr val="666600"/>
+                </a:solidFill>
+                <a:effectLst/>
+                <a:latin typeface="Courier New" pitchFamily="49" charset="0"/>
+                <a:ea typeface="新細明體" pitchFamily="18" charset="-120"/>
+                <a:cs typeface="Courier New" pitchFamily="49" charset="0"/>
+              </a:rPr>
+              <a:t>.</a:t>
+            </a:r>
+            <a:r>
+              <a:rPr kumimoji="1" lang="zh-TW" altLang="zh-TW" sz="1400" b="0" i="0" u="none" strike="noStrike" cap="none" normalizeH="0" baseline="0" dirty="0" smtClean="0">
+                <a:ln>
+                  <a:noFill/>
+                </a:ln>
+                <a:solidFill>
+                  <a:srgbClr val="000000"/>
+                </a:solidFill>
+                <a:effectLst/>
+                <a:latin typeface="Courier New" pitchFamily="49" charset="0"/>
+                <a:ea typeface="新細明體" pitchFamily="18" charset="-120"/>
+                <a:cs typeface="Courier New" pitchFamily="49" charset="0"/>
+              </a:rPr>
+              <a:t>downloadFile</a:t>
+            </a:r>
+            <a:r>
+              <a:rPr kumimoji="1" lang="zh-TW" altLang="zh-TW" sz="1400" b="0" i="0" u="none" strike="noStrike" cap="none" normalizeH="0" baseline="0" dirty="0" smtClean="0">
+                <a:ln>
+                  <a:noFill/>
+                </a:ln>
+                <a:solidFill>
+                  <a:srgbClr val="666600"/>
+                </a:solidFill>
+                <a:effectLst/>
+                <a:latin typeface="Courier New" pitchFamily="49" charset="0"/>
+                <a:ea typeface="新細明體" pitchFamily="18" charset="-120"/>
+                <a:cs typeface="Courier New" pitchFamily="49" charset="0"/>
+              </a:rPr>
+              <a:t>(</a:t>
+            </a:r>
+            <a:r>
+              <a:rPr kumimoji="1" lang="zh-TW" altLang="zh-TW" sz="1400" b="0" i="0" u="none" strike="noStrike" cap="none" normalizeH="0" baseline="0" dirty="0" smtClean="0">
+                <a:ln>
+                  <a:noFill/>
+                </a:ln>
+                <a:solidFill>
+                  <a:srgbClr val="000000"/>
+                </a:solidFill>
+                <a:effectLst/>
+                <a:latin typeface="Courier New" pitchFamily="49" charset="0"/>
+                <a:ea typeface="新細明體" pitchFamily="18" charset="-120"/>
+                <a:cs typeface="Courier New" pitchFamily="49" charset="0"/>
+              </a:rPr>
+              <a:t>urls</a:t>
+            </a:r>
+            <a:r>
+              <a:rPr kumimoji="1" lang="zh-TW" altLang="zh-TW" sz="1400" b="0" i="0" u="none" strike="noStrike" cap="none" normalizeH="0" baseline="0" dirty="0" smtClean="0">
+                <a:ln>
+                  <a:noFill/>
+                </a:ln>
+                <a:solidFill>
+                  <a:srgbClr val="666600"/>
+                </a:solidFill>
+                <a:effectLst/>
+                <a:latin typeface="Courier New" pitchFamily="49" charset="0"/>
+                <a:ea typeface="新細明體" pitchFamily="18" charset="-120"/>
+                <a:cs typeface="Courier New" pitchFamily="49" charset="0"/>
+              </a:rPr>
+              <a:t>[</a:t>
+            </a:r>
+            <a:r>
+              <a:rPr kumimoji="1" lang="zh-TW" altLang="zh-TW" sz="1400" b="0" i="0" u="none" strike="noStrike" cap="none" normalizeH="0" baseline="0" dirty="0" smtClean="0">
+                <a:ln>
+                  <a:noFill/>
+                </a:ln>
+                <a:solidFill>
+                  <a:srgbClr val="000000"/>
+                </a:solidFill>
+                <a:effectLst/>
+                <a:latin typeface="Courier New" pitchFamily="49" charset="0"/>
+                <a:ea typeface="新細明體" pitchFamily="18" charset="-120"/>
+                <a:cs typeface="Courier New" pitchFamily="49" charset="0"/>
+              </a:rPr>
+              <a:t>i</a:t>
+            </a:r>
+            <a:r>
+              <a:rPr kumimoji="1" lang="zh-TW" altLang="zh-TW" sz="1400" b="0" i="0" u="none" strike="noStrike" cap="none" normalizeH="0" baseline="0" dirty="0" smtClean="0">
+                <a:ln>
+                  <a:noFill/>
+                </a:ln>
+                <a:solidFill>
+                  <a:srgbClr val="666600"/>
+                </a:solidFill>
+                <a:effectLst/>
+                <a:latin typeface="Courier New" pitchFamily="49" charset="0"/>
+                <a:ea typeface="新細明體" pitchFamily="18" charset="-120"/>
+                <a:cs typeface="Courier New" pitchFamily="49" charset="0"/>
+              </a:rPr>
+              <a:t>]);</a:t>
+            </a:r>
+            <a:r>
+              <a:rPr kumimoji="1" lang="zh-TW" altLang="zh-TW" sz="1400" b="0" i="0" u="none" strike="noStrike" cap="none" normalizeH="0" baseline="0" dirty="0" smtClean="0">
+                <a:ln>
+                  <a:noFill/>
+                </a:ln>
+                <a:solidFill>
+                  <a:srgbClr val="000000"/>
+                </a:solidFill>
+                <a:effectLst/>
+                <a:latin typeface="Courier New" pitchFamily="49" charset="0"/>
+                <a:ea typeface="新細明體" pitchFamily="18" charset="-120"/>
+                <a:cs typeface="Courier New" pitchFamily="49" charset="0"/>
+              </a:rPr>
+              <a:t/>
+            </a:r>
+            <a:br>
+              <a:rPr kumimoji="1" lang="zh-TW" altLang="zh-TW" sz="1400" b="0" i="0" u="none" strike="noStrike" cap="none" normalizeH="0" baseline="0" dirty="0" smtClean="0">
+                <a:ln>
+                  <a:noFill/>
+                </a:ln>
+                <a:solidFill>
+                  <a:srgbClr val="000000"/>
+                </a:solidFill>
+                <a:effectLst/>
+                <a:latin typeface="Courier New" pitchFamily="49" charset="0"/>
+                <a:ea typeface="新細明體" pitchFamily="18" charset="-120"/>
+                <a:cs typeface="Courier New" pitchFamily="49" charset="0"/>
+              </a:rPr>
+            </a:br>
+            <a:r>
+              <a:rPr kumimoji="1" lang="zh-TW" altLang="zh-TW" sz="1400" b="0" i="0" u="none" strike="noStrike" cap="none" normalizeH="0" baseline="0" dirty="0" smtClean="0">
+                <a:ln>
+                  <a:noFill/>
+                </a:ln>
+                <a:solidFill>
+                  <a:srgbClr val="000000"/>
+                </a:solidFill>
+                <a:effectLst/>
+                <a:latin typeface="Arial"/>
+                <a:ea typeface="新細明體" pitchFamily="18" charset="-120"/>
+                <a:cs typeface="Courier New" pitchFamily="49" charset="0"/>
+              </a:rPr>
+              <a:t> </a:t>
+            </a:r>
+            <a:r>
+              <a:rPr kumimoji="1" lang="zh-TW" altLang="zh-TW" sz="1400" b="0" i="0" u="none" strike="noStrike" cap="none" normalizeH="0" baseline="0" dirty="0" smtClean="0">
+                <a:ln>
+                  <a:noFill/>
+                </a:ln>
+                <a:solidFill>
+                  <a:srgbClr val="000000"/>
+                </a:solidFill>
+                <a:effectLst/>
+                <a:latin typeface="Courier New" pitchFamily="49" charset="0"/>
+                <a:ea typeface="新細明體" pitchFamily="18" charset="-120"/>
+                <a:cs typeface="Courier New" pitchFamily="49" charset="0"/>
+              </a:rPr>
+              <a:t> </a:t>
+            </a:r>
+            <a:r>
+              <a:rPr kumimoji="1" lang="zh-TW" altLang="zh-TW" sz="1400" b="0" i="0" u="none" strike="noStrike" cap="none" normalizeH="0" baseline="0" dirty="0" smtClean="0">
+                <a:ln>
+                  <a:noFill/>
+                </a:ln>
+                <a:solidFill>
+                  <a:srgbClr val="000000"/>
+                </a:solidFill>
+                <a:effectLst/>
+                <a:latin typeface="Arial"/>
+                <a:ea typeface="新細明體" pitchFamily="18" charset="-120"/>
+                <a:cs typeface="Courier New" pitchFamily="49" charset="0"/>
+              </a:rPr>
+              <a:t> </a:t>
+            </a:r>
+            <a:r>
+              <a:rPr kumimoji="1" lang="zh-TW" altLang="zh-TW" sz="1400" b="0" i="0" u="none" strike="noStrike" cap="none" normalizeH="0" baseline="0" dirty="0" smtClean="0">
+                <a:ln>
+                  <a:noFill/>
+                </a:ln>
+                <a:solidFill>
+                  <a:srgbClr val="000000"/>
+                </a:solidFill>
+                <a:effectLst/>
+                <a:latin typeface="Courier New" pitchFamily="49" charset="0"/>
+                <a:ea typeface="新細明體" pitchFamily="18" charset="-120"/>
+                <a:cs typeface="Courier New" pitchFamily="49" charset="0"/>
+              </a:rPr>
+              <a:t> </a:t>
+            </a:r>
+            <a:r>
+              <a:rPr kumimoji="1" lang="zh-TW" altLang="zh-TW" sz="1400" b="0" i="0" u="none" strike="noStrike" cap="none" normalizeH="0" baseline="0" dirty="0" smtClean="0">
+                <a:ln>
+                  <a:noFill/>
+                </a:ln>
+                <a:solidFill>
+                  <a:srgbClr val="000000"/>
+                </a:solidFill>
+                <a:effectLst/>
+                <a:latin typeface="Arial"/>
+                <a:ea typeface="新細明體" pitchFamily="18" charset="-120"/>
+                <a:cs typeface="Courier New" pitchFamily="49" charset="0"/>
+              </a:rPr>
+              <a:t> </a:t>
+            </a:r>
+            <a:r>
+              <a:rPr kumimoji="1" lang="zh-TW" altLang="zh-TW" sz="1400" b="0" i="0" u="none" strike="noStrike" cap="none" normalizeH="0" baseline="0" dirty="0" smtClean="0">
+                <a:ln>
+                  <a:noFill/>
+                </a:ln>
+                <a:solidFill>
+                  <a:srgbClr val="000000"/>
+                </a:solidFill>
+                <a:effectLst/>
+                <a:latin typeface="Courier New" pitchFamily="49" charset="0"/>
+                <a:ea typeface="新細明體" pitchFamily="18" charset="-120"/>
+                <a:cs typeface="Courier New" pitchFamily="49" charset="0"/>
+              </a:rPr>
+              <a:t> </a:t>
+            </a:r>
+            <a:r>
+              <a:rPr kumimoji="1" lang="zh-TW" altLang="zh-TW" sz="1400" b="0" i="0" u="none" strike="noStrike" cap="none" normalizeH="0" baseline="0" dirty="0" smtClean="0">
+                <a:ln>
+                  <a:noFill/>
+                </a:ln>
+                <a:solidFill>
+                  <a:srgbClr val="000000"/>
+                </a:solidFill>
+                <a:effectLst/>
+                <a:latin typeface="Arial"/>
+                <a:ea typeface="新細明體" pitchFamily="18" charset="-120"/>
+                <a:cs typeface="Courier New" pitchFamily="49" charset="0"/>
+              </a:rPr>
+              <a:t> </a:t>
+            </a:r>
+            <a:r>
+              <a:rPr kumimoji="1" lang="zh-TW" altLang="zh-TW" sz="1400" b="0" i="0" u="none" strike="noStrike" cap="none" normalizeH="0" baseline="0" dirty="0" smtClean="0">
+                <a:ln>
+                  <a:noFill/>
+                </a:ln>
+                <a:solidFill>
+                  <a:srgbClr val="000000"/>
+                </a:solidFill>
+                <a:effectLst/>
+                <a:latin typeface="Courier New" pitchFamily="49" charset="0"/>
+                <a:ea typeface="新細明體" pitchFamily="18" charset="-120"/>
+                <a:cs typeface="Courier New" pitchFamily="49" charset="0"/>
+              </a:rPr>
+              <a:t> </a:t>
+            </a:r>
+            <a:r>
+              <a:rPr kumimoji="1" lang="zh-TW" altLang="zh-TW" sz="1400" b="0" i="0" u="none" strike="noStrike" cap="none" normalizeH="0" baseline="0" dirty="0" smtClean="0">
+                <a:ln>
+                  <a:noFill/>
+                </a:ln>
+                <a:solidFill>
+                  <a:srgbClr val="000000"/>
+                </a:solidFill>
+                <a:effectLst/>
+                <a:latin typeface="Arial"/>
+                <a:ea typeface="新細明體" pitchFamily="18" charset="-120"/>
+                <a:cs typeface="Courier New" pitchFamily="49" charset="0"/>
+              </a:rPr>
+              <a:t> </a:t>
+            </a:r>
+            <a:r>
+              <a:rPr kumimoji="1" lang="zh-TW" altLang="zh-TW" sz="1400" b="0" i="0" u="none" strike="noStrike" cap="none" normalizeH="0" baseline="0" dirty="0" smtClean="0">
+                <a:ln>
+                  <a:noFill/>
+                </a:ln>
+                <a:solidFill>
+                  <a:srgbClr val="000000"/>
+                </a:solidFill>
+                <a:effectLst/>
+                <a:latin typeface="Courier New" pitchFamily="49" charset="0"/>
+                <a:ea typeface="新細明體" pitchFamily="18" charset="-120"/>
+                <a:cs typeface="Courier New" pitchFamily="49" charset="0"/>
+              </a:rPr>
+              <a:t> </a:t>
+            </a:r>
+            <a:r>
+              <a:rPr kumimoji="1" lang="zh-TW" altLang="zh-TW" sz="1400" b="0" i="0" u="none" strike="noStrike" cap="none" normalizeH="0" baseline="0" dirty="0" smtClean="0">
+                <a:ln>
+                  <a:noFill/>
+                </a:ln>
+                <a:solidFill>
+                  <a:srgbClr val="000000"/>
+                </a:solidFill>
+                <a:effectLst/>
+                <a:latin typeface="Arial"/>
+                <a:ea typeface="新細明體" pitchFamily="18" charset="-120"/>
+                <a:cs typeface="Courier New" pitchFamily="49" charset="0"/>
+              </a:rPr>
+              <a:t> </a:t>
+            </a:r>
+            <a:r>
+              <a:rPr kumimoji="1" lang="zh-TW" altLang="zh-TW" sz="1400" b="0" i="0" u="none" strike="noStrike" cap="none" normalizeH="0" baseline="0" dirty="0" smtClean="0">
+                <a:ln>
+                  <a:noFill/>
+                </a:ln>
+                <a:solidFill>
+                  <a:srgbClr val="000000"/>
+                </a:solidFill>
+                <a:effectLst/>
+                <a:latin typeface="Courier New" pitchFamily="49" charset="0"/>
+                <a:ea typeface="新細明體" pitchFamily="18" charset="-120"/>
+                <a:cs typeface="Courier New" pitchFamily="49" charset="0"/>
+              </a:rPr>
+              <a:t> </a:t>
+            </a:r>
+            <a:r>
+              <a:rPr kumimoji="1" lang="zh-TW" altLang="zh-TW" sz="1400" b="0" i="0" u="none" strike="noStrike" cap="none" normalizeH="0" baseline="0" dirty="0" smtClean="0">
+                <a:ln>
+                  <a:noFill/>
+                </a:ln>
+                <a:solidFill>
+                  <a:srgbClr val="000000"/>
+                </a:solidFill>
+                <a:effectLst/>
+                <a:latin typeface="Arial"/>
+                <a:ea typeface="新細明體" pitchFamily="18" charset="-120"/>
+                <a:cs typeface="Courier New" pitchFamily="49" charset="0"/>
+              </a:rPr>
+              <a:t> </a:t>
+            </a:r>
+            <a:r>
+              <a:rPr kumimoji="1" lang="zh-TW" altLang="zh-TW" sz="1400" b="0" i="0" u="none" strike="noStrike" cap="none" normalizeH="0" baseline="0" dirty="0" smtClean="0">
+                <a:ln>
+                  <a:noFill/>
+                </a:ln>
+                <a:solidFill>
+                  <a:srgbClr val="000000"/>
+                </a:solidFill>
+                <a:effectLst/>
+                <a:latin typeface="Courier New" pitchFamily="49" charset="0"/>
+                <a:ea typeface="新細明體" pitchFamily="18" charset="-120"/>
+                <a:cs typeface="Courier New" pitchFamily="49" charset="0"/>
+              </a:rPr>
+              <a:t>publishProgress</a:t>
+            </a:r>
+            <a:r>
+              <a:rPr kumimoji="1" lang="zh-TW" altLang="zh-TW" sz="1400" b="0" i="0" u="none" strike="noStrike" cap="none" normalizeH="0" baseline="0" dirty="0" smtClean="0">
+                <a:ln>
+                  <a:noFill/>
+                </a:ln>
+                <a:solidFill>
+                  <a:srgbClr val="666600"/>
+                </a:solidFill>
+                <a:effectLst/>
+                <a:latin typeface="Courier New" pitchFamily="49" charset="0"/>
+                <a:ea typeface="新細明體" pitchFamily="18" charset="-120"/>
+                <a:cs typeface="Courier New" pitchFamily="49" charset="0"/>
+              </a:rPr>
+              <a:t>((</a:t>
+            </a:r>
+            <a:r>
+              <a:rPr kumimoji="1" lang="zh-TW" altLang="zh-TW" sz="1400" b="0" i="0" u="none" strike="noStrike" cap="none" normalizeH="0" baseline="0" dirty="0" smtClean="0">
+                <a:ln>
+                  <a:noFill/>
+                </a:ln>
+                <a:solidFill>
+                  <a:srgbClr val="000088"/>
+                </a:solidFill>
+                <a:effectLst/>
+                <a:latin typeface="Courier New" pitchFamily="49" charset="0"/>
+                <a:ea typeface="新細明體" pitchFamily="18" charset="-120"/>
+                <a:cs typeface="Courier New" pitchFamily="49" charset="0"/>
+              </a:rPr>
+              <a:t>int</a:t>
+            </a:r>
+            <a:r>
+              <a:rPr kumimoji="1" lang="zh-TW" altLang="zh-TW" sz="1400" b="0" i="0" u="none" strike="noStrike" cap="none" normalizeH="0" baseline="0" dirty="0" smtClean="0">
+                <a:ln>
+                  <a:noFill/>
+                </a:ln>
+                <a:solidFill>
+                  <a:srgbClr val="666600"/>
+                </a:solidFill>
+                <a:effectLst/>
+                <a:latin typeface="Courier New" pitchFamily="49" charset="0"/>
+                <a:ea typeface="新細明體" pitchFamily="18" charset="-120"/>
+                <a:cs typeface="Courier New" pitchFamily="49" charset="0"/>
+              </a:rPr>
+              <a:t>)</a:t>
+            </a:r>
+            <a:r>
+              <a:rPr kumimoji="1" lang="zh-TW" altLang="zh-TW" sz="1400" b="0" i="0" u="none" strike="noStrike" cap="none" normalizeH="0" baseline="0" dirty="0" smtClean="0">
+                <a:ln>
+                  <a:noFill/>
+                </a:ln>
+                <a:solidFill>
+                  <a:srgbClr val="000000"/>
+                </a:solidFill>
+                <a:effectLst/>
+                <a:latin typeface="Courier New" pitchFamily="49" charset="0"/>
+                <a:ea typeface="新細明體" pitchFamily="18" charset="-120"/>
+                <a:cs typeface="Courier New" pitchFamily="49" charset="0"/>
+              </a:rPr>
+              <a:t> </a:t>
+            </a:r>
+            <a:r>
+              <a:rPr kumimoji="1" lang="zh-TW" altLang="zh-TW" sz="1400" b="0" i="0" u="none" strike="noStrike" cap="none" normalizeH="0" baseline="0" dirty="0" smtClean="0">
+                <a:ln>
+                  <a:noFill/>
+                </a:ln>
+                <a:solidFill>
+                  <a:srgbClr val="666600"/>
+                </a:solidFill>
+                <a:effectLst/>
+                <a:latin typeface="Courier New" pitchFamily="49" charset="0"/>
+                <a:ea typeface="新細明體" pitchFamily="18" charset="-120"/>
+                <a:cs typeface="Courier New" pitchFamily="49" charset="0"/>
+              </a:rPr>
+              <a:t>((</a:t>
+            </a:r>
+            <a:r>
+              <a:rPr kumimoji="1" lang="zh-TW" altLang="zh-TW" sz="1400" b="0" i="0" u="none" strike="noStrike" cap="none" normalizeH="0" baseline="0" dirty="0" smtClean="0">
+                <a:ln>
+                  <a:noFill/>
+                </a:ln>
+                <a:solidFill>
+                  <a:srgbClr val="000000"/>
+                </a:solidFill>
+                <a:effectLst/>
+                <a:latin typeface="Courier New" pitchFamily="49" charset="0"/>
+                <a:ea typeface="新細明體" pitchFamily="18" charset="-120"/>
+                <a:cs typeface="Courier New" pitchFamily="49" charset="0"/>
+              </a:rPr>
+              <a:t>i </a:t>
+            </a:r>
+            <a:r>
+              <a:rPr kumimoji="1" lang="zh-TW" altLang="zh-TW" sz="1400" b="0" i="0" u="none" strike="noStrike" cap="none" normalizeH="0" baseline="0" dirty="0" smtClean="0">
+                <a:ln>
+                  <a:noFill/>
+                </a:ln>
+                <a:solidFill>
+                  <a:srgbClr val="666600"/>
+                </a:solidFill>
+                <a:effectLst/>
+                <a:latin typeface="Courier New" pitchFamily="49" charset="0"/>
+                <a:ea typeface="新細明體" pitchFamily="18" charset="-120"/>
+                <a:cs typeface="Courier New" pitchFamily="49" charset="0"/>
+              </a:rPr>
+              <a:t>/</a:t>
+            </a:r>
+            <a:r>
+              <a:rPr kumimoji="1" lang="zh-TW" altLang="zh-TW" sz="1400" b="0" i="0" u="none" strike="noStrike" cap="none" normalizeH="0" baseline="0" dirty="0" smtClean="0">
+                <a:ln>
+                  <a:noFill/>
+                </a:ln>
+                <a:solidFill>
+                  <a:srgbClr val="000000"/>
+                </a:solidFill>
+                <a:effectLst/>
+                <a:latin typeface="Courier New" pitchFamily="49" charset="0"/>
+                <a:ea typeface="新細明體" pitchFamily="18" charset="-120"/>
+                <a:cs typeface="Courier New" pitchFamily="49" charset="0"/>
+              </a:rPr>
+              <a:t> </a:t>
+            </a:r>
+            <a:r>
+              <a:rPr kumimoji="1" lang="zh-TW" altLang="zh-TW" sz="1400" b="0" i="0" u="none" strike="noStrike" cap="none" normalizeH="0" baseline="0" dirty="0" smtClean="0">
+                <a:ln>
+                  <a:noFill/>
+                </a:ln>
+                <a:solidFill>
+                  <a:srgbClr val="666600"/>
+                </a:solidFill>
+                <a:effectLst/>
+                <a:latin typeface="Courier New" pitchFamily="49" charset="0"/>
+                <a:ea typeface="新細明體" pitchFamily="18" charset="-120"/>
+                <a:cs typeface="Courier New" pitchFamily="49" charset="0"/>
+              </a:rPr>
+              <a:t>(</a:t>
+            </a:r>
+            <a:r>
+              <a:rPr kumimoji="1" lang="zh-TW" altLang="zh-TW" sz="1400" b="0" i="0" u="none" strike="noStrike" cap="none" normalizeH="0" baseline="0" dirty="0" smtClean="0">
+                <a:ln>
+                  <a:noFill/>
+                </a:ln>
+                <a:solidFill>
+                  <a:srgbClr val="000088"/>
+                </a:solidFill>
+                <a:effectLst/>
+                <a:latin typeface="Courier New" pitchFamily="49" charset="0"/>
+                <a:ea typeface="新細明體" pitchFamily="18" charset="-120"/>
+                <a:cs typeface="Courier New" pitchFamily="49" charset="0"/>
+              </a:rPr>
+              <a:t>float</a:t>
+            </a:r>
+            <a:r>
+              <a:rPr kumimoji="1" lang="zh-TW" altLang="zh-TW" sz="1400" b="0" i="0" u="none" strike="noStrike" cap="none" normalizeH="0" baseline="0" dirty="0" smtClean="0">
+                <a:ln>
+                  <a:noFill/>
+                </a:ln>
+                <a:solidFill>
+                  <a:srgbClr val="666600"/>
+                </a:solidFill>
+                <a:effectLst/>
+                <a:latin typeface="Courier New" pitchFamily="49" charset="0"/>
+                <a:ea typeface="新細明體" pitchFamily="18" charset="-120"/>
+                <a:cs typeface="Courier New" pitchFamily="49" charset="0"/>
+              </a:rPr>
+              <a:t>)</a:t>
+            </a:r>
+            <a:r>
+              <a:rPr kumimoji="1" lang="zh-TW" altLang="zh-TW" sz="1400" b="0" i="0" u="none" strike="noStrike" cap="none" normalizeH="0" baseline="0" dirty="0" smtClean="0">
+                <a:ln>
+                  <a:noFill/>
+                </a:ln>
+                <a:solidFill>
+                  <a:srgbClr val="000000"/>
+                </a:solidFill>
+                <a:effectLst/>
+                <a:latin typeface="Courier New" pitchFamily="49" charset="0"/>
+                <a:ea typeface="新細明體" pitchFamily="18" charset="-120"/>
+                <a:cs typeface="Courier New" pitchFamily="49" charset="0"/>
+              </a:rPr>
+              <a:t> count</a:t>
+            </a:r>
+            <a:r>
+              <a:rPr kumimoji="1" lang="zh-TW" altLang="zh-TW" sz="1400" b="0" i="0" u="none" strike="noStrike" cap="none" normalizeH="0" baseline="0" dirty="0" smtClean="0">
+                <a:ln>
+                  <a:noFill/>
+                </a:ln>
+                <a:solidFill>
+                  <a:srgbClr val="666600"/>
+                </a:solidFill>
+                <a:effectLst/>
+                <a:latin typeface="Courier New" pitchFamily="49" charset="0"/>
+                <a:ea typeface="新細明體" pitchFamily="18" charset="-120"/>
+                <a:cs typeface="Courier New" pitchFamily="49" charset="0"/>
+              </a:rPr>
+              <a:t>)</a:t>
+            </a:r>
+            <a:r>
+              <a:rPr kumimoji="1" lang="zh-TW" altLang="zh-TW" sz="1400" b="0" i="0" u="none" strike="noStrike" cap="none" normalizeH="0" baseline="0" dirty="0" smtClean="0">
+                <a:ln>
+                  <a:noFill/>
+                </a:ln>
+                <a:solidFill>
+                  <a:srgbClr val="000000"/>
+                </a:solidFill>
+                <a:effectLst/>
+                <a:latin typeface="Courier New" pitchFamily="49" charset="0"/>
+                <a:ea typeface="新細明體" pitchFamily="18" charset="-120"/>
+                <a:cs typeface="Courier New" pitchFamily="49" charset="0"/>
+              </a:rPr>
+              <a:t> </a:t>
+            </a:r>
+            <a:r>
+              <a:rPr kumimoji="1" lang="zh-TW" altLang="zh-TW" sz="1400" b="0" i="0" u="none" strike="noStrike" cap="none" normalizeH="0" baseline="0" dirty="0" smtClean="0">
+                <a:ln>
+                  <a:noFill/>
+                </a:ln>
+                <a:solidFill>
+                  <a:srgbClr val="666600"/>
+                </a:solidFill>
+                <a:effectLst/>
+                <a:latin typeface="Courier New" pitchFamily="49" charset="0"/>
+                <a:ea typeface="新細明體" pitchFamily="18" charset="-120"/>
+                <a:cs typeface="Courier New" pitchFamily="49" charset="0"/>
+              </a:rPr>
+              <a:t>*</a:t>
+            </a:r>
+            <a:r>
+              <a:rPr kumimoji="1" lang="zh-TW" altLang="zh-TW" sz="1400" b="0" i="0" u="none" strike="noStrike" cap="none" normalizeH="0" baseline="0" dirty="0" smtClean="0">
+                <a:ln>
+                  <a:noFill/>
+                </a:ln>
+                <a:solidFill>
+                  <a:srgbClr val="000000"/>
+                </a:solidFill>
+                <a:effectLst/>
+                <a:latin typeface="Courier New" pitchFamily="49" charset="0"/>
+                <a:ea typeface="新細明體" pitchFamily="18" charset="-120"/>
+                <a:cs typeface="Courier New" pitchFamily="49" charset="0"/>
+              </a:rPr>
+              <a:t> </a:t>
+            </a:r>
+            <a:r>
+              <a:rPr kumimoji="1" lang="zh-TW" altLang="zh-TW" sz="1400" b="0" i="0" u="none" strike="noStrike" cap="none" normalizeH="0" baseline="0" dirty="0" smtClean="0">
+                <a:ln>
+                  <a:noFill/>
+                </a:ln>
+                <a:solidFill>
+                  <a:srgbClr val="006666"/>
+                </a:solidFill>
+                <a:effectLst/>
+                <a:latin typeface="Courier New" pitchFamily="49" charset="0"/>
+                <a:ea typeface="新細明體" pitchFamily="18" charset="-120"/>
+                <a:cs typeface="Courier New" pitchFamily="49" charset="0"/>
+              </a:rPr>
+              <a:t>100</a:t>
+            </a:r>
+            <a:r>
+              <a:rPr kumimoji="1" lang="zh-TW" altLang="zh-TW" sz="1400" b="0" i="0" u="none" strike="noStrike" cap="none" normalizeH="0" baseline="0" dirty="0" smtClean="0">
+                <a:ln>
+                  <a:noFill/>
+                </a:ln>
+                <a:solidFill>
+                  <a:srgbClr val="666600"/>
+                </a:solidFill>
+                <a:effectLst/>
+                <a:latin typeface="Courier New" pitchFamily="49" charset="0"/>
+                <a:ea typeface="新細明體" pitchFamily="18" charset="-120"/>
+                <a:cs typeface="Courier New" pitchFamily="49" charset="0"/>
+              </a:rPr>
+              <a:t>));</a:t>
+            </a:r>
+            <a:r>
+              <a:rPr kumimoji="1" lang="zh-TW" altLang="zh-TW" sz="1400" b="0" i="0" u="none" strike="noStrike" cap="none" normalizeH="0" baseline="0" dirty="0" smtClean="0">
+                <a:ln>
+                  <a:noFill/>
+                </a:ln>
+                <a:solidFill>
+                  <a:srgbClr val="000000"/>
+                </a:solidFill>
+                <a:effectLst/>
+                <a:latin typeface="Courier New" pitchFamily="49" charset="0"/>
+                <a:ea typeface="新細明體" pitchFamily="18" charset="-120"/>
+                <a:cs typeface="Courier New" pitchFamily="49" charset="0"/>
+              </a:rPr>
+              <a:t/>
+            </a:r>
+            <a:br>
+              <a:rPr kumimoji="1" lang="zh-TW" altLang="zh-TW" sz="1400" b="0" i="0" u="none" strike="noStrike" cap="none" normalizeH="0" baseline="0" dirty="0" smtClean="0">
+                <a:ln>
+                  <a:noFill/>
+                </a:ln>
+                <a:solidFill>
+                  <a:srgbClr val="000000"/>
+                </a:solidFill>
+                <a:effectLst/>
+                <a:latin typeface="Courier New" pitchFamily="49" charset="0"/>
+                <a:ea typeface="新細明體" pitchFamily="18" charset="-120"/>
+                <a:cs typeface="Courier New" pitchFamily="49" charset="0"/>
+              </a:rPr>
+            </a:br>
+            <a:r>
+              <a:rPr kumimoji="1" lang="zh-TW" altLang="zh-TW" sz="1400" b="0" i="0" u="none" strike="noStrike" cap="none" normalizeH="0" baseline="0" dirty="0" smtClean="0">
+                <a:ln>
+                  <a:noFill/>
+                </a:ln>
+                <a:solidFill>
+                  <a:srgbClr val="000000"/>
+                </a:solidFill>
+                <a:effectLst/>
+                <a:latin typeface="Arial"/>
+                <a:ea typeface="新細明體" pitchFamily="18" charset="-120"/>
+                <a:cs typeface="Courier New" pitchFamily="49" charset="0"/>
+              </a:rPr>
+              <a:t> </a:t>
+            </a:r>
+            <a:r>
+              <a:rPr kumimoji="1" lang="zh-TW" altLang="zh-TW" sz="1400" b="0" i="0" u="none" strike="noStrike" cap="none" normalizeH="0" baseline="0" dirty="0" smtClean="0">
+                <a:ln>
+                  <a:noFill/>
+                </a:ln>
+                <a:solidFill>
+                  <a:srgbClr val="000000"/>
+                </a:solidFill>
+                <a:effectLst/>
+                <a:latin typeface="Courier New" pitchFamily="49" charset="0"/>
+                <a:ea typeface="新細明體" pitchFamily="18" charset="-120"/>
+                <a:cs typeface="Courier New" pitchFamily="49" charset="0"/>
+              </a:rPr>
+              <a:t> </a:t>
+            </a:r>
+            <a:r>
+              <a:rPr kumimoji="1" lang="zh-TW" altLang="zh-TW" sz="1400" b="0" i="0" u="none" strike="noStrike" cap="none" normalizeH="0" baseline="0" dirty="0" smtClean="0">
+                <a:ln>
+                  <a:noFill/>
+                </a:ln>
+                <a:solidFill>
+                  <a:srgbClr val="000000"/>
+                </a:solidFill>
+                <a:effectLst/>
+                <a:latin typeface="Arial"/>
+                <a:ea typeface="新細明體" pitchFamily="18" charset="-120"/>
+                <a:cs typeface="Courier New" pitchFamily="49" charset="0"/>
+              </a:rPr>
+              <a:t> </a:t>
+            </a:r>
+            <a:r>
+              <a:rPr kumimoji="1" lang="zh-TW" altLang="zh-TW" sz="1400" b="0" i="0" u="none" strike="noStrike" cap="none" normalizeH="0" baseline="0" dirty="0" smtClean="0">
+                <a:ln>
+                  <a:noFill/>
+                </a:ln>
+                <a:solidFill>
+                  <a:srgbClr val="000000"/>
+                </a:solidFill>
+                <a:effectLst/>
+                <a:latin typeface="Courier New" pitchFamily="49" charset="0"/>
+                <a:ea typeface="新細明體" pitchFamily="18" charset="-120"/>
+                <a:cs typeface="Courier New" pitchFamily="49" charset="0"/>
+              </a:rPr>
+              <a:t> </a:t>
+            </a:r>
+            <a:r>
+              <a:rPr kumimoji="1" lang="zh-TW" altLang="zh-TW" sz="1400" b="0" i="0" u="none" strike="noStrike" cap="none" normalizeH="0" baseline="0" dirty="0" smtClean="0">
+                <a:ln>
+                  <a:noFill/>
+                </a:ln>
+                <a:solidFill>
+                  <a:srgbClr val="000000"/>
+                </a:solidFill>
+                <a:effectLst/>
+                <a:latin typeface="Arial"/>
+                <a:ea typeface="新細明體" pitchFamily="18" charset="-120"/>
+                <a:cs typeface="Courier New" pitchFamily="49" charset="0"/>
+              </a:rPr>
+              <a:t> </a:t>
+            </a:r>
+            <a:r>
+              <a:rPr kumimoji="1" lang="zh-TW" altLang="zh-TW" sz="1400" b="0" i="0" u="none" strike="noStrike" cap="none" normalizeH="0" baseline="0" dirty="0" smtClean="0">
+                <a:ln>
+                  <a:noFill/>
+                </a:ln>
+                <a:solidFill>
+                  <a:srgbClr val="000000"/>
+                </a:solidFill>
+                <a:effectLst/>
+                <a:latin typeface="Courier New" pitchFamily="49" charset="0"/>
+                <a:ea typeface="新細明體" pitchFamily="18" charset="-120"/>
+                <a:cs typeface="Courier New" pitchFamily="49" charset="0"/>
+              </a:rPr>
+              <a:t> </a:t>
+            </a:r>
+            <a:r>
+              <a:rPr kumimoji="1" lang="zh-TW" altLang="zh-TW" sz="1400" b="0" i="0" u="none" strike="noStrike" cap="none" normalizeH="0" baseline="0" dirty="0" smtClean="0">
+                <a:ln>
+                  <a:noFill/>
+                </a:ln>
+                <a:solidFill>
+                  <a:srgbClr val="000000"/>
+                </a:solidFill>
+                <a:effectLst/>
+                <a:latin typeface="Arial"/>
+                <a:ea typeface="新細明體" pitchFamily="18" charset="-120"/>
+                <a:cs typeface="Courier New" pitchFamily="49" charset="0"/>
+              </a:rPr>
+              <a:t> </a:t>
+            </a:r>
+            <a:r>
+              <a:rPr kumimoji="1" lang="zh-TW" altLang="zh-TW" sz="1400" b="0" i="0" u="none" strike="noStrike" cap="none" normalizeH="0" baseline="0" dirty="0" smtClean="0">
+                <a:ln>
+                  <a:noFill/>
+                </a:ln>
+                <a:solidFill>
+                  <a:srgbClr val="000000"/>
+                </a:solidFill>
+                <a:effectLst/>
+                <a:latin typeface="Courier New" pitchFamily="49" charset="0"/>
+                <a:ea typeface="新細明體" pitchFamily="18" charset="-120"/>
+                <a:cs typeface="Courier New" pitchFamily="49" charset="0"/>
+              </a:rPr>
+              <a:t> </a:t>
+            </a:r>
+            <a:r>
+              <a:rPr kumimoji="1" lang="zh-TW" altLang="zh-TW" sz="1400" b="0" i="0" u="none" strike="noStrike" cap="none" normalizeH="0" baseline="0" dirty="0" smtClean="0">
+                <a:ln>
+                  <a:noFill/>
+                </a:ln>
+                <a:solidFill>
+                  <a:srgbClr val="000000"/>
+                </a:solidFill>
+                <a:effectLst/>
+                <a:latin typeface="Arial"/>
+                <a:ea typeface="新細明體" pitchFamily="18" charset="-120"/>
+                <a:cs typeface="Courier New" pitchFamily="49" charset="0"/>
+              </a:rPr>
+              <a:t> </a:t>
+            </a:r>
+            <a:r>
+              <a:rPr kumimoji="1" lang="zh-TW" altLang="zh-TW" sz="1400" b="0" i="0" u="none" strike="noStrike" cap="none" normalizeH="0" baseline="0" dirty="0" smtClean="0">
+                <a:ln>
+                  <a:noFill/>
+                </a:ln>
+                <a:solidFill>
+                  <a:srgbClr val="666600"/>
+                </a:solidFill>
+                <a:effectLst/>
+                <a:latin typeface="Courier New" pitchFamily="49" charset="0"/>
+                <a:ea typeface="新細明體" pitchFamily="18" charset="-120"/>
+                <a:cs typeface="Courier New" pitchFamily="49" charset="0"/>
+              </a:rPr>
+              <a:t>}</a:t>
+            </a:r>
+            <a:r>
+              <a:rPr kumimoji="1" lang="zh-TW" altLang="zh-TW" sz="1400" b="0" i="0" u="none" strike="noStrike" cap="none" normalizeH="0" baseline="0" dirty="0" smtClean="0">
+                <a:ln>
+                  <a:noFill/>
+                </a:ln>
+                <a:solidFill>
+                  <a:srgbClr val="000000"/>
+                </a:solidFill>
+                <a:effectLst/>
+                <a:latin typeface="Courier New" pitchFamily="49" charset="0"/>
+                <a:ea typeface="新細明體" pitchFamily="18" charset="-120"/>
+                <a:cs typeface="Courier New" pitchFamily="49" charset="0"/>
+              </a:rPr>
+              <a:t/>
+            </a:r>
+            <a:br>
+              <a:rPr kumimoji="1" lang="zh-TW" altLang="zh-TW" sz="1400" b="0" i="0" u="none" strike="noStrike" cap="none" normalizeH="0" baseline="0" dirty="0" smtClean="0">
+                <a:ln>
+                  <a:noFill/>
+                </a:ln>
+                <a:solidFill>
+                  <a:srgbClr val="000000"/>
+                </a:solidFill>
+                <a:effectLst/>
+                <a:latin typeface="Courier New" pitchFamily="49" charset="0"/>
+                <a:ea typeface="新細明體" pitchFamily="18" charset="-120"/>
+                <a:cs typeface="Courier New" pitchFamily="49" charset="0"/>
+              </a:rPr>
+            </a:br>
+            <a:r>
+              <a:rPr kumimoji="1" lang="zh-TW" altLang="zh-TW" sz="1400" b="0" i="0" u="none" strike="noStrike" cap="none" normalizeH="0" baseline="0" dirty="0" smtClean="0">
+                <a:ln>
+                  <a:noFill/>
+                </a:ln>
+                <a:solidFill>
+                  <a:srgbClr val="000000"/>
+                </a:solidFill>
+                <a:effectLst/>
+                <a:latin typeface="Arial"/>
+                <a:ea typeface="新細明體" pitchFamily="18" charset="-120"/>
+                <a:cs typeface="Courier New" pitchFamily="49" charset="0"/>
+              </a:rPr>
+              <a:t> </a:t>
+            </a:r>
+            <a:r>
+              <a:rPr kumimoji="1" lang="zh-TW" altLang="zh-TW" sz="1400" b="0" i="0" u="none" strike="noStrike" cap="none" normalizeH="0" baseline="0" dirty="0" smtClean="0">
+                <a:ln>
+                  <a:noFill/>
+                </a:ln>
+                <a:solidFill>
+                  <a:srgbClr val="000000"/>
+                </a:solidFill>
+                <a:effectLst/>
+                <a:latin typeface="Courier New" pitchFamily="49" charset="0"/>
+                <a:ea typeface="新細明體" pitchFamily="18" charset="-120"/>
+                <a:cs typeface="Courier New" pitchFamily="49" charset="0"/>
+              </a:rPr>
+              <a:t> </a:t>
+            </a:r>
+            <a:r>
+              <a:rPr kumimoji="1" lang="zh-TW" altLang="zh-TW" sz="1400" b="0" i="0" u="none" strike="noStrike" cap="none" normalizeH="0" baseline="0" dirty="0" smtClean="0">
+                <a:ln>
+                  <a:noFill/>
+                </a:ln>
+                <a:solidFill>
+                  <a:srgbClr val="000000"/>
+                </a:solidFill>
+                <a:effectLst/>
+                <a:latin typeface="Arial"/>
+                <a:ea typeface="新細明體" pitchFamily="18" charset="-120"/>
+                <a:cs typeface="Courier New" pitchFamily="49" charset="0"/>
+              </a:rPr>
+              <a:t> </a:t>
+            </a:r>
+            <a:r>
+              <a:rPr kumimoji="1" lang="zh-TW" altLang="zh-TW" sz="1400" b="0" i="0" u="none" strike="noStrike" cap="none" normalizeH="0" baseline="0" dirty="0" smtClean="0">
+                <a:ln>
+                  <a:noFill/>
+                </a:ln>
+                <a:solidFill>
+                  <a:srgbClr val="000000"/>
+                </a:solidFill>
+                <a:effectLst/>
+                <a:latin typeface="Courier New" pitchFamily="49" charset="0"/>
+                <a:ea typeface="新細明體" pitchFamily="18" charset="-120"/>
+                <a:cs typeface="Courier New" pitchFamily="49" charset="0"/>
+              </a:rPr>
+              <a:t> </a:t>
+            </a:r>
+            <a:r>
+              <a:rPr kumimoji="1" lang="zh-TW" altLang="zh-TW" sz="1400" b="0" i="0" u="none" strike="noStrike" cap="none" normalizeH="0" baseline="0" dirty="0" smtClean="0">
+                <a:ln>
+                  <a:noFill/>
+                </a:ln>
+                <a:solidFill>
+                  <a:srgbClr val="000000"/>
+                </a:solidFill>
+                <a:effectLst/>
+                <a:latin typeface="Arial"/>
+                <a:ea typeface="新細明體" pitchFamily="18" charset="-120"/>
+                <a:cs typeface="Courier New" pitchFamily="49" charset="0"/>
+              </a:rPr>
+              <a:t> </a:t>
+            </a:r>
+            <a:r>
+              <a:rPr kumimoji="1" lang="zh-TW" altLang="zh-TW" sz="1400" b="0" i="0" u="none" strike="noStrike" cap="none" normalizeH="0" baseline="0" dirty="0" smtClean="0">
+                <a:ln>
+                  <a:noFill/>
+                </a:ln>
+                <a:solidFill>
+                  <a:srgbClr val="000000"/>
+                </a:solidFill>
+                <a:effectLst/>
+                <a:latin typeface="Courier New" pitchFamily="49" charset="0"/>
+                <a:ea typeface="新細明體" pitchFamily="18" charset="-120"/>
+                <a:cs typeface="Courier New" pitchFamily="49" charset="0"/>
+              </a:rPr>
+              <a:t> </a:t>
+            </a:r>
+            <a:r>
+              <a:rPr kumimoji="1" lang="zh-TW" altLang="zh-TW" sz="1400" b="0" i="0" u="none" strike="noStrike" cap="none" normalizeH="0" baseline="0" dirty="0" smtClean="0">
+                <a:ln>
+                  <a:noFill/>
+                </a:ln>
+                <a:solidFill>
+                  <a:srgbClr val="000000"/>
+                </a:solidFill>
+                <a:effectLst/>
+                <a:latin typeface="Arial"/>
+                <a:ea typeface="新細明體" pitchFamily="18" charset="-120"/>
+                <a:cs typeface="Courier New" pitchFamily="49" charset="0"/>
+              </a:rPr>
+              <a:t> </a:t>
+            </a:r>
+            <a:r>
+              <a:rPr kumimoji="1" lang="zh-TW" altLang="zh-TW" sz="1400" b="0" i="0" u="none" strike="noStrike" cap="none" normalizeH="0" baseline="0" dirty="0" smtClean="0">
+                <a:ln>
+                  <a:noFill/>
+                </a:ln>
+                <a:solidFill>
+                  <a:srgbClr val="000000"/>
+                </a:solidFill>
+                <a:effectLst/>
+                <a:latin typeface="Courier New" pitchFamily="49" charset="0"/>
+                <a:ea typeface="新細明體" pitchFamily="18" charset="-120"/>
+                <a:cs typeface="Courier New" pitchFamily="49" charset="0"/>
+              </a:rPr>
+              <a:t> </a:t>
+            </a:r>
+            <a:r>
+              <a:rPr kumimoji="1" lang="zh-TW" altLang="zh-TW" sz="1400" b="0" i="0" u="none" strike="noStrike" cap="none" normalizeH="0" baseline="0" dirty="0" smtClean="0">
+                <a:ln>
+                  <a:noFill/>
+                </a:ln>
+                <a:solidFill>
+                  <a:srgbClr val="000000"/>
+                </a:solidFill>
+                <a:effectLst/>
+                <a:latin typeface="Arial"/>
+                <a:ea typeface="新細明體" pitchFamily="18" charset="-120"/>
+                <a:cs typeface="Courier New" pitchFamily="49" charset="0"/>
+              </a:rPr>
+              <a:t> </a:t>
+            </a:r>
+            <a:r>
+              <a:rPr kumimoji="1" lang="zh-TW" altLang="zh-TW" sz="1400" b="0" i="0" u="none" strike="noStrike" cap="none" normalizeH="0" baseline="0" dirty="0" smtClean="0">
+                <a:ln>
+                  <a:noFill/>
+                </a:ln>
+                <a:solidFill>
+                  <a:srgbClr val="000088"/>
+                </a:solidFill>
+                <a:effectLst/>
+                <a:latin typeface="Courier New" pitchFamily="49" charset="0"/>
+                <a:ea typeface="新細明體" pitchFamily="18" charset="-120"/>
+                <a:cs typeface="Courier New" pitchFamily="49" charset="0"/>
+              </a:rPr>
+              <a:t>return</a:t>
+            </a:r>
+            <a:r>
+              <a:rPr kumimoji="1" lang="zh-TW" altLang="zh-TW" sz="1400" b="0" i="0" u="none" strike="noStrike" cap="none" normalizeH="0" baseline="0" dirty="0" smtClean="0">
+                <a:ln>
+                  <a:noFill/>
+                </a:ln>
+                <a:solidFill>
+                  <a:srgbClr val="000000"/>
+                </a:solidFill>
+                <a:effectLst/>
+                <a:latin typeface="Courier New" pitchFamily="49" charset="0"/>
+                <a:ea typeface="新細明體" pitchFamily="18" charset="-120"/>
+                <a:cs typeface="Courier New" pitchFamily="49" charset="0"/>
+              </a:rPr>
+              <a:t> totalSize</a:t>
+            </a:r>
+            <a:r>
+              <a:rPr kumimoji="1" lang="zh-TW" altLang="zh-TW" sz="1400" b="0" i="0" u="none" strike="noStrike" cap="none" normalizeH="0" baseline="0" dirty="0" smtClean="0">
+                <a:ln>
+                  <a:noFill/>
+                </a:ln>
+                <a:solidFill>
+                  <a:srgbClr val="666600"/>
+                </a:solidFill>
+                <a:effectLst/>
+                <a:latin typeface="Courier New" pitchFamily="49" charset="0"/>
+                <a:ea typeface="新細明體" pitchFamily="18" charset="-120"/>
+                <a:cs typeface="Courier New" pitchFamily="49" charset="0"/>
+              </a:rPr>
+              <a:t>;</a:t>
+            </a:r>
+            <a:r>
+              <a:rPr kumimoji="1" lang="zh-TW" altLang="zh-TW" sz="1400" b="0" i="0" u="none" strike="noStrike" cap="none" normalizeH="0" baseline="0" dirty="0" smtClean="0">
+                <a:ln>
+                  <a:noFill/>
+                </a:ln>
+                <a:solidFill>
+                  <a:srgbClr val="000000"/>
+                </a:solidFill>
+                <a:effectLst/>
+                <a:latin typeface="Courier New" pitchFamily="49" charset="0"/>
+                <a:ea typeface="新細明體" pitchFamily="18" charset="-120"/>
+                <a:cs typeface="Courier New" pitchFamily="49" charset="0"/>
+              </a:rPr>
+              <a:t/>
+            </a:r>
+            <a:br>
+              <a:rPr kumimoji="1" lang="zh-TW" altLang="zh-TW" sz="1400" b="0" i="0" u="none" strike="noStrike" cap="none" normalizeH="0" baseline="0" dirty="0" smtClean="0">
+                <a:ln>
+                  <a:noFill/>
+                </a:ln>
+                <a:solidFill>
+                  <a:srgbClr val="000000"/>
+                </a:solidFill>
+                <a:effectLst/>
+                <a:latin typeface="Courier New" pitchFamily="49" charset="0"/>
+                <a:ea typeface="新細明體" pitchFamily="18" charset="-120"/>
+                <a:cs typeface="Courier New" pitchFamily="49" charset="0"/>
+              </a:rPr>
+            </a:br>
+            <a:r>
+              <a:rPr kumimoji="1" lang="zh-TW" altLang="zh-TW" sz="1400" b="0" i="0" u="none" strike="noStrike" cap="none" normalizeH="0" baseline="0" dirty="0" smtClean="0">
+                <a:ln>
+                  <a:noFill/>
+                </a:ln>
+                <a:solidFill>
+                  <a:srgbClr val="000000"/>
+                </a:solidFill>
+                <a:effectLst/>
+                <a:latin typeface="Arial"/>
+                <a:ea typeface="新細明體" pitchFamily="18" charset="-120"/>
+                <a:cs typeface="Courier New" pitchFamily="49" charset="0"/>
+              </a:rPr>
+              <a:t> </a:t>
+            </a:r>
+            <a:r>
+              <a:rPr kumimoji="1" lang="zh-TW" altLang="zh-TW" sz="1400" b="0" i="0" u="none" strike="noStrike" cap="none" normalizeH="0" baseline="0" dirty="0" smtClean="0">
+                <a:ln>
+                  <a:noFill/>
+                </a:ln>
+                <a:solidFill>
+                  <a:srgbClr val="000000"/>
+                </a:solidFill>
+                <a:effectLst/>
+                <a:latin typeface="Courier New" pitchFamily="49" charset="0"/>
+                <a:ea typeface="新細明體" pitchFamily="18" charset="-120"/>
+                <a:cs typeface="Courier New" pitchFamily="49" charset="0"/>
+              </a:rPr>
+              <a:t> </a:t>
+            </a:r>
+            <a:r>
+              <a:rPr kumimoji="1" lang="zh-TW" altLang="zh-TW" sz="1400" b="0" i="0" u="none" strike="noStrike" cap="none" normalizeH="0" baseline="0" dirty="0" smtClean="0">
+                <a:ln>
+                  <a:noFill/>
+                </a:ln>
+                <a:solidFill>
+                  <a:srgbClr val="000000"/>
+                </a:solidFill>
+                <a:effectLst/>
+                <a:latin typeface="Arial"/>
+                <a:ea typeface="新細明體" pitchFamily="18" charset="-120"/>
+                <a:cs typeface="Courier New" pitchFamily="49" charset="0"/>
+              </a:rPr>
+              <a:t> </a:t>
+            </a:r>
+            <a:r>
+              <a:rPr kumimoji="1" lang="zh-TW" altLang="zh-TW" sz="1400" b="0" i="0" u="none" strike="noStrike" cap="none" normalizeH="0" baseline="0" dirty="0" smtClean="0">
+                <a:ln>
+                  <a:noFill/>
+                </a:ln>
+                <a:solidFill>
+                  <a:srgbClr val="000000"/>
+                </a:solidFill>
+                <a:effectLst/>
+                <a:latin typeface="Courier New" pitchFamily="49" charset="0"/>
+                <a:ea typeface="新細明體" pitchFamily="18" charset="-120"/>
+                <a:cs typeface="Courier New" pitchFamily="49" charset="0"/>
+              </a:rPr>
+              <a:t> </a:t>
+            </a:r>
+            <a:r>
+              <a:rPr kumimoji="1" lang="zh-TW" altLang="zh-TW" sz="1400" b="0" i="0" u="none" strike="noStrike" cap="none" normalizeH="0" baseline="0" dirty="0" smtClean="0">
+                <a:ln>
+                  <a:noFill/>
+                </a:ln>
+                <a:solidFill>
+                  <a:srgbClr val="000000"/>
+                </a:solidFill>
+                <a:effectLst/>
+                <a:latin typeface="Arial"/>
+                <a:ea typeface="新細明體" pitchFamily="18" charset="-120"/>
+                <a:cs typeface="Courier New" pitchFamily="49" charset="0"/>
+              </a:rPr>
+              <a:t> </a:t>
+            </a:r>
+            <a:r>
+              <a:rPr kumimoji="1" lang="zh-TW" altLang="zh-TW" sz="1400" b="0" i="0" u="none" strike="noStrike" cap="none" normalizeH="0" baseline="0" dirty="0" smtClean="0">
+                <a:ln>
+                  <a:noFill/>
+                </a:ln>
+                <a:solidFill>
+                  <a:srgbClr val="666600"/>
+                </a:solidFill>
+                <a:effectLst/>
+                <a:latin typeface="Courier New" pitchFamily="49" charset="0"/>
+                <a:ea typeface="新細明體" pitchFamily="18" charset="-120"/>
+                <a:cs typeface="Courier New" pitchFamily="49" charset="0"/>
+              </a:rPr>
+              <a:t>}</a:t>
+            </a:r>
+            <a:r>
+              <a:rPr kumimoji="1" lang="zh-TW" altLang="zh-TW" sz="1400" b="0" i="0" u="none" strike="noStrike" cap="none" normalizeH="0" baseline="0" dirty="0" smtClean="0">
+                <a:ln>
+                  <a:noFill/>
+                </a:ln>
+                <a:solidFill>
+                  <a:srgbClr val="000000"/>
+                </a:solidFill>
+                <a:effectLst/>
+                <a:latin typeface="Courier New" pitchFamily="49" charset="0"/>
+                <a:ea typeface="新細明體" pitchFamily="18" charset="-120"/>
+                <a:cs typeface="Courier New" pitchFamily="49" charset="0"/>
+              </a:rPr>
+              <a:t/>
+            </a:r>
+            <a:br>
+              <a:rPr kumimoji="1" lang="zh-TW" altLang="zh-TW" sz="1400" b="0" i="0" u="none" strike="noStrike" cap="none" normalizeH="0" baseline="0" dirty="0" smtClean="0">
+                <a:ln>
+                  <a:noFill/>
+                </a:ln>
+                <a:solidFill>
+                  <a:srgbClr val="000000"/>
+                </a:solidFill>
+                <a:effectLst/>
+                <a:latin typeface="Courier New" pitchFamily="49" charset="0"/>
+                <a:ea typeface="新細明體" pitchFamily="18" charset="-120"/>
+                <a:cs typeface="Courier New" pitchFamily="49" charset="0"/>
+              </a:rPr>
+            </a:br>
+            <a:r>
+              <a:rPr kumimoji="1" lang="zh-TW" altLang="zh-TW" sz="1400" b="0" i="0" u="none" strike="noStrike" cap="none" normalizeH="0" baseline="0" dirty="0" smtClean="0">
+                <a:ln>
+                  <a:noFill/>
+                </a:ln>
+                <a:solidFill>
+                  <a:srgbClr val="000000"/>
+                </a:solidFill>
+                <a:effectLst/>
+                <a:latin typeface="Courier New" pitchFamily="49" charset="0"/>
+                <a:ea typeface="新細明體" pitchFamily="18" charset="-120"/>
+                <a:cs typeface="Courier New" pitchFamily="49" charset="0"/>
+              </a:rPr>
+              <a:t/>
+            </a:r>
+            <a:br>
+              <a:rPr kumimoji="1" lang="zh-TW" altLang="zh-TW" sz="1400" b="0" i="0" u="none" strike="noStrike" cap="none" normalizeH="0" baseline="0" dirty="0" smtClean="0">
+                <a:ln>
+                  <a:noFill/>
+                </a:ln>
+                <a:solidFill>
+                  <a:srgbClr val="000000"/>
+                </a:solidFill>
+                <a:effectLst/>
+                <a:latin typeface="Courier New" pitchFamily="49" charset="0"/>
+                <a:ea typeface="新細明體" pitchFamily="18" charset="-120"/>
+                <a:cs typeface="Courier New" pitchFamily="49" charset="0"/>
+              </a:rPr>
+            </a:br>
+            <a:r>
+              <a:rPr kumimoji="1" lang="zh-TW" altLang="zh-TW" sz="1400" b="0" i="0" u="none" strike="noStrike" cap="none" normalizeH="0" baseline="0" dirty="0" smtClean="0">
+                <a:ln>
+                  <a:noFill/>
+                </a:ln>
+                <a:solidFill>
+                  <a:srgbClr val="000000"/>
+                </a:solidFill>
+                <a:effectLst/>
+                <a:latin typeface="Arial"/>
+                <a:ea typeface="新細明體" pitchFamily="18" charset="-120"/>
+                <a:cs typeface="Courier New" pitchFamily="49" charset="0"/>
+              </a:rPr>
+              <a:t> </a:t>
+            </a:r>
+            <a:r>
+              <a:rPr kumimoji="1" lang="zh-TW" altLang="zh-TW" sz="1400" b="0" i="0" u="none" strike="noStrike" cap="none" normalizeH="0" baseline="0" dirty="0" smtClean="0">
+                <a:ln>
+                  <a:noFill/>
+                </a:ln>
+                <a:solidFill>
+                  <a:srgbClr val="000000"/>
+                </a:solidFill>
+                <a:effectLst/>
+                <a:latin typeface="Courier New" pitchFamily="49" charset="0"/>
+                <a:ea typeface="新細明體" pitchFamily="18" charset="-120"/>
+                <a:cs typeface="Courier New" pitchFamily="49" charset="0"/>
+              </a:rPr>
+              <a:t> </a:t>
+            </a:r>
+            <a:r>
+              <a:rPr kumimoji="1" lang="zh-TW" altLang="zh-TW" sz="1400" b="0" i="0" u="none" strike="noStrike" cap="none" normalizeH="0" baseline="0" dirty="0" smtClean="0">
+                <a:ln>
+                  <a:noFill/>
+                </a:ln>
+                <a:solidFill>
+                  <a:srgbClr val="000000"/>
+                </a:solidFill>
+                <a:effectLst/>
+                <a:latin typeface="Arial"/>
+                <a:ea typeface="新細明體" pitchFamily="18" charset="-120"/>
+                <a:cs typeface="Courier New" pitchFamily="49" charset="0"/>
+              </a:rPr>
+              <a:t> </a:t>
+            </a:r>
+            <a:r>
+              <a:rPr kumimoji="1" lang="zh-TW" altLang="zh-TW" sz="1400" b="0" i="0" u="none" strike="noStrike" cap="none" normalizeH="0" baseline="0" dirty="0" smtClean="0">
+                <a:ln>
+                  <a:noFill/>
+                </a:ln>
+                <a:solidFill>
+                  <a:srgbClr val="000000"/>
+                </a:solidFill>
+                <a:effectLst/>
+                <a:latin typeface="Courier New" pitchFamily="49" charset="0"/>
+                <a:ea typeface="新細明體" pitchFamily="18" charset="-120"/>
+                <a:cs typeface="Courier New" pitchFamily="49" charset="0"/>
+              </a:rPr>
+              <a:t> </a:t>
+            </a:r>
+            <a:r>
+              <a:rPr kumimoji="1" lang="zh-TW" altLang="zh-TW" sz="1400" b="0" i="0" u="none" strike="noStrike" cap="none" normalizeH="0" baseline="0" dirty="0" smtClean="0">
+                <a:ln>
+                  <a:noFill/>
+                </a:ln>
+                <a:solidFill>
+                  <a:srgbClr val="000000"/>
+                </a:solidFill>
+                <a:effectLst/>
+                <a:latin typeface="Arial"/>
+                <a:ea typeface="新細明體" pitchFamily="18" charset="-120"/>
+                <a:cs typeface="Courier New" pitchFamily="49" charset="0"/>
+              </a:rPr>
+              <a:t> </a:t>
+            </a:r>
+            <a:r>
+              <a:rPr kumimoji="1" lang="zh-TW" altLang="zh-TW" sz="1400" b="0" i="0" u="none" strike="noStrike" cap="none" normalizeH="0" baseline="0" dirty="0" smtClean="0">
+                <a:ln>
+                  <a:noFill/>
+                </a:ln>
+                <a:solidFill>
+                  <a:srgbClr val="000088"/>
+                </a:solidFill>
+                <a:effectLst/>
+                <a:latin typeface="Courier New" pitchFamily="49" charset="0"/>
+                <a:ea typeface="新細明體" pitchFamily="18" charset="-120"/>
+                <a:cs typeface="Courier New" pitchFamily="49" charset="0"/>
+              </a:rPr>
+              <a:t>protected</a:t>
+            </a:r>
+            <a:r>
+              <a:rPr kumimoji="1" lang="zh-TW" altLang="zh-TW" sz="1400" b="0" i="0" u="none" strike="noStrike" cap="none" normalizeH="0" baseline="0" dirty="0" smtClean="0">
+                <a:ln>
+                  <a:noFill/>
+                </a:ln>
+                <a:solidFill>
+                  <a:srgbClr val="000000"/>
+                </a:solidFill>
+                <a:effectLst/>
+                <a:latin typeface="Courier New" pitchFamily="49" charset="0"/>
+                <a:ea typeface="新細明體" pitchFamily="18" charset="-120"/>
+                <a:cs typeface="Courier New" pitchFamily="49" charset="0"/>
+              </a:rPr>
+              <a:t> </a:t>
+            </a:r>
+            <a:r>
+              <a:rPr kumimoji="1" lang="zh-TW" altLang="zh-TW" sz="1400" b="0" i="0" u="none" strike="noStrike" cap="none" normalizeH="0" baseline="0" dirty="0" smtClean="0">
+                <a:ln>
+                  <a:noFill/>
+                </a:ln>
+                <a:solidFill>
+                  <a:srgbClr val="000088"/>
+                </a:solidFill>
+                <a:effectLst/>
+                <a:latin typeface="Courier New" pitchFamily="49" charset="0"/>
+                <a:ea typeface="新細明體" pitchFamily="18" charset="-120"/>
+                <a:cs typeface="Courier New" pitchFamily="49" charset="0"/>
+              </a:rPr>
+              <a:t>void</a:t>
+            </a:r>
+            <a:r>
+              <a:rPr kumimoji="1" lang="zh-TW" altLang="zh-TW" sz="1400" b="0" i="0" u="none" strike="noStrike" cap="none" normalizeH="0" baseline="0" dirty="0" smtClean="0">
+                <a:ln>
+                  <a:noFill/>
+                </a:ln>
+                <a:solidFill>
+                  <a:srgbClr val="000000"/>
+                </a:solidFill>
+                <a:effectLst/>
+                <a:latin typeface="Courier New" pitchFamily="49" charset="0"/>
+                <a:ea typeface="新細明體" pitchFamily="18" charset="-120"/>
+                <a:cs typeface="Courier New" pitchFamily="49" charset="0"/>
+              </a:rPr>
+              <a:t> onProgressUpdate</a:t>
+            </a:r>
+            <a:r>
+              <a:rPr kumimoji="1" lang="zh-TW" altLang="zh-TW" sz="1400" b="0" i="0" u="none" strike="noStrike" cap="none" normalizeH="0" baseline="0" dirty="0" smtClean="0">
+                <a:ln>
+                  <a:noFill/>
+                </a:ln>
+                <a:solidFill>
+                  <a:srgbClr val="666600"/>
+                </a:solidFill>
+                <a:effectLst/>
+                <a:latin typeface="Courier New" pitchFamily="49" charset="0"/>
+                <a:ea typeface="新細明體" pitchFamily="18" charset="-120"/>
+                <a:cs typeface="Courier New" pitchFamily="49" charset="0"/>
+              </a:rPr>
+              <a:t>(</a:t>
+            </a:r>
+            <a:r>
+              <a:rPr kumimoji="1" lang="zh-TW" altLang="zh-TW" sz="1400" b="0" i="0" u="none" strike="noStrike" cap="none" normalizeH="0" baseline="0" dirty="0" smtClean="0">
+                <a:ln>
+                  <a:noFill/>
+                </a:ln>
+                <a:solidFill>
+                  <a:srgbClr val="660066"/>
+                </a:solidFill>
+                <a:effectLst/>
+                <a:latin typeface="Courier New" pitchFamily="49" charset="0"/>
+                <a:ea typeface="新細明體" pitchFamily="18" charset="-120"/>
+                <a:cs typeface="Courier New" pitchFamily="49" charset="0"/>
+              </a:rPr>
+              <a:t>Integer</a:t>
+            </a:r>
+            <a:r>
+              <a:rPr kumimoji="1" lang="zh-TW" altLang="zh-TW" sz="1400" b="0" i="0" u="none" strike="noStrike" cap="none" normalizeH="0" baseline="0" dirty="0" smtClean="0">
+                <a:ln>
+                  <a:noFill/>
+                </a:ln>
+                <a:solidFill>
+                  <a:srgbClr val="666600"/>
+                </a:solidFill>
+                <a:effectLst/>
+                <a:latin typeface="Courier New" pitchFamily="49" charset="0"/>
+                <a:ea typeface="新細明體" pitchFamily="18" charset="-120"/>
+                <a:cs typeface="Courier New" pitchFamily="49" charset="0"/>
+              </a:rPr>
+              <a:t>...</a:t>
+            </a:r>
+            <a:r>
+              <a:rPr kumimoji="1" lang="zh-TW" altLang="zh-TW" sz="1400" b="0" i="0" u="none" strike="noStrike" cap="none" normalizeH="0" baseline="0" dirty="0" smtClean="0">
+                <a:ln>
+                  <a:noFill/>
+                </a:ln>
+                <a:solidFill>
+                  <a:srgbClr val="000000"/>
+                </a:solidFill>
+                <a:effectLst/>
+                <a:latin typeface="Courier New" pitchFamily="49" charset="0"/>
+                <a:ea typeface="新細明體" pitchFamily="18" charset="-120"/>
+                <a:cs typeface="Courier New" pitchFamily="49" charset="0"/>
+              </a:rPr>
+              <a:t> progress</a:t>
+            </a:r>
+            <a:r>
+              <a:rPr kumimoji="1" lang="zh-TW" altLang="zh-TW" sz="1400" b="0" i="0" u="none" strike="noStrike" cap="none" normalizeH="0" baseline="0" dirty="0" smtClean="0">
+                <a:ln>
+                  <a:noFill/>
+                </a:ln>
+                <a:solidFill>
+                  <a:srgbClr val="666600"/>
+                </a:solidFill>
+                <a:effectLst/>
+                <a:latin typeface="Courier New" pitchFamily="49" charset="0"/>
+                <a:ea typeface="新細明體" pitchFamily="18" charset="-120"/>
+                <a:cs typeface="Courier New" pitchFamily="49" charset="0"/>
+              </a:rPr>
+              <a:t>)</a:t>
+            </a:r>
+            <a:r>
+              <a:rPr kumimoji="1" lang="zh-TW" altLang="zh-TW" sz="1400" b="0" i="0" u="none" strike="noStrike" cap="none" normalizeH="0" baseline="0" dirty="0" smtClean="0">
+                <a:ln>
+                  <a:noFill/>
+                </a:ln>
+                <a:solidFill>
+                  <a:srgbClr val="000000"/>
+                </a:solidFill>
+                <a:effectLst/>
+                <a:latin typeface="Courier New" pitchFamily="49" charset="0"/>
+                <a:ea typeface="新細明體" pitchFamily="18" charset="-120"/>
+                <a:cs typeface="Courier New" pitchFamily="49" charset="0"/>
+              </a:rPr>
+              <a:t> </a:t>
+            </a:r>
+            <a:r>
+              <a:rPr kumimoji="1" lang="zh-TW" altLang="zh-TW" sz="1400" b="0" i="0" u="none" strike="noStrike" cap="none" normalizeH="0" baseline="0" dirty="0" smtClean="0">
+                <a:ln>
+                  <a:noFill/>
+                </a:ln>
+                <a:solidFill>
+                  <a:srgbClr val="666600"/>
+                </a:solidFill>
+                <a:effectLst/>
+                <a:latin typeface="Courier New" pitchFamily="49" charset="0"/>
+                <a:ea typeface="新細明體" pitchFamily="18" charset="-120"/>
+                <a:cs typeface="Courier New" pitchFamily="49" charset="0"/>
+              </a:rPr>
+              <a:t>{</a:t>
+            </a:r>
+            <a:r>
+              <a:rPr kumimoji="1" lang="zh-TW" altLang="zh-TW" sz="1400" b="0" i="0" u="none" strike="noStrike" cap="none" normalizeH="0" baseline="0" dirty="0" smtClean="0">
+                <a:ln>
+                  <a:noFill/>
+                </a:ln>
+                <a:solidFill>
+                  <a:srgbClr val="000000"/>
+                </a:solidFill>
+                <a:effectLst/>
+                <a:latin typeface="Courier New" pitchFamily="49" charset="0"/>
+                <a:ea typeface="新細明體" pitchFamily="18" charset="-120"/>
+                <a:cs typeface="Courier New" pitchFamily="49" charset="0"/>
+              </a:rPr>
+              <a:t/>
+            </a:r>
+            <a:br>
+              <a:rPr kumimoji="1" lang="zh-TW" altLang="zh-TW" sz="1400" b="0" i="0" u="none" strike="noStrike" cap="none" normalizeH="0" baseline="0" dirty="0" smtClean="0">
+                <a:ln>
+                  <a:noFill/>
+                </a:ln>
+                <a:solidFill>
+                  <a:srgbClr val="000000"/>
+                </a:solidFill>
+                <a:effectLst/>
+                <a:latin typeface="Courier New" pitchFamily="49" charset="0"/>
+                <a:ea typeface="新細明體" pitchFamily="18" charset="-120"/>
+                <a:cs typeface="Courier New" pitchFamily="49" charset="0"/>
+              </a:rPr>
+            </a:br>
+            <a:r>
+              <a:rPr kumimoji="1" lang="zh-TW" altLang="zh-TW" sz="1400" b="0" i="0" u="none" strike="noStrike" cap="none" normalizeH="0" baseline="0" dirty="0" smtClean="0">
+                <a:ln>
+                  <a:noFill/>
+                </a:ln>
+                <a:solidFill>
+                  <a:srgbClr val="000000"/>
+                </a:solidFill>
+                <a:effectLst/>
+                <a:latin typeface="Arial"/>
+                <a:ea typeface="新細明體" pitchFamily="18" charset="-120"/>
+                <a:cs typeface="Courier New" pitchFamily="49" charset="0"/>
+              </a:rPr>
+              <a:t> </a:t>
+            </a:r>
+            <a:r>
+              <a:rPr kumimoji="1" lang="zh-TW" altLang="zh-TW" sz="1400" b="0" i="0" u="none" strike="noStrike" cap="none" normalizeH="0" baseline="0" dirty="0" smtClean="0">
+                <a:ln>
+                  <a:noFill/>
+                </a:ln>
+                <a:solidFill>
+                  <a:srgbClr val="000000"/>
+                </a:solidFill>
+                <a:effectLst/>
+                <a:latin typeface="Courier New" pitchFamily="49" charset="0"/>
+                <a:ea typeface="新細明體" pitchFamily="18" charset="-120"/>
+                <a:cs typeface="Courier New" pitchFamily="49" charset="0"/>
+              </a:rPr>
+              <a:t> </a:t>
+            </a:r>
+            <a:r>
+              <a:rPr kumimoji="1" lang="zh-TW" altLang="zh-TW" sz="1400" b="0" i="0" u="none" strike="noStrike" cap="none" normalizeH="0" baseline="0" dirty="0" smtClean="0">
+                <a:ln>
+                  <a:noFill/>
+                </a:ln>
+                <a:solidFill>
+                  <a:srgbClr val="000000"/>
+                </a:solidFill>
+                <a:effectLst/>
+                <a:latin typeface="Arial"/>
+                <a:ea typeface="新細明體" pitchFamily="18" charset="-120"/>
+                <a:cs typeface="Courier New" pitchFamily="49" charset="0"/>
+              </a:rPr>
+              <a:t> </a:t>
+            </a:r>
+            <a:r>
+              <a:rPr kumimoji="1" lang="zh-TW" altLang="zh-TW" sz="1400" b="0" i="0" u="none" strike="noStrike" cap="none" normalizeH="0" baseline="0" dirty="0" smtClean="0">
+                <a:ln>
+                  <a:noFill/>
+                </a:ln>
+                <a:solidFill>
+                  <a:srgbClr val="000000"/>
+                </a:solidFill>
+                <a:effectLst/>
+                <a:latin typeface="Courier New" pitchFamily="49" charset="0"/>
+                <a:ea typeface="新細明體" pitchFamily="18" charset="-120"/>
+                <a:cs typeface="Courier New" pitchFamily="49" charset="0"/>
+              </a:rPr>
+              <a:t> </a:t>
+            </a:r>
+            <a:r>
+              <a:rPr kumimoji="1" lang="zh-TW" altLang="zh-TW" sz="1400" b="0" i="0" u="none" strike="noStrike" cap="none" normalizeH="0" baseline="0" dirty="0" smtClean="0">
+                <a:ln>
+                  <a:noFill/>
+                </a:ln>
+                <a:solidFill>
+                  <a:srgbClr val="000000"/>
+                </a:solidFill>
+                <a:effectLst/>
+                <a:latin typeface="Arial"/>
+                <a:ea typeface="新細明體" pitchFamily="18" charset="-120"/>
+                <a:cs typeface="Courier New" pitchFamily="49" charset="0"/>
+              </a:rPr>
+              <a:t> </a:t>
+            </a:r>
+            <a:r>
+              <a:rPr kumimoji="1" lang="zh-TW" altLang="zh-TW" sz="1400" b="0" i="0" u="none" strike="noStrike" cap="none" normalizeH="0" baseline="0" dirty="0" smtClean="0">
+                <a:ln>
+                  <a:noFill/>
+                </a:ln>
+                <a:solidFill>
+                  <a:srgbClr val="000000"/>
+                </a:solidFill>
+                <a:effectLst/>
+                <a:latin typeface="Courier New" pitchFamily="49" charset="0"/>
+                <a:ea typeface="新細明體" pitchFamily="18" charset="-120"/>
+                <a:cs typeface="Courier New" pitchFamily="49" charset="0"/>
+              </a:rPr>
+              <a:t> </a:t>
+            </a:r>
+            <a:r>
+              <a:rPr kumimoji="1" lang="zh-TW" altLang="zh-TW" sz="1400" b="0" i="0" u="none" strike="noStrike" cap="none" normalizeH="0" baseline="0" dirty="0" smtClean="0">
+                <a:ln>
+                  <a:noFill/>
+                </a:ln>
+                <a:solidFill>
+                  <a:srgbClr val="000000"/>
+                </a:solidFill>
+                <a:effectLst/>
+                <a:latin typeface="Arial"/>
+                <a:ea typeface="新細明體" pitchFamily="18" charset="-120"/>
+                <a:cs typeface="Courier New" pitchFamily="49" charset="0"/>
+              </a:rPr>
+              <a:t> </a:t>
+            </a:r>
+            <a:r>
+              <a:rPr kumimoji="1" lang="zh-TW" altLang="zh-TW" sz="1400" b="0" i="0" u="none" strike="noStrike" cap="none" normalizeH="0" baseline="0" dirty="0" smtClean="0">
+                <a:ln>
+                  <a:noFill/>
+                </a:ln>
+                <a:solidFill>
+                  <a:srgbClr val="000000"/>
+                </a:solidFill>
+                <a:effectLst/>
+                <a:latin typeface="Courier New" pitchFamily="49" charset="0"/>
+                <a:ea typeface="新細明體" pitchFamily="18" charset="-120"/>
+                <a:cs typeface="Courier New" pitchFamily="49" charset="0"/>
+              </a:rPr>
+              <a:t> </a:t>
+            </a:r>
+            <a:r>
+              <a:rPr kumimoji="1" lang="zh-TW" altLang="zh-TW" sz="1400" b="0" i="0" u="none" strike="noStrike" cap="none" normalizeH="0" baseline="0" dirty="0" smtClean="0">
+                <a:ln>
+                  <a:noFill/>
+                </a:ln>
+                <a:solidFill>
+                  <a:srgbClr val="000000"/>
+                </a:solidFill>
+                <a:effectLst/>
+                <a:latin typeface="Arial"/>
+                <a:ea typeface="新細明體" pitchFamily="18" charset="-120"/>
+                <a:cs typeface="Courier New" pitchFamily="49" charset="0"/>
+              </a:rPr>
+              <a:t> </a:t>
+            </a:r>
+            <a:r>
+              <a:rPr kumimoji="1" lang="zh-TW" altLang="zh-TW" sz="1400" b="0" i="0" u="none" strike="noStrike" cap="none" normalizeH="0" baseline="0" dirty="0" smtClean="0">
+                <a:ln>
+                  <a:noFill/>
+                </a:ln>
+                <a:solidFill>
+                  <a:srgbClr val="000000"/>
+                </a:solidFill>
+                <a:effectLst/>
+                <a:latin typeface="Courier New" pitchFamily="49" charset="0"/>
+                <a:ea typeface="新細明體" pitchFamily="18" charset="-120"/>
+                <a:cs typeface="Courier New" pitchFamily="49" charset="0"/>
+              </a:rPr>
+              <a:t>setProgressPercent</a:t>
+            </a:r>
+            <a:r>
+              <a:rPr kumimoji="1" lang="zh-TW" altLang="zh-TW" sz="1400" b="0" i="0" u="none" strike="noStrike" cap="none" normalizeH="0" baseline="0" dirty="0" smtClean="0">
+                <a:ln>
+                  <a:noFill/>
+                </a:ln>
+                <a:solidFill>
+                  <a:srgbClr val="666600"/>
+                </a:solidFill>
+                <a:effectLst/>
+                <a:latin typeface="Courier New" pitchFamily="49" charset="0"/>
+                <a:ea typeface="新細明體" pitchFamily="18" charset="-120"/>
+                <a:cs typeface="Courier New" pitchFamily="49" charset="0"/>
+              </a:rPr>
+              <a:t>(</a:t>
+            </a:r>
+            <a:r>
+              <a:rPr kumimoji="1" lang="zh-TW" altLang="zh-TW" sz="1400" b="0" i="0" u="none" strike="noStrike" cap="none" normalizeH="0" baseline="0" dirty="0" smtClean="0">
+                <a:ln>
+                  <a:noFill/>
+                </a:ln>
+                <a:solidFill>
+                  <a:srgbClr val="000000"/>
+                </a:solidFill>
+                <a:effectLst/>
+                <a:latin typeface="Courier New" pitchFamily="49" charset="0"/>
+                <a:ea typeface="新細明體" pitchFamily="18" charset="-120"/>
+                <a:cs typeface="Courier New" pitchFamily="49" charset="0"/>
+              </a:rPr>
+              <a:t>progress</a:t>
+            </a:r>
+            <a:r>
+              <a:rPr kumimoji="1" lang="zh-TW" altLang="zh-TW" sz="1400" b="0" i="0" u="none" strike="noStrike" cap="none" normalizeH="0" baseline="0" dirty="0" smtClean="0">
+                <a:ln>
+                  <a:noFill/>
+                </a:ln>
+                <a:solidFill>
+                  <a:srgbClr val="666600"/>
+                </a:solidFill>
+                <a:effectLst/>
+                <a:latin typeface="Courier New" pitchFamily="49" charset="0"/>
+                <a:ea typeface="新細明體" pitchFamily="18" charset="-120"/>
+                <a:cs typeface="Courier New" pitchFamily="49" charset="0"/>
+              </a:rPr>
+              <a:t>[</a:t>
+            </a:r>
+            <a:r>
+              <a:rPr kumimoji="1" lang="zh-TW" altLang="zh-TW" sz="1400" b="0" i="0" u="none" strike="noStrike" cap="none" normalizeH="0" baseline="0" dirty="0" smtClean="0">
+                <a:ln>
+                  <a:noFill/>
+                </a:ln>
+                <a:solidFill>
+                  <a:srgbClr val="006666"/>
+                </a:solidFill>
+                <a:effectLst/>
+                <a:latin typeface="Courier New" pitchFamily="49" charset="0"/>
+                <a:ea typeface="新細明體" pitchFamily="18" charset="-120"/>
+                <a:cs typeface="Courier New" pitchFamily="49" charset="0"/>
+              </a:rPr>
+              <a:t>0</a:t>
+            </a:r>
+            <a:r>
+              <a:rPr kumimoji="1" lang="zh-TW" altLang="zh-TW" sz="1400" b="0" i="0" u="none" strike="noStrike" cap="none" normalizeH="0" baseline="0" dirty="0" smtClean="0">
+                <a:ln>
+                  <a:noFill/>
+                </a:ln>
+                <a:solidFill>
+                  <a:srgbClr val="666600"/>
+                </a:solidFill>
+                <a:effectLst/>
+                <a:latin typeface="Courier New" pitchFamily="49" charset="0"/>
+                <a:ea typeface="新細明體" pitchFamily="18" charset="-120"/>
+                <a:cs typeface="Courier New" pitchFamily="49" charset="0"/>
+              </a:rPr>
+              <a:t>]);</a:t>
+            </a:r>
+            <a:r>
+              <a:rPr kumimoji="1" lang="zh-TW" altLang="zh-TW" sz="1400" b="0" i="0" u="none" strike="noStrike" cap="none" normalizeH="0" baseline="0" dirty="0" smtClean="0">
+                <a:ln>
+                  <a:noFill/>
+                </a:ln>
+                <a:solidFill>
+                  <a:srgbClr val="000000"/>
+                </a:solidFill>
+                <a:effectLst/>
+                <a:latin typeface="Courier New" pitchFamily="49" charset="0"/>
+                <a:ea typeface="新細明體" pitchFamily="18" charset="-120"/>
+                <a:cs typeface="Courier New" pitchFamily="49" charset="0"/>
+              </a:rPr>
+              <a:t/>
+            </a:r>
+            <a:br>
+              <a:rPr kumimoji="1" lang="zh-TW" altLang="zh-TW" sz="1400" b="0" i="0" u="none" strike="noStrike" cap="none" normalizeH="0" baseline="0" dirty="0" smtClean="0">
+                <a:ln>
+                  <a:noFill/>
+                </a:ln>
+                <a:solidFill>
+                  <a:srgbClr val="000000"/>
+                </a:solidFill>
+                <a:effectLst/>
+                <a:latin typeface="Courier New" pitchFamily="49" charset="0"/>
+                <a:ea typeface="新細明體" pitchFamily="18" charset="-120"/>
+                <a:cs typeface="Courier New" pitchFamily="49" charset="0"/>
+              </a:rPr>
+            </a:br>
+            <a:r>
+              <a:rPr kumimoji="1" lang="zh-TW" altLang="zh-TW" sz="1400" b="0" i="0" u="none" strike="noStrike" cap="none" normalizeH="0" baseline="0" dirty="0" smtClean="0">
+                <a:ln>
+                  <a:noFill/>
+                </a:ln>
+                <a:solidFill>
+                  <a:srgbClr val="000000"/>
+                </a:solidFill>
+                <a:effectLst/>
+                <a:latin typeface="Arial"/>
+                <a:ea typeface="新細明體" pitchFamily="18" charset="-120"/>
+                <a:cs typeface="Courier New" pitchFamily="49" charset="0"/>
+              </a:rPr>
+              <a:t> </a:t>
+            </a:r>
+            <a:r>
+              <a:rPr kumimoji="1" lang="zh-TW" altLang="zh-TW" sz="1400" b="0" i="0" u="none" strike="noStrike" cap="none" normalizeH="0" baseline="0" dirty="0" smtClean="0">
+                <a:ln>
+                  <a:noFill/>
+                </a:ln>
+                <a:solidFill>
+                  <a:srgbClr val="000000"/>
+                </a:solidFill>
+                <a:effectLst/>
+                <a:latin typeface="Courier New" pitchFamily="49" charset="0"/>
+                <a:ea typeface="新細明體" pitchFamily="18" charset="-120"/>
+                <a:cs typeface="Courier New" pitchFamily="49" charset="0"/>
+              </a:rPr>
+              <a:t> </a:t>
+            </a:r>
+            <a:r>
+              <a:rPr kumimoji="1" lang="zh-TW" altLang="zh-TW" sz="1400" b="0" i="0" u="none" strike="noStrike" cap="none" normalizeH="0" baseline="0" dirty="0" smtClean="0">
+                <a:ln>
+                  <a:noFill/>
+                </a:ln>
+                <a:solidFill>
+                  <a:srgbClr val="000000"/>
+                </a:solidFill>
+                <a:effectLst/>
+                <a:latin typeface="Arial"/>
+                <a:ea typeface="新細明體" pitchFamily="18" charset="-120"/>
+                <a:cs typeface="Courier New" pitchFamily="49" charset="0"/>
+              </a:rPr>
+              <a:t> </a:t>
+            </a:r>
+            <a:r>
+              <a:rPr kumimoji="1" lang="zh-TW" altLang="zh-TW" sz="1400" b="0" i="0" u="none" strike="noStrike" cap="none" normalizeH="0" baseline="0" dirty="0" smtClean="0">
+                <a:ln>
+                  <a:noFill/>
+                </a:ln>
+                <a:solidFill>
+                  <a:srgbClr val="000000"/>
+                </a:solidFill>
+                <a:effectLst/>
+                <a:latin typeface="Courier New" pitchFamily="49" charset="0"/>
+                <a:ea typeface="新細明體" pitchFamily="18" charset="-120"/>
+                <a:cs typeface="Courier New" pitchFamily="49" charset="0"/>
+              </a:rPr>
+              <a:t> </a:t>
+            </a:r>
+            <a:r>
+              <a:rPr kumimoji="1" lang="zh-TW" altLang="zh-TW" sz="1400" b="0" i="0" u="none" strike="noStrike" cap="none" normalizeH="0" baseline="0" dirty="0" smtClean="0">
+                <a:ln>
+                  <a:noFill/>
+                </a:ln>
+                <a:solidFill>
+                  <a:srgbClr val="000000"/>
+                </a:solidFill>
+                <a:effectLst/>
+                <a:latin typeface="Arial"/>
+                <a:ea typeface="新細明體" pitchFamily="18" charset="-120"/>
+                <a:cs typeface="Courier New" pitchFamily="49" charset="0"/>
+              </a:rPr>
+              <a:t> </a:t>
+            </a:r>
+            <a:r>
+              <a:rPr kumimoji="1" lang="zh-TW" altLang="zh-TW" sz="1400" b="0" i="0" u="none" strike="noStrike" cap="none" normalizeH="0" baseline="0" dirty="0" smtClean="0">
+                <a:ln>
+                  <a:noFill/>
+                </a:ln>
+                <a:solidFill>
+                  <a:srgbClr val="666600"/>
+                </a:solidFill>
+                <a:effectLst/>
+                <a:latin typeface="Courier New" pitchFamily="49" charset="0"/>
+                <a:ea typeface="新細明體" pitchFamily="18" charset="-120"/>
+                <a:cs typeface="Courier New" pitchFamily="49" charset="0"/>
+              </a:rPr>
+              <a:t>}</a:t>
+            </a:r>
+            <a:r>
+              <a:rPr kumimoji="1" lang="zh-TW" altLang="zh-TW" sz="1400" b="0" i="0" u="none" strike="noStrike" cap="none" normalizeH="0" baseline="0" dirty="0" smtClean="0">
+                <a:ln>
+                  <a:noFill/>
+                </a:ln>
+                <a:solidFill>
+                  <a:srgbClr val="000000"/>
+                </a:solidFill>
+                <a:effectLst/>
+                <a:latin typeface="Courier New" pitchFamily="49" charset="0"/>
+                <a:ea typeface="新細明體" pitchFamily="18" charset="-120"/>
+                <a:cs typeface="Courier New" pitchFamily="49" charset="0"/>
+              </a:rPr>
+              <a:t/>
+            </a:r>
+            <a:br>
+              <a:rPr kumimoji="1" lang="zh-TW" altLang="zh-TW" sz="1400" b="0" i="0" u="none" strike="noStrike" cap="none" normalizeH="0" baseline="0" dirty="0" smtClean="0">
+                <a:ln>
+                  <a:noFill/>
+                </a:ln>
+                <a:solidFill>
+                  <a:srgbClr val="000000"/>
+                </a:solidFill>
+                <a:effectLst/>
+                <a:latin typeface="Courier New" pitchFamily="49" charset="0"/>
+                <a:ea typeface="新細明體" pitchFamily="18" charset="-120"/>
+                <a:cs typeface="Courier New" pitchFamily="49" charset="0"/>
+              </a:rPr>
+            </a:br>
+            <a:r>
+              <a:rPr kumimoji="1" lang="zh-TW" altLang="zh-TW" sz="1400" b="0" i="0" u="none" strike="noStrike" cap="none" normalizeH="0" baseline="0" dirty="0" smtClean="0">
+                <a:ln>
+                  <a:noFill/>
+                </a:ln>
+                <a:solidFill>
+                  <a:srgbClr val="000000"/>
+                </a:solidFill>
+                <a:effectLst/>
+                <a:latin typeface="Courier New" pitchFamily="49" charset="0"/>
+                <a:ea typeface="新細明體" pitchFamily="18" charset="-120"/>
+                <a:cs typeface="Courier New" pitchFamily="49" charset="0"/>
+              </a:rPr>
+              <a:t/>
+            </a:r>
+            <a:br>
+              <a:rPr kumimoji="1" lang="zh-TW" altLang="zh-TW" sz="1400" b="0" i="0" u="none" strike="noStrike" cap="none" normalizeH="0" baseline="0" dirty="0" smtClean="0">
+                <a:ln>
+                  <a:noFill/>
+                </a:ln>
+                <a:solidFill>
+                  <a:srgbClr val="000000"/>
+                </a:solidFill>
+                <a:effectLst/>
+                <a:latin typeface="Courier New" pitchFamily="49" charset="0"/>
+                <a:ea typeface="新細明體" pitchFamily="18" charset="-120"/>
+                <a:cs typeface="Courier New" pitchFamily="49" charset="0"/>
+              </a:rPr>
+            </a:br>
+            <a:r>
+              <a:rPr kumimoji="1" lang="zh-TW" altLang="zh-TW" sz="1400" b="0" i="0" u="none" strike="noStrike" cap="none" normalizeH="0" baseline="0" dirty="0" smtClean="0">
+                <a:ln>
+                  <a:noFill/>
+                </a:ln>
+                <a:solidFill>
+                  <a:srgbClr val="000000"/>
+                </a:solidFill>
+                <a:effectLst/>
+                <a:latin typeface="Arial"/>
+                <a:ea typeface="新細明體" pitchFamily="18" charset="-120"/>
+                <a:cs typeface="Courier New" pitchFamily="49" charset="0"/>
+              </a:rPr>
+              <a:t> </a:t>
+            </a:r>
+            <a:r>
+              <a:rPr kumimoji="1" lang="zh-TW" altLang="zh-TW" sz="1400" b="0" i="0" u="none" strike="noStrike" cap="none" normalizeH="0" baseline="0" dirty="0" smtClean="0">
+                <a:ln>
+                  <a:noFill/>
+                </a:ln>
+                <a:solidFill>
+                  <a:srgbClr val="000000"/>
+                </a:solidFill>
+                <a:effectLst/>
+                <a:latin typeface="Courier New" pitchFamily="49" charset="0"/>
+                <a:ea typeface="新細明體" pitchFamily="18" charset="-120"/>
+                <a:cs typeface="Courier New" pitchFamily="49" charset="0"/>
+              </a:rPr>
+              <a:t> </a:t>
+            </a:r>
+            <a:r>
+              <a:rPr kumimoji="1" lang="zh-TW" altLang="zh-TW" sz="1400" b="0" i="0" u="none" strike="noStrike" cap="none" normalizeH="0" baseline="0" dirty="0" smtClean="0">
+                <a:ln>
+                  <a:noFill/>
+                </a:ln>
+                <a:solidFill>
+                  <a:srgbClr val="000000"/>
+                </a:solidFill>
+                <a:effectLst/>
+                <a:latin typeface="Arial"/>
+                <a:ea typeface="新細明體" pitchFamily="18" charset="-120"/>
+                <a:cs typeface="Courier New" pitchFamily="49" charset="0"/>
+              </a:rPr>
+              <a:t> </a:t>
+            </a:r>
+            <a:r>
+              <a:rPr kumimoji="1" lang="zh-TW" altLang="zh-TW" sz="1400" b="0" i="0" u="none" strike="noStrike" cap="none" normalizeH="0" baseline="0" dirty="0" smtClean="0">
+                <a:ln>
+                  <a:noFill/>
+                </a:ln>
+                <a:solidFill>
+                  <a:srgbClr val="000000"/>
+                </a:solidFill>
+                <a:effectLst/>
+                <a:latin typeface="Courier New" pitchFamily="49" charset="0"/>
+                <a:ea typeface="新細明體" pitchFamily="18" charset="-120"/>
+                <a:cs typeface="Courier New" pitchFamily="49" charset="0"/>
+              </a:rPr>
+              <a:t> </a:t>
+            </a:r>
+            <a:r>
+              <a:rPr kumimoji="1" lang="zh-TW" altLang="zh-TW" sz="1400" b="0" i="0" u="none" strike="noStrike" cap="none" normalizeH="0" baseline="0" dirty="0" smtClean="0">
+                <a:ln>
+                  <a:noFill/>
+                </a:ln>
+                <a:solidFill>
+                  <a:srgbClr val="000000"/>
+                </a:solidFill>
+                <a:effectLst/>
+                <a:latin typeface="Arial"/>
+                <a:ea typeface="新細明體" pitchFamily="18" charset="-120"/>
+                <a:cs typeface="Courier New" pitchFamily="49" charset="0"/>
+              </a:rPr>
+              <a:t> </a:t>
+            </a:r>
+            <a:r>
+              <a:rPr kumimoji="1" lang="zh-TW" altLang="zh-TW" sz="1400" b="0" i="0" u="none" strike="noStrike" cap="none" normalizeH="0" baseline="0" dirty="0" smtClean="0">
+                <a:ln>
+                  <a:noFill/>
+                </a:ln>
+                <a:solidFill>
+                  <a:srgbClr val="000088"/>
+                </a:solidFill>
+                <a:effectLst/>
+                <a:latin typeface="Courier New" pitchFamily="49" charset="0"/>
+                <a:ea typeface="新細明體" pitchFamily="18" charset="-120"/>
+                <a:cs typeface="Courier New" pitchFamily="49" charset="0"/>
+              </a:rPr>
+              <a:t>protected</a:t>
+            </a:r>
+            <a:r>
+              <a:rPr kumimoji="1" lang="zh-TW" altLang="zh-TW" sz="1400" b="0" i="0" u="none" strike="noStrike" cap="none" normalizeH="0" baseline="0" dirty="0" smtClean="0">
+                <a:ln>
+                  <a:noFill/>
+                </a:ln>
+                <a:solidFill>
+                  <a:srgbClr val="000000"/>
+                </a:solidFill>
+                <a:effectLst/>
+                <a:latin typeface="Courier New" pitchFamily="49" charset="0"/>
+                <a:ea typeface="新細明體" pitchFamily="18" charset="-120"/>
+                <a:cs typeface="Courier New" pitchFamily="49" charset="0"/>
+              </a:rPr>
+              <a:t> </a:t>
+            </a:r>
+            <a:r>
+              <a:rPr kumimoji="1" lang="zh-TW" altLang="zh-TW" sz="1400" b="0" i="0" u="none" strike="noStrike" cap="none" normalizeH="0" baseline="0" dirty="0" smtClean="0">
+                <a:ln>
+                  <a:noFill/>
+                </a:ln>
+                <a:solidFill>
+                  <a:srgbClr val="000088"/>
+                </a:solidFill>
+                <a:effectLst/>
+                <a:latin typeface="Courier New" pitchFamily="49" charset="0"/>
+                <a:ea typeface="新細明體" pitchFamily="18" charset="-120"/>
+                <a:cs typeface="Courier New" pitchFamily="49" charset="0"/>
+              </a:rPr>
+              <a:t>void</a:t>
+            </a:r>
+            <a:r>
+              <a:rPr kumimoji="1" lang="zh-TW" altLang="zh-TW" sz="1400" b="0" i="0" u="none" strike="noStrike" cap="none" normalizeH="0" baseline="0" dirty="0" smtClean="0">
+                <a:ln>
+                  <a:noFill/>
+                </a:ln>
+                <a:solidFill>
+                  <a:srgbClr val="000000"/>
+                </a:solidFill>
+                <a:effectLst/>
+                <a:latin typeface="Courier New" pitchFamily="49" charset="0"/>
+                <a:ea typeface="新細明體" pitchFamily="18" charset="-120"/>
+                <a:cs typeface="Courier New" pitchFamily="49" charset="0"/>
+              </a:rPr>
+              <a:t> onPostExecute</a:t>
+            </a:r>
+            <a:r>
+              <a:rPr kumimoji="1" lang="zh-TW" altLang="zh-TW" sz="1400" b="0" i="0" u="none" strike="noStrike" cap="none" normalizeH="0" baseline="0" dirty="0" smtClean="0">
+                <a:ln>
+                  <a:noFill/>
+                </a:ln>
+                <a:solidFill>
+                  <a:srgbClr val="666600"/>
+                </a:solidFill>
+                <a:effectLst/>
+                <a:latin typeface="Courier New" pitchFamily="49" charset="0"/>
+                <a:ea typeface="新細明體" pitchFamily="18" charset="-120"/>
+                <a:cs typeface="Courier New" pitchFamily="49" charset="0"/>
+              </a:rPr>
+              <a:t>(</a:t>
+            </a:r>
+            <a:r>
+              <a:rPr kumimoji="1" lang="zh-TW" altLang="zh-TW" sz="1400" b="0" i="0" u="none" strike="noStrike" cap="none" normalizeH="0" baseline="0" dirty="0" smtClean="0">
+                <a:ln>
+                  <a:noFill/>
+                </a:ln>
+                <a:solidFill>
+                  <a:srgbClr val="660066"/>
+                </a:solidFill>
+                <a:effectLst/>
+                <a:latin typeface="Courier New" pitchFamily="49" charset="0"/>
+                <a:ea typeface="新細明體" pitchFamily="18" charset="-120"/>
+                <a:cs typeface="Courier New" pitchFamily="49" charset="0"/>
+              </a:rPr>
+              <a:t>Long</a:t>
+            </a:r>
+            <a:r>
+              <a:rPr kumimoji="1" lang="zh-TW" altLang="zh-TW" sz="1400" b="0" i="0" u="none" strike="noStrike" cap="none" normalizeH="0" baseline="0" dirty="0" smtClean="0">
+                <a:ln>
+                  <a:noFill/>
+                </a:ln>
+                <a:solidFill>
+                  <a:srgbClr val="000000"/>
+                </a:solidFill>
+                <a:effectLst/>
+                <a:latin typeface="Courier New" pitchFamily="49" charset="0"/>
+                <a:ea typeface="新細明體" pitchFamily="18" charset="-120"/>
+                <a:cs typeface="Courier New" pitchFamily="49" charset="0"/>
+              </a:rPr>
+              <a:t> result</a:t>
+            </a:r>
+            <a:r>
+              <a:rPr kumimoji="1" lang="zh-TW" altLang="zh-TW" sz="1400" b="0" i="0" u="none" strike="noStrike" cap="none" normalizeH="0" baseline="0" dirty="0" smtClean="0">
+                <a:ln>
+                  <a:noFill/>
+                </a:ln>
+                <a:solidFill>
+                  <a:srgbClr val="666600"/>
+                </a:solidFill>
+                <a:effectLst/>
+                <a:latin typeface="Courier New" pitchFamily="49" charset="0"/>
+                <a:ea typeface="新細明體" pitchFamily="18" charset="-120"/>
+                <a:cs typeface="Courier New" pitchFamily="49" charset="0"/>
+              </a:rPr>
+              <a:t>)</a:t>
+            </a:r>
+            <a:r>
+              <a:rPr kumimoji="1" lang="zh-TW" altLang="zh-TW" sz="1400" b="0" i="0" u="none" strike="noStrike" cap="none" normalizeH="0" baseline="0" dirty="0" smtClean="0">
+                <a:ln>
+                  <a:noFill/>
+                </a:ln>
+                <a:solidFill>
+                  <a:srgbClr val="000000"/>
+                </a:solidFill>
+                <a:effectLst/>
+                <a:latin typeface="Courier New" pitchFamily="49" charset="0"/>
+                <a:ea typeface="新細明體" pitchFamily="18" charset="-120"/>
+                <a:cs typeface="Courier New" pitchFamily="49" charset="0"/>
+              </a:rPr>
+              <a:t> </a:t>
+            </a:r>
+            <a:r>
+              <a:rPr kumimoji="1" lang="zh-TW" altLang="zh-TW" sz="1400" b="0" i="0" u="none" strike="noStrike" cap="none" normalizeH="0" baseline="0" dirty="0" smtClean="0">
+                <a:ln>
+                  <a:noFill/>
+                </a:ln>
+                <a:solidFill>
+                  <a:srgbClr val="666600"/>
+                </a:solidFill>
+                <a:effectLst/>
+                <a:latin typeface="Courier New" pitchFamily="49" charset="0"/>
+                <a:ea typeface="新細明體" pitchFamily="18" charset="-120"/>
+                <a:cs typeface="Courier New" pitchFamily="49" charset="0"/>
+              </a:rPr>
+              <a:t>{</a:t>
+            </a:r>
+            <a:r>
+              <a:rPr kumimoji="1" lang="zh-TW" altLang="zh-TW" sz="1400" b="0" i="0" u="none" strike="noStrike" cap="none" normalizeH="0" baseline="0" dirty="0" smtClean="0">
+                <a:ln>
+                  <a:noFill/>
+                </a:ln>
+                <a:solidFill>
+                  <a:srgbClr val="000000"/>
+                </a:solidFill>
+                <a:effectLst/>
+                <a:latin typeface="Courier New" pitchFamily="49" charset="0"/>
+                <a:ea typeface="新細明體" pitchFamily="18" charset="-120"/>
+                <a:cs typeface="Courier New" pitchFamily="49" charset="0"/>
+              </a:rPr>
+              <a:t/>
+            </a:r>
+            <a:br>
+              <a:rPr kumimoji="1" lang="zh-TW" altLang="zh-TW" sz="1400" b="0" i="0" u="none" strike="noStrike" cap="none" normalizeH="0" baseline="0" dirty="0" smtClean="0">
+                <a:ln>
+                  <a:noFill/>
+                </a:ln>
+                <a:solidFill>
+                  <a:srgbClr val="000000"/>
+                </a:solidFill>
+                <a:effectLst/>
+                <a:latin typeface="Courier New" pitchFamily="49" charset="0"/>
+                <a:ea typeface="新細明體" pitchFamily="18" charset="-120"/>
+                <a:cs typeface="Courier New" pitchFamily="49" charset="0"/>
+              </a:rPr>
+            </a:br>
+            <a:r>
+              <a:rPr kumimoji="1" lang="zh-TW" altLang="zh-TW" sz="1400" b="0" i="0" u="none" strike="noStrike" cap="none" normalizeH="0" baseline="0" dirty="0" smtClean="0">
+                <a:ln>
+                  <a:noFill/>
+                </a:ln>
+                <a:solidFill>
+                  <a:srgbClr val="000000"/>
+                </a:solidFill>
+                <a:effectLst/>
+                <a:latin typeface="Arial"/>
+                <a:ea typeface="新細明體" pitchFamily="18" charset="-120"/>
+                <a:cs typeface="Courier New" pitchFamily="49" charset="0"/>
+              </a:rPr>
+              <a:t> </a:t>
+            </a:r>
+            <a:r>
+              <a:rPr kumimoji="1" lang="zh-TW" altLang="zh-TW" sz="1400" b="0" i="0" u="none" strike="noStrike" cap="none" normalizeH="0" baseline="0" dirty="0" smtClean="0">
+                <a:ln>
+                  <a:noFill/>
+                </a:ln>
+                <a:solidFill>
+                  <a:srgbClr val="000000"/>
+                </a:solidFill>
+                <a:effectLst/>
+                <a:latin typeface="Courier New" pitchFamily="49" charset="0"/>
+                <a:ea typeface="新細明體" pitchFamily="18" charset="-120"/>
+                <a:cs typeface="Courier New" pitchFamily="49" charset="0"/>
+              </a:rPr>
+              <a:t> </a:t>
+            </a:r>
+            <a:r>
+              <a:rPr kumimoji="1" lang="zh-TW" altLang="zh-TW" sz="1400" b="0" i="0" u="none" strike="noStrike" cap="none" normalizeH="0" baseline="0" dirty="0" smtClean="0">
+                <a:ln>
+                  <a:noFill/>
+                </a:ln>
+                <a:solidFill>
+                  <a:srgbClr val="000000"/>
+                </a:solidFill>
+                <a:effectLst/>
+                <a:latin typeface="Arial"/>
+                <a:ea typeface="新細明體" pitchFamily="18" charset="-120"/>
+                <a:cs typeface="Courier New" pitchFamily="49" charset="0"/>
+              </a:rPr>
+              <a:t> </a:t>
+            </a:r>
+            <a:r>
+              <a:rPr kumimoji="1" lang="zh-TW" altLang="zh-TW" sz="1400" b="0" i="0" u="none" strike="noStrike" cap="none" normalizeH="0" baseline="0" dirty="0" smtClean="0">
+                <a:ln>
+                  <a:noFill/>
+                </a:ln>
+                <a:solidFill>
+                  <a:srgbClr val="000000"/>
+                </a:solidFill>
+                <a:effectLst/>
+                <a:latin typeface="Courier New" pitchFamily="49" charset="0"/>
+                <a:ea typeface="新細明體" pitchFamily="18" charset="-120"/>
+                <a:cs typeface="Courier New" pitchFamily="49" charset="0"/>
+              </a:rPr>
+              <a:t> </a:t>
+            </a:r>
+            <a:r>
+              <a:rPr kumimoji="1" lang="zh-TW" altLang="zh-TW" sz="1400" b="0" i="0" u="none" strike="noStrike" cap="none" normalizeH="0" baseline="0" dirty="0" smtClean="0">
+                <a:ln>
+                  <a:noFill/>
+                </a:ln>
+                <a:solidFill>
+                  <a:srgbClr val="000000"/>
+                </a:solidFill>
+                <a:effectLst/>
+                <a:latin typeface="Arial"/>
+                <a:ea typeface="新細明體" pitchFamily="18" charset="-120"/>
+                <a:cs typeface="Courier New" pitchFamily="49" charset="0"/>
+              </a:rPr>
+              <a:t> </a:t>
+            </a:r>
+            <a:r>
+              <a:rPr kumimoji="1" lang="zh-TW" altLang="zh-TW" sz="1400" b="0" i="0" u="none" strike="noStrike" cap="none" normalizeH="0" baseline="0" dirty="0" smtClean="0">
+                <a:ln>
+                  <a:noFill/>
+                </a:ln>
+                <a:solidFill>
+                  <a:srgbClr val="000000"/>
+                </a:solidFill>
+                <a:effectLst/>
+                <a:latin typeface="Courier New" pitchFamily="49" charset="0"/>
+                <a:ea typeface="新細明體" pitchFamily="18" charset="-120"/>
+                <a:cs typeface="Courier New" pitchFamily="49" charset="0"/>
+              </a:rPr>
+              <a:t> </a:t>
+            </a:r>
+            <a:r>
+              <a:rPr kumimoji="1" lang="zh-TW" altLang="zh-TW" sz="1400" b="0" i="0" u="none" strike="noStrike" cap="none" normalizeH="0" baseline="0" dirty="0" smtClean="0">
+                <a:ln>
+                  <a:noFill/>
+                </a:ln>
+                <a:solidFill>
+                  <a:srgbClr val="000000"/>
+                </a:solidFill>
+                <a:effectLst/>
+                <a:latin typeface="Arial"/>
+                <a:ea typeface="新細明體" pitchFamily="18" charset="-120"/>
+                <a:cs typeface="Courier New" pitchFamily="49" charset="0"/>
+              </a:rPr>
+              <a:t> </a:t>
+            </a:r>
+            <a:r>
+              <a:rPr kumimoji="1" lang="zh-TW" altLang="zh-TW" sz="1400" b="0" i="0" u="none" strike="noStrike" cap="none" normalizeH="0" baseline="0" dirty="0" smtClean="0">
+                <a:ln>
+                  <a:noFill/>
+                </a:ln>
+                <a:solidFill>
+                  <a:srgbClr val="000000"/>
+                </a:solidFill>
+                <a:effectLst/>
+                <a:latin typeface="Courier New" pitchFamily="49" charset="0"/>
+                <a:ea typeface="新細明體" pitchFamily="18" charset="-120"/>
+                <a:cs typeface="Courier New" pitchFamily="49" charset="0"/>
+              </a:rPr>
+              <a:t> </a:t>
+            </a:r>
+            <a:r>
+              <a:rPr kumimoji="1" lang="zh-TW" altLang="zh-TW" sz="1400" b="0" i="0" u="none" strike="noStrike" cap="none" normalizeH="0" baseline="0" dirty="0" smtClean="0">
+                <a:ln>
+                  <a:noFill/>
+                </a:ln>
+                <a:solidFill>
+                  <a:srgbClr val="000000"/>
+                </a:solidFill>
+                <a:effectLst/>
+                <a:latin typeface="Arial"/>
+                <a:ea typeface="新細明體" pitchFamily="18" charset="-120"/>
+                <a:cs typeface="Courier New" pitchFamily="49" charset="0"/>
+              </a:rPr>
+              <a:t> </a:t>
+            </a:r>
+            <a:r>
+              <a:rPr kumimoji="1" lang="zh-TW" altLang="zh-TW" sz="1400" b="0" i="0" u="none" strike="noStrike" cap="none" normalizeH="0" baseline="0" dirty="0" smtClean="0">
+                <a:ln>
+                  <a:noFill/>
+                </a:ln>
+                <a:solidFill>
+                  <a:srgbClr val="000000"/>
+                </a:solidFill>
+                <a:effectLst/>
+                <a:latin typeface="Courier New" pitchFamily="49" charset="0"/>
+                <a:ea typeface="新細明體" pitchFamily="18" charset="-120"/>
+                <a:cs typeface="Courier New" pitchFamily="49" charset="0"/>
+              </a:rPr>
+              <a:t>showDialog</a:t>
+            </a:r>
+            <a:r>
+              <a:rPr kumimoji="1" lang="zh-TW" altLang="zh-TW" sz="1400" b="0" i="0" u="none" strike="noStrike" cap="none" normalizeH="0" baseline="0" dirty="0" smtClean="0">
+                <a:ln>
+                  <a:noFill/>
+                </a:ln>
+                <a:solidFill>
+                  <a:srgbClr val="666600"/>
+                </a:solidFill>
+                <a:effectLst/>
+                <a:latin typeface="Courier New" pitchFamily="49" charset="0"/>
+                <a:ea typeface="新細明體" pitchFamily="18" charset="-120"/>
+                <a:cs typeface="Courier New" pitchFamily="49" charset="0"/>
+              </a:rPr>
+              <a:t>(</a:t>
+            </a:r>
+            <a:r>
+              <a:rPr kumimoji="1" lang="zh-TW" altLang="zh-TW" sz="1400" b="0" i="0" u="none" strike="noStrike" cap="none" normalizeH="0" baseline="0" dirty="0" smtClean="0">
+                <a:ln>
+                  <a:noFill/>
+                </a:ln>
+                <a:solidFill>
+                  <a:srgbClr val="880000"/>
+                </a:solidFill>
+                <a:effectLst/>
+                <a:latin typeface="Courier New" pitchFamily="49" charset="0"/>
+                <a:ea typeface="新細明體" pitchFamily="18" charset="-120"/>
+                <a:cs typeface="Courier New" pitchFamily="49" charset="0"/>
+              </a:rPr>
+              <a:t>"Downloaded "</a:t>
+            </a:r>
+            <a:r>
+              <a:rPr kumimoji="1" lang="zh-TW" altLang="zh-TW" sz="1400" b="0" i="0" u="none" strike="noStrike" cap="none" normalizeH="0" baseline="0" dirty="0" smtClean="0">
+                <a:ln>
+                  <a:noFill/>
+                </a:ln>
+                <a:solidFill>
+                  <a:srgbClr val="000000"/>
+                </a:solidFill>
+                <a:effectLst/>
+                <a:latin typeface="Courier New" pitchFamily="49" charset="0"/>
+                <a:ea typeface="新細明體" pitchFamily="18" charset="-120"/>
+                <a:cs typeface="Courier New" pitchFamily="49" charset="0"/>
+              </a:rPr>
+              <a:t> </a:t>
+            </a:r>
+            <a:r>
+              <a:rPr kumimoji="1" lang="zh-TW" altLang="zh-TW" sz="1400" b="0" i="0" u="none" strike="noStrike" cap="none" normalizeH="0" baseline="0" dirty="0" smtClean="0">
+                <a:ln>
+                  <a:noFill/>
+                </a:ln>
+                <a:solidFill>
+                  <a:srgbClr val="666600"/>
+                </a:solidFill>
+                <a:effectLst/>
+                <a:latin typeface="Courier New" pitchFamily="49" charset="0"/>
+                <a:ea typeface="新細明體" pitchFamily="18" charset="-120"/>
+                <a:cs typeface="Courier New" pitchFamily="49" charset="0"/>
+              </a:rPr>
+              <a:t>+</a:t>
+            </a:r>
+            <a:r>
+              <a:rPr kumimoji="1" lang="zh-TW" altLang="zh-TW" sz="1400" b="0" i="0" u="none" strike="noStrike" cap="none" normalizeH="0" baseline="0" dirty="0" smtClean="0">
+                <a:ln>
+                  <a:noFill/>
+                </a:ln>
+                <a:solidFill>
+                  <a:srgbClr val="000000"/>
+                </a:solidFill>
+                <a:effectLst/>
+                <a:latin typeface="Courier New" pitchFamily="49" charset="0"/>
+                <a:ea typeface="新細明體" pitchFamily="18" charset="-120"/>
+                <a:cs typeface="Courier New" pitchFamily="49" charset="0"/>
+              </a:rPr>
+              <a:t> result </a:t>
+            </a:r>
+            <a:r>
+              <a:rPr kumimoji="1" lang="zh-TW" altLang="zh-TW" sz="1400" b="0" i="0" u="none" strike="noStrike" cap="none" normalizeH="0" baseline="0" dirty="0" smtClean="0">
+                <a:ln>
+                  <a:noFill/>
+                </a:ln>
+                <a:solidFill>
+                  <a:srgbClr val="666600"/>
+                </a:solidFill>
+                <a:effectLst/>
+                <a:latin typeface="Courier New" pitchFamily="49" charset="0"/>
+                <a:ea typeface="新細明體" pitchFamily="18" charset="-120"/>
+                <a:cs typeface="Courier New" pitchFamily="49" charset="0"/>
+              </a:rPr>
+              <a:t>+</a:t>
+            </a:r>
+            <a:r>
+              <a:rPr kumimoji="1" lang="zh-TW" altLang="zh-TW" sz="1400" b="0" i="0" u="none" strike="noStrike" cap="none" normalizeH="0" baseline="0" dirty="0" smtClean="0">
+                <a:ln>
+                  <a:noFill/>
+                </a:ln>
+                <a:solidFill>
+                  <a:srgbClr val="000000"/>
+                </a:solidFill>
+                <a:effectLst/>
+                <a:latin typeface="Courier New" pitchFamily="49" charset="0"/>
+                <a:ea typeface="新細明體" pitchFamily="18" charset="-120"/>
+                <a:cs typeface="Courier New" pitchFamily="49" charset="0"/>
+              </a:rPr>
+              <a:t> </a:t>
+            </a:r>
+            <a:r>
+              <a:rPr kumimoji="1" lang="zh-TW" altLang="zh-TW" sz="1400" b="0" i="0" u="none" strike="noStrike" cap="none" normalizeH="0" baseline="0" dirty="0" smtClean="0">
+                <a:ln>
+                  <a:noFill/>
+                </a:ln>
+                <a:solidFill>
+                  <a:srgbClr val="880000"/>
+                </a:solidFill>
+                <a:effectLst/>
+                <a:latin typeface="Courier New" pitchFamily="49" charset="0"/>
+                <a:ea typeface="新細明體" pitchFamily="18" charset="-120"/>
+                <a:cs typeface="Courier New" pitchFamily="49" charset="0"/>
+              </a:rPr>
+              <a:t>" bytes"</a:t>
+            </a:r>
+            <a:r>
+              <a:rPr kumimoji="1" lang="zh-TW" altLang="zh-TW" sz="1400" b="0" i="0" u="none" strike="noStrike" cap="none" normalizeH="0" baseline="0" dirty="0" smtClean="0">
+                <a:ln>
+                  <a:noFill/>
+                </a:ln>
+                <a:solidFill>
+                  <a:srgbClr val="666600"/>
+                </a:solidFill>
+                <a:effectLst/>
+                <a:latin typeface="Courier New" pitchFamily="49" charset="0"/>
+                <a:ea typeface="新細明體" pitchFamily="18" charset="-120"/>
+                <a:cs typeface="Courier New" pitchFamily="49" charset="0"/>
+              </a:rPr>
+              <a:t>);</a:t>
+            </a:r>
+            <a:r>
+              <a:rPr kumimoji="1" lang="zh-TW" altLang="zh-TW" sz="1400" b="0" i="0" u="none" strike="noStrike" cap="none" normalizeH="0" baseline="0" dirty="0" smtClean="0">
+                <a:ln>
+                  <a:noFill/>
+                </a:ln>
+                <a:solidFill>
+                  <a:srgbClr val="000000"/>
+                </a:solidFill>
+                <a:effectLst/>
+                <a:latin typeface="Courier New" pitchFamily="49" charset="0"/>
+                <a:ea typeface="新細明體" pitchFamily="18" charset="-120"/>
+                <a:cs typeface="Courier New" pitchFamily="49" charset="0"/>
+              </a:rPr>
+              <a:t/>
+            </a:r>
+            <a:br>
+              <a:rPr kumimoji="1" lang="zh-TW" altLang="zh-TW" sz="1400" b="0" i="0" u="none" strike="noStrike" cap="none" normalizeH="0" baseline="0" dirty="0" smtClean="0">
+                <a:ln>
+                  <a:noFill/>
+                </a:ln>
+                <a:solidFill>
+                  <a:srgbClr val="000000"/>
+                </a:solidFill>
+                <a:effectLst/>
+                <a:latin typeface="Courier New" pitchFamily="49" charset="0"/>
+                <a:ea typeface="新細明體" pitchFamily="18" charset="-120"/>
+                <a:cs typeface="Courier New" pitchFamily="49" charset="0"/>
+              </a:rPr>
+            </a:br>
+            <a:r>
+              <a:rPr kumimoji="1" lang="zh-TW" altLang="zh-TW" sz="1400" b="0" i="0" u="none" strike="noStrike" cap="none" normalizeH="0" baseline="0" dirty="0" smtClean="0">
+                <a:ln>
+                  <a:noFill/>
+                </a:ln>
+                <a:solidFill>
+                  <a:srgbClr val="000000"/>
+                </a:solidFill>
+                <a:effectLst/>
+                <a:latin typeface="Arial"/>
+                <a:ea typeface="新細明體" pitchFamily="18" charset="-120"/>
+                <a:cs typeface="Courier New" pitchFamily="49" charset="0"/>
+              </a:rPr>
+              <a:t> </a:t>
+            </a:r>
+            <a:r>
+              <a:rPr kumimoji="1" lang="zh-TW" altLang="zh-TW" sz="1400" b="0" i="0" u="none" strike="noStrike" cap="none" normalizeH="0" baseline="0" dirty="0" smtClean="0">
+                <a:ln>
+                  <a:noFill/>
+                </a:ln>
+                <a:solidFill>
+                  <a:srgbClr val="000000"/>
+                </a:solidFill>
+                <a:effectLst/>
+                <a:latin typeface="Courier New" pitchFamily="49" charset="0"/>
+                <a:ea typeface="新細明體" pitchFamily="18" charset="-120"/>
+                <a:cs typeface="Courier New" pitchFamily="49" charset="0"/>
+              </a:rPr>
+              <a:t> </a:t>
+            </a:r>
+            <a:r>
+              <a:rPr kumimoji="1" lang="zh-TW" altLang="zh-TW" sz="1400" b="0" i="0" u="none" strike="noStrike" cap="none" normalizeH="0" baseline="0" dirty="0" smtClean="0">
+                <a:ln>
+                  <a:noFill/>
+                </a:ln>
+                <a:solidFill>
+                  <a:srgbClr val="000000"/>
+                </a:solidFill>
+                <a:effectLst/>
+                <a:latin typeface="Arial"/>
+                <a:ea typeface="新細明體" pitchFamily="18" charset="-120"/>
+                <a:cs typeface="Courier New" pitchFamily="49" charset="0"/>
+              </a:rPr>
+              <a:t> </a:t>
+            </a:r>
+            <a:r>
+              <a:rPr kumimoji="1" lang="zh-TW" altLang="zh-TW" sz="1400" b="0" i="0" u="none" strike="noStrike" cap="none" normalizeH="0" baseline="0" dirty="0" smtClean="0">
+                <a:ln>
+                  <a:noFill/>
+                </a:ln>
+                <a:solidFill>
+                  <a:srgbClr val="000000"/>
+                </a:solidFill>
+                <a:effectLst/>
+                <a:latin typeface="Courier New" pitchFamily="49" charset="0"/>
+                <a:ea typeface="新細明體" pitchFamily="18" charset="-120"/>
+                <a:cs typeface="Courier New" pitchFamily="49" charset="0"/>
+              </a:rPr>
+              <a:t> </a:t>
+            </a:r>
+            <a:r>
+              <a:rPr kumimoji="1" lang="zh-TW" altLang="zh-TW" sz="1400" b="0" i="0" u="none" strike="noStrike" cap="none" normalizeH="0" baseline="0" dirty="0" smtClean="0">
+                <a:ln>
+                  <a:noFill/>
+                </a:ln>
+                <a:solidFill>
+                  <a:srgbClr val="000000"/>
+                </a:solidFill>
+                <a:effectLst/>
+                <a:latin typeface="Arial"/>
+                <a:ea typeface="新細明體" pitchFamily="18" charset="-120"/>
+                <a:cs typeface="Courier New" pitchFamily="49" charset="0"/>
+              </a:rPr>
+              <a:t> </a:t>
+            </a:r>
+            <a:r>
+              <a:rPr kumimoji="1" lang="zh-TW" altLang="zh-TW" sz="1400" b="0" i="0" u="none" strike="noStrike" cap="none" normalizeH="0" baseline="0" dirty="0" smtClean="0">
+                <a:ln>
+                  <a:noFill/>
+                </a:ln>
+                <a:solidFill>
+                  <a:srgbClr val="666600"/>
+                </a:solidFill>
+                <a:effectLst/>
+                <a:latin typeface="Courier New" pitchFamily="49" charset="0"/>
+                <a:ea typeface="新細明體" pitchFamily="18" charset="-120"/>
+                <a:cs typeface="Courier New" pitchFamily="49" charset="0"/>
+              </a:rPr>
+              <a:t>}</a:t>
+            </a:r>
+            <a:r>
+              <a:rPr kumimoji="1" lang="zh-TW" altLang="zh-TW" sz="1400" b="0" i="0" u="none" strike="noStrike" cap="none" normalizeH="0" baseline="0" dirty="0" smtClean="0">
+                <a:ln>
+                  <a:noFill/>
+                </a:ln>
+                <a:solidFill>
+                  <a:srgbClr val="000000"/>
+                </a:solidFill>
+                <a:effectLst/>
+                <a:latin typeface="Courier New" pitchFamily="49" charset="0"/>
+                <a:ea typeface="新細明體" pitchFamily="18" charset="-120"/>
+                <a:cs typeface="Courier New" pitchFamily="49" charset="0"/>
+              </a:rPr>
+              <a:t/>
+            </a:r>
+            <a:br>
+              <a:rPr kumimoji="1" lang="zh-TW" altLang="zh-TW" sz="1400" b="0" i="0" u="none" strike="noStrike" cap="none" normalizeH="0" baseline="0" dirty="0" smtClean="0">
+                <a:ln>
+                  <a:noFill/>
+                </a:ln>
+                <a:solidFill>
+                  <a:srgbClr val="000000"/>
+                </a:solidFill>
+                <a:effectLst/>
+                <a:latin typeface="Courier New" pitchFamily="49" charset="0"/>
+                <a:ea typeface="新細明體" pitchFamily="18" charset="-120"/>
+                <a:cs typeface="Courier New" pitchFamily="49" charset="0"/>
+              </a:rPr>
+            </a:br>
+            <a:r>
+              <a:rPr kumimoji="1" lang="zh-TW" altLang="zh-TW" sz="1400" b="0" i="0" u="none" strike="noStrike" cap="none" normalizeH="0" baseline="0" dirty="0" smtClean="0">
+                <a:ln>
+                  <a:noFill/>
+                </a:ln>
+                <a:solidFill>
+                  <a:srgbClr val="000000"/>
+                </a:solidFill>
+                <a:effectLst/>
+                <a:latin typeface="Arial"/>
+                <a:ea typeface="新細明體" pitchFamily="18" charset="-120"/>
+                <a:cs typeface="Courier New" pitchFamily="49" charset="0"/>
+              </a:rPr>
+              <a:t> </a:t>
+            </a:r>
+            <a:r>
+              <a:rPr kumimoji="1" lang="zh-TW" altLang="zh-TW" sz="1400" b="0" i="0" u="none" strike="noStrike" cap="none" normalizeH="0" baseline="0" dirty="0" smtClean="0">
+                <a:ln>
+                  <a:noFill/>
+                </a:ln>
+                <a:solidFill>
+                  <a:srgbClr val="666600"/>
+                </a:solidFill>
+                <a:effectLst/>
+                <a:latin typeface="Courier New" pitchFamily="49" charset="0"/>
+                <a:ea typeface="新細明體" pitchFamily="18" charset="-120"/>
+                <a:cs typeface="Courier New" pitchFamily="49" charset="0"/>
+              </a:rPr>
+              <a:t>}</a:t>
+            </a:r>
+            <a:r>
+              <a:rPr kumimoji="1" lang="zh-TW" altLang="zh-TW" sz="1400" b="0" i="0" u="none" strike="noStrike" cap="none" normalizeH="0" baseline="0" dirty="0" smtClean="0">
+                <a:ln>
+                  <a:noFill/>
+                </a:ln>
+                <a:solidFill>
+                  <a:schemeClr val="tx1"/>
+                </a:solidFill>
+                <a:effectLst/>
+                <a:latin typeface="Arial" pitchFamily="34" charset="0"/>
+                <a:ea typeface="新細明體" pitchFamily="18" charset="-120"/>
+                <a:cs typeface="新細明體" pitchFamily="18" charset="-120"/>
+              </a:rPr>
+              <a:t> </a:t>
+            </a:r>
+          </a:p>
+        </p:txBody>
+      </p:sp>
+      <p:sp>
+        <p:nvSpPr>
+          <p:cNvPr id="80899" name="Rectangle 3"/>
+          <p:cNvSpPr>
+            <a:spLocks noChangeArrowheads="1"/>
+          </p:cNvSpPr>
+          <p:nvPr/>
+        </p:nvSpPr>
+        <p:spPr bwMode="auto">
+          <a:xfrm>
+            <a:off x="827584" y="6334897"/>
+            <a:ext cx="7021153" cy="437249"/>
+          </a:xfrm>
+          <a:prstGeom prst="rect">
+            <a:avLst/>
+          </a:prstGeom>
+          <a:solidFill>
+            <a:srgbClr val="F7F7F7"/>
+          </a:solidFill>
+          <a:ln w="9525">
+            <a:noFill/>
+            <a:miter lim="800000"/>
+            <a:headEnd/>
+            <a:tailEnd/>
+          </a:ln>
+          <a:effectLst/>
+        </p:spPr>
+        <p:txBody>
+          <a:bodyPr vert="horz" wrap="none" lIns="0" tIns="0" rIns="0" bIns="158700" numCol="1" anchor="ctr" anchorCtr="0" compatLnSpc="1">
+            <a:prstTxWarp prst="textNoShape">
+              <a:avLst/>
+            </a:prstTxWarp>
+            <a:spAutoFit/>
+          </a:bodyPr>
+          <a:lstStyle/>
+          <a:p>
+            <a:pPr marL="0" marR="0" lvl="0" indent="0" algn="l" defTabSz="914400" rtl="0" eaLnBrk="1" fontAlgn="base" latinLnBrk="0" hangingPunct="1">
+              <a:lnSpc>
+                <a:spcPct val="100000"/>
+              </a:lnSpc>
+              <a:spcBef>
+                <a:spcPct val="0"/>
+              </a:spcBef>
+              <a:spcAft>
+                <a:spcPct val="0"/>
+              </a:spcAft>
+              <a:buClrTx/>
+              <a:buSzTx/>
+              <a:buFontTx/>
+              <a:buNone/>
+              <a:tabLst/>
+            </a:pPr>
+            <a:r>
+              <a:rPr kumimoji="1" lang="zh-TW" altLang="zh-TW" b="0" i="0" u="none" strike="noStrike" cap="none" normalizeH="0" baseline="0" dirty="0" smtClean="0">
+                <a:ln>
+                  <a:noFill/>
+                </a:ln>
+                <a:solidFill>
+                  <a:srgbClr val="000000"/>
+                </a:solidFill>
+                <a:effectLst/>
+                <a:latin typeface="Arial"/>
+                <a:ea typeface="新細明體" pitchFamily="18" charset="-120"/>
+                <a:cs typeface="Courier New" pitchFamily="49" charset="0"/>
+              </a:rPr>
+              <a:t> </a:t>
+            </a:r>
+            <a:r>
+              <a:rPr kumimoji="1" lang="zh-TW" altLang="zh-TW" b="0" i="0" u="none" strike="noStrike" cap="none" normalizeH="0" baseline="0" dirty="0" smtClean="0">
+                <a:ln>
+                  <a:noFill/>
+                </a:ln>
+                <a:solidFill>
+                  <a:srgbClr val="000088"/>
+                </a:solidFill>
+                <a:effectLst/>
+                <a:latin typeface="Courier New" pitchFamily="49" charset="0"/>
+                <a:ea typeface="新細明體" pitchFamily="18" charset="-120"/>
+                <a:cs typeface="Courier New" pitchFamily="49" charset="0"/>
+              </a:rPr>
+              <a:t>new</a:t>
+            </a:r>
+            <a:r>
+              <a:rPr kumimoji="1" lang="zh-TW" altLang="zh-TW" b="0" i="0" u="none" strike="noStrike" cap="none" normalizeH="0" baseline="0" dirty="0" smtClean="0">
+                <a:ln>
+                  <a:noFill/>
+                </a:ln>
+                <a:solidFill>
+                  <a:srgbClr val="000000"/>
+                </a:solidFill>
+                <a:effectLst/>
+                <a:latin typeface="Courier New" pitchFamily="49" charset="0"/>
+                <a:ea typeface="新細明體" pitchFamily="18" charset="-120"/>
+                <a:cs typeface="Courier New" pitchFamily="49" charset="0"/>
+              </a:rPr>
+              <a:t> </a:t>
+            </a:r>
+            <a:r>
+              <a:rPr kumimoji="1" lang="zh-TW" altLang="zh-TW" b="0" i="0" u="none" strike="noStrike" cap="none" normalizeH="0" baseline="0" dirty="0" smtClean="0">
+                <a:ln>
+                  <a:noFill/>
+                </a:ln>
+                <a:solidFill>
+                  <a:srgbClr val="660066"/>
+                </a:solidFill>
+                <a:effectLst/>
+                <a:latin typeface="Courier New" pitchFamily="49" charset="0"/>
+                <a:ea typeface="新細明體" pitchFamily="18" charset="-120"/>
+                <a:cs typeface="Courier New" pitchFamily="49" charset="0"/>
+              </a:rPr>
+              <a:t>DownloadFilesTask</a:t>
+            </a:r>
+            <a:r>
+              <a:rPr kumimoji="1" lang="zh-TW" altLang="zh-TW" b="0" i="0" u="none" strike="noStrike" cap="none" normalizeH="0" baseline="0" dirty="0" smtClean="0">
+                <a:ln>
+                  <a:noFill/>
+                </a:ln>
+                <a:solidFill>
+                  <a:srgbClr val="666600"/>
+                </a:solidFill>
+                <a:effectLst/>
+                <a:latin typeface="Courier New" pitchFamily="49" charset="0"/>
+                <a:ea typeface="新細明體" pitchFamily="18" charset="-120"/>
+                <a:cs typeface="Courier New" pitchFamily="49" charset="0"/>
+              </a:rPr>
+              <a:t>().</a:t>
+            </a:r>
+            <a:r>
+              <a:rPr kumimoji="1" lang="zh-TW" altLang="zh-TW" b="0" i="0" u="none" strike="noStrike" cap="none" normalizeH="0" baseline="0" dirty="0" smtClean="0">
+                <a:ln>
+                  <a:noFill/>
+                </a:ln>
+                <a:solidFill>
+                  <a:srgbClr val="000000"/>
+                </a:solidFill>
+                <a:effectLst/>
+                <a:latin typeface="Courier New" pitchFamily="49" charset="0"/>
+                <a:ea typeface="新細明體" pitchFamily="18" charset="-120"/>
+                <a:cs typeface="Courier New" pitchFamily="49" charset="0"/>
+              </a:rPr>
+              <a:t>execute</a:t>
+            </a:r>
+            <a:r>
+              <a:rPr kumimoji="1" lang="zh-TW" altLang="zh-TW" b="0" i="0" u="none" strike="noStrike" cap="none" normalizeH="0" baseline="0" dirty="0" smtClean="0">
+                <a:ln>
+                  <a:noFill/>
+                </a:ln>
+                <a:solidFill>
+                  <a:srgbClr val="666600"/>
+                </a:solidFill>
+                <a:effectLst/>
+                <a:latin typeface="Courier New" pitchFamily="49" charset="0"/>
+                <a:ea typeface="新細明體" pitchFamily="18" charset="-120"/>
+                <a:cs typeface="Courier New" pitchFamily="49" charset="0"/>
+              </a:rPr>
+              <a:t>(</a:t>
+            </a:r>
+            <a:r>
+              <a:rPr kumimoji="1" lang="zh-TW" altLang="zh-TW" b="0" i="0" u="none" strike="noStrike" cap="none" normalizeH="0" baseline="0" dirty="0" smtClean="0">
+                <a:ln>
+                  <a:noFill/>
+                </a:ln>
+                <a:solidFill>
+                  <a:srgbClr val="000000"/>
+                </a:solidFill>
+                <a:effectLst/>
+                <a:latin typeface="Courier New" pitchFamily="49" charset="0"/>
+                <a:ea typeface="新細明體" pitchFamily="18" charset="-120"/>
+                <a:cs typeface="Courier New" pitchFamily="49" charset="0"/>
+              </a:rPr>
+              <a:t>url1</a:t>
+            </a:r>
+            <a:r>
+              <a:rPr kumimoji="1" lang="zh-TW" altLang="zh-TW" b="0" i="0" u="none" strike="noStrike" cap="none" normalizeH="0" baseline="0" dirty="0" smtClean="0">
+                <a:ln>
+                  <a:noFill/>
+                </a:ln>
+                <a:solidFill>
+                  <a:srgbClr val="666600"/>
+                </a:solidFill>
+                <a:effectLst/>
+                <a:latin typeface="Courier New" pitchFamily="49" charset="0"/>
+                <a:ea typeface="新細明體" pitchFamily="18" charset="-120"/>
+                <a:cs typeface="Courier New" pitchFamily="49" charset="0"/>
+              </a:rPr>
+              <a:t>,</a:t>
+            </a:r>
+            <a:r>
+              <a:rPr kumimoji="1" lang="zh-TW" altLang="zh-TW" b="0" i="0" u="none" strike="noStrike" cap="none" normalizeH="0" baseline="0" dirty="0" smtClean="0">
+                <a:ln>
+                  <a:noFill/>
+                </a:ln>
+                <a:solidFill>
+                  <a:srgbClr val="000000"/>
+                </a:solidFill>
+                <a:effectLst/>
+                <a:latin typeface="Courier New" pitchFamily="49" charset="0"/>
+                <a:ea typeface="新細明體" pitchFamily="18" charset="-120"/>
+                <a:cs typeface="Courier New" pitchFamily="49" charset="0"/>
+              </a:rPr>
+              <a:t> url2</a:t>
+            </a:r>
+            <a:r>
+              <a:rPr kumimoji="1" lang="zh-TW" altLang="zh-TW" b="0" i="0" u="none" strike="noStrike" cap="none" normalizeH="0" baseline="0" dirty="0" smtClean="0">
+                <a:ln>
+                  <a:noFill/>
+                </a:ln>
+                <a:solidFill>
+                  <a:srgbClr val="666600"/>
+                </a:solidFill>
+                <a:effectLst/>
+                <a:latin typeface="Courier New" pitchFamily="49" charset="0"/>
+                <a:ea typeface="新細明體" pitchFamily="18" charset="-120"/>
+                <a:cs typeface="Courier New" pitchFamily="49" charset="0"/>
+              </a:rPr>
+              <a:t>,</a:t>
+            </a:r>
+            <a:r>
+              <a:rPr kumimoji="1" lang="zh-TW" altLang="zh-TW" b="0" i="0" u="none" strike="noStrike" cap="none" normalizeH="0" baseline="0" dirty="0" smtClean="0">
+                <a:ln>
+                  <a:noFill/>
+                </a:ln>
+                <a:solidFill>
+                  <a:srgbClr val="000000"/>
+                </a:solidFill>
+                <a:effectLst/>
+                <a:latin typeface="Courier New" pitchFamily="49" charset="0"/>
+                <a:ea typeface="新細明體" pitchFamily="18" charset="-120"/>
+                <a:cs typeface="Courier New" pitchFamily="49" charset="0"/>
+              </a:rPr>
+              <a:t> url3</a:t>
+            </a:r>
+            <a:r>
+              <a:rPr kumimoji="1" lang="zh-TW" altLang="zh-TW" b="0" i="0" u="none" strike="noStrike" cap="none" normalizeH="0" baseline="0" dirty="0" smtClean="0">
+                <a:ln>
+                  <a:noFill/>
+                </a:ln>
+                <a:solidFill>
+                  <a:srgbClr val="666600"/>
+                </a:solidFill>
+                <a:effectLst/>
+                <a:latin typeface="Courier New" pitchFamily="49" charset="0"/>
+                <a:ea typeface="新細明體" pitchFamily="18" charset="-120"/>
+                <a:cs typeface="Courier New" pitchFamily="49" charset="0"/>
+              </a:rPr>
+              <a:t>);</a:t>
+            </a:r>
+            <a:r>
+              <a:rPr kumimoji="1" lang="zh-TW" altLang="zh-TW" b="0" i="0" u="none" strike="noStrike" cap="none" normalizeH="0" baseline="0" dirty="0" smtClean="0">
+                <a:ln>
+                  <a:noFill/>
+                </a:ln>
+                <a:solidFill>
+                  <a:schemeClr val="tx1"/>
+                </a:solidFill>
+                <a:effectLst/>
+                <a:latin typeface="Arial" pitchFamily="34" charset="0"/>
+                <a:ea typeface="新細明體" pitchFamily="18" charset="-120"/>
+                <a:cs typeface="新細明體" pitchFamily="18" charset="-120"/>
+              </a:rPr>
+              <a:t> </a:t>
+            </a:r>
+          </a:p>
+        </p:txBody>
+      </p:sp>
+    </p:spTree>
+  </p:cSld>
+  <p:clrMapOvr>
+    <a:masterClrMapping/>
+  </p:clrMapOvr>
+  <p:timing>
+    <p:tnLst>
+      <p:par>
+        <p:cTn id="1" dur="indefinite" restart="never" nodeType="tmRoot"/>
+      </p:par>
+    </p:tnLst>
+  </p:timing>
+</p:sld>
+</file>
+
+<file path=ppt/slides/slide59.xml><?xml version="1.0" encoding="utf-8"?>
+<p:sld xmlns:a="http://schemas.openxmlformats.org/drawingml/2006/main" xmlns:r="http://schemas.openxmlformats.org/officeDocument/2006/relationships" xmlns:p="http://schemas.openxmlformats.org/presentationml/2006/main">
+  <p:cSld>
+    <p:spTree>
+      <p:nvGrpSpPr>
+        <p:cNvPr id="1" name=""/>
+        <p:cNvGrpSpPr/>
+        <p:nvPr/>
+      </p:nvGrpSpPr>
+      <p:grpSpPr>
+        <a:xfrm>
+          <a:off x="0" y="0"/>
+          <a:ext cx="0" cy="0"/>
+          <a:chOff x="0" y="0"/>
+          <a:chExt cx="0" cy="0"/>
+        </a:xfrm>
+      </p:grpSpPr>
+      <p:sp>
+        <p:nvSpPr>
+          <p:cNvPr id="2" name="標題 1"/>
+          <p:cNvSpPr>
+            <a:spLocks noGrp="1"/>
+          </p:cNvSpPr>
+          <p:nvPr>
+            <p:ph type="title"/>
+          </p:nvPr>
+        </p:nvSpPr>
+        <p:spPr/>
+        <p:txBody>
+          <a:bodyPr/>
+          <a:lstStyle/>
+          <a:p>
+            <a:r>
+              <a:rPr lang="en-US" altLang="zh-TW" dirty="0" smtClean="0"/>
+              <a:t>APP Demo</a:t>
+            </a:r>
+            <a:endParaRPr lang="zh-TW" altLang="en-US" dirty="0"/>
+          </a:p>
+        </p:txBody>
+      </p:sp>
+      <p:sp>
+        <p:nvSpPr>
+          <p:cNvPr id="3" name="內容版面配置區 2"/>
+          <p:cNvSpPr>
+            <a:spLocks noGrp="1"/>
+          </p:cNvSpPr>
+          <p:nvPr>
+            <p:ph idx="1"/>
+          </p:nvPr>
+        </p:nvSpPr>
+        <p:spPr/>
+        <p:txBody>
+          <a:bodyPr/>
+          <a:lstStyle/>
+          <a:p>
+            <a:r>
+              <a:rPr lang="en-US" altLang="zh-TW" dirty="0" smtClean="0"/>
+              <a:t>Permission setting</a:t>
+            </a:r>
+          </a:p>
+          <a:p>
+            <a:pPr lvl="1"/>
+            <a:r>
+              <a:rPr lang="en-US" altLang="zh-TW" dirty="0" smtClean="0"/>
+              <a:t>AndroidManifest.xml</a:t>
+            </a:r>
+          </a:p>
+          <a:p>
+            <a:pPr lvl="1"/>
+            <a:endParaRPr lang="zh-TW" altLang="en-US" dirty="0"/>
+          </a:p>
+        </p:txBody>
+      </p:sp>
+      <p:sp>
+        <p:nvSpPr>
+          <p:cNvPr id="4" name="投影片編號版面配置區 3"/>
+          <p:cNvSpPr>
+            <a:spLocks noGrp="1"/>
+          </p:cNvSpPr>
+          <p:nvPr>
+            <p:ph type="sldNum" sz="quarter" idx="12"/>
+          </p:nvPr>
+        </p:nvSpPr>
+        <p:spPr/>
+        <p:txBody>
+          <a:bodyPr/>
+          <a:lstStyle/>
+          <a:p>
+            <a:fld id="{61C9D09F-C6A3-454C-A042-D5DAFD494666}" type="slidenum">
+              <a:rPr lang="zh-TW" altLang="en-US" smtClean="0"/>
+              <a:pPr/>
+              <a:t>59</a:t>
             </a:fld>
             <a:endParaRPr lang="zh-TW" altLang="en-US"/>
           </a:p>
@@ -16260,588 +22366,6 @@
 </p:sld>
 </file>
 
-<file path=ppt/slides/slide57.xml><?xml version="1.0" encoding="utf-8"?>
-<p:sld xmlns:a="http://schemas.openxmlformats.org/drawingml/2006/main" xmlns:r="http://schemas.openxmlformats.org/officeDocument/2006/relationships" xmlns:p="http://schemas.openxmlformats.org/presentationml/2006/main">
-  <p:cSld>
-    <p:spTree>
-      <p:nvGrpSpPr>
-        <p:cNvPr id="1" name=""/>
-        <p:cNvGrpSpPr/>
-        <p:nvPr/>
-      </p:nvGrpSpPr>
-      <p:grpSpPr>
-        <a:xfrm>
-          <a:off x="0" y="0"/>
-          <a:ext cx="0" cy="0"/>
-          <a:chOff x="0" y="0"/>
-          <a:chExt cx="0" cy="0"/>
-        </a:xfrm>
-      </p:grpSpPr>
-      <p:sp>
-        <p:nvSpPr>
-          <p:cNvPr id="2" name="標題 1"/>
-          <p:cNvSpPr>
-            <a:spLocks noGrp="1"/>
-          </p:cNvSpPr>
-          <p:nvPr>
-            <p:ph type="title"/>
-          </p:nvPr>
-        </p:nvSpPr>
-        <p:spPr/>
-        <p:txBody>
-          <a:bodyPr/>
-          <a:lstStyle/>
-          <a:p>
-            <a:r>
-              <a:rPr lang="en-US" altLang="zh-TW" dirty="0" smtClean="0"/>
-              <a:t>The other important </a:t>
-            </a:r>
-            <a:r>
-              <a:rPr lang="en-US" altLang="zh-TW" dirty="0" smtClean="0"/>
-              <a:t>features</a:t>
-            </a:r>
-            <a:endParaRPr lang="zh-TW" altLang="en-US" dirty="0"/>
-          </a:p>
-        </p:txBody>
-      </p:sp>
-      <p:sp>
-        <p:nvSpPr>
-          <p:cNvPr id="3" name="內容版面配置區 2"/>
-          <p:cNvSpPr>
-            <a:spLocks noGrp="1"/>
-          </p:cNvSpPr>
-          <p:nvPr>
-            <p:ph idx="1"/>
-          </p:nvPr>
-        </p:nvSpPr>
-        <p:spPr/>
-        <p:txBody>
-          <a:bodyPr>
-            <a:normAutofit/>
-          </a:bodyPr>
-          <a:lstStyle/>
-          <a:p>
-            <a:r>
-              <a:rPr lang="en-US" altLang="zh-TW" sz="2300" dirty="0" smtClean="0"/>
-              <a:t>Service</a:t>
-            </a:r>
-          </a:p>
-          <a:p>
-            <a:pPr lvl="1"/>
-            <a:r>
-              <a:rPr lang="en-US" altLang="zh-TW" sz="2000" dirty="0" smtClean="0"/>
-              <a:t>No UI</a:t>
-            </a:r>
-          </a:p>
-          <a:p>
-            <a:pPr lvl="1"/>
-            <a:r>
-              <a:rPr lang="en-US" altLang="zh-TW" sz="2000" dirty="0" smtClean="0"/>
-              <a:t>Always works in the background.</a:t>
-            </a:r>
-          </a:p>
-          <a:p>
-            <a:pPr lvl="1"/>
-            <a:r>
-              <a:rPr lang="en-US" altLang="zh-TW" sz="2000" dirty="0" smtClean="0"/>
-              <a:t>Play music, or data download.</a:t>
-            </a:r>
-          </a:p>
-          <a:p>
-            <a:r>
-              <a:rPr lang="en-US" altLang="zh-TW" sz="2300" dirty="0" smtClean="0"/>
-              <a:t>Broadcast receiver</a:t>
-            </a:r>
-          </a:p>
-          <a:p>
-            <a:pPr lvl="1"/>
-            <a:r>
-              <a:rPr lang="en-US" altLang="zh-TW" sz="1900" dirty="0" smtClean="0"/>
-              <a:t>System</a:t>
-            </a:r>
-          </a:p>
-          <a:p>
-            <a:r>
-              <a:rPr lang="en-US" altLang="zh-TW" sz="2300" dirty="0" smtClean="0"/>
-              <a:t>Content Provider</a:t>
-            </a:r>
-          </a:p>
-          <a:p>
-            <a:pPr lvl="1"/>
-            <a:r>
-              <a:rPr lang="en-US" altLang="zh-TW" sz="2000" dirty="0" smtClean="0"/>
-              <a:t>Cross-process data exchange</a:t>
-            </a:r>
-            <a:endParaRPr lang="zh-TW" altLang="en-US" sz="2000" dirty="0"/>
-          </a:p>
-        </p:txBody>
-      </p:sp>
-      <p:sp>
-        <p:nvSpPr>
-          <p:cNvPr id="4" name="投影片編號版面配置區 3"/>
-          <p:cNvSpPr>
-            <a:spLocks noGrp="1"/>
-          </p:cNvSpPr>
-          <p:nvPr>
-            <p:ph type="sldNum" sz="quarter" idx="12"/>
-          </p:nvPr>
-        </p:nvSpPr>
-        <p:spPr/>
-        <p:txBody>
-          <a:bodyPr/>
-          <a:lstStyle/>
-          <a:p>
-            <a:fld id="{61C9D09F-C6A3-454C-A042-D5DAFD494666}" type="slidenum">
-              <a:rPr lang="zh-TW" altLang="en-US" smtClean="0"/>
-              <a:pPr/>
-              <a:t>57</a:t>
-            </a:fld>
-            <a:endParaRPr lang="zh-TW" altLang="en-US"/>
-          </a:p>
-        </p:txBody>
-      </p:sp>
-    </p:spTree>
-  </p:cSld>
-  <p:clrMapOvr>
-    <a:masterClrMapping/>
-  </p:clrMapOvr>
-  <p:timing>
-    <p:tnLst>
-      <p:par>
-        <p:cTn id="1" dur="indefinite" restart="never" nodeType="tmRoot"/>
-      </p:par>
-    </p:tnLst>
-  </p:timing>
-</p:sld>
-</file>
-
-<file path=ppt/slides/slide58.xml><?xml version="1.0" encoding="utf-8"?>
-<p:sld xmlns:a="http://schemas.openxmlformats.org/drawingml/2006/main" xmlns:r="http://schemas.openxmlformats.org/officeDocument/2006/relationships" xmlns:p="http://schemas.openxmlformats.org/presentationml/2006/main">
-  <p:cSld>
-    <p:spTree>
-      <p:nvGrpSpPr>
-        <p:cNvPr id="1" name=""/>
-        <p:cNvGrpSpPr/>
-        <p:nvPr/>
-      </p:nvGrpSpPr>
-      <p:grpSpPr>
-        <a:xfrm>
-          <a:off x="0" y="0"/>
-          <a:ext cx="0" cy="0"/>
-          <a:chOff x="0" y="0"/>
-          <a:chExt cx="0" cy="0"/>
-        </a:xfrm>
-      </p:grpSpPr>
-      <p:sp>
-        <p:nvSpPr>
-          <p:cNvPr id="2" name="標題 1"/>
-          <p:cNvSpPr>
-            <a:spLocks noGrp="1"/>
-          </p:cNvSpPr>
-          <p:nvPr>
-            <p:ph type="title"/>
-          </p:nvPr>
-        </p:nvSpPr>
-        <p:spPr/>
-        <p:txBody>
-          <a:bodyPr/>
-          <a:lstStyle/>
-          <a:p>
-            <a:r>
-              <a:rPr lang="en-US" altLang="zh-TW" dirty="0" smtClean="0"/>
-              <a:t>Reference</a:t>
-            </a:r>
-            <a:endParaRPr lang="zh-TW" altLang="en-US" dirty="0"/>
-          </a:p>
-        </p:txBody>
-      </p:sp>
-      <p:sp>
-        <p:nvSpPr>
-          <p:cNvPr id="3" name="內容版面配置區 2"/>
-          <p:cNvSpPr>
-            <a:spLocks noGrp="1"/>
-          </p:cNvSpPr>
-          <p:nvPr>
-            <p:ph idx="1"/>
-          </p:nvPr>
-        </p:nvSpPr>
-        <p:spPr>
-          <a:xfrm>
-            <a:off x="277688" y="1600200"/>
-            <a:ext cx="8686800" cy="4525963"/>
-          </a:xfrm>
-        </p:spPr>
-        <p:txBody>
-          <a:bodyPr>
-            <a:normAutofit fontScale="92500" lnSpcReduction="20000"/>
-          </a:bodyPr>
-          <a:lstStyle/>
-          <a:p>
-            <a:pPr marL="457200" indent="-457200">
-              <a:buFont typeface="+mj-lt"/>
-              <a:buAutoNum type="arabicPeriod"/>
-            </a:pPr>
-            <a:r>
-              <a:rPr lang="en-US" altLang="zh-TW" sz="2400" dirty="0" smtClean="0"/>
-              <a:t>Android Developer - </a:t>
-            </a:r>
-            <a:r>
-              <a:rPr lang="en-US" altLang="zh-TW" sz="2400" dirty="0" smtClean="0">
-                <a:hlinkClick r:id="rId2"/>
-              </a:rPr>
-              <a:t>http://developer.android.com/develop/index.html</a:t>
-            </a:r>
-            <a:endParaRPr lang="en-US" altLang="zh-TW" sz="2400" dirty="0" smtClean="0"/>
-          </a:p>
-          <a:p>
-            <a:pPr marL="457200" indent="-457200">
-              <a:buFont typeface="+mj-lt"/>
-              <a:buAutoNum type="arabicPeriod"/>
-            </a:pPr>
-            <a:r>
-              <a:rPr lang="en-US" altLang="zh-TW" sz="2400" dirty="0" err="1" smtClean="0"/>
-              <a:t>CodeData</a:t>
-            </a:r>
-            <a:r>
-              <a:rPr lang="en-US" altLang="zh-TW" sz="2400" dirty="0" smtClean="0"/>
-              <a:t> </a:t>
-            </a:r>
-            <a:r>
-              <a:rPr lang="en-US" altLang="zh-TW" sz="2400" dirty="0" smtClean="0"/>
-              <a:t>– </a:t>
-            </a:r>
-          </a:p>
-          <a:p>
-            <a:pPr marL="457200" indent="-457200">
-              <a:buNone/>
-            </a:pPr>
-            <a:r>
-              <a:rPr lang="en-US" altLang="zh-TW" sz="2400" dirty="0" smtClean="0"/>
-              <a:t> </a:t>
-            </a:r>
-            <a:r>
-              <a:rPr lang="en-US" altLang="zh-TW" sz="2400" dirty="0" smtClean="0"/>
-              <a:t>       </a:t>
-            </a:r>
-            <a:r>
-              <a:rPr lang="en-US" altLang="zh-TW" sz="2400" dirty="0" smtClean="0">
-                <a:hlinkClick r:id="rId3"/>
-              </a:rPr>
-              <a:t>http</a:t>
-            </a:r>
-            <a:r>
-              <a:rPr lang="en-US" altLang="zh-TW" sz="2400" dirty="0" smtClean="0">
-                <a:hlinkClick r:id="rId3"/>
-              </a:rPr>
-              <a:t>://www.codedata.com.tw/mobile/android-tutorial-the-2nd-class-2-ui/</a:t>
-            </a:r>
-            <a:endParaRPr lang="en-US" altLang="zh-TW" sz="2400" dirty="0" smtClean="0"/>
-          </a:p>
-          <a:p>
-            <a:pPr marL="457200" indent="-457200">
-              <a:buAutoNum type="arabicPeriod" startAt="3"/>
-            </a:pPr>
-            <a:r>
-              <a:rPr lang="en-US" altLang="zh-TW" sz="2400" dirty="0" smtClean="0"/>
-              <a:t>Activity –</a:t>
-            </a:r>
-          </a:p>
-          <a:p>
-            <a:pPr marL="457200" indent="-457200">
-              <a:buNone/>
-            </a:pPr>
-            <a:r>
-              <a:rPr lang="en-US" altLang="zh-TW" sz="2400" dirty="0" smtClean="0"/>
-              <a:t> </a:t>
-            </a:r>
-            <a:r>
-              <a:rPr lang="en-US" altLang="zh-TW" sz="2400" dirty="0" smtClean="0"/>
-              <a:t>       </a:t>
-            </a:r>
-            <a:r>
-              <a:rPr lang="en-US" altLang="zh-TW" sz="2400" dirty="0" smtClean="0">
-                <a:hlinkClick r:id="rId4"/>
-              </a:rPr>
-              <a:t>http</a:t>
-            </a:r>
-            <a:r>
-              <a:rPr lang="en-US" altLang="zh-TW" sz="2400" dirty="0" smtClean="0">
-                <a:hlinkClick r:id="rId4"/>
-              </a:rPr>
-              <a:t>://blog.csdn.net/xln0130/article/details/6721561</a:t>
-            </a:r>
-            <a:endParaRPr lang="en-US" altLang="zh-TW" sz="2400" dirty="0" smtClean="0"/>
-          </a:p>
-          <a:p>
-            <a:pPr marL="457200" indent="-457200">
-              <a:buNone/>
-            </a:pPr>
-            <a:r>
-              <a:rPr lang="en-US" altLang="zh-TW" sz="2400" dirty="0" smtClean="0"/>
-              <a:t>4.    </a:t>
-            </a:r>
-            <a:r>
-              <a:rPr lang="en-US" altLang="zh-TW" sz="2400" dirty="0" err="1" smtClean="0"/>
-              <a:t>AsyncTask</a:t>
-            </a:r>
-            <a:r>
-              <a:rPr lang="en-US" altLang="zh-TW" sz="2400" dirty="0" smtClean="0"/>
-              <a:t> </a:t>
-            </a:r>
-            <a:r>
-              <a:rPr lang="en-US" altLang="zh-TW" sz="2400" dirty="0" smtClean="0"/>
-              <a:t>-</a:t>
-            </a:r>
-            <a:r>
-              <a:rPr lang="en-US" altLang="zh-TW" sz="2400" dirty="0" smtClean="0">
-                <a:hlinkClick r:id="rId5"/>
-              </a:rPr>
-              <a:t>http://developer.android.com/reference/android/os/AsyncTask.html</a:t>
-            </a:r>
-            <a:endParaRPr lang="en-US" altLang="zh-TW" sz="2400" dirty="0" smtClean="0"/>
-          </a:p>
-          <a:p>
-            <a:pPr marL="457200" indent="-457200">
-              <a:buNone/>
-            </a:pPr>
-            <a:r>
-              <a:rPr lang="en-US" altLang="zh-TW" sz="2400" dirty="0" smtClean="0"/>
-              <a:t>5.    </a:t>
-            </a:r>
-            <a:r>
-              <a:rPr lang="en-US" altLang="zh-TW" sz="2400" dirty="0" err="1" smtClean="0"/>
-              <a:t>Genymotion</a:t>
-            </a:r>
-            <a:r>
-              <a:rPr lang="en-US" altLang="zh-TW" sz="2400" dirty="0" smtClean="0"/>
-              <a:t> </a:t>
-            </a:r>
-            <a:r>
-              <a:rPr lang="en-US" altLang="zh-TW" sz="2400" dirty="0" smtClean="0"/>
-              <a:t>(3</a:t>
-            </a:r>
-            <a:r>
-              <a:rPr lang="en-US" altLang="zh-TW" sz="2400" baseline="30000" dirty="0" smtClean="0"/>
-              <a:t>rd</a:t>
-            </a:r>
-            <a:r>
-              <a:rPr lang="en-US" altLang="zh-TW" sz="2400" dirty="0" smtClean="0"/>
-              <a:t>-party Android Emulator)  -</a:t>
-            </a:r>
-          </a:p>
-          <a:p>
-            <a:pPr>
-              <a:buNone/>
-            </a:pPr>
-            <a:r>
-              <a:rPr lang="en-US" altLang="zh-TW" sz="2400" dirty="0" smtClean="0"/>
-              <a:t>     </a:t>
-            </a:r>
-            <a:r>
-              <a:rPr lang="en-US" altLang="zh-TW" sz="2400" dirty="0" smtClean="0"/>
-              <a:t>  </a:t>
-            </a:r>
-            <a:r>
-              <a:rPr lang="en-US" altLang="zh-TW" sz="2400" dirty="0" smtClean="0">
-                <a:hlinkClick r:id="rId6"/>
-              </a:rPr>
-              <a:t>https</a:t>
-            </a:r>
-            <a:r>
-              <a:rPr lang="en-US" altLang="zh-TW" sz="2400" dirty="0" smtClean="0">
-                <a:hlinkClick r:id="rId6"/>
-              </a:rPr>
-              <a:t>://www.genymotion.com/</a:t>
-            </a:r>
-            <a:endParaRPr lang="en-US" altLang="zh-TW" sz="2400" dirty="0" smtClean="0"/>
-          </a:p>
-          <a:p>
-            <a:pPr marL="457200" indent="-457200">
-              <a:buAutoNum type="arabicPeriod" startAt="6"/>
-            </a:pPr>
-            <a:r>
-              <a:rPr lang="en-US" altLang="zh-TW" sz="2400" dirty="0" smtClean="0"/>
-              <a:t>Android </a:t>
-            </a:r>
-            <a:r>
-              <a:rPr lang="en-US" altLang="zh-TW" sz="2400" dirty="0" smtClean="0"/>
-              <a:t>History </a:t>
-            </a:r>
-            <a:r>
-              <a:rPr lang="en-US" altLang="zh-TW" sz="2400" dirty="0" smtClean="0"/>
-              <a:t>– </a:t>
-            </a:r>
-          </a:p>
-          <a:p>
-            <a:pPr marL="457200" indent="-457200">
-              <a:buNone/>
-            </a:pPr>
-            <a:r>
-              <a:rPr lang="en-US" altLang="zh-TW" sz="2400" dirty="0" smtClean="0"/>
-              <a:t> </a:t>
-            </a:r>
-            <a:r>
-              <a:rPr lang="en-US" altLang="zh-TW" sz="2400" dirty="0" smtClean="0"/>
-              <a:t>      </a:t>
-            </a:r>
-            <a:r>
-              <a:rPr lang="en-US" altLang="zh-TW" sz="2400" dirty="0" smtClean="0">
-                <a:hlinkClick r:id="rId7"/>
-              </a:rPr>
-              <a:t>http</a:t>
-            </a:r>
-            <a:r>
-              <a:rPr lang="en-US" altLang="zh-TW" sz="2400" dirty="0">
-                <a:hlinkClick r:id="rId7"/>
-              </a:rPr>
-              <a:t>://www.xcubelabs.com/images/android-infograph-live.png</a:t>
-            </a:r>
-            <a:endParaRPr lang="en-US" altLang="zh-TW" sz="2400" dirty="0" smtClean="0"/>
-          </a:p>
-          <a:p>
-            <a:endParaRPr lang="zh-TW" altLang="en-US" sz="2400" dirty="0"/>
-          </a:p>
-        </p:txBody>
-      </p:sp>
-      <p:sp>
-        <p:nvSpPr>
-          <p:cNvPr id="4" name="投影片編號版面配置區 3"/>
-          <p:cNvSpPr>
-            <a:spLocks noGrp="1"/>
-          </p:cNvSpPr>
-          <p:nvPr>
-            <p:ph type="sldNum" sz="quarter" idx="12"/>
-          </p:nvPr>
-        </p:nvSpPr>
-        <p:spPr/>
-        <p:txBody>
-          <a:bodyPr/>
-          <a:lstStyle/>
-          <a:p>
-            <a:fld id="{61C9D09F-C6A3-454C-A042-D5DAFD494666}" type="slidenum">
-              <a:rPr lang="zh-TW" altLang="en-US" smtClean="0"/>
-              <a:pPr/>
-              <a:t>58</a:t>
-            </a:fld>
-            <a:endParaRPr lang="zh-TW" altLang="en-US"/>
-          </a:p>
-        </p:txBody>
-      </p:sp>
-    </p:spTree>
-  </p:cSld>
-  <p:clrMapOvr>
-    <a:masterClrMapping/>
-  </p:clrMapOvr>
-  <p:timing>
-    <p:tnLst>
-      <p:par>
-        <p:cTn id="1" dur="indefinite" restart="never" nodeType="tmRoot"/>
-      </p:par>
-    </p:tnLst>
-  </p:timing>
-</p:sld>
-</file>
-
-<file path=ppt/slides/slide59.xml><?xml version="1.0" encoding="utf-8"?>
-<p:sld xmlns:a="http://schemas.openxmlformats.org/drawingml/2006/main" xmlns:r="http://schemas.openxmlformats.org/officeDocument/2006/relationships" xmlns:p="http://schemas.openxmlformats.org/presentationml/2006/main">
-  <p:cSld>
-    <p:spTree>
-      <p:nvGrpSpPr>
-        <p:cNvPr id="1" name=""/>
-        <p:cNvGrpSpPr/>
-        <p:nvPr/>
-      </p:nvGrpSpPr>
-      <p:grpSpPr>
-        <a:xfrm>
-          <a:off x="0" y="0"/>
-          <a:ext cx="0" cy="0"/>
-          <a:chOff x="0" y="0"/>
-          <a:chExt cx="0" cy="0"/>
-        </a:xfrm>
-      </p:grpSpPr>
-      <p:sp>
-        <p:nvSpPr>
-          <p:cNvPr id="3" name="內容版面配置區 2"/>
-          <p:cNvSpPr>
-            <a:spLocks noGrp="1"/>
-          </p:cNvSpPr>
-          <p:nvPr>
-            <p:ph idx="1"/>
-          </p:nvPr>
-        </p:nvSpPr>
-        <p:spPr/>
-        <p:txBody>
-          <a:bodyPr/>
-          <a:lstStyle/>
-          <a:p>
-            <a:pPr algn="ctr">
-              <a:buNone/>
-            </a:pPr>
-            <a:endParaRPr lang="en-US" altLang="zh-TW" dirty="0" smtClean="0"/>
-          </a:p>
-          <a:p>
-            <a:pPr algn="ctr">
-              <a:buNone/>
-            </a:pPr>
-            <a:endParaRPr lang="en-US" altLang="zh-TW" dirty="0" smtClean="0"/>
-          </a:p>
-          <a:p>
-            <a:pPr algn="ctr">
-              <a:buNone/>
-            </a:pPr>
-            <a:endParaRPr lang="en-US" altLang="zh-TW" dirty="0" smtClean="0"/>
-          </a:p>
-          <a:p>
-            <a:pPr algn="ctr">
-              <a:buNone/>
-            </a:pPr>
-            <a:r>
-              <a:rPr lang="en-US" altLang="zh-TW" dirty="0" smtClean="0"/>
-              <a:t>Thank You</a:t>
-            </a:r>
-            <a:endParaRPr lang="zh-TW" altLang="en-US" dirty="0"/>
-          </a:p>
-        </p:txBody>
-      </p:sp>
-      <p:sp>
-        <p:nvSpPr>
-          <p:cNvPr id="4" name="投影片編號版面配置區 3"/>
-          <p:cNvSpPr>
-            <a:spLocks noGrp="1"/>
-          </p:cNvSpPr>
-          <p:nvPr>
-            <p:ph type="sldNum" sz="quarter" idx="12"/>
-          </p:nvPr>
-        </p:nvSpPr>
-        <p:spPr/>
-        <p:txBody>
-          <a:bodyPr/>
-          <a:lstStyle/>
-          <a:p>
-            <a:fld id="{61C9D09F-C6A3-454C-A042-D5DAFD494666}" type="slidenum">
-              <a:rPr lang="zh-TW" altLang="en-US" smtClean="0"/>
-              <a:pPr/>
-              <a:t>59</a:t>
-            </a:fld>
-            <a:endParaRPr lang="zh-TW" altLang="en-US"/>
-          </a:p>
-        </p:txBody>
-      </p:sp>
-    </p:spTree>
-  </p:cSld>
-  <p:clrMapOvr>
-    <a:masterClrMapping/>
-  </p:clrMapOvr>
-  <p:timing>
-    <p:tnLst>
-      <p:par>
-        <p:cTn id="1" dur="indefinite" restart="never" nodeType="tmRoot"/>
-      </p:par>
-    </p:tnLst>
-  </p:timing>
-</p:sld>
-</file>
-
 <file path=ppt/slides/slide6.xml><?xml version="1.0" encoding="utf-8"?>
 <p:sld xmlns:a="http://schemas.openxmlformats.org/drawingml/2006/main" xmlns:r="http://schemas.openxmlformats.org/officeDocument/2006/relationships" xmlns:p="http://schemas.openxmlformats.org/presentationml/2006/main">
   <p:cSld>
@@ -16999,6 +22523,560 @@
           </a:ln>
         </p:spPr>
       </p:pic>
+    </p:spTree>
+  </p:cSld>
+  <p:clrMapOvr>
+    <a:masterClrMapping/>
+  </p:clrMapOvr>
+  <p:timing>
+    <p:tnLst>
+      <p:par>
+        <p:cTn id="1" dur="indefinite" restart="never" nodeType="tmRoot"/>
+      </p:par>
+    </p:tnLst>
+  </p:timing>
+</p:sld>
+</file>
+
+<file path=ppt/slides/slide60.xml><?xml version="1.0" encoding="utf-8"?>
+<p:sld xmlns:a="http://schemas.openxmlformats.org/drawingml/2006/main" xmlns:r="http://schemas.openxmlformats.org/officeDocument/2006/relationships" xmlns:p="http://schemas.openxmlformats.org/presentationml/2006/main">
+  <p:cSld>
+    <p:spTree>
+      <p:nvGrpSpPr>
+        <p:cNvPr id="1" name=""/>
+        <p:cNvGrpSpPr/>
+        <p:nvPr/>
+      </p:nvGrpSpPr>
+      <p:grpSpPr>
+        <a:xfrm>
+          <a:off x="0" y="0"/>
+          <a:ext cx="0" cy="0"/>
+          <a:chOff x="0" y="0"/>
+          <a:chExt cx="0" cy="0"/>
+        </a:xfrm>
+      </p:grpSpPr>
+      <p:sp>
+        <p:nvSpPr>
+          <p:cNvPr id="2" name="標題 1"/>
+          <p:cNvSpPr>
+            <a:spLocks noGrp="1"/>
+          </p:cNvSpPr>
+          <p:nvPr>
+            <p:ph type="title"/>
+          </p:nvPr>
+        </p:nvSpPr>
+        <p:spPr/>
+        <p:txBody>
+          <a:bodyPr/>
+          <a:lstStyle/>
+          <a:p>
+            <a:r>
+              <a:rPr lang="en-US" altLang="zh-TW" dirty="0" smtClean="0"/>
+              <a:t>The other important components</a:t>
+            </a:r>
+            <a:endParaRPr lang="zh-TW" altLang="en-US" dirty="0"/>
+          </a:p>
+        </p:txBody>
+      </p:sp>
+      <p:sp>
+        <p:nvSpPr>
+          <p:cNvPr id="3" name="內容版面配置區 2"/>
+          <p:cNvSpPr>
+            <a:spLocks noGrp="1"/>
+          </p:cNvSpPr>
+          <p:nvPr>
+            <p:ph idx="1"/>
+          </p:nvPr>
+        </p:nvSpPr>
+        <p:spPr/>
+        <p:txBody>
+          <a:bodyPr>
+            <a:normAutofit/>
+          </a:bodyPr>
+          <a:lstStyle/>
+          <a:p>
+            <a:r>
+              <a:rPr lang="en-US" altLang="zh-TW" sz="2300" dirty="0" smtClean="0"/>
+              <a:t>Service</a:t>
+            </a:r>
+          </a:p>
+          <a:p>
+            <a:pPr lvl="1"/>
+            <a:r>
+              <a:rPr lang="en-US" altLang="zh-TW" sz="2000" dirty="0" smtClean="0"/>
+              <a:t>No UI</a:t>
+            </a:r>
+          </a:p>
+          <a:p>
+            <a:pPr lvl="1"/>
+            <a:r>
+              <a:rPr lang="en-US" altLang="zh-TW" sz="2000" dirty="0" smtClean="0"/>
+              <a:t>Always works in the background.</a:t>
+            </a:r>
+          </a:p>
+          <a:p>
+            <a:pPr lvl="1"/>
+            <a:r>
+              <a:rPr lang="en-US" altLang="zh-TW" sz="2000" dirty="0" smtClean="0"/>
+              <a:t>Abstract class</a:t>
+            </a:r>
+          </a:p>
+          <a:p>
+            <a:pPr lvl="1"/>
+            <a:r>
+              <a:rPr lang="en-US" altLang="zh-TW" sz="2000" dirty="0" smtClean="0"/>
+              <a:t>Scenario: Play music, data download….</a:t>
+            </a:r>
+          </a:p>
+          <a:p>
+            <a:r>
+              <a:rPr lang="en-US" altLang="zh-TW" sz="2300" dirty="0" smtClean="0"/>
+              <a:t>Broadcast receiver</a:t>
+            </a:r>
+          </a:p>
+          <a:p>
+            <a:pPr lvl="1"/>
+            <a:r>
+              <a:rPr lang="en-US" altLang="zh-TW" sz="1900" dirty="0" smtClean="0"/>
+              <a:t>An app </a:t>
+            </a:r>
+            <a:r>
+              <a:rPr lang="en-US" altLang="zh-TW" sz="1900" dirty="0" smtClean="0"/>
+              <a:t>send the broadcast to the whole system</a:t>
+            </a:r>
+            <a:r>
+              <a:rPr lang="en-US" altLang="zh-TW" sz="1900" dirty="0" smtClean="0"/>
+              <a:t>.</a:t>
+            </a:r>
+          </a:p>
+          <a:p>
+            <a:pPr lvl="1"/>
+            <a:r>
+              <a:rPr lang="en-US" altLang="zh-TW" sz="1900" dirty="0" smtClean="0"/>
+              <a:t>Others app which register for the broadcast will receive the information.</a:t>
+            </a:r>
+            <a:endParaRPr lang="en-US" altLang="zh-TW" sz="1900" dirty="0" smtClean="0"/>
+          </a:p>
+          <a:p>
+            <a:pPr lvl="1"/>
+            <a:r>
+              <a:rPr lang="en-US" altLang="zh-TW" sz="1900" dirty="0" smtClean="0"/>
+              <a:t>Scenario: Battery level low, Receive email…</a:t>
+            </a:r>
+          </a:p>
+          <a:p>
+            <a:r>
+              <a:rPr lang="en-US" altLang="zh-TW" sz="2300" dirty="0" smtClean="0"/>
+              <a:t>Content Provider</a:t>
+            </a:r>
+          </a:p>
+          <a:p>
+            <a:pPr lvl="1"/>
+            <a:r>
+              <a:rPr lang="en-US" altLang="zh-TW" sz="2000" dirty="0" smtClean="0"/>
+              <a:t>Cross-process data exchange</a:t>
+            </a:r>
+            <a:endParaRPr lang="zh-TW" altLang="en-US" sz="2000" dirty="0"/>
+          </a:p>
+        </p:txBody>
+      </p:sp>
+      <p:sp>
+        <p:nvSpPr>
+          <p:cNvPr id="4" name="投影片編號版面配置區 3"/>
+          <p:cNvSpPr>
+            <a:spLocks noGrp="1"/>
+          </p:cNvSpPr>
+          <p:nvPr>
+            <p:ph type="sldNum" sz="quarter" idx="12"/>
+          </p:nvPr>
+        </p:nvSpPr>
+        <p:spPr/>
+        <p:txBody>
+          <a:bodyPr/>
+          <a:lstStyle/>
+          <a:p>
+            <a:fld id="{61C9D09F-C6A3-454C-A042-D5DAFD494666}" type="slidenum">
+              <a:rPr lang="zh-TW" altLang="en-US" smtClean="0"/>
+              <a:pPr/>
+              <a:t>60</a:t>
+            </a:fld>
+            <a:endParaRPr lang="zh-TW" altLang="en-US"/>
+          </a:p>
+        </p:txBody>
+      </p:sp>
+    </p:spTree>
+  </p:cSld>
+  <p:clrMapOvr>
+    <a:masterClrMapping/>
+  </p:clrMapOvr>
+  <p:timing>
+    <p:tnLst>
+      <p:par>
+        <p:cTn id="1" dur="indefinite" restart="never" nodeType="tmRoot"/>
+      </p:par>
+    </p:tnLst>
+  </p:timing>
+</p:sld>
+</file>
+
+<file path=ppt/slides/slide61.xml><?xml version="1.0" encoding="utf-8"?>
+<p:sld xmlns:a="http://schemas.openxmlformats.org/drawingml/2006/main" xmlns:r="http://schemas.openxmlformats.org/officeDocument/2006/relationships" xmlns:p="http://schemas.openxmlformats.org/presentationml/2006/main">
+  <p:cSld>
+    <p:spTree>
+      <p:nvGrpSpPr>
+        <p:cNvPr id="1" name=""/>
+        <p:cNvGrpSpPr/>
+        <p:nvPr/>
+      </p:nvGrpSpPr>
+      <p:grpSpPr>
+        <a:xfrm>
+          <a:off x="0" y="0"/>
+          <a:ext cx="0" cy="0"/>
+          <a:chOff x="0" y="0"/>
+          <a:chExt cx="0" cy="0"/>
+        </a:xfrm>
+      </p:grpSpPr>
+      <p:sp>
+        <p:nvSpPr>
+          <p:cNvPr id="2" name="標題 1"/>
+          <p:cNvSpPr>
+            <a:spLocks noGrp="1"/>
+          </p:cNvSpPr>
+          <p:nvPr>
+            <p:ph type="title"/>
+          </p:nvPr>
+        </p:nvSpPr>
+        <p:spPr/>
+        <p:txBody>
+          <a:bodyPr/>
+          <a:lstStyle/>
+          <a:p>
+            <a:r>
+              <a:rPr lang="en-US" altLang="zh-TW" dirty="0" smtClean="0"/>
+              <a:t>Reference</a:t>
+            </a:r>
+            <a:endParaRPr lang="zh-TW" altLang="en-US" dirty="0"/>
+          </a:p>
+        </p:txBody>
+      </p:sp>
+      <p:sp>
+        <p:nvSpPr>
+          <p:cNvPr id="3" name="內容版面配置區 2"/>
+          <p:cNvSpPr>
+            <a:spLocks noGrp="1"/>
+          </p:cNvSpPr>
+          <p:nvPr>
+            <p:ph idx="1"/>
+          </p:nvPr>
+        </p:nvSpPr>
+        <p:spPr>
+          <a:xfrm>
+            <a:off x="277688" y="1600200"/>
+            <a:ext cx="8686800" cy="4525963"/>
+          </a:xfrm>
+        </p:spPr>
+        <p:txBody>
+          <a:bodyPr>
+            <a:normAutofit fontScale="92500" lnSpcReduction="20000"/>
+          </a:bodyPr>
+          <a:lstStyle/>
+          <a:p>
+            <a:pPr marL="457200" indent="-457200">
+              <a:buFont typeface="+mj-lt"/>
+              <a:buAutoNum type="arabicPeriod"/>
+            </a:pPr>
+            <a:r>
+              <a:rPr lang="en-US" altLang="zh-TW" sz="2400" dirty="0" smtClean="0"/>
+              <a:t>Android Developer - </a:t>
+            </a:r>
+            <a:r>
+              <a:rPr lang="en-US" altLang="zh-TW" sz="2400" dirty="0" smtClean="0">
+                <a:hlinkClick r:id="rId2"/>
+              </a:rPr>
+              <a:t>http://developer.android.com/develop/index.html</a:t>
+            </a:r>
+            <a:endParaRPr lang="en-US" altLang="zh-TW" sz="2400" dirty="0" smtClean="0"/>
+          </a:p>
+          <a:p>
+            <a:pPr marL="457200" indent="-457200">
+              <a:buFont typeface="+mj-lt"/>
+              <a:buAutoNum type="arabicPeriod"/>
+            </a:pPr>
+            <a:r>
+              <a:rPr lang="en-US" altLang="zh-TW" sz="2400" dirty="0" err="1" smtClean="0"/>
+              <a:t>CodeData</a:t>
+            </a:r>
+            <a:r>
+              <a:rPr lang="en-US" altLang="zh-TW" sz="2400" dirty="0" smtClean="0"/>
+              <a:t> – </a:t>
+            </a:r>
+          </a:p>
+          <a:p>
+            <a:pPr marL="457200" indent="-457200">
+              <a:buNone/>
+            </a:pPr>
+            <a:r>
+              <a:rPr lang="en-US" altLang="zh-TW" sz="2400" dirty="0" smtClean="0"/>
+              <a:t>        </a:t>
+            </a:r>
+            <a:r>
+              <a:rPr lang="en-US" altLang="zh-TW" sz="2400" dirty="0" smtClean="0">
+                <a:hlinkClick r:id="rId3"/>
+              </a:rPr>
+              <a:t>http://www.codedata.com.tw/mobile/android-tutorial-the-2nd-class-2-ui/</a:t>
+            </a:r>
+            <a:endParaRPr lang="en-US" altLang="zh-TW" sz="2400" dirty="0" smtClean="0"/>
+          </a:p>
+          <a:p>
+            <a:pPr marL="457200" indent="-457200">
+              <a:buAutoNum type="arabicPeriod" startAt="3"/>
+            </a:pPr>
+            <a:r>
+              <a:rPr lang="en-US" altLang="zh-TW" sz="2400" dirty="0" smtClean="0"/>
+              <a:t>Activity –</a:t>
+            </a:r>
+          </a:p>
+          <a:p>
+            <a:pPr marL="457200" indent="-457200">
+              <a:buNone/>
+            </a:pPr>
+            <a:r>
+              <a:rPr lang="en-US" altLang="zh-TW" sz="2400" dirty="0" smtClean="0"/>
+              <a:t>        </a:t>
+            </a:r>
+            <a:r>
+              <a:rPr lang="en-US" altLang="zh-TW" sz="2400" dirty="0" smtClean="0">
+                <a:hlinkClick r:id="rId4"/>
+              </a:rPr>
+              <a:t>http://blog.csdn.net/xln0130/article/details/6721561</a:t>
+            </a:r>
+            <a:endParaRPr lang="en-US" altLang="zh-TW" sz="2400" dirty="0" smtClean="0"/>
+          </a:p>
+          <a:p>
+            <a:pPr marL="457200" indent="-457200">
+              <a:buNone/>
+            </a:pPr>
+            <a:r>
+              <a:rPr lang="en-US" altLang="zh-TW" sz="2400" dirty="0" smtClean="0"/>
+              <a:t>4.    </a:t>
+            </a:r>
+            <a:r>
+              <a:rPr lang="en-US" altLang="zh-TW" sz="2400" dirty="0" err="1" smtClean="0"/>
+              <a:t>AsyncTask</a:t>
+            </a:r>
+            <a:r>
+              <a:rPr lang="en-US" altLang="zh-TW" sz="2400" dirty="0" smtClean="0"/>
+              <a:t> -</a:t>
+            </a:r>
+            <a:r>
+              <a:rPr lang="en-US" altLang="zh-TW" sz="2400" dirty="0" smtClean="0">
+                <a:hlinkClick r:id="rId5"/>
+              </a:rPr>
+              <a:t>http://developer.android.com/reference/android/os/AsyncTask.html</a:t>
+            </a:r>
+            <a:endParaRPr lang="en-US" altLang="zh-TW" sz="2400" dirty="0" smtClean="0"/>
+          </a:p>
+          <a:p>
+            <a:pPr marL="457200" indent="-457200">
+              <a:buNone/>
+            </a:pPr>
+            <a:r>
+              <a:rPr lang="en-US" altLang="zh-TW" sz="2400" dirty="0" smtClean="0"/>
+              <a:t>5.    </a:t>
+            </a:r>
+            <a:r>
+              <a:rPr lang="en-US" altLang="zh-TW" sz="2400" dirty="0" err="1" smtClean="0"/>
+              <a:t>Genymotion</a:t>
+            </a:r>
+            <a:r>
+              <a:rPr lang="en-US" altLang="zh-TW" sz="2400" dirty="0" smtClean="0"/>
+              <a:t> (3</a:t>
+            </a:r>
+            <a:r>
+              <a:rPr lang="en-US" altLang="zh-TW" sz="2400" baseline="30000" dirty="0" smtClean="0"/>
+              <a:t>rd</a:t>
+            </a:r>
+            <a:r>
+              <a:rPr lang="en-US" altLang="zh-TW" sz="2400" dirty="0" smtClean="0"/>
+              <a:t>-party Android Emulator)  -</a:t>
+            </a:r>
+          </a:p>
+          <a:p>
+            <a:pPr>
+              <a:buNone/>
+            </a:pPr>
+            <a:r>
+              <a:rPr lang="en-US" altLang="zh-TW" sz="2400" dirty="0" smtClean="0"/>
+              <a:t>       </a:t>
+            </a:r>
+            <a:r>
+              <a:rPr lang="en-US" altLang="zh-TW" sz="2400" dirty="0" smtClean="0">
+                <a:hlinkClick r:id="rId6"/>
+              </a:rPr>
+              <a:t>https://www.genymotion.com/</a:t>
+            </a:r>
+            <a:endParaRPr lang="en-US" altLang="zh-TW" sz="2400" dirty="0" smtClean="0"/>
+          </a:p>
+          <a:p>
+            <a:pPr marL="457200" indent="-457200">
+              <a:buAutoNum type="arabicPeriod" startAt="6"/>
+            </a:pPr>
+            <a:r>
+              <a:rPr lang="en-US" altLang="zh-TW" sz="2400" dirty="0" smtClean="0"/>
+              <a:t>Android History – </a:t>
+            </a:r>
+          </a:p>
+          <a:p>
+            <a:pPr marL="457200" indent="-457200">
+              <a:buNone/>
+            </a:pPr>
+            <a:r>
+              <a:rPr lang="en-US" altLang="zh-TW" sz="2400" dirty="0" smtClean="0"/>
+              <a:t>       </a:t>
+            </a:r>
+            <a:r>
+              <a:rPr lang="en-US" altLang="zh-TW" sz="2400" dirty="0" smtClean="0">
+                <a:hlinkClick r:id="rId7"/>
+              </a:rPr>
+              <a:t>http</a:t>
+            </a:r>
+            <a:r>
+              <a:rPr lang="en-US" altLang="zh-TW" sz="2400" dirty="0">
+                <a:hlinkClick r:id="rId7"/>
+              </a:rPr>
+              <a:t>://www.xcubelabs.com/images/android-infograph-live.png</a:t>
+            </a:r>
+            <a:endParaRPr lang="en-US" altLang="zh-TW" sz="2400" dirty="0" smtClean="0"/>
+          </a:p>
+          <a:p>
+            <a:endParaRPr lang="zh-TW" altLang="en-US" sz="2400" dirty="0"/>
+          </a:p>
+        </p:txBody>
+      </p:sp>
+      <p:sp>
+        <p:nvSpPr>
+          <p:cNvPr id="4" name="投影片編號版面配置區 3"/>
+          <p:cNvSpPr>
+            <a:spLocks noGrp="1"/>
+          </p:cNvSpPr>
+          <p:nvPr>
+            <p:ph type="sldNum" sz="quarter" idx="12"/>
+          </p:nvPr>
+        </p:nvSpPr>
+        <p:spPr/>
+        <p:txBody>
+          <a:bodyPr/>
+          <a:lstStyle/>
+          <a:p>
+            <a:fld id="{61C9D09F-C6A3-454C-A042-D5DAFD494666}" type="slidenum">
+              <a:rPr lang="zh-TW" altLang="en-US" smtClean="0"/>
+              <a:pPr/>
+              <a:t>61</a:t>
+            </a:fld>
+            <a:endParaRPr lang="zh-TW" altLang="en-US"/>
+          </a:p>
+        </p:txBody>
+      </p:sp>
+    </p:spTree>
+  </p:cSld>
+  <p:clrMapOvr>
+    <a:masterClrMapping/>
+  </p:clrMapOvr>
+  <p:timing>
+    <p:tnLst>
+      <p:par>
+        <p:cTn id="1" dur="indefinite" restart="never" nodeType="tmRoot"/>
+      </p:par>
+    </p:tnLst>
+  </p:timing>
+</p:sld>
+</file>
+
+<file path=ppt/slides/slide62.xml><?xml version="1.0" encoding="utf-8"?>
+<p:sld xmlns:a="http://schemas.openxmlformats.org/drawingml/2006/main" xmlns:r="http://schemas.openxmlformats.org/officeDocument/2006/relationships" xmlns:p="http://schemas.openxmlformats.org/presentationml/2006/main">
+  <p:cSld>
+    <p:spTree>
+      <p:nvGrpSpPr>
+        <p:cNvPr id="1" name=""/>
+        <p:cNvGrpSpPr/>
+        <p:nvPr/>
+      </p:nvGrpSpPr>
+      <p:grpSpPr>
+        <a:xfrm>
+          <a:off x="0" y="0"/>
+          <a:ext cx="0" cy="0"/>
+          <a:chOff x="0" y="0"/>
+          <a:chExt cx="0" cy="0"/>
+        </a:xfrm>
+      </p:grpSpPr>
+      <p:sp>
+        <p:nvSpPr>
+          <p:cNvPr id="3" name="內容版面配置區 2"/>
+          <p:cNvSpPr>
+            <a:spLocks noGrp="1"/>
+          </p:cNvSpPr>
+          <p:nvPr>
+            <p:ph idx="1"/>
+          </p:nvPr>
+        </p:nvSpPr>
+        <p:spPr/>
+        <p:txBody>
+          <a:bodyPr/>
+          <a:lstStyle/>
+          <a:p>
+            <a:pPr algn="ctr">
+              <a:buNone/>
+            </a:pPr>
+            <a:endParaRPr lang="en-US" altLang="zh-TW" dirty="0" smtClean="0"/>
+          </a:p>
+          <a:p>
+            <a:pPr algn="ctr">
+              <a:buNone/>
+            </a:pPr>
+            <a:endParaRPr lang="en-US" altLang="zh-TW" dirty="0" smtClean="0"/>
+          </a:p>
+          <a:p>
+            <a:pPr algn="ctr">
+              <a:buNone/>
+            </a:pPr>
+            <a:endParaRPr lang="en-US" altLang="zh-TW" dirty="0" smtClean="0"/>
+          </a:p>
+          <a:p>
+            <a:pPr algn="ctr">
+              <a:buNone/>
+            </a:pPr>
+            <a:r>
+              <a:rPr lang="en-US" altLang="zh-TW" dirty="0" smtClean="0"/>
+              <a:t>Thank You</a:t>
+            </a:r>
+            <a:endParaRPr lang="zh-TW" altLang="en-US" dirty="0"/>
+          </a:p>
+        </p:txBody>
+      </p:sp>
+      <p:sp>
+        <p:nvSpPr>
+          <p:cNvPr id="4" name="投影片編號版面配置區 3"/>
+          <p:cNvSpPr>
+            <a:spLocks noGrp="1"/>
+          </p:cNvSpPr>
+          <p:nvPr>
+            <p:ph type="sldNum" sz="quarter" idx="12"/>
+          </p:nvPr>
+        </p:nvSpPr>
+        <p:spPr/>
+        <p:txBody>
+          <a:bodyPr/>
+          <a:lstStyle/>
+          <a:p>
+            <a:fld id="{61C9D09F-C6A3-454C-A042-D5DAFD494666}" type="slidenum">
+              <a:rPr lang="zh-TW" altLang="en-US" smtClean="0"/>
+              <a:pPr/>
+              <a:t>62</a:t>
+            </a:fld>
+            <a:endParaRPr lang="zh-TW" altLang="en-US"/>
+          </a:p>
+        </p:txBody>
+      </p:sp>
     </p:spTree>
   </p:cSld>
   <p:clrMapOvr>
@@ -17278,7 +23356,7 @@
             </a:pPr>
             <a:r>
               <a:rPr lang="en-US" altLang="zh-TW" sz="2400" dirty="0" smtClean="0"/>
-              <a:t>     of devices in use now</a:t>
+              <a:t>     of devices in use now.</a:t>
             </a:r>
             <a:endParaRPr lang="zh-TW" altLang="en-US" sz="2400" dirty="0"/>
           </a:p>
@@ -17325,7 +23403,7 @@
         </p:blipFill>
         <p:spPr bwMode="auto">
           <a:xfrm>
-            <a:off x="5508104" y="3091296"/>
+            <a:off x="5580112" y="3118680"/>
             <a:ext cx="2808312" cy="3766704"/>
           </a:xfrm>
           <a:prstGeom prst="rect">
@@ -17333,7 +23411,9 @@
           </a:prstGeom>
           <a:noFill/>
           <a:ln w="9525">
-            <a:noFill/>
+            <a:solidFill>
+              <a:srgbClr val="0070C0"/>
+            </a:solidFill>
             <a:miter lim="800000"/>
             <a:headEnd/>
             <a:tailEnd/>
@@ -17399,7 +23479,12 @@
           </a:prstGeom>
           <a:noFill/>
           <a:ln w="9525">
-            <a:noFill/>
+            <a:solidFill>
+              <a:schemeClr val="accent1">
+                <a:lumMod val="60000"/>
+                <a:lumOff val="40000"/>
+              </a:schemeClr>
+            </a:solidFill>
             <a:miter lim="800000"/>
             <a:headEnd/>
             <a:tailEnd/>
@@ -17455,11 +23540,7 @@
           <a:p>
             <a:r>
               <a:rPr lang="en-US" altLang="zh-TW" dirty="0" smtClean="0"/>
-              <a:t>Hello World (</a:t>
-            </a:r>
-            <a:r>
-              <a:rPr lang="en-US" altLang="zh-TW" dirty="0" smtClean="0"/>
-              <a:t>1/9)</a:t>
+              <a:t>Hello World (1/9)</a:t>
             </a:r>
             <a:endParaRPr lang="zh-TW" altLang="en-US" dirty="0"/>
           </a:p>
